--- a/第5章ppt/PowerPoint.pptx
+++ b/第5章ppt/PowerPoint.pptx
@@ -5,7 +5,7 @@
     <p:sldMasterId id="2147483648" r:id="rId1"/>
   </p:sldMasterIdLst>
   <p:notesMasterIdLst>
-    <p:notesMasterId r:id="rId29"/>
+    <p:notesMasterId r:id="rId30"/>
   </p:notesMasterIdLst>
   <p:sldIdLst>
     <p:sldId id="256" r:id="rId2"/>
@@ -35,6 +35,7 @@
     <p:sldId id="281" r:id="rId26"/>
     <p:sldId id="282" r:id="rId27"/>
     <p:sldId id="283" r:id="rId28"/>
+    <p:sldId id="284" r:id="rId29"/>
   </p:sldIdLst>
   <p:sldSz cx="9144000" cy="6858000" type="screen4x3"/>
   <p:notesSz cx="6858000" cy="9144000"/>
@@ -218,7 +219,7 @@
           <a:p>
             <a:fld id="{7358E5FC-B59C-4D32-AB84-63F4B93C2181}" type="datetimeFigureOut">
               <a:rPr lang="zh-CN" altLang="en-US" smtClean="0"/>
-              <a:t>2020/6/9</a:t>
+              <a:t>2020/6/10</a:t>
             </a:fld>
             <a:endParaRPr lang="zh-CN" altLang="en-US"/>
           </a:p>
@@ -751,7 +752,7 @@
           <a:p>
             <a:fld id="{530820CF-B880-4189-942D-D702A7CBA730}" type="datetimeFigureOut">
               <a:rPr lang="zh-CN" altLang="en-US" smtClean="0"/>
-              <a:t>2020/6/9</a:t>
+              <a:t>2020/6/10</a:t>
             </a:fld>
             <a:endParaRPr lang="zh-CN" altLang="en-US"/>
           </a:p>
@@ -916,7 +917,7 @@
           <a:p>
             <a:fld id="{530820CF-B880-4189-942D-D702A7CBA730}" type="datetimeFigureOut">
               <a:rPr lang="zh-CN" altLang="en-US" smtClean="0"/>
-              <a:t>2020/6/9</a:t>
+              <a:t>2020/6/10</a:t>
             </a:fld>
             <a:endParaRPr lang="zh-CN" altLang="en-US"/>
           </a:p>
@@ -1091,7 +1092,7 @@
           <a:p>
             <a:fld id="{530820CF-B880-4189-942D-D702A7CBA730}" type="datetimeFigureOut">
               <a:rPr lang="zh-CN" altLang="en-US" smtClean="0"/>
-              <a:t>2020/6/9</a:t>
+              <a:t>2020/6/10</a:t>
             </a:fld>
             <a:endParaRPr lang="zh-CN" altLang="en-US"/>
           </a:p>
@@ -1256,7 +1257,7 @@
           <a:p>
             <a:fld id="{530820CF-B880-4189-942D-D702A7CBA730}" type="datetimeFigureOut">
               <a:rPr lang="zh-CN" altLang="en-US" smtClean="0"/>
-              <a:t>2020/6/9</a:t>
+              <a:t>2020/6/10</a:t>
             </a:fld>
             <a:endParaRPr lang="zh-CN" altLang="en-US"/>
           </a:p>
@@ -1497,7 +1498,7 @@
           <a:p>
             <a:fld id="{530820CF-B880-4189-942D-D702A7CBA730}" type="datetimeFigureOut">
               <a:rPr lang="zh-CN" altLang="en-US" smtClean="0"/>
-              <a:t>2020/6/9</a:t>
+              <a:t>2020/6/10</a:t>
             </a:fld>
             <a:endParaRPr lang="zh-CN" altLang="en-US"/>
           </a:p>
@@ -1780,7 +1781,7 @@
           <a:p>
             <a:fld id="{530820CF-B880-4189-942D-D702A7CBA730}" type="datetimeFigureOut">
               <a:rPr lang="zh-CN" altLang="en-US" smtClean="0"/>
-              <a:t>2020/6/9</a:t>
+              <a:t>2020/6/10</a:t>
             </a:fld>
             <a:endParaRPr lang="zh-CN" altLang="en-US"/>
           </a:p>
@@ -2197,7 +2198,7 @@
           <a:p>
             <a:fld id="{530820CF-B880-4189-942D-D702A7CBA730}" type="datetimeFigureOut">
               <a:rPr lang="zh-CN" altLang="en-US" smtClean="0"/>
-              <a:t>2020/6/9</a:t>
+              <a:t>2020/6/10</a:t>
             </a:fld>
             <a:endParaRPr lang="zh-CN" altLang="en-US"/>
           </a:p>
@@ -2310,7 +2311,7 @@
           <a:p>
             <a:fld id="{530820CF-B880-4189-942D-D702A7CBA730}" type="datetimeFigureOut">
               <a:rPr lang="zh-CN" altLang="en-US" smtClean="0"/>
-              <a:t>2020/6/9</a:t>
+              <a:t>2020/6/10</a:t>
             </a:fld>
             <a:endParaRPr lang="zh-CN" altLang="en-US"/>
           </a:p>
@@ -2400,7 +2401,7 @@
           <a:p>
             <a:fld id="{530820CF-B880-4189-942D-D702A7CBA730}" type="datetimeFigureOut">
               <a:rPr lang="zh-CN" altLang="en-US" smtClean="0"/>
-              <a:t>2020/6/9</a:t>
+              <a:t>2020/6/10</a:t>
             </a:fld>
             <a:endParaRPr lang="zh-CN" altLang="en-US"/>
           </a:p>
@@ -2672,7 +2673,7 @@
           <a:p>
             <a:fld id="{530820CF-B880-4189-942D-D702A7CBA730}" type="datetimeFigureOut">
               <a:rPr lang="zh-CN" altLang="en-US" smtClean="0"/>
-              <a:t>2020/6/9</a:t>
+              <a:t>2020/6/10</a:t>
             </a:fld>
             <a:endParaRPr lang="zh-CN" altLang="en-US"/>
           </a:p>
@@ -2920,7 +2921,7 @@
           <a:p>
             <a:fld id="{530820CF-B880-4189-942D-D702A7CBA730}" type="datetimeFigureOut">
               <a:rPr lang="zh-CN" altLang="en-US" smtClean="0"/>
-              <a:t>2020/6/9</a:t>
+              <a:t>2020/6/10</a:t>
             </a:fld>
             <a:endParaRPr lang="zh-CN" altLang="en-US"/>
           </a:p>
@@ -3128,7 +3129,7 @@
           <a:p>
             <a:fld id="{530820CF-B880-4189-942D-D702A7CBA730}" type="datetimeFigureOut">
               <a:rPr lang="zh-CN" altLang="en-US" smtClean="0"/>
-              <a:t>2020/6/9</a:t>
+              <a:t>2020/6/10</a:t>
             </a:fld>
             <a:endParaRPr lang="zh-CN" altLang="en-US"/>
           </a:p>
@@ -9066,11 +9067,7 @@
           <a:p>
             <a:r>
               <a:rPr lang="zh-CN" altLang="en-US" dirty="0" smtClean="0"/>
-              <a:t>鼠标放在按钮上时，会显示按钮的说名</a:t>
-            </a:r>
-            <a:r>
-              <a:rPr lang="zh-CN" altLang="en-US" dirty="0" smtClean="0"/>
-              <a:t>。</a:t>
+              <a:t>鼠标放在按钮上时，会显示按钮的说名。</a:t>
             </a:r>
             <a:endParaRPr lang="en-US" altLang="zh-CN" dirty="0" smtClean="0"/>
           </a:p>
@@ -18157,7 +18154,7 @@
           <a:p>
             <a:fld id="{615A674B-DFB4-4BAB-B35D-D815B0010DCC}" type="datetime1">
               <a:rPr lang="zh-CN" altLang="en-US" smtClean="0"/>
-              <a:t>2020/6/9</a:t>
+              <a:t>2020/6/10</a:t>
             </a:fld>
             <a:endParaRPr lang="zh-CN" altLang="en-US"/>
           </a:p>
@@ -19777,6 +19774,427 @@
       <p:bldP spid="28" grpId="0" animBg="1"/>
     </p:bldLst>
   </p:timing>
+</p:sld>
+</file>
+
+<file path=ppt/slides/slide28.xml><?xml version="1.0" encoding="utf-8"?>
+<p:sld xmlns:a="http://schemas.openxmlformats.org/drawingml/2006/main" xmlns:r="http://schemas.openxmlformats.org/officeDocument/2006/relationships" xmlns:p="http://schemas.openxmlformats.org/presentationml/2006/main">
+  <p:cSld>
+    <p:spTree>
+      <p:nvGrpSpPr>
+        <p:cNvPr id="1" name=""/>
+        <p:cNvGrpSpPr/>
+        <p:nvPr/>
+      </p:nvGrpSpPr>
+      <p:grpSpPr>
+        <a:xfrm>
+          <a:off x="0" y="0"/>
+          <a:ext cx="0" cy="0"/>
+          <a:chOff x="0" y="0"/>
+          <a:chExt cx="0" cy="0"/>
+        </a:xfrm>
+      </p:grpSpPr>
+      <p:sp>
+        <p:nvSpPr>
+          <p:cNvPr id="2" name="标题 1"/>
+          <p:cNvSpPr>
+            <a:spLocks noGrp="1"/>
+          </p:cNvSpPr>
+          <p:nvPr>
+            <p:ph type="title"/>
+          </p:nvPr>
+        </p:nvSpPr>
+        <p:spPr>
+          <a:xfrm>
+            <a:off x="457200" y="116632"/>
+            <a:ext cx="8229600" cy="720080"/>
+          </a:xfrm>
+        </p:spPr>
+        <p:txBody>
+          <a:bodyPr>
+            <a:normAutofit fontScale="90000"/>
+          </a:bodyPr>
+          <a:lstStyle/>
+          <a:p>
+            <a:r>
+              <a:rPr lang="en-US" altLang="zh-CN" dirty="0" smtClean="0"/>
+              <a:t>SmartArt</a:t>
+            </a:r>
+            <a:endParaRPr lang="zh-CN" altLang="en-US" dirty="0"/>
+          </a:p>
+        </p:txBody>
+      </p:sp>
+      <p:sp>
+        <p:nvSpPr>
+          <p:cNvPr id="6" name="内容占位符 5"/>
+          <p:cNvSpPr>
+            <a:spLocks noGrp="1"/>
+          </p:cNvSpPr>
+          <p:nvPr>
+            <p:ph idx="1"/>
+          </p:nvPr>
+        </p:nvSpPr>
+        <p:spPr>
+          <a:xfrm>
+            <a:off x="323528" y="1124744"/>
+            <a:ext cx="8229600" cy="820688"/>
+          </a:xfrm>
+        </p:spPr>
+        <p:txBody>
+          <a:bodyPr/>
+          <a:lstStyle/>
+          <a:p>
+            <a:r>
+              <a:rPr lang="zh-CN" altLang="en-US" dirty="0" smtClean="0"/>
+              <a:t>在设计</a:t>
+            </a:r>
+            <a:r>
+              <a:rPr lang="en-US" altLang="zh-CN" dirty="0" smtClean="0"/>
+              <a:t>PPT</a:t>
+            </a:r>
+            <a:r>
+              <a:rPr lang="zh-CN" altLang="en-US" dirty="0" smtClean="0"/>
+              <a:t>内容的时候一般使用层级关系。</a:t>
+            </a:r>
+            <a:endParaRPr lang="zh-CN" altLang="en-US" dirty="0"/>
+          </a:p>
+        </p:txBody>
+      </p:sp>
+      <p:pic>
+        <p:nvPicPr>
+          <p:cNvPr id="7" name="图片 6"/>
+          <p:cNvPicPr>
+            <a:picLocks noChangeAspect="1"/>
+          </p:cNvPicPr>
+          <p:nvPr/>
+        </p:nvPicPr>
+        <p:blipFill>
+          <a:blip r:embed="rId2">
+            <a:extLst>
+              <a:ext uri="{28A0092B-C50C-407E-A947-70E740481C1C}">
+                <a14:useLocalDpi xmlns:a14="http://schemas.microsoft.com/office/drawing/2010/main" val="0"/>
+              </a:ext>
+            </a:extLst>
+          </a:blip>
+          <a:stretch>
+            <a:fillRect/>
+          </a:stretch>
+        </p:blipFill>
+        <p:spPr>
+          <a:xfrm>
+            <a:off x="314629" y="1916832"/>
+            <a:ext cx="5425732" cy="3926607"/>
+          </a:xfrm>
+          <a:prstGeom prst="rect">
+            <a:avLst/>
+          </a:prstGeom>
+        </p:spPr>
+      </p:pic>
+      <p:sp>
+        <p:nvSpPr>
+          <p:cNvPr id="8" name="TextBox 7"/>
+          <p:cNvSpPr txBox="1"/>
+          <p:nvPr/>
+        </p:nvSpPr>
+        <p:spPr>
+          <a:xfrm>
+            <a:off x="2195736" y="2132856"/>
+            <a:ext cx="1728192" cy="432000"/>
+          </a:xfrm>
+          <a:prstGeom prst="rect">
+            <a:avLst/>
+          </a:prstGeom>
+          <a:noFill/>
+          <a:ln w="19050">
+            <a:solidFill>
+              <a:srgbClr val="FF0000"/>
+            </a:solidFill>
+          </a:ln>
+        </p:spPr>
+        <p:txBody>
+          <a:bodyPr wrap="square" rtlCol="0">
+            <a:spAutoFit/>
+          </a:bodyPr>
+          <a:lstStyle/>
+          <a:p>
+            <a:endParaRPr lang="zh-CN" altLang="en-US" dirty="0"/>
+          </a:p>
+        </p:txBody>
+      </p:sp>
+      <p:sp>
+        <p:nvSpPr>
+          <p:cNvPr id="10" name="TextBox 9"/>
+          <p:cNvSpPr txBox="1"/>
+          <p:nvPr/>
+        </p:nvSpPr>
+        <p:spPr>
+          <a:xfrm>
+            <a:off x="492592" y="3170761"/>
+            <a:ext cx="1440160" cy="216000"/>
+          </a:xfrm>
+          <a:prstGeom prst="rect">
+            <a:avLst/>
+          </a:prstGeom>
+          <a:noFill/>
+          <a:ln w="19050">
+            <a:solidFill>
+              <a:srgbClr val="FF0000"/>
+            </a:solidFill>
+          </a:ln>
+        </p:spPr>
+        <p:txBody>
+          <a:bodyPr wrap="square" rtlCol="0">
+            <a:spAutoFit/>
+          </a:bodyPr>
+          <a:lstStyle/>
+          <a:p>
+            <a:endParaRPr lang="zh-CN" altLang="en-US" dirty="0"/>
+          </a:p>
+        </p:txBody>
+      </p:sp>
+      <p:sp>
+        <p:nvSpPr>
+          <p:cNvPr id="13" name="TextBox 12"/>
+          <p:cNvSpPr txBox="1"/>
+          <p:nvPr/>
+        </p:nvSpPr>
+        <p:spPr>
+          <a:xfrm>
+            <a:off x="755576" y="3401137"/>
+            <a:ext cx="4608512" cy="397730"/>
+          </a:xfrm>
+          <a:prstGeom prst="rect">
+            <a:avLst/>
+          </a:prstGeom>
+          <a:noFill/>
+          <a:ln w="19050">
+            <a:solidFill>
+              <a:srgbClr val="FF0000"/>
+            </a:solidFill>
+          </a:ln>
+        </p:spPr>
+        <p:txBody>
+          <a:bodyPr wrap="square" rtlCol="0">
+            <a:spAutoFit/>
+          </a:bodyPr>
+          <a:lstStyle/>
+          <a:p>
+            <a:endParaRPr lang="zh-CN" altLang="en-US" dirty="0"/>
+          </a:p>
+        </p:txBody>
+      </p:sp>
+      <p:cxnSp>
+        <p:nvCxnSpPr>
+          <p:cNvPr id="16" name="直接箭头连接符 15"/>
+          <p:cNvCxnSpPr/>
+          <p:nvPr/>
+        </p:nvCxnSpPr>
+        <p:spPr>
+          <a:xfrm>
+            <a:off x="4084177" y="2344805"/>
+            <a:ext cx="1656184" cy="0"/>
+          </a:xfrm>
+          <a:prstGeom prst="straightConnector1">
+            <a:avLst/>
+          </a:prstGeom>
+          <a:ln w="19050">
+            <a:solidFill>
+              <a:srgbClr val="FF0000"/>
+            </a:solidFill>
+            <a:tailEnd type="arrow"/>
+          </a:ln>
+        </p:spPr>
+        <p:style>
+          <a:lnRef idx="1">
+            <a:schemeClr val="accent1"/>
+          </a:lnRef>
+          <a:fillRef idx="0">
+            <a:schemeClr val="accent1"/>
+          </a:fillRef>
+          <a:effectRef idx="0">
+            <a:schemeClr val="accent1"/>
+          </a:effectRef>
+          <a:fontRef idx="minor">
+            <a:schemeClr val="tx1"/>
+          </a:fontRef>
+        </p:style>
+      </p:cxnSp>
+      <p:sp>
+        <p:nvSpPr>
+          <p:cNvPr id="17" name="TextBox 16"/>
+          <p:cNvSpPr txBox="1"/>
+          <p:nvPr/>
+        </p:nvSpPr>
+        <p:spPr>
+          <a:xfrm>
+            <a:off x="6156176" y="1844824"/>
+            <a:ext cx="2304256" cy="923330"/>
+          </a:xfrm>
+          <a:prstGeom prst="rect">
+            <a:avLst/>
+          </a:prstGeom>
+          <a:noFill/>
+        </p:spPr>
+        <p:txBody>
+          <a:bodyPr wrap="square" rtlCol="0">
+            <a:spAutoFit/>
+          </a:bodyPr>
+          <a:lstStyle/>
+          <a:p>
+            <a:r>
+              <a:rPr lang="zh-CN" altLang="en-US" dirty="0" smtClean="0"/>
+              <a:t>幻灯片标题，表示这张幻灯片要讲的主要内容</a:t>
+            </a:r>
+            <a:endParaRPr lang="zh-CN" altLang="en-US" dirty="0"/>
+          </a:p>
+        </p:txBody>
+      </p:sp>
+      <p:cxnSp>
+        <p:nvCxnSpPr>
+          <p:cNvPr id="18" name="直接箭头连接符 17"/>
+          <p:cNvCxnSpPr/>
+          <p:nvPr/>
+        </p:nvCxnSpPr>
+        <p:spPr>
+          <a:xfrm>
+            <a:off x="2123728" y="3278761"/>
+            <a:ext cx="4032448" cy="0"/>
+          </a:xfrm>
+          <a:prstGeom prst="straightConnector1">
+            <a:avLst/>
+          </a:prstGeom>
+          <a:ln w="19050">
+            <a:solidFill>
+              <a:srgbClr val="FF0000"/>
+            </a:solidFill>
+            <a:tailEnd type="arrow"/>
+          </a:ln>
+        </p:spPr>
+        <p:style>
+          <a:lnRef idx="1">
+            <a:schemeClr val="accent1"/>
+          </a:lnRef>
+          <a:fillRef idx="0">
+            <a:schemeClr val="accent1"/>
+          </a:fillRef>
+          <a:effectRef idx="0">
+            <a:schemeClr val="accent1"/>
+          </a:effectRef>
+          <a:fontRef idx="minor">
+            <a:schemeClr val="tx1"/>
+          </a:fontRef>
+        </p:style>
+      </p:cxnSp>
+      <p:sp>
+        <p:nvSpPr>
+          <p:cNvPr id="21" name="TextBox 20"/>
+          <p:cNvSpPr txBox="1"/>
+          <p:nvPr/>
+        </p:nvSpPr>
+        <p:spPr>
+          <a:xfrm>
+            <a:off x="6228184" y="2926685"/>
+            <a:ext cx="2304256" cy="923330"/>
+          </a:xfrm>
+          <a:prstGeom prst="rect">
+            <a:avLst/>
+          </a:prstGeom>
+          <a:noFill/>
+        </p:spPr>
+        <p:txBody>
+          <a:bodyPr wrap="square" rtlCol="0">
+            <a:spAutoFit/>
+          </a:bodyPr>
+          <a:lstStyle/>
+          <a:p>
+            <a:r>
+              <a:rPr lang="zh-CN" altLang="en-US" dirty="0" smtClean="0"/>
+              <a:t>这些某某战场，是对这张幻灯片标题的讲解</a:t>
+            </a:r>
+            <a:endParaRPr lang="zh-CN" altLang="en-US" dirty="0"/>
+          </a:p>
+        </p:txBody>
+      </p:sp>
+      <p:cxnSp>
+        <p:nvCxnSpPr>
+          <p:cNvPr id="22" name="直接箭头连接符 21"/>
+          <p:cNvCxnSpPr/>
+          <p:nvPr/>
+        </p:nvCxnSpPr>
+        <p:spPr>
+          <a:xfrm>
+            <a:off x="5364088" y="3821996"/>
+            <a:ext cx="864096" cy="615116"/>
+          </a:xfrm>
+          <a:prstGeom prst="straightConnector1">
+            <a:avLst/>
+          </a:prstGeom>
+          <a:ln w="19050">
+            <a:solidFill>
+              <a:srgbClr val="FF0000"/>
+            </a:solidFill>
+            <a:tailEnd type="arrow"/>
+          </a:ln>
+        </p:spPr>
+        <p:style>
+          <a:lnRef idx="1">
+            <a:schemeClr val="accent1"/>
+          </a:lnRef>
+          <a:fillRef idx="0">
+            <a:schemeClr val="accent1"/>
+          </a:fillRef>
+          <a:effectRef idx="0">
+            <a:schemeClr val="accent1"/>
+          </a:effectRef>
+          <a:fontRef idx="minor">
+            <a:schemeClr val="tx1"/>
+          </a:fontRef>
+        </p:style>
+      </p:cxnSp>
+      <p:sp>
+        <p:nvSpPr>
+          <p:cNvPr id="25" name="TextBox 24"/>
+          <p:cNvSpPr txBox="1"/>
+          <p:nvPr/>
+        </p:nvSpPr>
+        <p:spPr>
+          <a:xfrm>
+            <a:off x="6300192" y="4189730"/>
+            <a:ext cx="2304256" cy="1200329"/>
+          </a:xfrm>
+          <a:prstGeom prst="rect">
+            <a:avLst/>
+          </a:prstGeom>
+          <a:noFill/>
+        </p:spPr>
+        <p:txBody>
+          <a:bodyPr wrap="square" rtlCol="0">
+            <a:spAutoFit/>
+          </a:bodyPr>
+          <a:lstStyle/>
+          <a:p>
+            <a:r>
+              <a:rPr lang="zh-CN" altLang="en-US" dirty="0"/>
+              <a:t>这</a:t>
+            </a:r>
+            <a:r>
+              <a:rPr lang="zh-CN" altLang="en-US" dirty="0" smtClean="0"/>
+              <a:t>是二级文本，是对其上级文本的描述，例如这里二级文本是对西欧战场的讲解</a:t>
+            </a:r>
+            <a:endParaRPr lang="zh-CN" altLang="en-US" dirty="0"/>
+          </a:p>
+        </p:txBody>
+      </p:sp>
+    </p:spTree>
+    <p:extLst>
+      <p:ext uri="{BB962C8B-B14F-4D97-AF65-F5344CB8AC3E}">
+        <p14:creationId xmlns:p14="http://schemas.microsoft.com/office/powerpoint/2010/main" val="867554529"/>
+      </p:ext>
+    </p:extLst>
+  </p:cSld>
+  <p:clrMapOvr>
+    <a:masterClrMapping/>
+  </p:clrMapOvr>
 </p:sld>
 </file>
 

--- a/第5章ppt/PowerPoint.pptx
+++ b/第5章ppt/PowerPoint.pptx
@@ -5,7 +5,7 @@
     <p:sldMasterId id="2147483648" r:id="rId1"/>
   </p:sldMasterIdLst>
   <p:notesMasterIdLst>
-    <p:notesMasterId r:id="rId30"/>
+    <p:notesMasterId r:id="rId41"/>
   </p:notesMasterIdLst>
   <p:sldIdLst>
     <p:sldId id="256" r:id="rId2"/>
@@ -36,6 +36,17 @@
     <p:sldId id="282" r:id="rId27"/>
     <p:sldId id="283" r:id="rId28"/>
     <p:sldId id="284" r:id="rId29"/>
+    <p:sldId id="285" r:id="rId30"/>
+    <p:sldId id="286" r:id="rId31"/>
+    <p:sldId id="287" r:id="rId32"/>
+    <p:sldId id="288" r:id="rId33"/>
+    <p:sldId id="289" r:id="rId34"/>
+    <p:sldId id="290" r:id="rId35"/>
+    <p:sldId id="291" r:id="rId36"/>
+    <p:sldId id="292" r:id="rId37"/>
+    <p:sldId id="293" r:id="rId38"/>
+    <p:sldId id="295" r:id="rId39"/>
+    <p:sldId id="294" r:id="rId40"/>
   </p:sldIdLst>
   <p:sldSz cx="9144000" cy="6858000" type="screen4x3"/>
   <p:notesSz cx="6858000" cy="9144000"/>
@@ -19806,7 +19817,7 @@
         </p:nvSpPr>
         <p:spPr>
           <a:xfrm>
-            <a:off x="457200" y="116632"/>
+            <a:off x="480225" y="0"/>
             <a:ext cx="8229600" cy="720080"/>
           </a:xfrm>
         </p:spPr>
@@ -19817,8 +19828,8 @@
           <a:lstStyle/>
           <a:p>
             <a:r>
-              <a:rPr lang="en-US" altLang="zh-CN" dirty="0" smtClean="0"/>
-              <a:t>SmartArt</a:t>
+              <a:rPr lang="zh-CN" altLang="en-US" dirty="0" smtClean="0"/>
+              <a:t>层级关系</a:t>
             </a:r>
             <a:endParaRPr lang="zh-CN" altLang="en-US" dirty="0"/>
           </a:p>
@@ -19836,12 +19847,14 @@
         </p:nvSpPr>
         <p:spPr>
           <a:xfrm>
-            <a:off x="323528" y="1124744"/>
-            <a:ext cx="8229600" cy="820688"/>
+            <a:off x="323528" y="764704"/>
+            <a:ext cx="8496944" cy="1008112"/>
           </a:xfrm>
         </p:spPr>
         <p:txBody>
-          <a:bodyPr/>
+          <a:bodyPr>
+            <a:normAutofit fontScale="62500" lnSpcReduction="20000"/>
+          </a:bodyPr>
           <a:lstStyle/>
           <a:p>
             <a:r>
@@ -19854,7 +19867,45 @@
             </a:r>
             <a:r>
               <a:rPr lang="zh-CN" altLang="en-US" dirty="0" smtClean="0"/>
-              <a:t>内容的时候一般使用层级关系。</a:t>
+              <a:t>内容大纲的</a:t>
+            </a:r>
+            <a:r>
+              <a:rPr lang="zh-CN" altLang="en-US" dirty="0" smtClean="0"/>
+              <a:t>时候一般使用层级关系</a:t>
+            </a:r>
+            <a:r>
+              <a:rPr lang="zh-CN" altLang="en-US" dirty="0" smtClean="0"/>
+              <a:t>。</a:t>
+            </a:r>
+            <a:endParaRPr lang="en-US" altLang="zh-CN" dirty="0" smtClean="0"/>
+          </a:p>
+          <a:p>
+            <a:r>
+              <a:rPr lang="zh-CN" altLang="en-US" dirty="0" smtClean="0"/>
+              <a:t>比如做一个讲二战的</a:t>
+            </a:r>
+            <a:r>
+              <a:rPr lang="en-US" altLang="zh-CN" dirty="0" smtClean="0"/>
+              <a:t>PPT</a:t>
+            </a:r>
+            <a:r>
+              <a:rPr lang="zh-CN" altLang="en-US" dirty="0" smtClean="0"/>
+              <a:t>，先利用层级关系规划每张</a:t>
+            </a:r>
+            <a:r>
+              <a:rPr lang="zh-CN" altLang="en-US" dirty="0"/>
+              <a:t>幻灯片</a:t>
+            </a:r>
+            <a:r>
+              <a:rPr lang="zh-CN" altLang="en-US" dirty="0" smtClean="0"/>
+              <a:t>要讲什么。</a:t>
+            </a:r>
+            <a:endParaRPr lang="en-US" altLang="zh-CN" dirty="0" smtClean="0"/>
+          </a:p>
+          <a:p>
+            <a:r>
+              <a:rPr lang="zh-CN" altLang="en-US" dirty="0" smtClean="0"/>
+              <a:t>例如这张讲主要战场的幻灯片</a:t>
             </a:r>
             <a:endParaRPr lang="zh-CN" altLang="en-US" dirty="0"/>
           </a:p>
@@ -20185,6 +20236,37 @@
           </a:p>
         </p:txBody>
       </p:sp>
+      <p:sp>
+        <p:nvSpPr>
+          <p:cNvPr id="14" name="TextBox 13"/>
+          <p:cNvSpPr txBox="1"/>
+          <p:nvPr/>
+        </p:nvSpPr>
+        <p:spPr>
+          <a:xfrm>
+            <a:off x="480225" y="6042661"/>
+            <a:ext cx="7781014" cy="369332"/>
+          </a:xfrm>
+          <a:prstGeom prst="rect">
+            <a:avLst/>
+          </a:prstGeom>
+          <a:noFill/>
+        </p:spPr>
+        <p:txBody>
+          <a:bodyPr wrap="square" rtlCol="0">
+            <a:spAutoFit/>
+          </a:bodyPr>
+          <a:lstStyle/>
+          <a:p>
+            <a:pPr algn="ctr"/>
+            <a:r>
+              <a:rPr lang="zh-CN" altLang="en-US" dirty="0" smtClean="0"/>
+              <a:t>除了二级以外，文本还有三级、四级、五级。</a:t>
+            </a:r>
+            <a:endParaRPr lang="zh-CN" altLang="en-US" dirty="0"/>
+          </a:p>
+        </p:txBody>
+      </p:sp>
     </p:spTree>
     <p:extLst>
       <p:ext uri="{BB962C8B-B14F-4D97-AF65-F5344CB8AC3E}">
@@ -20195,6 +20277,2617 @@
   <p:clrMapOvr>
     <a:masterClrMapping/>
   </p:clrMapOvr>
+  <p:timing>
+    <p:tnLst>
+      <p:par>
+        <p:cTn id="1" dur="indefinite" restart="never" nodeType="tmRoot">
+          <p:childTnLst>
+            <p:seq concurrent="1" nextAc="seek">
+              <p:cTn id="2" dur="indefinite" nodeType="mainSeq">
+                <p:childTnLst>
+                  <p:par>
+                    <p:cTn id="3" fill="hold">
+                      <p:stCondLst>
+                        <p:cond delay="indefinite"/>
+                      </p:stCondLst>
+                      <p:childTnLst>
+                        <p:par>
+                          <p:cTn id="4" fill="hold">
+                            <p:stCondLst>
+                              <p:cond delay="0"/>
+                            </p:stCondLst>
+                            <p:childTnLst>
+                              <p:par>
+                                <p:cTn id="5" presetID="10" presetClass="entr" presetSubtype="0" fill="hold" grpId="0" nodeType="clickEffect">
+                                  <p:stCondLst>
+                                    <p:cond delay="0"/>
+                                  </p:stCondLst>
+                                  <p:childTnLst>
+                                    <p:set>
+                                      <p:cBhvr>
+                                        <p:cTn id="6" dur="1" fill="hold">
+                                          <p:stCondLst>
+                                            <p:cond delay="0"/>
+                                          </p:stCondLst>
+                                        </p:cTn>
+                                        <p:tgtEl>
+                                          <p:spTgt spid="6">
+                                            <p:txEl>
+                                              <p:pRg st="0" end="0"/>
+                                            </p:txEl>
+                                          </p:spTgt>
+                                        </p:tgtEl>
+                                        <p:attrNameLst>
+                                          <p:attrName>style.visibility</p:attrName>
+                                        </p:attrNameLst>
+                                      </p:cBhvr>
+                                      <p:to>
+                                        <p:strVal val="visible"/>
+                                      </p:to>
+                                    </p:set>
+                                    <p:animEffect transition="in" filter="fade">
+                                      <p:cBhvr>
+                                        <p:cTn id="7" dur="500"/>
+                                        <p:tgtEl>
+                                          <p:spTgt spid="6">
+                                            <p:txEl>
+                                              <p:pRg st="0" end="0"/>
+                                            </p:txEl>
+                                          </p:spTgt>
+                                        </p:tgtEl>
+                                      </p:cBhvr>
+                                    </p:animEffect>
+                                  </p:childTnLst>
+                                </p:cTn>
+                              </p:par>
+                            </p:childTnLst>
+                          </p:cTn>
+                        </p:par>
+                      </p:childTnLst>
+                    </p:cTn>
+                  </p:par>
+                  <p:par>
+                    <p:cTn id="8" fill="hold">
+                      <p:stCondLst>
+                        <p:cond delay="indefinite"/>
+                      </p:stCondLst>
+                      <p:childTnLst>
+                        <p:par>
+                          <p:cTn id="9" fill="hold">
+                            <p:stCondLst>
+                              <p:cond delay="0"/>
+                            </p:stCondLst>
+                            <p:childTnLst>
+                              <p:par>
+                                <p:cTn id="10" presetID="10" presetClass="entr" presetSubtype="0" fill="hold" grpId="0" nodeType="clickEffect">
+                                  <p:stCondLst>
+                                    <p:cond delay="0"/>
+                                  </p:stCondLst>
+                                  <p:childTnLst>
+                                    <p:set>
+                                      <p:cBhvr>
+                                        <p:cTn id="11" dur="1" fill="hold">
+                                          <p:stCondLst>
+                                            <p:cond delay="0"/>
+                                          </p:stCondLst>
+                                        </p:cTn>
+                                        <p:tgtEl>
+                                          <p:spTgt spid="6">
+                                            <p:txEl>
+                                              <p:pRg st="1" end="1"/>
+                                            </p:txEl>
+                                          </p:spTgt>
+                                        </p:tgtEl>
+                                        <p:attrNameLst>
+                                          <p:attrName>style.visibility</p:attrName>
+                                        </p:attrNameLst>
+                                      </p:cBhvr>
+                                      <p:to>
+                                        <p:strVal val="visible"/>
+                                      </p:to>
+                                    </p:set>
+                                    <p:animEffect transition="in" filter="fade">
+                                      <p:cBhvr>
+                                        <p:cTn id="12" dur="500"/>
+                                        <p:tgtEl>
+                                          <p:spTgt spid="6">
+                                            <p:txEl>
+                                              <p:pRg st="1" end="1"/>
+                                            </p:txEl>
+                                          </p:spTgt>
+                                        </p:tgtEl>
+                                      </p:cBhvr>
+                                    </p:animEffect>
+                                  </p:childTnLst>
+                                </p:cTn>
+                              </p:par>
+                            </p:childTnLst>
+                          </p:cTn>
+                        </p:par>
+                      </p:childTnLst>
+                    </p:cTn>
+                  </p:par>
+                  <p:par>
+                    <p:cTn id="13" fill="hold">
+                      <p:stCondLst>
+                        <p:cond delay="indefinite"/>
+                      </p:stCondLst>
+                      <p:childTnLst>
+                        <p:par>
+                          <p:cTn id="14" fill="hold">
+                            <p:stCondLst>
+                              <p:cond delay="0"/>
+                            </p:stCondLst>
+                            <p:childTnLst>
+                              <p:par>
+                                <p:cTn id="15" presetID="10" presetClass="entr" presetSubtype="0" fill="hold" grpId="0" nodeType="clickEffect">
+                                  <p:stCondLst>
+                                    <p:cond delay="0"/>
+                                  </p:stCondLst>
+                                  <p:childTnLst>
+                                    <p:set>
+                                      <p:cBhvr>
+                                        <p:cTn id="16" dur="1" fill="hold">
+                                          <p:stCondLst>
+                                            <p:cond delay="0"/>
+                                          </p:stCondLst>
+                                        </p:cTn>
+                                        <p:tgtEl>
+                                          <p:spTgt spid="6">
+                                            <p:txEl>
+                                              <p:pRg st="2" end="2"/>
+                                            </p:txEl>
+                                          </p:spTgt>
+                                        </p:tgtEl>
+                                        <p:attrNameLst>
+                                          <p:attrName>style.visibility</p:attrName>
+                                        </p:attrNameLst>
+                                      </p:cBhvr>
+                                      <p:to>
+                                        <p:strVal val="visible"/>
+                                      </p:to>
+                                    </p:set>
+                                    <p:animEffect transition="in" filter="fade">
+                                      <p:cBhvr>
+                                        <p:cTn id="17" dur="500"/>
+                                        <p:tgtEl>
+                                          <p:spTgt spid="6">
+                                            <p:txEl>
+                                              <p:pRg st="2" end="2"/>
+                                            </p:txEl>
+                                          </p:spTgt>
+                                        </p:tgtEl>
+                                      </p:cBhvr>
+                                    </p:animEffect>
+                                  </p:childTnLst>
+                                </p:cTn>
+                              </p:par>
+                            </p:childTnLst>
+                          </p:cTn>
+                        </p:par>
+                      </p:childTnLst>
+                    </p:cTn>
+                  </p:par>
+                  <p:par>
+                    <p:cTn id="18" fill="hold">
+                      <p:stCondLst>
+                        <p:cond delay="indefinite"/>
+                      </p:stCondLst>
+                      <p:childTnLst>
+                        <p:par>
+                          <p:cTn id="19" fill="hold">
+                            <p:stCondLst>
+                              <p:cond delay="0"/>
+                            </p:stCondLst>
+                            <p:childTnLst>
+                              <p:par>
+                                <p:cTn id="20" presetID="10" presetClass="entr" presetSubtype="0" fill="hold" nodeType="clickEffect">
+                                  <p:stCondLst>
+                                    <p:cond delay="0"/>
+                                  </p:stCondLst>
+                                  <p:childTnLst>
+                                    <p:set>
+                                      <p:cBhvr>
+                                        <p:cTn id="21" dur="1" fill="hold">
+                                          <p:stCondLst>
+                                            <p:cond delay="0"/>
+                                          </p:stCondLst>
+                                        </p:cTn>
+                                        <p:tgtEl>
+                                          <p:spTgt spid="7"/>
+                                        </p:tgtEl>
+                                        <p:attrNameLst>
+                                          <p:attrName>style.visibility</p:attrName>
+                                        </p:attrNameLst>
+                                      </p:cBhvr>
+                                      <p:to>
+                                        <p:strVal val="visible"/>
+                                      </p:to>
+                                    </p:set>
+                                    <p:animEffect transition="in" filter="fade">
+                                      <p:cBhvr>
+                                        <p:cTn id="22" dur="500"/>
+                                        <p:tgtEl>
+                                          <p:spTgt spid="7"/>
+                                        </p:tgtEl>
+                                      </p:cBhvr>
+                                    </p:animEffect>
+                                  </p:childTnLst>
+                                </p:cTn>
+                              </p:par>
+                            </p:childTnLst>
+                          </p:cTn>
+                        </p:par>
+                      </p:childTnLst>
+                    </p:cTn>
+                  </p:par>
+                  <p:par>
+                    <p:cTn id="23" fill="hold">
+                      <p:stCondLst>
+                        <p:cond delay="indefinite"/>
+                      </p:stCondLst>
+                      <p:childTnLst>
+                        <p:par>
+                          <p:cTn id="24" fill="hold">
+                            <p:stCondLst>
+                              <p:cond delay="0"/>
+                            </p:stCondLst>
+                            <p:childTnLst>
+                              <p:par>
+                                <p:cTn id="25" presetID="10" presetClass="entr" presetSubtype="0" fill="hold" grpId="0" nodeType="clickEffect">
+                                  <p:stCondLst>
+                                    <p:cond delay="0"/>
+                                  </p:stCondLst>
+                                  <p:childTnLst>
+                                    <p:set>
+                                      <p:cBhvr>
+                                        <p:cTn id="26" dur="1" fill="hold">
+                                          <p:stCondLst>
+                                            <p:cond delay="0"/>
+                                          </p:stCondLst>
+                                        </p:cTn>
+                                        <p:tgtEl>
+                                          <p:spTgt spid="8"/>
+                                        </p:tgtEl>
+                                        <p:attrNameLst>
+                                          <p:attrName>style.visibility</p:attrName>
+                                        </p:attrNameLst>
+                                      </p:cBhvr>
+                                      <p:to>
+                                        <p:strVal val="visible"/>
+                                      </p:to>
+                                    </p:set>
+                                    <p:animEffect transition="in" filter="fade">
+                                      <p:cBhvr>
+                                        <p:cTn id="27" dur="500"/>
+                                        <p:tgtEl>
+                                          <p:spTgt spid="8"/>
+                                        </p:tgtEl>
+                                      </p:cBhvr>
+                                    </p:animEffect>
+                                  </p:childTnLst>
+                                </p:cTn>
+                              </p:par>
+                            </p:childTnLst>
+                          </p:cTn>
+                        </p:par>
+                      </p:childTnLst>
+                    </p:cTn>
+                  </p:par>
+                  <p:par>
+                    <p:cTn id="28" fill="hold">
+                      <p:stCondLst>
+                        <p:cond delay="indefinite"/>
+                      </p:stCondLst>
+                      <p:childTnLst>
+                        <p:par>
+                          <p:cTn id="29" fill="hold">
+                            <p:stCondLst>
+                              <p:cond delay="0"/>
+                            </p:stCondLst>
+                            <p:childTnLst>
+                              <p:par>
+                                <p:cTn id="30" presetID="10" presetClass="entr" presetSubtype="0" fill="hold" nodeType="clickEffect">
+                                  <p:stCondLst>
+                                    <p:cond delay="0"/>
+                                  </p:stCondLst>
+                                  <p:childTnLst>
+                                    <p:set>
+                                      <p:cBhvr>
+                                        <p:cTn id="31" dur="1" fill="hold">
+                                          <p:stCondLst>
+                                            <p:cond delay="0"/>
+                                          </p:stCondLst>
+                                        </p:cTn>
+                                        <p:tgtEl>
+                                          <p:spTgt spid="16"/>
+                                        </p:tgtEl>
+                                        <p:attrNameLst>
+                                          <p:attrName>style.visibility</p:attrName>
+                                        </p:attrNameLst>
+                                      </p:cBhvr>
+                                      <p:to>
+                                        <p:strVal val="visible"/>
+                                      </p:to>
+                                    </p:set>
+                                    <p:animEffect transition="in" filter="fade">
+                                      <p:cBhvr>
+                                        <p:cTn id="32" dur="500"/>
+                                        <p:tgtEl>
+                                          <p:spTgt spid="16"/>
+                                        </p:tgtEl>
+                                      </p:cBhvr>
+                                    </p:animEffect>
+                                  </p:childTnLst>
+                                </p:cTn>
+                              </p:par>
+                            </p:childTnLst>
+                          </p:cTn>
+                        </p:par>
+                      </p:childTnLst>
+                    </p:cTn>
+                  </p:par>
+                  <p:par>
+                    <p:cTn id="33" fill="hold">
+                      <p:stCondLst>
+                        <p:cond delay="indefinite"/>
+                      </p:stCondLst>
+                      <p:childTnLst>
+                        <p:par>
+                          <p:cTn id="34" fill="hold">
+                            <p:stCondLst>
+                              <p:cond delay="0"/>
+                            </p:stCondLst>
+                            <p:childTnLst>
+                              <p:par>
+                                <p:cTn id="35" presetID="10" presetClass="entr" presetSubtype="0" fill="hold" grpId="0" nodeType="clickEffect">
+                                  <p:stCondLst>
+                                    <p:cond delay="0"/>
+                                  </p:stCondLst>
+                                  <p:childTnLst>
+                                    <p:set>
+                                      <p:cBhvr>
+                                        <p:cTn id="36" dur="1" fill="hold">
+                                          <p:stCondLst>
+                                            <p:cond delay="0"/>
+                                          </p:stCondLst>
+                                        </p:cTn>
+                                        <p:tgtEl>
+                                          <p:spTgt spid="17"/>
+                                        </p:tgtEl>
+                                        <p:attrNameLst>
+                                          <p:attrName>style.visibility</p:attrName>
+                                        </p:attrNameLst>
+                                      </p:cBhvr>
+                                      <p:to>
+                                        <p:strVal val="visible"/>
+                                      </p:to>
+                                    </p:set>
+                                    <p:animEffect transition="in" filter="fade">
+                                      <p:cBhvr>
+                                        <p:cTn id="37" dur="500"/>
+                                        <p:tgtEl>
+                                          <p:spTgt spid="17"/>
+                                        </p:tgtEl>
+                                      </p:cBhvr>
+                                    </p:animEffect>
+                                  </p:childTnLst>
+                                </p:cTn>
+                              </p:par>
+                            </p:childTnLst>
+                          </p:cTn>
+                        </p:par>
+                      </p:childTnLst>
+                    </p:cTn>
+                  </p:par>
+                  <p:par>
+                    <p:cTn id="38" fill="hold">
+                      <p:stCondLst>
+                        <p:cond delay="indefinite"/>
+                      </p:stCondLst>
+                      <p:childTnLst>
+                        <p:par>
+                          <p:cTn id="39" fill="hold">
+                            <p:stCondLst>
+                              <p:cond delay="0"/>
+                            </p:stCondLst>
+                            <p:childTnLst>
+                              <p:par>
+                                <p:cTn id="40" presetID="10" presetClass="entr" presetSubtype="0" fill="hold" grpId="0" nodeType="clickEffect">
+                                  <p:stCondLst>
+                                    <p:cond delay="0"/>
+                                  </p:stCondLst>
+                                  <p:childTnLst>
+                                    <p:set>
+                                      <p:cBhvr>
+                                        <p:cTn id="41" dur="1" fill="hold">
+                                          <p:stCondLst>
+                                            <p:cond delay="0"/>
+                                          </p:stCondLst>
+                                        </p:cTn>
+                                        <p:tgtEl>
+                                          <p:spTgt spid="10"/>
+                                        </p:tgtEl>
+                                        <p:attrNameLst>
+                                          <p:attrName>style.visibility</p:attrName>
+                                        </p:attrNameLst>
+                                      </p:cBhvr>
+                                      <p:to>
+                                        <p:strVal val="visible"/>
+                                      </p:to>
+                                    </p:set>
+                                    <p:animEffect transition="in" filter="fade">
+                                      <p:cBhvr>
+                                        <p:cTn id="42" dur="500"/>
+                                        <p:tgtEl>
+                                          <p:spTgt spid="10"/>
+                                        </p:tgtEl>
+                                      </p:cBhvr>
+                                    </p:animEffect>
+                                  </p:childTnLst>
+                                </p:cTn>
+                              </p:par>
+                            </p:childTnLst>
+                          </p:cTn>
+                        </p:par>
+                      </p:childTnLst>
+                    </p:cTn>
+                  </p:par>
+                  <p:par>
+                    <p:cTn id="43" fill="hold">
+                      <p:stCondLst>
+                        <p:cond delay="indefinite"/>
+                      </p:stCondLst>
+                      <p:childTnLst>
+                        <p:par>
+                          <p:cTn id="44" fill="hold">
+                            <p:stCondLst>
+                              <p:cond delay="0"/>
+                            </p:stCondLst>
+                            <p:childTnLst>
+                              <p:par>
+                                <p:cTn id="45" presetID="10" presetClass="entr" presetSubtype="0" fill="hold" nodeType="clickEffect">
+                                  <p:stCondLst>
+                                    <p:cond delay="0"/>
+                                  </p:stCondLst>
+                                  <p:childTnLst>
+                                    <p:set>
+                                      <p:cBhvr>
+                                        <p:cTn id="46" dur="1" fill="hold">
+                                          <p:stCondLst>
+                                            <p:cond delay="0"/>
+                                          </p:stCondLst>
+                                        </p:cTn>
+                                        <p:tgtEl>
+                                          <p:spTgt spid="18"/>
+                                        </p:tgtEl>
+                                        <p:attrNameLst>
+                                          <p:attrName>style.visibility</p:attrName>
+                                        </p:attrNameLst>
+                                      </p:cBhvr>
+                                      <p:to>
+                                        <p:strVal val="visible"/>
+                                      </p:to>
+                                    </p:set>
+                                    <p:animEffect transition="in" filter="fade">
+                                      <p:cBhvr>
+                                        <p:cTn id="47" dur="500"/>
+                                        <p:tgtEl>
+                                          <p:spTgt spid="18"/>
+                                        </p:tgtEl>
+                                      </p:cBhvr>
+                                    </p:animEffect>
+                                  </p:childTnLst>
+                                </p:cTn>
+                              </p:par>
+                            </p:childTnLst>
+                          </p:cTn>
+                        </p:par>
+                      </p:childTnLst>
+                    </p:cTn>
+                  </p:par>
+                  <p:par>
+                    <p:cTn id="48" fill="hold">
+                      <p:stCondLst>
+                        <p:cond delay="indefinite"/>
+                      </p:stCondLst>
+                      <p:childTnLst>
+                        <p:par>
+                          <p:cTn id="49" fill="hold">
+                            <p:stCondLst>
+                              <p:cond delay="0"/>
+                            </p:stCondLst>
+                            <p:childTnLst>
+                              <p:par>
+                                <p:cTn id="50" presetID="10" presetClass="entr" presetSubtype="0" fill="hold" grpId="0" nodeType="clickEffect">
+                                  <p:stCondLst>
+                                    <p:cond delay="0"/>
+                                  </p:stCondLst>
+                                  <p:childTnLst>
+                                    <p:set>
+                                      <p:cBhvr>
+                                        <p:cTn id="51" dur="1" fill="hold">
+                                          <p:stCondLst>
+                                            <p:cond delay="0"/>
+                                          </p:stCondLst>
+                                        </p:cTn>
+                                        <p:tgtEl>
+                                          <p:spTgt spid="21"/>
+                                        </p:tgtEl>
+                                        <p:attrNameLst>
+                                          <p:attrName>style.visibility</p:attrName>
+                                        </p:attrNameLst>
+                                      </p:cBhvr>
+                                      <p:to>
+                                        <p:strVal val="visible"/>
+                                      </p:to>
+                                    </p:set>
+                                    <p:animEffect transition="in" filter="fade">
+                                      <p:cBhvr>
+                                        <p:cTn id="52" dur="500"/>
+                                        <p:tgtEl>
+                                          <p:spTgt spid="21"/>
+                                        </p:tgtEl>
+                                      </p:cBhvr>
+                                    </p:animEffect>
+                                  </p:childTnLst>
+                                </p:cTn>
+                              </p:par>
+                            </p:childTnLst>
+                          </p:cTn>
+                        </p:par>
+                      </p:childTnLst>
+                    </p:cTn>
+                  </p:par>
+                  <p:par>
+                    <p:cTn id="53" fill="hold">
+                      <p:stCondLst>
+                        <p:cond delay="indefinite"/>
+                      </p:stCondLst>
+                      <p:childTnLst>
+                        <p:par>
+                          <p:cTn id="54" fill="hold">
+                            <p:stCondLst>
+                              <p:cond delay="0"/>
+                            </p:stCondLst>
+                            <p:childTnLst>
+                              <p:par>
+                                <p:cTn id="55" presetID="10" presetClass="entr" presetSubtype="0" fill="hold" grpId="0" nodeType="clickEffect">
+                                  <p:stCondLst>
+                                    <p:cond delay="0"/>
+                                  </p:stCondLst>
+                                  <p:childTnLst>
+                                    <p:set>
+                                      <p:cBhvr>
+                                        <p:cTn id="56" dur="1" fill="hold">
+                                          <p:stCondLst>
+                                            <p:cond delay="0"/>
+                                          </p:stCondLst>
+                                        </p:cTn>
+                                        <p:tgtEl>
+                                          <p:spTgt spid="13"/>
+                                        </p:tgtEl>
+                                        <p:attrNameLst>
+                                          <p:attrName>style.visibility</p:attrName>
+                                        </p:attrNameLst>
+                                      </p:cBhvr>
+                                      <p:to>
+                                        <p:strVal val="visible"/>
+                                      </p:to>
+                                    </p:set>
+                                    <p:animEffect transition="in" filter="fade">
+                                      <p:cBhvr>
+                                        <p:cTn id="57" dur="500"/>
+                                        <p:tgtEl>
+                                          <p:spTgt spid="13"/>
+                                        </p:tgtEl>
+                                      </p:cBhvr>
+                                    </p:animEffect>
+                                  </p:childTnLst>
+                                </p:cTn>
+                              </p:par>
+                            </p:childTnLst>
+                          </p:cTn>
+                        </p:par>
+                      </p:childTnLst>
+                    </p:cTn>
+                  </p:par>
+                  <p:par>
+                    <p:cTn id="58" fill="hold">
+                      <p:stCondLst>
+                        <p:cond delay="indefinite"/>
+                      </p:stCondLst>
+                      <p:childTnLst>
+                        <p:par>
+                          <p:cTn id="59" fill="hold">
+                            <p:stCondLst>
+                              <p:cond delay="0"/>
+                            </p:stCondLst>
+                            <p:childTnLst>
+                              <p:par>
+                                <p:cTn id="60" presetID="10" presetClass="entr" presetSubtype="0" fill="hold" nodeType="clickEffect">
+                                  <p:stCondLst>
+                                    <p:cond delay="0"/>
+                                  </p:stCondLst>
+                                  <p:childTnLst>
+                                    <p:set>
+                                      <p:cBhvr>
+                                        <p:cTn id="61" dur="1" fill="hold">
+                                          <p:stCondLst>
+                                            <p:cond delay="0"/>
+                                          </p:stCondLst>
+                                        </p:cTn>
+                                        <p:tgtEl>
+                                          <p:spTgt spid="22"/>
+                                        </p:tgtEl>
+                                        <p:attrNameLst>
+                                          <p:attrName>style.visibility</p:attrName>
+                                        </p:attrNameLst>
+                                      </p:cBhvr>
+                                      <p:to>
+                                        <p:strVal val="visible"/>
+                                      </p:to>
+                                    </p:set>
+                                    <p:animEffect transition="in" filter="fade">
+                                      <p:cBhvr>
+                                        <p:cTn id="62" dur="500"/>
+                                        <p:tgtEl>
+                                          <p:spTgt spid="22"/>
+                                        </p:tgtEl>
+                                      </p:cBhvr>
+                                    </p:animEffect>
+                                  </p:childTnLst>
+                                </p:cTn>
+                              </p:par>
+                            </p:childTnLst>
+                          </p:cTn>
+                        </p:par>
+                      </p:childTnLst>
+                    </p:cTn>
+                  </p:par>
+                  <p:par>
+                    <p:cTn id="63" fill="hold">
+                      <p:stCondLst>
+                        <p:cond delay="indefinite"/>
+                      </p:stCondLst>
+                      <p:childTnLst>
+                        <p:par>
+                          <p:cTn id="64" fill="hold">
+                            <p:stCondLst>
+                              <p:cond delay="0"/>
+                            </p:stCondLst>
+                            <p:childTnLst>
+                              <p:par>
+                                <p:cTn id="65" presetID="10" presetClass="entr" presetSubtype="0" fill="hold" grpId="0" nodeType="clickEffect">
+                                  <p:stCondLst>
+                                    <p:cond delay="0"/>
+                                  </p:stCondLst>
+                                  <p:childTnLst>
+                                    <p:set>
+                                      <p:cBhvr>
+                                        <p:cTn id="66" dur="1" fill="hold">
+                                          <p:stCondLst>
+                                            <p:cond delay="0"/>
+                                          </p:stCondLst>
+                                        </p:cTn>
+                                        <p:tgtEl>
+                                          <p:spTgt spid="25"/>
+                                        </p:tgtEl>
+                                        <p:attrNameLst>
+                                          <p:attrName>style.visibility</p:attrName>
+                                        </p:attrNameLst>
+                                      </p:cBhvr>
+                                      <p:to>
+                                        <p:strVal val="visible"/>
+                                      </p:to>
+                                    </p:set>
+                                    <p:animEffect transition="in" filter="fade">
+                                      <p:cBhvr>
+                                        <p:cTn id="67" dur="500"/>
+                                        <p:tgtEl>
+                                          <p:spTgt spid="25"/>
+                                        </p:tgtEl>
+                                      </p:cBhvr>
+                                    </p:animEffect>
+                                  </p:childTnLst>
+                                </p:cTn>
+                              </p:par>
+                            </p:childTnLst>
+                          </p:cTn>
+                        </p:par>
+                      </p:childTnLst>
+                    </p:cTn>
+                  </p:par>
+                  <p:par>
+                    <p:cTn id="68" fill="hold">
+                      <p:stCondLst>
+                        <p:cond delay="indefinite"/>
+                      </p:stCondLst>
+                      <p:childTnLst>
+                        <p:par>
+                          <p:cTn id="69" fill="hold">
+                            <p:stCondLst>
+                              <p:cond delay="0"/>
+                            </p:stCondLst>
+                            <p:childTnLst>
+                              <p:par>
+                                <p:cTn id="70" presetID="10" presetClass="entr" presetSubtype="0" fill="hold" grpId="0" nodeType="clickEffect">
+                                  <p:stCondLst>
+                                    <p:cond delay="0"/>
+                                  </p:stCondLst>
+                                  <p:childTnLst>
+                                    <p:set>
+                                      <p:cBhvr>
+                                        <p:cTn id="71" dur="1" fill="hold">
+                                          <p:stCondLst>
+                                            <p:cond delay="0"/>
+                                          </p:stCondLst>
+                                        </p:cTn>
+                                        <p:tgtEl>
+                                          <p:spTgt spid="14"/>
+                                        </p:tgtEl>
+                                        <p:attrNameLst>
+                                          <p:attrName>style.visibility</p:attrName>
+                                        </p:attrNameLst>
+                                      </p:cBhvr>
+                                      <p:to>
+                                        <p:strVal val="visible"/>
+                                      </p:to>
+                                    </p:set>
+                                    <p:animEffect transition="in" filter="fade">
+                                      <p:cBhvr>
+                                        <p:cTn id="72" dur="500"/>
+                                        <p:tgtEl>
+                                          <p:spTgt spid="14"/>
+                                        </p:tgtEl>
+                                      </p:cBhvr>
+                                    </p:animEffect>
+                                  </p:childTnLst>
+                                </p:cTn>
+                              </p:par>
+                            </p:childTnLst>
+                          </p:cTn>
+                        </p:par>
+                      </p:childTnLst>
+                    </p:cTn>
+                  </p:par>
+                </p:childTnLst>
+              </p:cTn>
+              <p:prevCondLst>
+                <p:cond evt="onPrev" delay="0">
+                  <p:tgtEl>
+                    <p:sldTgt/>
+                  </p:tgtEl>
+                </p:cond>
+              </p:prevCondLst>
+              <p:nextCondLst>
+                <p:cond evt="onNext" delay="0">
+                  <p:tgtEl>
+                    <p:sldTgt/>
+                  </p:tgtEl>
+                </p:cond>
+              </p:nextCondLst>
+            </p:seq>
+          </p:childTnLst>
+        </p:cTn>
+      </p:par>
+    </p:tnLst>
+    <p:bldLst>
+      <p:bldP spid="6" grpId="0" build="p"/>
+      <p:bldP spid="8" grpId="0" animBg="1"/>
+      <p:bldP spid="10" grpId="0" animBg="1"/>
+      <p:bldP spid="13" grpId="0" animBg="1"/>
+      <p:bldP spid="17" grpId="0"/>
+      <p:bldP spid="21" grpId="0"/>
+      <p:bldP spid="25" grpId="0"/>
+      <p:bldP spid="14" grpId="0"/>
+    </p:bldLst>
+  </p:timing>
+</p:sld>
+</file>
+
+<file path=ppt/slides/slide29.xml><?xml version="1.0" encoding="utf-8"?>
+<p:sld xmlns:a="http://schemas.openxmlformats.org/drawingml/2006/main" xmlns:r="http://schemas.openxmlformats.org/officeDocument/2006/relationships" xmlns:p="http://schemas.openxmlformats.org/presentationml/2006/main">
+  <p:cSld>
+    <p:spTree>
+      <p:nvGrpSpPr>
+        <p:cNvPr id="1" name=""/>
+        <p:cNvGrpSpPr/>
+        <p:nvPr/>
+      </p:nvGrpSpPr>
+      <p:grpSpPr>
+        <a:xfrm>
+          <a:off x="0" y="0"/>
+          <a:ext cx="0" cy="0"/>
+          <a:chOff x="0" y="0"/>
+          <a:chExt cx="0" cy="0"/>
+        </a:xfrm>
+      </p:grpSpPr>
+      <p:sp>
+        <p:nvSpPr>
+          <p:cNvPr id="2" name="标题 1"/>
+          <p:cNvSpPr>
+            <a:spLocks noGrp="1"/>
+          </p:cNvSpPr>
+          <p:nvPr>
+            <p:ph type="title"/>
+          </p:nvPr>
+        </p:nvSpPr>
+        <p:spPr>
+          <a:xfrm>
+            <a:off x="457200" y="44624"/>
+            <a:ext cx="8229600" cy="1143000"/>
+          </a:xfrm>
+        </p:spPr>
+        <p:txBody>
+          <a:bodyPr/>
+          <a:lstStyle/>
+          <a:p>
+            <a:r>
+              <a:rPr lang="zh-CN" altLang="en-US" dirty="0" smtClean="0"/>
+              <a:t>如何调整层级</a:t>
+            </a:r>
+            <a:endParaRPr lang="zh-CN" altLang="en-US" dirty="0"/>
+          </a:p>
+        </p:txBody>
+      </p:sp>
+      <p:pic>
+        <p:nvPicPr>
+          <p:cNvPr id="4" name="内容占位符 3"/>
+          <p:cNvPicPr>
+            <a:picLocks noGrp="1" noChangeAspect="1"/>
+          </p:cNvPicPr>
+          <p:nvPr>
+            <p:ph idx="1"/>
+          </p:nvPr>
+        </p:nvPicPr>
+        <p:blipFill>
+          <a:blip r:embed="rId2">
+            <a:extLst>
+              <a:ext uri="{28A0092B-C50C-407E-A947-70E740481C1C}">
+                <a14:useLocalDpi xmlns:a14="http://schemas.microsoft.com/office/drawing/2010/main" val="0"/>
+              </a:ext>
+            </a:extLst>
+          </a:blip>
+          <a:stretch>
+            <a:fillRect/>
+          </a:stretch>
+        </p:blipFill>
+        <p:spPr>
+          <a:xfrm>
+            <a:off x="395536" y="2060848"/>
+            <a:ext cx="6810375" cy="1295400"/>
+          </a:xfrm>
+        </p:spPr>
+      </p:pic>
+      <p:sp>
+        <p:nvSpPr>
+          <p:cNvPr id="5" name="TextBox 4"/>
+          <p:cNvSpPr txBox="1"/>
+          <p:nvPr/>
+        </p:nvSpPr>
+        <p:spPr>
+          <a:xfrm>
+            <a:off x="323528" y="2051556"/>
+            <a:ext cx="720080" cy="369332"/>
+          </a:xfrm>
+          <a:prstGeom prst="rect">
+            <a:avLst/>
+          </a:prstGeom>
+          <a:noFill/>
+          <a:ln w="19050">
+            <a:solidFill>
+              <a:srgbClr val="FF0000"/>
+            </a:solidFill>
+          </a:ln>
+        </p:spPr>
+        <p:txBody>
+          <a:bodyPr wrap="square" rtlCol="0">
+            <a:spAutoFit/>
+          </a:bodyPr>
+          <a:lstStyle/>
+          <a:p>
+            <a:endParaRPr lang="zh-CN" altLang="en-US" dirty="0"/>
+          </a:p>
+        </p:txBody>
+      </p:sp>
+      <p:sp>
+        <p:nvSpPr>
+          <p:cNvPr id="6" name="TextBox 5"/>
+          <p:cNvSpPr txBox="1"/>
+          <p:nvPr/>
+        </p:nvSpPr>
+        <p:spPr>
+          <a:xfrm>
+            <a:off x="4932040" y="2420888"/>
+            <a:ext cx="720080" cy="369332"/>
+          </a:xfrm>
+          <a:prstGeom prst="rect">
+            <a:avLst/>
+          </a:prstGeom>
+          <a:noFill/>
+          <a:ln w="19050">
+            <a:solidFill>
+              <a:srgbClr val="FF0000"/>
+            </a:solidFill>
+          </a:ln>
+        </p:spPr>
+        <p:txBody>
+          <a:bodyPr wrap="square" rtlCol="0">
+            <a:spAutoFit/>
+          </a:bodyPr>
+          <a:lstStyle/>
+          <a:p>
+            <a:endParaRPr lang="zh-CN" altLang="en-US" dirty="0"/>
+          </a:p>
+        </p:txBody>
+      </p:sp>
+      <p:sp>
+        <p:nvSpPr>
+          <p:cNvPr id="7" name="TextBox 6"/>
+          <p:cNvSpPr txBox="1"/>
+          <p:nvPr/>
+        </p:nvSpPr>
+        <p:spPr>
+          <a:xfrm>
+            <a:off x="683568" y="1484784"/>
+            <a:ext cx="720080" cy="369332"/>
+          </a:xfrm>
+          <a:prstGeom prst="rect">
+            <a:avLst/>
+          </a:prstGeom>
+          <a:noFill/>
+        </p:spPr>
+        <p:txBody>
+          <a:bodyPr wrap="square" rtlCol="0">
+            <a:spAutoFit/>
+          </a:bodyPr>
+          <a:lstStyle/>
+          <a:p>
+            <a:r>
+              <a:rPr lang="zh-CN" altLang="en-US" dirty="0" smtClean="0"/>
+              <a:t>开始</a:t>
+            </a:r>
+            <a:endParaRPr lang="zh-CN" altLang="en-US" dirty="0"/>
+          </a:p>
+        </p:txBody>
+      </p:sp>
+      <p:sp>
+        <p:nvSpPr>
+          <p:cNvPr id="8" name="TextBox 7"/>
+          <p:cNvSpPr txBox="1"/>
+          <p:nvPr/>
+        </p:nvSpPr>
+        <p:spPr>
+          <a:xfrm>
+            <a:off x="3779912" y="1484784"/>
+            <a:ext cx="2808312" cy="369332"/>
+          </a:xfrm>
+          <a:prstGeom prst="rect">
+            <a:avLst/>
+          </a:prstGeom>
+          <a:noFill/>
+        </p:spPr>
+        <p:txBody>
+          <a:bodyPr wrap="square" rtlCol="0">
+            <a:spAutoFit/>
+          </a:bodyPr>
+          <a:lstStyle/>
+          <a:p>
+            <a:r>
+              <a:rPr lang="zh-CN" altLang="en-US" dirty="0" smtClean="0"/>
+              <a:t>提高或降低列表级别</a:t>
+            </a:r>
+            <a:endParaRPr lang="zh-CN" altLang="en-US" dirty="0"/>
+          </a:p>
+        </p:txBody>
+      </p:sp>
+      <p:sp>
+        <p:nvSpPr>
+          <p:cNvPr id="9" name="右箭头 8"/>
+          <p:cNvSpPr/>
+          <p:nvPr/>
+        </p:nvSpPr>
+        <p:spPr>
+          <a:xfrm>
+            <a:off x="4067944" y="4524358"/>
+            <a:ext cx="720080" cy="369332"/>
+          </a:xfrm>
+          <a:prstGeom prst="rightArrow">
+            <a:avLst/>
+          </a:prstGeom>
+        </p:spPr>
+        <p:style>
+          <a:lnRef idx="2">
+            <a:schemeClr val="accent1">
+              <a:shade val="50000"/>
+            </a:schemeClr>
+          </a:lnRef>
+          <a:fillRef idx="1">
+            <a:schemeClr val="accent1"/>
+          </a:fillRef>
+          <a:effectRef idx="0">
+            <a:schemeClr val="accent1"/>
+          </a:effectRef>
+          <a:fontRef idx="minor">
+            <a:schemeClr val="lt1"/>
+          </a:fontRef>
+        </p:style>
+        <p:txBody>
+          <a:bodyPr rtlCol="0" anchor="ctr"/>
+          <a:lstStyle/>
+          <a:p>
+            <a:pPr algn="ctr"/>
+            <a:endParaRPr lang="zh-CN" altLang="en-US"/>
+          </a:p>
+        </p:txBody>
+      </p:sp>
+      <p:cxnSp>
+        <p:nvCxnSpPr>
+          <p:cNvPr id="11" name="直接箭头连接符 10"/>
+          <p:cNvCxnSpPr/>
+          <p:nvPr/>
+        </p:nvCxnSpPr>
+        <p:spPr>
+          <a:xfrm>
+            <a:off x="5436096" y="2605554"/>
+            <a:ext cx="864096" cy="967462"/>
+          </a:xfrm>
+          <a:prstGeom prst="straightConnector1">
+            <a:avLst/>
+          </a:prstGeom>
+          <a:ln w="19050">
+            <a:solidFill>
+              <a:srgbClr val="FF0000"/>
+            </a:solidFill>
+            <a:tailEnd type="arrow"/>
+          </a:ln>
+        </p:spPr>
+        <p:style>
+          <a:lnRef idx="1">
+            <a:schemeClr val="accent1"/>
+          </a:lnRef>
+          <a:fillRef idx="0">
+            <a:schemeClr val="accent1"/>
+          </a:fillRef>
+          <a:effectRef idx="0">
+            <a:schemeClr val="accent1"/>
+          </a:effectRef>
+          <a:fontRef idx="minor">
+            <a:schemeClr val="tx1"/>
+          </a:fontRef>
+        </p:style>
+      </p:cxnSp>
+      <p:cxnSp>
+        <p:nvCxnSpPr>
+          <p:cNvPr id="13" name="直接箭头连接符 12"/>
+          <p:cNvCxnSpPr/>
+          <p:nvPr/>
+        </p:nvCxnSpPr>
+        <p:spPr>
+          <a:xfrm flipH="1">
+            <a:off x="4644008" y="2605554"/>
+            <a:ext cx="540060" cy="967462"/>
+          </a:xfrm>
+          <a:prstGeom prst="straightConnector1">
+            <a:avLst/>
+          </a:prstGeom>
+          <a:ln w="19050">
+            <a:solidFill>
+              <a:srgbClr val="FF0000"/>
+            </a:solidFill>
+            <a:tailEnd type="arrow"/>
+          </a:ln>
+        </p:spPr>
+        <p:style>
+          <a:lnRef idx="1">
+            <a:schemeClr val="accent1"/>
+          </a:lnRef>
+          <a:fillRef idx="0">
+            <a:schemeClr val="accent1"/>
+          </a:fillRef>
+          <a:effectRef idx="0">
+            <a:schemeClr val="accent1"/>
+          </a:effectRef>
+          <a:fontRef idx="minor">
+            <a:schemeClr val="tx1"/>
+          </a:fontRef>
+        </p:style>
+      </p:cxnSp>
+      <p:sp>
+        <p:nvSpPr>
+          <p:cNvPr id="17" name="TextBox 16"/>
+          <p:cNvSpPr txBox="1"/>
+          <p:nvPr/>
+        </p:nvSpPr>
+        <p:spPr>
+          <a:xfrm>
+            <a:off x="4229962" y="3573016"/>
+            <a:ext cx="846094" cy="369332"/>
+          </a:xfrm>
+          <a:prstGeom prst="rect">
+            <a:avLst/>
+          </a:prstGeom>
+          <a:noFill/>
+        </p:spPr>
+        <p:txBody>
+          <a:bodyPr wrap="square" rtlCol="0">
+            <a:spAutoFit/>
+          </a:bodyPr>
+          <a:lstStyle/>
+          <a:p>
+            <a:r>
+              <a:rPr lang="zh-CN" altLang="en-US" dirty="0" smtClean="0"/>
+              <a:t>提高</a:t>
+            </a:r>
+            <a:endParaRPr lang="zh-CN" altLang="en-US" dirty="0"/>
+          </a:p>
+        </p:txBody>
+      </p:sp>
+      <p:sp>
+        <p:nvSpPr>
+          <p:cNvPr id="18" name="TextBox 17"/>
+          <p:cNvSpPr txBox="1"/>
+          <p:nvPr/>
+        </p:nvSpPr>
+        <p:spPr>
+          <a:xfrm>
+            <a:off x="5897948" y="3585076"/>
+            <a:ext cx="846094" cy="369332"/>
+          </a:xfrm>
+          <a:prstGeom prst="rect">
+            <a:avLst/>
+          </a:prstGeom>
+          <a:noFill/>
+        </p:spPr>
+        <p:txBody>
+          <a:bodyPr wrap="square" rtlCol="0">
+            <a:spAutoFit/>
+          </a:bodyPr>
+          <a:lstStyle/>
+          <a:p>
+            <a:r>
+              <a:rPr lang="zh-CN" altLang="en-US" dirty="0"/>
+              <a:t>降低</a:t>
+            </a:r>
+          </a:p>
+        </p:txBody>
+      </p:sp>
+      <p:pic>
+        <p:nvPicPr>
+          <p:cNvPr id="19" name="图片 18"/>
+          <p:cNvPicPr>
+            <a:picLocks noChangeAspect="1"/>
+          </p:cNvPicPr>
+          <p:nvPr/>
+        </p:nvPicPr>
+        <p:blipFill>
+          <a:blip r:embed="rId3">
+            <a:extLst>
+              <a:ext uri="{28A0092B-C50C-407E-A947-70E740481C1C}">
+                <a14:useLocalDpi xmlns:a14="http://schemas.microsoft.com/office/drawing/2010/main" val="0"/>
+              </a:ext>
+            </a:extLst>
+          </a:blip>
+          <a:stretch>
+            <a:fillRect/>
+          </a:stretch>
+        </p:blipFill>
+        <p:spPr>
+          <a:xfrm>
+            <a:off x="636257" y="4293096"/>
+            <a:ext cx="2664296" cy="687841"/>
+          </a:xfrm>
+          <a:prstGeom prst="rect">
+            <a:avLst/>
+          </a:prstGeom>
+        </p:spPr>
+      </p:pic>
+      <p:sp>
+        <p:nvSpPr>
+          <p:cNvPr id="20" name="右箭头 19"/>
+          <p:cNvSpPr/>
+          <p:nvPr/>
+        </p:nvSpPr>
+        <p:spPr>
+          <a:xfrm>
+            <a:off x="2339752" y="1484784"/>
+            <a:ext cx="720080" cy="369332"/>
+          </a:xfrm>
+          <a:prstGeom prst="rightArrow">
+            <a:avLst/>
+          </a:prstGeom>
+        </p:spPr>
+        <p:style>
+          <a:lnRef idx="2">
+            <a:schemeClr val="accent1">
+              <a:shade val="50000"/>
+            </a:schemeClr>
+          </a:lnRef>
+          <a:fillRef idx="1">
+            <a:schemeClr val="accent1"/>
+          </a:fillRef>
+          <a:effectRef idx="0">
+            <a:schemeClr val="accent1"/>
+          </a:effectRef>
+          <a:fontRef idx="minor">
+            <a:schemeClr val="lt1"/>
+          </a:fontRef>
+        </p:style>
+        <p:txBody>
+          <a:bodyPr rtlCol="0" anchor="ctr"/>
+          <a:lstStyle/>
+          <a:p>
+            <a:pPr algn="ctr"/>
+            <a:endParaRPr lang="zh-CN" altLang="en-US"/>
+          </a:p>
+        </p:txBody>
+      </p:sp>
+      <p:pic>
+        <p:nvPicPr>
+          <p:cNvPr id="21" name="图片 20"/>
+          <p:cNvPicPr>
+            <a:picLocks noChangeAspect="1"/>
+          </p:cNvPicPr>
+          <p:nvPr/>
+        </p:nvPicPr>
+        <p:blipFill>
+          <a:blip r:embed="rId4">
+            <a:extLst>
+              <a:ext uri="{28A0092B-C50C-407E-A947-70E740481C1C}">
+                <a14:useLocalDpi xmlns:a14="http://schemas.microsoft.com/office/drawing/2010/main" val="0"/>
+              </a:ext>
+            </a:extLst>
+          </a:blip>
+          <a:stretch>
+            <a:fillRect/>
+          </a:stretch>
+        </p:blipFill>
+        <p:spPr>
+          <a:xfrm>
+            <a:off x="5902528" y="4293096"/>
+            <a:ext cx="2809875" cy="666750"/>
+          </a:xfrm>
+          <a:prstGeom prst="rect">
+            <a:avLst/>
+          </a:prstGeom>
+        </p:spPr>
+      </p:pic>
+      <p:pic>
+        <p:nvPicPr>
+          <p:cNvPr id="22" name="图片 21"/>
+          <p:cNvPicPr>
+            <a:picLocks noChangeAspect="1"/>
+          </p:cNvPicPr>
+          <p:nvPr/>
+        </p:nvPicPr>
+        <p:blipFill>
+          <a:blip r:embed="rId5">
+            <a:extLst>
+              <a:ext uri="{28A0092B-C50C-407E-A947-70E740481C1C}">
+                <a14:useLocalDpi xmlns:a14="http://schemas.microsoft.com/office/drawing/2010/main" val="0"/>
+              </a:ext>
+            </a:extLst>
+          </a:blip>
+          <a:stretch>
+            <a:fillRect/>
+          </a:stretch>
+        </p:blipFill>
+        <p:spPr>
+          <a:xfrm>
+            <a:off x="6084168" y="5589240"/>
+            <a:ext cx="2590800" cy="619125"/>
+          </a:xfrm>
+          <a:prstGeom prst="rect">
+            <a:avLst/>
+          </a:prstGeom>
+        </p:spPr>
+      </p:pic>
+      <p:pic>
+        <p:nvPicPr>
+          <p:cNvPr id="23" name="图片 22"/>
+          <p:cNvPicPr>
+            <a:picLocks noChangeAspect="1"/>
+          </p:cNvPicPr>
+          <p:nvPr/>
+        </p:nvPicPr>
+        <p:blipFill>
+          <a:blip r:embed="rId3">
+            <a:extLst>
+              <a:ext uri="{28A0092B-C50C-407E-A947-70E740481C1C}">
+                <a14:useLocalDpi xmlns:a14="http://schemas.microsoft.com/office/drawing/2010/main" val="0"/>
+              </a:ext>
+            </a:extLst>
+          </a:blip>
+          <a:stretch>
+            <a:fillRect/>
+          </a:stretch>
+        </p:blipFill>
+        <p:spPr>
+          <a:xfrm>
+            <a:off x="683568" y="5520524"/>
+            <a:ext cx="2664296" cy="687841"/>
+          </a:xfrm>
+          <a:prstGeom prst="rect">
+            <a:avLst/>
+          </a:prstGeom>
+        </p:spPr>
+      </p:pic>
+      <p:sp>
+        <p:nvSpPr>
+          <p:cNvPr id="24" name="右箭头 23"/>
+          <p:cNvSpPr/>
+          <p:nvPr/>
+        </p:nvSpPr>
+        <p:spPr>
+          <a:xfrm>
+            <a:off x="4067944" y="5679778"/>
+            <a:ext cx="720080" cy="369332"/>
+          </a:xfrm>
+          <a:prstGeom prst="rightArrow">
+            <a:avLst/>
+          </a:prstGeom>
+        </p:spPr>
+        <p:style>
+          <a:lnRef idx="2">
+            <a:schemeClr val="accent1">
+              <a:shade val="50000"/>
+            </a:schemeClr>
+          </a:lnRef>
+          <a:fillRef idx="1">
+            <a:schemeClr val="accent1"/>
+          </a:fillRef>
+          <a:effectRef idx="0">
+            <a:schemeClr val="accent1"/>
+          </a:effectRef>
+          <a:fontRef idx="minor">
+            <a:schemeClr val="lt1"/>
+          </a:fontRef>
+        </p:style>
+        <p:txBody>
+          <a:bodyPr rtlCol="0" anchor="ctr"/>
+          <a:lstStyle/>
+          <a:p>
+            <a:pPr algn="ctr"/>
+            <a:endParaRPr lang="zh-CN" altLang="en-US"/>
+          </a:p>
+        </p:txBody>
+      </p:sp>
+      <p:sp>
+        <p:nvSpPr>
+          <p:cNvPr id="25" name="TextBox 24"/>
+          <p:cNvSpPr txBox="1"/>
+          <p:nvPr/>
+        </p:nvSpPr>
+        <p:spPr>
+          <a:xfrm>
+            <a:off x="4067944" y="4226940"/>
+            <a:ext cx="578865" cy="276999"/>
+          </a:xfrm>
+          <a:prstGeom prst="rect">
+            <a:avLst/>
+          </a:prstGeom>
+          <a:noFill/>
+        </p:spPr>
+        <p:txBody>
+          <a:bodyPr wrap="square" rtlCol="0">
+            <a:spAutoFit/>
+          </a:bodyPr>
+          <a:lstStyle/>
+          <a:p>
+            <a:r>
+              <a:rPr lang="zh-CN" altLang="en-US" sz="1200" dirty="0"/>
+              <a:t>降低</a:t>
+            </a:r>
+          </a:p>
+        </p:txBody>
+      </p:sp>
+      <p:sp>
+        <p:nvSpPr>
+          <p:cNvPr id="26" name="TextBox 25"/>
+          <p:cNvSpPr txBox="1"/>
+          <p:nvPr/>
+        </p:nvSpPr>
+        <p:spPr>
+          <a:xfrm>
+            <a:off x="4200958" y="5402779"/>
+            <a:ext cx="578865" cy="276999"/>
+          </a:xfrm>
+          <a:prstGeom prst="rect">
+            <a:avLst/>
+          </a:prstGeom>
+          <a:noFill/>
+        </p:spPr>
+        <p:txBody>
+          <a:bodyPr wrap="square" rtlCol="0">
+            <a:spAutoFit/>
+          </a:bodyPr>
+          <a:lstStyle/>
+          <a:p>
+            <a:r>
+              <a:rPr lang="zh-CN" altLang="en-US" sz="1200" dirty="0"/>
+              <a:t>提高</a:t>
+            </a:r>
+          </a:p>
+        </p:txBody>
+      </p:sp>
+      <p:sp>
+        <p:nvSpPr>
+          <p:cNvPr id="27" name="TextBox 26"/>
+          <p:cNvSpPr txBox="1"/>
+          <p:nvPr/>
+        </p:nvSpPr>
+        <p:spPr>
+          <a:xfrm>
+            <a:off x="6228184" y="4365438"/>
+            <a:ext cx="1440160" cy="296989"/>
+          </a:xfrm>
+          <a:prstGeom prst="rect">
+            <a:avLst/>
+          </a:prstGeom>
+          <a:noFill/>
+          <a:ln w="19050">
+            <a:solidFill>
+              <a:srgbClr val="FF0000"/>
+            </a:solidFill>
+          </a:ln>
+        </p:spPr>
+        <p:txBody>
+          <a:bodyPr wrap="square" rtlCol="0">
+            <a:spAutoFit/>
+          </a:bodyPr>
+          <a:lstStyle/>
+          <a:p>
+            <a:endParaRPr lang="zh-CN" altLang="en-US" dirty="0"/>
+          </a:p>
+        </p:txBody>
+      </p:sp>
+      <p:sp>
+        <p:nvSpPr>
+          <p:cNvPr id="28" name="TextBox 27"/>
+          <p:cNvSpPr txBox="1"/>
+          <p:nvPr/>
+        </p:nvSpPr>
+        <p:spPr>
+          <a:xfrm>
+            <a:off x="6084168" y="5911376"/>
+            <a:ext cx="2590800" cy="296989"/>
+          </a:xfrm>
+          <a:prstGeom prst="rect">
+            <a:avLst/>
+          </a:prstGeom>
+          <a:noFill/>
+          <a:ln w="19050">
+            <a:solidFill>
+              <a:srgbClr val="FF0000"/>
+            </a:solidFill>
+          </a:ln>
+        </p:spPr>
+        <p:txBody>
+          <a:bodyPr wrap="square" rtlCol="0">
+            <a:spAutoFit/>
+          </a:bodyPr>
+          <a:lstStyle/>
+          <a:p>
+            <a:endParaRPr lang="zh-CN" altLang="en-US" dirty="0"/>
+          </a:p>
+        </p:txBody>
+      </p:sp>
+    </p:spTree>
+    <p:extLst>
+      <p:ext uri="{BB962C8B-B14F-4D97-AF65-F5344CB8AC3E}">
+        <p14:creationId xmlns:p14="http://schemas.microsoft.com/office/powerpoint/2010/main" val="1467384127"/>
+      </p:ext>
+    </p:extLst>
+  </p:cSld>
+  <p:clrMapOvr>
+    <a:masterClrMapping/>
+  </p:clrMapOvr>
+  <p:timing>
+    <p:tnLst>
+      <p:par>
+        <p:cTn id="1" dur="indefinite" restart="never" nodeType="tmRoot">
+          <p:childTnLst>
+            <p:seq concurrent="1" nextAc="seek">
+              <p:cTn id="2" dur="indefinite" nodeType="mainSeq">
+                <p:childTnLst>
+                  <p:par>
+                    <p:cTn id="3" fill="hold">
+                      <p:stCondLst>
+                        <p:cond delay="indefinite"/>
+                      </p:stCondLst>
+                      <p:childTnLst>
+                        <p:par>
+                          <p:cTn id="4" fill="hold">
+                            <p:stCondLst>
+                              <p:cond delay="0"/>
+                            </p:stCondLst>
+                            <p:childTnLst>
+                              <p:par>
+                                <p:cTn id="5" presetID="10" presetClass="entr" presetSubtype="0" fill="hold" nodeType="clickEffect">
+                                  <p:stCondLst>
+                                    <p:cond delay="0"/>
+                                  </p:stCondLst>
+                                  <p:childTnLst>
+                                    <p:set>
+                                      <p:cBhvr>
+                                        <p:cTn id="6" dur="1" fill="hold">
+                                          <p:stCondLst>
+                                            <p:cond delay="0"/>
+                                          </p:stCondLst>
+                                        </p:cTn>
+                                        <p:tgtEl>
+                                          <p:spTgt spid="4"/>
+                                        </p:tgtEl>
+                                        <p:attrNameLst>
+                                          <p:attrName>style.visibility</p:attrName>
+                                        </p:attrNameLst>
+                                      </p:cBhvr>
+                                      <p:to>
+                                        <p:strVal val="visible"/>
+                                      </p:to>
+                                    </p:set>
+                                    <p:animEffect transition="in" filter="fade">
+                                      <p:cBhvr>
+                                        <p:cTn id="7" dur="500"/>
+                                        <p:tgtEl>
+                                          <p:spTgt spid="4"/>
+                                        </p:tgtEl>
+                                      </p:cBhvr>
+                                    </p:animEffect>
+                                  </p:childTnLst>
+                                </p:cTn>
+                              </p:par>
+                            </p:childTnLst>
+                          </p:cTn>
+                        </p:par>
+                      </p:childTnLst>
+                    </p:cTn>
+                  </p:par>
+                  <p:par>
+                    <p:cTn id="8" fill="hold">
+                      <p:stCondLst>
+                        <p:cond delay="indefinite"/>
+                      </p:stCondLst>
+                      <p:childTnLst>
+                        <p:par>
+                          <p:cTn id="9" fill="hold">
+                            <p:stCondLst>
+                              <p:cond delay="0"/>
+                            </p:stCondLst>
+                            <p:childTnLst>
+                              <p:par>
+                                <p:cTn id="10" presetID="10" presetClass="entr" presetSubtype="0" fill="hold" grpId="0" nodeType="clickEffect">
+                                  <p:stCondLst>
+                                    <p:cond delay="0"/>
+                                  </p:stCondLst>
+                                  <p:childTnLst>
+                                    <p:set>
+                                      <p:cBhvr>
+                                        <p:cTn id="11" dur="1" fill="hold">
+                                          <p:stCondLst>
+                                            <p:cond delay="0"/>
+                                          </p:stCondLst>
+                                        </p:cTn>
+                                        <p:tgtEl>
+                                          <p:spTgt spid="7"/>
+                                        </p:tgtEl>
+                                        <p:attrNameLst>
+                                          <p:attrName>style.visibility</p:attrName>
+                                        </p:attrNameLst>
+                                      </p:cBhvr>
+                                      <p:to>
+                                        <p:strVal val="visible"/>
+                                      </p:to>
+                                    </p:set>
+                                    <p:animEffect transition="in" filter="fade">
+                                      <p:cBhvr>
+                                        <p:cTn id="12" dur="500"/>
+                                        <p:tgtEl>
+                                          <p:spTgt spid="7"/>
+                                        </p:tgtEl>
+                                      </p:cBhvr>
+                                    </p:animEffect>
+                                  </p:childTnLst>
+                                </p:cTn>
+                              </p:par>
+                            </p:childTnLst>
+                          </p:cTn>
+                        </p:par>
+                      </p:childTnLst>
+                    </p:cTn>
+                  </p:par>
+                  <p:par>
+                    <p:cTn id="13" fill="hold">
+                      <p:stCondLst>
+                        <p:cond delay="indefinite"/>
+                      </p:stCondLst>
+                      <p:childTnLst>
+                        <p:par>
+                          <p:cTn id="14" fill="hold">
+                            <p:stCondLst>
+                              <p:cond delay="0"/>
+                            </p:stCondLst>
+                            <p:childTnLst>
+                              <p:par>
+                                <p:cTn id="15" presetID="10" presetClass="entr" presetSubtype="0" fill="hold" grpId="0" nodeType="clickEffect">
+                                  <p:stCondLst>
+                                    <p:cond delay="0"/>
+                                  </p:stCondLst>
+                                  <p:childTnLst>
+                                    <p:set>
+                                      <p:cBhvr>
+                                        <p:cTn id="16" dur="1" fill="hold">
+                                          <p:stCondLst>
+                                            <p:cond delay="0"/>
+                                          </p:stCondLst>
+                                        </p:cTn>
+                                        <p:tgtEl>
+                                          <p:spTgt spid="5"/>
+                                        </p:tgtEl>
+                                        <p:attrNameLst>
+                                          <p:attrName>style.visibility</p:attrName>
+                                        </p:attrNameLst>
+                                      </p:cBhvr>
+                                      <p:to>
+                                        <p:strVal val="visible"/>
+                                      </p:to>
+                                    </p:set>
+                                    <p:animEffect transition="in" filter="fade">
+                                      <p:cBhvr>
+                                        <p:cTn id="17" dur="500"/>
+                                        <p:tgtEl>
+                                          <p:spTgt spid="5"/>
+                                        </p:tgtEl>
+                                      </p:cBhvr>
+                                    </p:animEffect>
+                                  </p:childTnLst>
+                                </p:cTn>
+                              </p:par>
+                            </p:childTnLst>
+                          </p:cTn>
+                        </p:par>
+                      </p:childTnLst>
+                    </p:cTn>
+                  </p:par>
+                  <p:par>
+                    <p:cTn id="18" fill="hold">
+                      <p:stCondLst>
+                        <p:cond delay="indefinite"/>
+                      </p:stCondLst>
+                      <p:childTnLst>
+                        <p:par>
+                          <p:cTn id="19" fill="hold">
+                            <p:stCondLst>
+                              <p:cond delay="0"/>
+                            </p:stCondLst>
+                            <p:childTnLst>
+                              <p:par>
+                                <p:cTn id="20" presetID="10" presetClass="entr" presetSubtype="0" fill="hold" grpId="0" nodeType="clickEffect">
+                                  <p:stCondLst>
+                                    <p:cond delay="0"/>
+                                  </p:stCondLst>
+                                  <p:childTnLst>
+                                    <p:set>
+                                      <p:cBhvr>
+                                        <p:cTn id="21" dur="1" fill="hold">
+                                          <p:stCondLst>
+                                            <p:cond delay="0"/>
+                                          </p:stCondLst>
+                                        </p:cTn>
+                                        <p:tgtEl>
+                                          <p:spTgt spid="20"/>
+                                        </p:tgtEl>
+                                        <p:attrNameLst>
+                                          <p:attrName>style.visibility</p:attrName>
+                                        </p:attrNameLst>
+                                      </p:cBhvr>
+                                      <p:to>
+                                        <p:strVal val="visible"/>
+                                      </p:to>
+                                    </p:set>
+                                    <p:animEffect transition="in" filter="fade">
+                                      <p:cBhvr>
+                                        <p:cTn id="22" dur="500"/>
+                                        <p:tgtEl>
+                                          <p:spTgt spid="20"/>
+                                        </p:tgtEl>
+                                      </p:cBhvr>
+                                    </p:animEffect>
+                                  </p:childTnLst>
+                                </p:cTn>
+                              </p:par>
+                            </p:childTnLst>
+                          </p:cTn>
+                        </p:par>
+                      </p:childTnLst>
+                    </p:cTn>
+                  </p:par>
+                  <p:par>
+                    <p:cTn id="23" fill="hold">
+                      <p:stCondLst>
+                        <p:cond delay="indefinite"/>
+                      </p:stCondLst>
+                      <p:childTnLst>
+                        <p:par>
+                          <p:cTn id="24" fill="hold">
+                            <p:stCondLst>
+                              <p:cond delay="0"/>
+                            </p:stCondLst>
+                            <p:childTnLst>
+                              <p:par>
+                                <p:cTn id="25" presetID="10" presetClass="entr" presetSubtype="0" fill="hold" grpId="0" nodeType="clickEffect">
+                                  <p:stCondLst>
+                                    <p:cond delay="0"/>
+                                  </p:stCondLst>
+                                  <p:childTnLst>
+                                    <p:set>
+                                      <p:cBhvr>
+                                        <p:cTn id="26" dur="1" fill="hold">
+                                          <p:stCondLst>
+                                            <p:cond delay="0"/>
+                                          </p:stCondLst>
+                                        </p:cTn>
+                                        <p:tgtEl>
+                                          <p:spTgt spid="8"/>
+                                        </p:tgtEl>
+                                        <p:attrNameLst>
+                                          <p:attrName>style.visibility</p:attrName>
+                                        </p:attrNameLst>
+                                      </p:cBhvr>
+                                      <p:to>
+                                        <p:strVal val="visible"/>
+                                      </p:to>
+                                    </p:set>
+                                    <p:animEffect transition="in" filter="fade">
+                                      <p:cBhvr>
+                                        <p:cTn id="27" dur="500"/>
+                                        <p:tgtEl>
+                                          <p:spTgt spid="8"/>
+                                        </p:tgtEl>
+                                      </p:cBhvr>
+                                    </p:animEffect>
+                                  </p:childTnLst>
+                                </p:cTn>
+                              </p:par>
+                            </p:childTnLst>
+                          </p:cTn>
+                        </p:par>
+                      </p:childTnLst>
+                    </p:cTn>
+                  </p:par>
+                  <p:par>
+                    <p:cTn id="28" fill="hold">
+                      <p:stCondLst>
+                        <p:cond delay="indefinite"/>
+                      </p:stCondLst>
+                      <p:childTnLst>
+                        <p:par>
+                          <p:cTn id="29" fill="hold">
+                            <p:stCondLst>
+                              <p:cond delay="0"/>
+                            </p:stCondLst>
+                            <p:childTnLst>
+                              <p:par>
+                                <p:cTn id="30" presetID="10" presetClass="entr" presetSubtype="0" fill="hold" grpId="0" nodeType="clickEffect">
+                                  <p:stCondLst>
+                                    <p:cond delay="0"/>
+                                  </p:stCondLst>
+                                  <p:childTnLst>
+                                    <p:set>
+                                      <p:cBhvr>
+                                        <p:cTn id="31" dur="1" fill="hold">
+                                          <p:stCondLst>
+                                            <p:cond delay="0"/>
+                                          </p:stCondLst>
+                                        </p:cTn>
+                                        <p:tgtEl>
+                                          <p:spTgt spid="6"/>
+                                        </p:tgtEl>
+                                        <p:attrNameLst>
+                                          <p:attrName>style.visibility</p:attrName>
+                                        </p:attrNameLst>
+                                      </p:cBhvr>
+                                      <p:to>
+                                        <p:strVal val="visible"/>
+                                      </p:to>
+                                    </p:set>
+                                    <p:animEffect transition="in" filter="fade">
+                                      <p:cBhvr>
+                                        <p:cTn id="32" dur="500"/>
+                                        <p:tgtEl>
+                                          <p:spTgt spid="6"/>
+                                        </p:tgtEl>
+                                      </p:cBhvr>
+                                    </p:animEffect>
+                                  </p:childTnLst>
+                                </p:cTn>
+                              </p:par>
+                            </p:childTnLst>
+                          </p:cTn>
+                        </p:par>
+                      </p:childTnLst>
+                    </p:cTn>
+                  </p:par>
+                  <p:par>
+                    <p:cTn id="33" fill="hold">
+                      <p:stCondLst>
+                        <p:cond delay="indefinite"/>
+                      </p:stCondLst>
+                      <p:childTnLst>
+                        <p:par>
+                          <p:cTn id="34" fill="hold">
+                            <p:stCondLst>
+                              <p:cond delay="0"/>
+                            </p:stCondLst>
+                            <p:childTnLst>
+                              <p:par>
+                                <p:cTn id="35" presetID="10" presetClass="entr" presetSubtype="0" fill="hold" nodeType="clickEffect">
+                                  <p:stCondLst>
+                                    <p:cond delay="0"/>
+                                  </p:stCondLst>
+                                  <p:childTnLst>
+                                    <p:set>
+                                      <p:cBhvr>
+                                        <p:cTn id="36" dur="1" fill="hold">
+                                          <p:stCondLst>
+                                            <p:cond delay="0"/>
+                                          </p:stCondLst>
+                                        </p:cTn>
+                                        <p:tgtEl>
+                                          <p:spTgt spid="13"/>
+                                        </p:tgtEl>
+                                        <p:attrNameLst>
+                                          <p:attrName>style.visibility</p:attrName>
+                                        </p:attrNameLst>
+                                      </p:cBhvr>
+                                      <p:to>
+                                        <p:strVal val="visible"/>
+                                      </p:to>
+                                    </p:set>
+                                    <p:animEffect transition="in" filter="fade">
+                                      <p:cBhvr>
+                                        <p:cTn id="37" dur="500"/>
+                                        <p:tgtEl>
+                                          <p:spTgt spid="13"/>
+                                        </p:tgtEl>
+                                      </p:cBhvr>
+                                    </p:animEffect>
+                                  </p:childTnLst>
+                                </p:cTn>
+                              </p:par>
+                            </p:childTnLst>
+                          </p:cTn>
+                        </p:par>
+                      </p:childTnLst>
+                    </p:cTn>
+                  </p:par>
+                  <p:par>
+                    <p:cTn id="38" fill="hold">
+                      <p:stCondLst>
+                        <p:cond delay="indefinite"/>
+                      </p:stCondLst>
+                      <p:childTnLst>
+                        <p:par>
+                          <p:cTn id="39" fill="hold">
+                            <p:stCondLst>
+                              <p:cond delay="0"/>
+                            </p:stCondLst>
+                            <p:childTnLst>
+                              <p:par>
+                                <p:cTn id="40" presetID="10" presetClass="entr" presetSubtype="0" fill="hold" grpId="0" nodeType="clickEffect">
+                                  <p:stCondLst>
+                                    <p:cond delay="0"/>
+                                  </p:stCondLst>
+                                  <p:childTnLst>
+                                    <p:set>
+                                      <p:cBhvr>
+                                        <p:cTn id="41" dur="1" fill="hold">
+                                          <p:stCondLst>
+                                            <p:cond delay="0"/>
+                                          </p:stCondLst>
+                                        </p:cTn>
+                                        <p:tgtEl>
+                                          <p:spTgt spid="17"/>
+                                        </p:tgtEl>
+                                        <p:attrNameLst>
+                                          <p:attrName>style.visibility</p:attrName>
+                                        </p:attrNameLst>
+                                      </p:cBhvr>
+                                      <p:to>
+                                        <p:strVal val="visible"/>
+                                      </p:to>
+                                    </p:set>
+                                    <p:animEffect transition="in" filter="fade">
+                                      <p:cBhvr>
+                                        <p:cTn id="42" dur="500"/>
+                                        <p:tgtEl>
+                                          <p:spTgt spid="17"/>
+                                        </p:tgtEl>
+                                      </p:cBhvr>
+                                    </p:animEffect>
+                                  </p:childTnLst>
+                                </p:cTn>
+                              </p:par>
+                            </p:childTnLst>
+                          </p:cTn>
+                        </p:par>
+                      </p:childTnLst>
+                    </p:cTn>
+                  </p:par>
+                  <p:par>
+                    <p:cTn id="43" fill="hold">
+                      <p:stCondLst>
+                        <p:cond delay="indefinite"/>
+                      </p:stCondLst>
+                      <p:childTnLst>
+                        <p:par>
+                          <p:cTn id="44" fill="hold">
+                            <p:stCondLst>
+                              <p:cond delay="0"/>
+                            </p:stCondLst>
+                            <p:childTnLst>
+                              <p:par>
+                                <p:cTn id="45" presetID="10" presetClass="entr" presetSubtype="0" fill="hold" nodeType="clickEffect">
+                                  <p:stCondLst>
+                                    <p:cond delay="0"/>
+                                  </p:stCondLst>
+                                  <p:childTnLst>
+                                    <p:set>
+                                      <p:cBhvr>
+                                        <p:cTn id="46" dur="1" fill="hold">
+                                          <p:stCondLst>
+                                            <p:cond delay="0"/>
+                                          </p:stCondLst>
+                                        </p:cTn>
+                                        <p:tgtEl>
+                                          <p:spTgt spid="11"/>
+                                        </p:tgtEl>
+                                        <p:attrNameLst>
+                                          <p:attrName>style.visibility</p:attrName>
+                                        </p:attrNameLst>
+                                      </p:cBhvr>
+                                      <p:to>
+                                        <p:strVal val="visible"/>
+                                      </p:to>
+                                    </p:set>
+                                    <p:animEffect transition="in" filter="fade">
+                                      <p:cBhvr>
+                                        <p:cTn id="47" dur="500"/>
+                                        <p:tgtEl>
+                                          <p:spTgt spid="11"/>
+                                        </p:tgtEl>
+                                      </p:cBhvr>
+                                    </p:animEffect>
+                                  </p:childTnLst>
+                                </p:cTn>
+                              </p:par>
+                            </p:childTnLst>
+                          </p:cTn>
+                        </p:par>
+                      </p:childTnLst>
+                    </p:cTn>
+                  </p:par>
+                  <p:par>
+                    <p:cTn id="48" fill="hold">
+                      <p:stCondLst>
+                        <p:cond delay="indefinite"/>
+                      </p:stCondLst>
+                      <p:childTnLst>
+                        <p:par>
+                          <p:cTn id="49" fill="hold">
+                            <p:stCondLst>
+                              <p:cond delay="0"/>
+                            </p:stCondLst>
+                            <p:childTnLst>
+                              <p:par>
+                                <p:cTn id="50" presetID="10" presetClass="entr" presetSubtype="0" fill="hold" grpId="0" nodeType="clickEffect">
+                                  <p:stCondLst>
+                                    <p:cond delay="0"/>
+                                  </p:stCondLst>
+                                  <p:childTnLst>
+                                    <p:set>
+                                      <p:cBhvr>
+                                        <p:cTn id="51" dur="1" fill="hold">
+                                          <p:stCondLst>
+                                            <p:cond delay="0"/>
+                                          </p:stCondLst>
+                                        </p:cTn>
+                                        <p:tgtEl>
+                                          <p:spTgt spid="18"/>
+                                        </p:tgtEl>
+                                        <p:attrNameLst>
+                                          <p:attrName>style.visibility</p:attrName>
+                                        </p:attrNameLst>
+                                      </p:cBhvr>
+                                      <p:to>
+                                        <p:strVal val="visible"/>
+                                      </p:to>
+                                    </p:set>
+                                    <p:animEffect transition="in" filter="fade">
+                                      <p:cBhvr>
+                                        <p:cTn id="52" dur="500"/>
+                                        <p:tgtEl>
+                                          <p:spTgt spid="18"/>
+                                        </p:tgtEl>
+                                      </p:cBhvr>
+                                    </p:animEffect>
+                                  </p:childTnLst>
+                                </p:cTn>
+                              </p:par>
+                            </p:childTnLst>
+                          </p:cTn>
+                        </p:par>
+                      </p:childTnLst>
+                    </p:cTn>
+                  </p:par>
+                  <p:par>
+                    <p:cTn id="53" fill="hold">
+                      <p:stCondLst>
+                        <p:cond delay="indefinite"/>
+                      </p:stCondLst>
+                      <p:childTnLst>
+                        <p:par>
+                          <p:cTn id="54" fill="hold">
+                            <p:stCondLst>
+                              <p:cond delay="0"/>
+                            </p:stCondLst>
+                            <p:childTnLst>
+                              <p:par>
+                                <p:cTn id="55" presetID="10" presetClass="entr" presetSubtype="0" fill="hold" nodeType="clickEffect">
+                                  <p:stCondLst>
+                                    <p:cond delay="0"/>
+                                  </p:stCondLst>
+                                  <p:childTnLst>
+                                    <p:set>
+                                      <p:cBhvr>
+                                        <p:cTn id="56" dur="1" fill="hold">
+                                          <p:stCondLst>
+                                            <p:cond delay="0"/>
+                                          </p:stCondLst>
+                                        </p:cTn>
+                                        <p:tgtEl>
+                                          <p:spTgt spid="19"/>
+                                        </p:tgtEl>
+                                        <p:attrNameLst>
+                                          <p:attrName>style.visibility</p:attrName>
+                                        </p:attrNameLst>
+                                      </p:cBhvr>
+                                      <p:to>
+                                        <p:strVal val="visible"/>
+                                      </p:to>
+                                    </p:set>
+                                    <p:animEffect transition="in" filter="fade">
+                                      <p:cBhvr>
+                                        <p:cTn id="57" dur="500"/>
+                                        <p:tgtEl>
+                                          <p:spTgt spid="19"/>
+                                        </p:tgtEl>
+                                      </p:cBhvr>
+                                    </p:animEffect>
+                                  </p:childTnLst>
+                                </p:cTn>
+                              </p:par>
+                            </p:childTnLst>
+                          </p:cTn>
+                        </p:par>
+                      </p:childTnLst>
+                    </p:cTn>
+                  </p:par>
+                  <p:par>
+                    <p:cTn id="58" fill="hold">
+                      <p:stCondLst>
+                        <p:cond delay="indefinite"/>
+                      </p:stCondLst>
+                      <p:childTnLst>
+                        <p:par>
+                          <p:cTn id="59" fill="hold">
+                            <p:stCondLst>
+                              <p:cond delay="0"/>
+                            </p:stCondLst>
+                            <p:childTnLst>
+                              <p:par>
+                                <p:cTn id="60" presetID="10" presetClass="entr" presetSubtype="0" fill="hold" grpId="0" nodeType="clickEffect">
+                                  <p:stCondLst>
+                                    <p:cond delay="0"/>
+                                  </p:stCondLst>
+                                  <p:childTnLst>
+                                    <p:set>
+                                      <p:cBhvr>
+                                        <p:cTn id="61" dur="1" fill="hold">
+                                          <p:stCondLst>
+                                            <p:cond delay="0"/>
+                                          </p:stCondLst>
+                                        </p:cTn>
+                                        <p:tgtEl>
+                                          <p:spTgt spid="9"/>
+                                        </p:tgtEl>
+                                        <p:attrNameLst>
+                                          <p:attrName>style.visibility</p:attrName>
+                                        </p:attrNameLst>
+                                      </p:cBhvr>
+                                      <p:to>
+                                        <p:strVal val="visible"/>
+                                      </p:to>
+                                    </p:set>
+                                    <p:animEffect transition="in" filter="fade">
+                                      <p:cBhvr>
+                                        <p:cTn id="62" dur="500"/>
+                                        <p:tgtEl>
+                                          <p:spTgt spid="9"/>
+                                        </p:tgtEl>
+                                      </p:cBhvr>
+                                    </p:animEffect>
+                                  </p:childTnLst>
+                                </p:cTn>
+                              </p:par>
+                            </p:childTnLst>
+                          </p:cTn>
+                        </p:par>
+                      </p:childTnLst>
+                    </p:cTn>
+                  </p:par>
+                  <p:par>
+                    <p:cTn id="63" fill="hold">
+                      <p:stCondLst>
+                        <p:cond delay="indefinite"/>
+                      </p:stCondLst>
+                      <p:childTnLst>
+                        <p:par>
+                          <p:cTn id="64" fill="hold">
+                            <p:stCondLst>
+                              <p:cond delay="0"/>
+                            </p:stCondLst>
+                            <p:childTnLst>
+                              <p:par>
+                                <p:cTn id="65" presetID="10" presetClass="entr" presetSubtype="0" fill="hold" grpId="0" nodeType="clickEffect">
+                                  <p:stCondLst>
+                                    <p:cond delay="0"/>
+                                  </p:stCondLst>
+                                  <p:childTnLst>
+                                    <p:set>
+                                      <p:cBhvr>
+                                        <p:cTn id="66" dur="1" fill="hold">
+                                          <p:stCondLst>
+                                            <p:cond delay="0"/>
+                                          </p:stCondLst>
+                                        </p:cTn>
+                                        <p:tgtEl>
+                                          <p:spTgt spid="25"/>
+                                        </p:tgtEl>
+                                        <p:attrNameLst>
+                                          <p:attrName>style.visibility</p:attrName>
+                                        </p:attrNameLst>
+                                      </p:cBhvr>
+                                      <p:to>
+                                        <p:strVal val="visible"/>
+                                      </p:to>
+                                    </p:set>
+                                    <p:animEffect transition="in" filter="fade">
+                                      <p:cBhvr>
+                                        <p:cTn id="67" dur="500"/>
+                                        <p:tgtEl>
+                                          <p:spTgt spid="25"/>
+                                        </p:tgtEl>
+                                      </p:cBhvr>
+                                    </p:animEffect>
+                                  </p:childTnLst>
+                                </p:cTn>
+                              </p:par>
+                            </p:childTnLst>
+                          </p:cTn>
+                        </p:par>
+                      </p:childTnLst>
+                    </p:cTn>
+                  </p:par>
+                  <p:par>
+                    <p:cTn id="68" fill="hold">
+                      <p:stCondLst>
+                        <p:cond delay="indefinite"/>
+                      </p:stCondLst>
+                      <p:childTnLst>
+                        <p:par>
+                          <p:cTn id="69" fill="hold">
+                            <p:stCondLst>
+                              <p:cond delay="0"/>
+                            </p:stCondLst>
+                            <p:childTnLst>
+                              <p:par>
+                                <p:cTn id="70" presetID="10" presetClass="entr" presetSubtype="0" fill="hold" nodeType="clickEffect">
+                                  <p:stCondLst>
+                                    <p:cond delay="0"/>
+                                  </p:stCondLst>
+                                  <p:childTnLst>
+                                    <p:set>
+                                      <p:cBhvr>
+                                        <p:cTn id="71" dur="1" fill="hold">
+                                          <p:stCondLst>
+                                            <p:cond delay="0"/>
+                                          </p:stCondLst>
+                                        </p:cTn>
+                                        <p:tgtEl>
+                                          <p:spTgt spid="21"/>
+                                        </p:tgtEl>
+                                        <p:attrNameLst>
+                                          <p:attrName>style.visibility</p:attrName>
+                                        </p:attrNameLst>
+                                      </p:cBhvr>
+                                      <p:to>
+                                        <p:strVal val="visible"/>
+                                      </p:to>
+                                    </p:set>
+                                    <p:animEffect transition="in" filter="fade">
+                                      <p:cBhvr>
+                                        <p:cTn id="72" dur="500"/>
+                                        <p:tgtEl>
+                                          <p:spTgt spid="21"/>
+                                        </p:tgtEl>
+                                      </p:cBhvr>
+                                    </p:animEffect>
+                                  </p:childTnLst>
+                                </p:cTn>
+                              </p:par>
+                            </p:childTnLst>
+                          </p:cTn>
+                        </p:par>
+                      </p:childTnLst>
+                    </p:cTn>
+                  </p:par>
+                  <p:par>
+                    <p:cTn id="73" fill="hold">
+                      <p:stCondLst>
+                        <p:cond delay="indefinite"/>
+                      </p:stCondLst>
+                      <p:childTnLst>
+                        <p:par>
+                          <p:cTn id="74" fill="hold">
+                            <p:stCondLst>
+                              <p:cond delay="0"/>
+                            </p:stCondLst>
+                            <p:childTnLst>
+                              <p:par>
+                                <p:cTn id="75" presetID="10" presetClass="entr" presetSubtype="0" fill="hold" grpId="0" nodeType="clickEffect">
+                                  <p:stCondLst>
+                                    <p:cond delay="0"/>
+                                  </p:stCondLst>
+                                  <p:childTnLst>
+                                    <p:set>
+                                      <p:cBhvr>
+                                        <p:cTn id="76" dur="1" fill="hold">
+                                          <p:stCondLst>
+                                            <p:cond delay="0"/>
+                                          </p:stCondLst>
+                                        </p:cTn>
+                                        <p:tgtEl>
+                                          <p:spTgt spid="27"/>
+                                        </p:tgtEl>
+                                        <p:attrNameLst>
+                                          <p:attrName>style.visibility</p:attrName>
+                                        </p:attrNameLst>
+                                      </p:cBhvr>
+                                      <p:to>
+                                        <p:strVal val="visible"/>
+                                      </p:to>
+                                    </p:set>
+                                    <p:animEffect transition="in" filter="fade">
+                                      <p:cBhvr>
+                                        <p:cTn id="77" dur="500"/>
+                                        <p:tgtEl>
+                                          <p:spTgt spid="27"/>
+                                        </p:tgtEl>
+                                      </p:cBhvr>
+                                    </p:animEffect>
+                                  </p:childTnLst>
+                                </p:cTn>
+                              </p:par>
+                            </p:childTnLst>
+                          </p:cTn>
+                        </p:par>
+                      </p:childTnLst>
+                    </p:cTn>
+                  </p:par>
+                  <p:par>
+                    <p:cTn id="78" fill="hold">
+                      <p:stCondLst>
+                        <p:cond delay="indefinite"/>
+                      </p:stCondLst>
+                      <p:childTnLst>
+                        <p:par>
+                          <p:cTn id="79" fill="hold">
+                            <p:stCondLst>
+                              <p:cond delay="0"/>
+                            </p:stCondLst>
+                            <p:childTnLst>
+                              <p:par>
+                                <p:cTn id="80" presetID="10" presetClass="entr" presetSubtype="0" fill="hold" nodeType="clickEffect">
+                                  <p:stCondLst>
+                                    <p:cond delay="0"/>
+                                  </p:stCondLst>
+                                  <p:childTnLst>
+                                    <p:set>
+                                      <p:cBhvr>
+                                        <p:cTn id="81" dur="1" fill="hold">
+                                          <p:stCondLst>
+                                            <p:cond delay="0"/>
+                                          </p:stCondLst>
+                                        </p:cTn>
+                                        <p:tgtEl>
+                                          <p:spTgt spid="23"/>
+                                        </p:tgtEl>
+                                        <p:attrNameLst>
+                                          <p:attrName>style.visibility</p:attrName>
+                                        </p:attrNameLst>
+                                      </p:cBhvr>
+                                      <p:to>
+                                        <p:strVal val="visible"/>
+                                      </p:to>
+                                    </p:set>
+                                    <p:animEffect transition="in" filter="fade">
+                                      <p:cBhvr>
+                                        <p:cTn id="82" dur="500"/>
+                                        <p:tgtEl>
+                                          <p:spTgt spid="23"/>
+                                        </p:tgtEl>
+                                      </p:cBhvr>
+                                    </p:animEffect>
+                                  </p:childTnLst>
+                                </p:cTn>
+                              </p:par>
+                            </p:childTnLst>
+                          </p:cTn>
+                        </p:par>
+                      </p:childTnLst>
+                    </p:cTn>
+                  </p:par>
+                  <p:par>
+                    <p:cTn id="83" fill="hold">
+                      <p:stCondLst>
+                        <p:cond delay="indefinite"/>
+                      </p:stCondLst>
+                      <p:childTnLst>
+                        <p:par>
+                          <p:cTn id="84" fill="hold">
+                            <p:stCondLst>
+                              <p:cond delay="0"/>
+                            </p:stCondLst>
+                            <p:childTnLst>
+                              <p:par>
+                                <p:cTn id="85" presetID="10" presetClass="entr" presetSubtype="0" fill="hold" grpId="0" nodeType="clickEffect">
+                                  <p:stCondLst>
+                                    <p:cond delay="0"/>
+                                  </p:stCondLst>
+                                  <p:childTnLst>
+                                    <p:set>
+                                      <p:cBhvr>
+                                        <p:cTn id="86" dur="1" fill="hold">
+                                          <p:stCondLst>
+                                            <p:cond delay="0"/>
+                                          </p:stCondLst>
+                                        </p:cTn>
+                                        <p:tgtEl>
+                                          <p:spTgt spid="24"/>
+                                        </p:tgtEl>
+                                        <p:attrNameLst>
+                                          <p:attrName>style.visibility</p:attrName>
+                                        </p:attrNameLst>
+                                      </p:cBhvr>
+                                      <p:to>
+                                        <p:strVal val="visible"/>
+                                      </p:to>
+                                    </p:set>
+                                    <p:animEffect transition="in" filter="fade">
+                                      <p:cBhvr>
+                                        <p:cTn id="87" dur="500"/>
+                                        <p:tgtEl>
+                                          <p:spTgt spid="24"/>
+                                        </p:tgtEl>
+                                      </p:cBhvr>
+                                    </p:animEffect>
+                                  </p:childTnLst>
+                                </p:cTn>
+                              </p:par>
+                            </p:childTnLst>
+                          </p:cTn>
+                        </p:par>
+                      </p:childTnLst>
+                    </p:cTn>
+                  </p:par>
+                  <p:par>
+                    <p:cTn id="88" fill="hold">
+                      <p:stCondLst>
+                        <p:cond delay="indefinite"/>
+                      </p:stCondLst>
+                      <p:childTnLst>
+                        <p:par>
+                          <p:cTn id="89" fill="hold">
+                            <p:stCondLst>
+                              <p:cond delay="0"/>
+                            </p:stCondLst>
+                            <p:childTnLst>
+                              <p:par>
+                                <p:cTn id="90" presetID="10" presetClass="entr" presetSubtype="0" fill="hold" grpId="0" nodeType="clickEffect">
+                                  <p:stCondLst>
+                                    <p:cond delay="0"/>
+                                  </p:stCondLst>
+                                  <p:childTnLst>
+                                    <p:set>
+                                      <p:cBhvr>
+                                        <p:cTn id="91" dur="1" fill="hold">
+                                          <p:stCondLst>
+                                            <p:cond delay="0"/>
+                                          </p:stCondLst>
+                                        </p:cTn>
+                                        <p:tgtEl>
+                                          <p:spTgt spid="26"/>
+                                        </p:tgtEl>
+                                        <p:attrNameLst>
+                                          <p:attrName>style.visibility</p:attrName>
+                                        </p:attrNameLst>
+                                      </p:cBhvr>
+                                      <p:to>
+                                        <p:strVal val="visible"/>
+                                      </p:to>
+                                    </p:set>
+                                    <p:animEffect transition="in" filter="fade">
+                                      <p:cBhvr>
+                                        <p:cTn id="92" dur="500"/>
+                                        <p:tgtEl>
+                                          <p:spTgt spid="26"/>
+                                        </p:tgtEl>
+                                      </p:cBhvr>
+                                    </p:animEffect>
+                                  </p:childTnLst>
+                                </p:cTn>
+                              </p:par>
+                            </p:childTnLst>
+                          </p:cTn>
+                        </p:par>
+                      </p:childTnLst>
+                    </p:cTn>
+                  </p:par>
+                  <p:par>
+                    <p:cTn id="93" fill="hold">
+                      <p:stCondLst>
+                        <p:cond delay="indefinite"/>
+                      </p:stCondLst>
+                      <p:childTnLst>
+                        <p:par>
+                          <p:cTn id="94" fill="hold">
+                            <p:stCondLst>
+                              <p:cond delay="0"/>
+                            </p:stCondLst>
+                            <p:childTnLst>
+                              <p:par>
+                                <p:cTn id="95" presetID="10" presetClass="entr" presetSubtype="0" fill="hold" nodeType="clickEffect">
+                                  <p:stCondLst>
+                                    <p:cond delay="0"/>
+                                  </p:stCondLst>
+                                  <p:childTnLst>
+                                    <p:set>
+                                      <p:cBhvr>
+                                        <p:cTn id="96" dur="1" fill="hold">
+                                          <p:stCondLst>
+                                            <p:cond delay="0"/>
+                                          </p:stCondLst>
+                                        </p:cTn>
+                                        <p:tgtEl>
+                                          <p:spTgt spid="22"/>
+                                        </p:tgtEl>
+                                        <p:attrNameLst>
+                                          <p:attrName>style.visibility</p:attrName>
+                                        </p:attrNameLst>
+                                      </p:cBhvr>
+                                      <p:to>
+                                        <p:strVal val="visible"/>
+                                      </p:to>
+                                    </p:set>
+                                    <p:animEffect transition="in" filter="fade">
+                                      <p:cBhvr>
+                                        <p:cTn id="97" dur="500"/>
+                                        <p:tgtEl>
+                                          <p:spTgt spid="22"/>
+                                        </p:tgtEl>
+                                      </p:cBhvr>
+                                    </p:animEffect>
+                                  </p:childTnLst>
+                                </p:cTn>
+                              </p:par>
+                            </p:childTnLst>
+                          </p:cTn>
+                        </p:par>
+                      </p:childTnLst>
+                    </p:cTn>
+                  </p:par>
+                  <p:par>
+                    <p:cTn id="98" fill="hold">
+                      <p:stCondLst>
+                        <p:cond delay="indefinite"/>
+                      </p:stCondLst>
+                      <p:childTnLst>
+                        <p:par>
+                          <p:cTn id="99" fill="hold">
+                            <p:stCondLst>
+                              <p:cond delay="0"/>
+                            </p:stCondLst>
+                            <p:childTnLst>
+                              <p:par>
+                                <p:cTn id="100" presetID="10" presetClass="entr" presetSubtype="0" fill="hold" grpId="0" nodeType="clickEffect">
+                                  <p:stCondLst>
+                                    <p:cond delay="0"/>
+                                  </p:stCondLst>
+                                  <p:childTnLst>
+                                    <p:set>
+                                      <p:cBhvr>
+                                        <p:cTn id="101" dur="1" fill="hold">
+                                          <p:stCondLst>
+                                            <p:cond delay="0"/>
+                                          </p:stCondLst>
+                                        </p:cTn>
+                                        <p:tgtEl>
+                                          <p:spTgt spid="28"/>
+                                        </p:tgtEl>
+                                        <p:attrNameLst>
+                                          <p:attrName>style.visibility</p:attrName>
+                                        </p:attrNameLst>
+                                      </p:cBhvr>
+                                      <p:to>
+                                        <p:strVal val="visible"/>
+                                      </p:to>
+                                    </p:set>
+                                    <p:animEffect transition="in" filter="fade">
+                                      <p:cBhvr>
+                                        <p:cTn id="102" dur="500"/>
+                                        <p:tgtEl>
+                                          <p:spTgt spid="28"/>
+                                        </p:tgtEl>
+                                      </p:cBhvr>
+                                    </p:animEffect>
+                                  </p:childTnLst>
+                                </p:cTn>
+                              </p:par>
+                            </p:childTnLst>
+                          </p:cTn>
+                        </p:par>
+                      </p:childTnLst>
+                    </p:cTn>
+                  </p:par>
+                </p:childTnLst>
+              </p:cTn>
+              <p:prevCondLst>
+                <p:cond evt="onPrev" delay="0">
+                  <p:tgtEl>
+                    <p:sldTgt/>
+                  </p:tgtEl>
+                </p:cond>
+              </p:prevCondLst>
+              <p:nextCondLst>
+                <p:cond evt="onNext" delay="0">
+                  <p:tgtEl>
+                    <p:sldTgt/>
+                  </p:tgtEl>
+                </p:cond>
+              </p:nextCondLst>
+            </p:seq>
+          </p:childTnLst>
+        </p:cTn>
+      </p:par>
+    </p:tnLst>
+    <p:bldLst>
+      <p:bldP spid="5" grpId="0" animBg="1"/>
+      <p:bldP spid="6" grpId="0" animBg="1"/>
+      <p:bldP spid="7" grpId="0"/>
+      <p:bldP spid="8" grpId="0"/>
+      <p:bldP spid="9" grpId="0" animBg="1"/>
+      <p:bldP spid="17" grpId="0"/>
+      <p:bldP spid="18" grpId="0"/>
+      <p:bldP spid="20" grpId="0" animBg="1"/>
+      <p:bldP spid="24" grpId="0" animBg="1"/>
+      <p:bldP spid="25" grpId="0"/>
+      <p:bldP spid="26" grpId="0"/>
+      <p:bldP spid="27" grpId="0" animBg="1"/>
+      <p:bldP spid="28" grpId="0" animBg="1"/>
+    </p:bldLst>
+  </p:timing>
 </p:sld>
 </file>
 
@@ -21728,6 +24421,6291 @@
       <p:bldP spid="23" grpId="0" animBg="1"/>
       <p:bldP spid="24" grpId="0"/>
     </p:bldLst>
+  </p:timing>
+</p:sld>
+</file>
+
+<file path=ppt/slides/slide30.xml><?xml version="1.0" encoding="utf-8"?>
+<p:sld xmlns:a="http://schemas.openxmlformats.org/drawingml/2006/main" xmlns:r="http://schemas.openxmlformats.org/officeDocument/2006/relationships" xmlns:p="http://schemas.openxmlformats.org/presentationml/2006/main">
+  <p:cSld>
+    <p:spTree>
+      <p:nvGrpSpPr>
+        <p:cNvPr id="1" name=""/>
+        <p:cNvGrpSpPr/>
+        <p:nvPr/>
+      </p:nvGrpSpPr>
+      <p:grpSpPr>
+        <a:xfrm>
+          <a:off x="0" y="0"/>
+          <a:ext cx="0" cy="0"/>
+          <a:chOff x="0" y="0"/>
+          <a:chExt cx="0" cy="0"/>
+        </a:xfrm>
+      </p:grpSpPr>
+      <p:sp>
+        <p:nvSpPr>
+          <p:cNvPr id="2" name="标题 1"/>
+          <p:cNvSpPr>
+            <a:spLocks noGrp="1"/>
+          </p:cNvSpPr>
+          <p:nvPr>
+            <p:ph type="title"/>
+          </p:nvPr>
+        </p:nvSpPr>
+        <p:spPr>
+          <a:xfrm>
+            <a:off x="457200" y="125760"/>
+            <a:ext cx="8229600" cy="1143000"/>
+          </a:xfrm>
+        </p:spPr>
+        <p:txBody>
+          <a:bodyPr/>
+          <a:lstStyle/>
+          <a:p>
+            <a:r>
+              <a:rPr lang="en-US" altLang="zh-CN" dirty="0" smtClean="0"/>
+              <a:t>SmartArt</a:t>
+            </a:r>
+            <a:endParaRPr lang="zh-CN" altLang="en-US" dirty="0"/>
+          </a:p>
+        </p:txBody>
+      </p:sp>
+      <p:pic>
+        <p:nvPicPr>
+          <p:cNvPr id="4" name="内容占位符 3"/>
+          <p:cNvPicPr>
+            <a:picLocks noGrp="1" noChangeAspect="1"/>
+          </p:cNvPicPr>
+          <p:nvPr>
+            <p:ph idx="1"/>
+          </p:nvPr>
+        </p:nvPicPr>
+        <p:blipFill>
+          <a:blip r:embed="rId2" cstate="print">
+            <a:extLst>
+              <a:ext uri="{28A0092B-C50C-407E-A947-70E740481C1C}">
+                <a14:useLocalDpi xmlns:a14="http://schemas.microsoft.com/office/drawing/2010/main" val="0"/>
+              </a:ext>
+            </a:extLst>
+          </a:blip>
+          <a:stretch>
+            <a:fillRect/>
+          </a:stretch>
+        </p:blipFill>
+        <p:spPr>
+          <a:xfrm>
+            <a:off x="251960" y="3212976"/>
+            <a:ext cx="3960000" cy="2475001"/>
+          </a:xfrm>
+        </p:spPr>
+      </p:pic>
+      <p:sp>
+        <p:nvSpPr>
+          <p:cNvPr id="5" name="TextBox 4"/>
+          <p:cNvSpPr txBox="1"/>
+          <p:nvPr/>
+        </p:nvSpPr>
+        <p:spPr>
+          <a:xfrm>
+            <a:off x="611560" y="1052736"/>
+            <a:ext cx="8208472" cy="1538883"/>
+          </a:xfrm>
+          <a:prstGeom prst="rect">
+            <a:avLst/>
+          </a:prstGeom>
+          <a:noFill/>
+        </p:spPr>
+        <p:txBody>
+          <a:bodyPr wrap="square" rtlCol="0">
+            <a:spAutoFit/>
+          </a:bodyPr>
+          <a:lstStyle/>
+          <a:p>
+            <a:pPr>
+              <a:spcBef>
+                <a:spcPts val="1200"/>
+              </a:spcBef>
+            </a:pPr>
+            <a:r>
+              <a:rPr lang="zh-CN" altLang="en-US" sz="2800" dirty="0" smtClean="0">
+                <a:latin typeface="+mn-ea"/>
+              </a:rPr>
+              <a:t>使用普通的层级关系可以很快的理清思路，但是内容太多时，页面比较杂乱，不利于观看。</a:t>
+            </a:r>
+            <a:endParaRPr lang="en-US" altLang="zh-CN" sz="2800" dirty="0" smtClean="0">
+              <a:latin typeface="+mn-ea"/>
+            </a:endParaRPr>
+          </a:p>
+          <a:p>
+            <a:pPr>
+              <a:spcBef>
+                <a:spcPts val="1200"/>
+              </a:spcBef>
+            </a:pPr>
+            <a:r>
+              <a:rPr lang="zh-CN" altLang="en-US" sz="2800" dirty="0" smtClean="0">
+                <a:latin typeface="+mn-ea"/>
+              </a:rPr>
+              <a:t>利用</a:t>
+            </a:r>
+            <a:r>
+              <a:rPr lang="en-US" altLang="zh-CN" sz="2800" dirty="0" smtClean="0">
+                <a:latin typeface="+mn-ea"/>
+              </a:rPr>
+              <a:t>SmartArt</a:t>
+            </a:r>
+            <a:r>
+              <a:rPr lang="zh-CN" altLang="en-US" sz="2800" dirty="0" smtClean="0">
+                <a:latin typeface="+mn-ea"/>
+              </a:rPr>
+              <a:t>可以快速的设计和排版换灯片的内容</a:t>
+            </a:r>
+            <a:endParaRPr lang="zh-CN" altLang="en-US" sz="2800" dirty="0">
+              <a:latin typeface="+mn-ea"/>
+            </a:endParaRPr>
+          </a:p>
+        </p:txBody>
+      </p:sp>
+      <p:pic>
+        <p:nvPicPr>
+          <p:cNvPr id="6" name="图片 5"/>
+          <p:cNvPicPr>
+            <a:picLocks noChangeAspect="1"/>
+          </p:cNvPicPr>
+          <p:nvPr/>
+        </p:nvPicPr>
+        <p:blipFill>
+          <a:blip r:embed="rId3" cstate="print">
+            <a:extLst>
+              <a:ext uri="{28A0092B-C50C-407E-A947-70E740481C1C}">
+                <a14:useLocalDpi xmlns:a14="http://schemas.microsoft.com/office/drawing/2010/main" val="0"/>
+              </a:ext>
+            </a:extLst>
+          </a:blip>
+          <a:stretch>
+            <a:fillRect/>
+          </a:stretch>
+        </p:blipFill>
+        <p:spPr>
+          <a:xfrm>
+            <a:off x="4932040" y="3186248"/>
+            <a:ext cx="3960000" cy="2475000"/>
+          </a:xfrm>
+          <a:prstGeom prst="rect">
+            <a:avLst/>
+          </a:prstGeom>
+        </p:spPr>
+      </p:pic>
+    </p:spTree>
+    <p:extLst>
+      <p:ext uri="{BB962C8B-B14F-4D97-AF65-F5344CB8AC3E}">
+        <p14:creationId xmlns:p14="http://schemas.microsoft.com/office/powerpoint/2010/main" val="1525798620"/>
+      </p:ext>
+    </p:extLst>
+  </p:cSld>
+  <p:clrMapOvr>
+    <a:masterClrMapping/>
+  </p:clrMapOvr>
+  <p:timing>
+    <p:tnLst>
+      <p:par>
+        <p:cTn id="1" dur="indefinite" restart="never" nodeType="tmRoot">
+          <p:childTnLst>
+            <p:seq concurrent="1" nextAc="seek">
+              <p:cTn id="2" dur="indefinite" nodeType="mainSeq">
+                <p:childTnLst>
+                  <p:par>
+                    <p:cTn id="3" fill="hold">
+                      <p:stCondLst>
+                        <p:cond delay="indefinite"/>
+                      </p:stCondLst>
+                      <p:childTnLst>
+                        <p:par>
+                          <p:cTn id="4" fill="hold">
+                            <p:stCondLst>
+                              <p:cond delay="0"/>
+                            </p:stCondLst>
+                            <p:childTnLst>
+                              <p:par>
+                                <p:cTn id="5" presetID="10" presetClass="entr" presetSubtype="0" fill="hold" grpId="0" nodeType="clickEffect">
+                                  <p:stCondLst>
+                                    <p:cond delay="0"/>
+                                  </p:stCondLst>
+                                  <p:childTnLst>
+                                    <p:set>
+                                      <p:cBhvr>
+                                        <p:cTn id="6" dur="1" fill="hold">
+                                          <p:stCondLst>
+                                            <p:cond delay="0"/>
+                                          </p:stCondLst>
+                                        </p:cTn>
+                                        <p:tgtEl>
+                                          <p:spTgt spid="5">
+                                            <p:txEl>
+                                              <p:pRg st="0" end="0"/>
+                                            </p:txEl>
+                                          </p:spTgt>
+                                        </p:tgtEl>
+                                        <p:attrNameLst>
+                                          <p:attrName>style.visibility</p:attrName>
+                                        </p:attrNameLst>
+                                      </p:cBhvr>
+                                      <p:to>
+                                        <p:strVal val="visible"/>
+                                      </p:to>
+                                    </p:set>
+                                    <p:animEffect transition="in" filter="fade">
+                                      <p:cBhvr>
+                                        <p:cTn id="7" dur="500"/>
+                                        <p:tgtEl>
+                                          <p:spTgt spid="5">
+                                            <p:txEl>
+                                              <p:pRg st="0" end="0"/>
+                                            </p:txEl>
+                                          </p:spTgt>
+                                        </p:tgtEl>
+                                      </p:cBhvr>
+                                    </p:animEffect>
+                                  </p:childTnLst>
+                                </p:cTn>
+                              </p:par>
+                            </p:childTnLst>
+                          </p:cTn>
+                        </p:par>
+                      </p:childTnLst>
+                    </p:cTn>
+                  </p:par>
+                  <p:par>
+                    <p:cTn id="8" fill="hold">
+                      <p:stCondLst>
+                        <p:cond delay="indefinite"/>
+                      </p:stCondLst>
+                      <p:childTnLst>
+                        <p:par>
+                          <p:cTn id="9" fill="hold">
+                            <p:stCondLst>
+                              <p:cond delay="0"/>
+                            </p:stCondLst>
+                            <p:childTnLst>
+                              <p:par>
+                                <p:cTn id="10" presetID="10" presetClass="entr" presetSubtype="0" fill="hold" nodeType="clickEffect">
+                                  <p:stCondLst>
+                                    <p:cond delay="0"/>
+                                  </p:stCondLst>
+                                  <p:childTnLst>
+                                    <p:set>
+                                      <p:cBhvr>
+                                        <p:cTn id="11" dur="1" fill="hold">
+                                          <p:stCondLst>
+                                            <p:cond delay="0"/>
+                                          </p:stCondLst>
+                                        </p:cTn>
+                                        <p:tgtEl>
+                                          <p:spTgt spid="4"/>
+                                        </p:tgtEl>
+                                        <p:attrNameLst>
+                                          <p:attrName>style.visibility</p:attrName>
+                                        </p:attrNameLst>
+                                      </p:cBhvr>
+                                      <p:to>
+                                        <p:strVal val="visible"/>
+                                      </p:to>
+                                    </p:set>
+                                    <p:animEffect transition="in" filter="fade">
+                                      <p:cBhvr>
+                                        <p:cTn id="12" dur="500"/>
+                                        <p:tgtEl>
+                                          <p:spTgt spid="4"/>
+                                        </p:tgtEl>
+                                      </p:cBhvr>
+                                    </p:animEffect>
+                                  </p:childTnLst>
+                                </p:cTn>
+                              </p:par>
+                            </p:childTnLst>
+                          </p:cTn>
+                        </p:par>
+                      </p:childTnLst>
+                    </p:cTn>
+                  </p:par>
+                  <p:par>
+                    <p:cTn id="13" fill="hold">
+                      <p:stCondLst>
+                        <p:cond delay="indefinite"/>
+                      </p:stCondLst>
+                      <p:childTnLst>
+                        <p:par>
+                          <p:cTn id="14" fill="hold">
+                            <p:stCondLst>
+                              <p:cond delay="0"/>
+                            </p:stCondLst>
+                            <p:childTnLst>
+                              <p:par>
+                                <p:cTn id="15" presetID="10" presetClass="entr" presetSubtype="0" fill="hold" grpId="0" nodeType="clickEffect">
+                                  <p:stCondLst>
+                                    <p:cond delay="0"/>
+                                  </p:stCondLst>
+                                  <p:childTnLst>
+                                    <p:set>
+                                      <p:cBhvr>
+                                        <p:cTn id="16" dur="1" fill="hold">
+                                          <p:stCondLst>
+                                            <p:cond delay="0"/>
+                                          </p:stCondLst>
+                                        </p:cTn>
+                                        <p:tgtEl>
+                                          <p:spTgt spid="5">
+                                            <p:txEl>
+                                              <p:pRg st="1" end="1"/>
+                                            </p:txEl>
+                                          </p:spTgt>
+                                        </p:tgtEl>
+                                        <p:attrNameLst>
+                                          <p:attrName>style.visibility</p:attrName>
+                                        </p:attrNameLst>
+                                      </p:cBhvr>
+                                      <p:to>
+                                        <p:strVal val="visible"/>
+                                      </p:to>
+                                    </p:set>
+                                    <p:animEffect transition="in" filter="fade">
+                                      <p:cBhvr>
+                                        <p:cTn id="17" dur="500"/>
+                                        <p:tgtEl>
+                                          <p:spTgt spid="5">
+                                            <p:txEl>
+                                              <p:pRg st="1" end="1"/>
+                                            </p:txEl>
+                                          </p:spTgt>
+                                        </p:tgtEl>
+                                      </p:cBhvr>
+                                    </p:animEffect>
+                                  </p:childTnLst>
+                                </p:cTn>
+                              </p:par>
+                            </p:childTnLst>
+                          </p:cTn>
+                        </p:par>
+                      </p:childTnLst>
+                    </p:cTn>
+                  </p:par>
+                  <p:par>
+                    <p:cTn id="18" fill="hold">
+                      <p:stCondLst>
+                        <p:cond delay="indefinite"/>
+                      </p:stCondLst>
+                      <p:childTnLst>
+                        <p:par>
+                          <p:cTn id="19" fill="hold">
+                            <p:stCondLst>
+                              <p:cond delay="0"/>
+                            </p:stCondLst>
+                            <p:childTnLst>
+                              <p:par>
+                                <p:cTn id="20" presetID="10" presetClass="entr" presetSubtype="0" fill="hold" nodeType="clickEffect">
+                                  <p:stCondLst>
+                                    <p:cond delay="0"/>
+                                  </p:stCondLst>
+                                  <p:childTnLst>
+                                    <p:set>
+                                      <p:cBhvr>
+                                        <p:cTn id="21" dur="1" fill="hold">
+                                          <p:stCondLst>
+                                            <p:cond delay="0"/>
+                                          </p:stCondLst>
+                                        </p:cTn>
+                                        <p:tgtEl>
+                                          <p:spTgt spid="6"/>
+                                        </p:tgtEl>
+                                        <p:attrNameLst>
+                                          <p:attrName>style.visibility</p:attrName>
+                                        </p:attrNameLst>
+                                      </p:cBhvr>
+                                      <p:to>
+                                        <p:strVal val="visible"/>
+                                      </p:to>
+                                    </p:set>
+                                    <p:animEffect transition="in" filter="fade">
+                                      <p:cBhvr>
+                                        <p:cTn id="22" dur="500"/>
+                                        <p:tgtEl>
+                                          <p:spTgt spid="6"/>
+                                        </p:tgtEl>
+                                      </p:cBhvr>
+                                    </p:animEffect>
+                                  </p:childTnLst>
+                                </p:cTn>
+                              </p:par>
+                            </p:childTnLst>
+                          </p:cTn>
+                        </p:par>
+                      </p:childTnLst>
+                    </p:cTn>
+                  </p:par>
+                </p:childTnLst>
+              </p:cTn>
+              <p:prevCondLst>
+                <p:cond evt="onPrev" delay="0">
+                  <p:tgtEl>
+                    <p:sldTgt/>
+                  </p:tgtEl>
+                </p:cond>
+              </p:prevCondLst>
+              <p:nextCondLst>
+                <p:cond evt="onNext" delay="0">
+                  <p:tgtEl>
+                    <p:sldTgt/>
+                  </p:tgtEl>
+                </p:cond>
+              </p:nextCondLst>
+            </p:seq>
+          </p:childTnLst>
+        </p:cTn>
+      </p:par>
+    </p:tnLst>
+    <p:bldLst>
+      <p:bldP spid="5" grpId="0" uiExpand="1" build="p"/>
+    </p:bldLst>
+  </p:timing>
+</p:sld>
+</file>
+
+<file path=ppt/slides/slide31.xml><?xml version="1.0" encoding="utf-8"?>
+<p:sld xmlns:a="http://schemas.openxmlformats.org/drawingml/2006/main" xmlns:r="http://schemas.openxmlformats.org/officeDocument/2006/relationships" xmlns:p="http://schemas.openxmlformats.org/presentationml/2006/main">
+  <p:cSld>
+    <p:spTree>
+      <p:nvGrpSpPr>
+        <p:cNvPr id="1" name=""/>
+        <p:cNvGrpSpPr/>
+        <p:nvPr/>
+      </p:nvGrpSpPr>
+      <p:grpSpPr>
+        <a:xfrm>
+          <a:off x="0" y="0"/>
+          <a:ext cx="0" cy="0"/>
+          <a:chOff x="0" y="0"/>
+          <a:chExt cx="0" cy="0"/>
+        </a:xfrm>
+      </p:grpSpPr>
+      <p:pic>
+        <p:nvPicPr>
+          <p:cNvPr id="2" name="图片 1"/>
+          <p:cNvPicPr>
+            <a:picLocks noChangeAspect="1"/>
+          </p:cNvPicPr>
+          <p:nvPr/>
+        </p:nvPicPr>
+        <p:blipFill>
+          <a:blip r:embed="rId2" cstate="print">
+            <a:extLst>
+              <a:ext uri="{28A0092B-C50C-407E-A947-70E740481C1C}">
+                <a14:useLocalDpi xmlns:a14="http://schemas.microsoft.com/office/drawing/2010/main" val="0"/>
+              </a:ext>
+            </a:extLst>
+          </a:blip>
+          <a:stretch>
+            <a:fillRect/>
+          </a:stretch>
+        </p:blipFill>
+        <p:spPr>
+          <a:xfrm>
+            <a:off x="35976" y="188640"/>
+            <a:ext cx="4320000" cy="2700000"/>
+          </a:xfrm>
+          <a:prstGeom prst="rect">
+            <a:avLst/>
+          </a:prstGeom>
+        </p:spPr>
+      </p:pic>
+      <p:pic>
+        <p:nvPicPr>
+          <p:cNvPr id="3" name="图片 2"/>
+          <p:cNvPicPr>
+            <a:picLocks noChangeAspect="1"/>
+          </p:cNvPicPr>
+          <p:nvPr/>
+        </p:nvPicPr>
+        <p:blipFill>
+          <a:blip r:embed="rId3" cstate="print">
+            <a:extLst>
+              <a:ext uri="{28A0092B-C50C-407E-A947-70E740481C1C}">
+                <a14:useLocalDpi xmlns:a14="http://schemas.microsoft.com/office/drawing/2010/main" val="0"/>
+              </a:ext>
+            </a:extLst>
+          </a:blip>
+          <a:stretch>
+            <a:fillRect/>
+          </a:stretch>
+        </p:blipFill>
+        <p:spPr>
+          <a:xfrm>
+            <a:off x="4788024" y="188640"/>
+            <a:ext cx="4320000" cy="2700000"/>
+          </a:xfrm>
+          <a:prstGeom prst="rect">
+            <a:avLst/>
+          </a:prstGeom>
+        </p:spPr>
+      </p:pic>
+      <p:pic>
+        <p:nvPicPr>
+          <p:cNvPr id="5" name="图片 4"/>
+          <p:cNvPicPr>
+            <a:picLocks noChangeAspect="1"/>
+          </p:cNvPicPr>
+          <p:nvPr/>
+        </p:nvPicPr>
+        <p:blipFill>
+          <a:blip r:embed="rId4" cstate="print">
+            <a:extLst>
+              <a:ext uri="{28A0092B-C50C-407E-A947-70E740481C1C}">
+                <a14:useLocalDpi xmlns:a14="http://schemas.microsoft.com/office/drawing/2010/main" val="0"/>
+              </a:ext>
+            </a:extLst>
+          </a:blip>
+          <a:stretch>
+            <a:fillRect/>
+          </a:stretch>
+        </p:blipFill>
+        <p:spPr>
+          <a:xfrm>
+            <a:off x="2052000" y="3356992"/>
+            <a:ext cx="5040000" cy="3150000"/>
+          </a:xfrm>
+          <a:prstGeom prst="rect">
+            <a:avLst/>
+          </a:prstGeom>
+        </p:spPr>
+      </p:pic>
+    </p:spTree>
+    <p:extLst>
+      <p:ext uri="{BB962C8B-B14F-4D97-AF65-F5344CB8AC3E}">
+        <p14:creationId xmlns:p14="http://schemas.microsoft.com/office/powerpoint/2010/main" val="3182073348"/>
+      </p:ext>
+    </p:extLst>
+  </p:cSld>
+  <p:clrMapOvr>
+    <a:masterClrMapping/>
+  </p:clrMapOvr>
+  <p:timing>
+    <p:tnLst>
+      <p:par>
+        <p:cTn id="1" dur="indefinite" restart="never" nodeType="tmRoot"/>
+      </p:par>
+    </p:tnLst>
+  </p:timing>
+</p:sld>
+</file>
+
+<file path=ppt/slides/slide32.xml><?xml version="1.0" encoding="utf-8"?>
+<p:sld xmlns:a="http://schemas.openxmlformats.org/drawingml/2006/main" xmlns:r="http://schemas.openxmlformats.org/officeDocument/2006/relationships" xmlns:p="http://schemas.openxmlformats.org/presentationml/2006/main">
+  <p:cSld>
+    <p:spTree>
+      <p:nvGrpSpPr>
+        <p:cNvPr id="1" name=""/>
+        <p:cNvGrpSpPr/>
+        <p:nvPr/>
+      </p:nvGrpSpPr>
+      <p:grpSpPr>
+        <a:xfrm>
+          <a:off x="0" y="0"/>
+          <a:ext cx="0" cy="0"/>
+          <a:chOff x="0" y="0"/>
+          <a:chExt cx="0" cy="0"/>
+        </a:xfrm>
+      </p:grpSpPr>
+      <p:sp>
+        <p:nvSpPr>
+          <p:cNvPr id="2" name="标题 1"/>
+          <p:cNvSpPr>
+            <a:spLocks noGrp="1"/>
+          </p:cNvSpPr>
+          <p:nvPr>
+            <p:ph type="title"/>
+          </p:nvPr>
+        </p:nvSpPr>
+        <p:spPr/>
+        <p:txBody>
+          <a:bodyPr/>
+          <a:lstStyle/>
+          <a:p>
+            <a:r>
+              <a:rPr lang="zh-CN" altLang="en-US" dirty="0" smtClean="0"/>
+              <a:t>文本与</a:t>
+            </a:r>
+            <a:r>
+              <a:rPr lang="en-US" altLang="zh-CN" dirty="0" smtClean="0"/>
+              <a:t>SmartArt</a:t>
+            </a:r>
+            <a:r>
+              <a:rPr lang="zh-CN" altLang="en-US" dirty="0" smtClean="0"/>
+              <a:t>转换</a:t>
+            </a:r>
+            <a:endParaRPr lang="zh-CN" altLang="en-US" dirty="0"/>
+          </a:p>
+        </p:txBody>
+      </p:sp>
+      <p:pic>
+        <p:nvPicPr>
+          <p:cNvPr id="4" name="内容占位符 3"/>
+          <p:cNvPicPr>
+            <a:picLocks noGrp="1" noChangeAspect="1"/>
+          </p:cNvPicPr>
+          <p:nvPr>
+            <p:ph idx="1"/>
+          </p:nvPr>
+        </p:nvPicPr>
+        <p:blipFill>
+          <a:blip r:embed="rId2">
+            <a:extLst>
+              <a:ext uri="{28A0092B-C50C-407E-A947-70E740481C1C}">
+                <a14:useLocalDpi xmlns:a14="http://schemas.microsoft.com/office/drawing/2010/main" val="0"/>
+              </a:ext>
+            </a:extLst>
+          </a:blip>
+          <a:stretch>
+            <a:fillRect/>
+          </a:stretch>
+        </p:blipFill>
+        <p:spPr>
+          <a:xfrm>
+            <a:off x="2022192" y="2564904"/>
+            <a:ext cx="5099616" cy="4005064"/>
+          </a:xfrm>
+        </p:spPr>
+      </p:pic>
+      <p:sp>
+        <p:nvSpPr>
+          <p:cNvPr id="5" name="TextBox 4"/>
+          <p:cNvSpPr txBox="1"/>
+          <p:nvPr/>
+        </p:nvSpPr>
+        <p:spPr>
+          <a:xfrm>
+            <a:off x="899592" y="1412776"/>
+            <a:ext cx="1224136" cy="646331"/>
+          </a:xfrm>
+          <a:prstGeom prst="rect">
+            <a:avLst/>
+          </a:prstGeom>
+          <a:noFill/>
+        </p:spPr>
+        <p:txBody>
+          <a:bodyPr wrap="square" rtlCol="0">
+            <a:spAutoFit/>
+          </a:bodyPr>
+          <a:lstStyle/>
+          <a:p>
+            <a:pPr algn="ctr"/>
+            <a:r>
+              <a:rPr lang="zh-CN" altLang="en-US" dirty="0" smtClean="0"/>
+              <a:t>右键单击文本</a:t>
+            </a:r>
+            <a:endParaRPr lang="zh-CN" altLang="en-US" dirty="0"/>
+          </a:p>
+        </p:txBody>
+      </p:sp>
+      <p:sp>
+        <p:nvSpPr>
+          <p:cNvPr id="6" name="TextBox 5"/>
+          <p:cNvSpPr txBox="1"/>
+          <p:nvPr/>
+        </p:nvSpPr>
+        <p:spPr>
+          <a:xfrm>
+            <a:off x="3779912" y="1551275"/>
+            <a:ext cx="1512168" cy="369332"/>
+          </a:xfrm>
+          <a:prstGeom prst="rect">
+            <a:avLst/>
+          </a:prstGeom>
+          <a:noFill/>
+        </p:spPr>
+        <p:txBody>
+          <a:bodyPr wrap="square" rtlCol="0">
+            <a:spAutoFit/>
+          </a:bodyPr>
+          <a:lstStyle/>
+          <a:p>
+            <a:r>
+              <a:rPr lang="zh-CN" altLang="en-US" dirty="0" smtClean="0"/>
+              <a:t>转为</a:t>
+            </a:r>
+            <a:r>
+              <a:rPr lang="en-US" altLang="zh-CN" dirty="0" smtClean="0"/>
+              <a:t>SmartArt</a:t>
+            </a:r>
+            <a:endParaRPr lang="zh-CN" altLang="en-US" dirty="0"/>
+          </a:p>
+        </p:txBody>
+      </p:sp>
+      <p:sp>
+        <p:nvSpPr>
+          <p:cNvPr id="7" name="TextBox 6"/>
+          <p:cNvSpPr txBox="1"/>
+          <p:nvPr/>
+        </p:nvSpPr>
+        <p:spPr>
+          <a:xfrm>
+            <a:off x="6804248" y="1551275"/>
+            <a:ext cx="1584176" cy="369332"/>
+          </a:xfrm>
+          <a:prstGeom prst="rect">
+            <a:avLst/>
+          </a:prstGeom>
+          <a:noFill/>
+        </p:spPr>
+        <p:txBody>
+          <a:bodyPr wrap="square" rtlCol="0">
+            <a:spAutoFit/>
+          </a:bodyPr>
+          <a:lstStyle/>
+          <a:p>
+            <a:r>
+              <a:rPr lang="zh-CN" altLang="en-US" dirty="0" smtClean="0"/>
+              <a:t>选择一种图形</a:t>
+            </a:r>
+            <a:endParaRPr lang="zh-CN" altLang="en-US" dirty="0"/>
+          </a:p>
+        </p:txBody>
+      </p:sp>
+      <p:sp>
+        <p:nvSpPr>
+          <p:cNvPr id="8" name="右箭头 7"/>
+          <p:cNvSpPr/>
+          <p:nvPr/>
+        </p:nvSpPr>
+        <p:spPr>
+          <a:xfrm>
+            <a:off x="2627784" y="1551275"/>
+            <a:ext cx="648072" cy="369332"/>
+          </a:xfrm>
+          <a:prstGeom prst="rightArrow">
+            <a:avLst/>
+          </a:prstGeom>
+        </p:spPr>
+        <p:style>
+          <a:lnRef idx="2">
+            <a:schemeClr val="accent1">
+              <a:shade val="50000"/>
+            </a:schemeClr>
+          </a:lnRef>
+          <a:fillRef idx="1">
+            <a:schemeClr val="accent1"/>
+          </a:fillRef>
+          <a:effectRef idx="0">
+            <a:schemeClr val="accent1"/>
+          </a:effectRef>
+          <a:fontRef idx="minor">
+            <a:schemeClr val="lt1"/>
+          </a:fontRef>
+        </p:style>
+        <p:txBody>
+          <a:bodyPr rtlCol="0" anchor="ctr"/>
+          <a:lstStyle/>
+          <a:p>
+            <a:pPr algn="ctr"/>
+            <a:endParaRPr lang="zh-CN" altLang="en-US"/>
+          </a:p>
+        </p:txBody>
+      </p:sp>
+      <p:sp>
+        <p:nvSpPr>
+          <p:cNvPr id="9" name="右箭头 8"/>
+          <p:cNvSpPr/>
+          <p:nvPr/>
+        </p:nvSpPr>
+        <p:spPr>
+          <a:xfrm>
+            <a:off x="5724128" y="1548813"/>
+            <a:ext cx="648072" cy="369332"/>
+          </a:xfrm>
+          <a:prstGeom prst="rightArrow">
+            <a:avLst/>
+          </a:prstGeom>
+        </p:spPr>
+        <p:style>
+          <a:lnRef idx="2">
+            <a:schemeClr val="accent1">
+              <a:shade val="50000"/>
+            </a:schemeClr>
+          </a:lnRef>
+          <a:fillRef idx="1">
+            <a:schemeClr val="accent1"/>
+          </a:fillRef>
+          <a:effectRef idx="0">
+            <a:schemeClr val="accent1"/>
+          </a:effectRef>
+          <a:fontRef idx="minor">
+            <a:schemeClr val="lt1"/>
+          </a:fontRef>
+        </p:style>
+        <p:txBody>
+          <a:bodyPr rtlCol="0" anchor="ctr"/>
+          <a:lstStyle/>
+          <a:p>
+            <a:pPr algn="ctr"/>
+            <a:endParaRPr lang="zh-CN" altLang="en-US"/>
+          </a:p>
+        </p:txBody>
+      </p:sp>
+      <p:sp>
+        <p:nvSpPr>
+          <p:cNvPr id="10" name="TextBox 9"/>
+          <p:cNvSpPr txBox="1"/>
+          <p:nvPr/>
+        </p:nvSpPr>
+        <p:spPr>
+          <a:xfrm>
+            <a:off x="2771800" y="3140968"/>
+            <a:ext cx="1440160" cy="369332"/>
+          </a:xfrm>
+          <a:prstGeom prst="rect">
+            <a:avLst/>
+          </a:prstGeom>
+          <a:noFill/>
+          <a:ln w="19050">
+            <a:solidFill>
+              <a:srgbClr val="FF0000"/>
+            </a:solidFill>
+          </a:ln>
+        </p:spPr>
+        <p:txBody>
+          <a:bodyPr wrap="square" rtlCol="0">
+            <a:spAutoFit/>
+          </a:bodyPr>
+          <a:lstStyle/>
+          <a:p>
+            <a:endParaRPr lang="zh-CN" altLang="en-US" dirty="0"/>
+          </a:p>
+        </p:txBody>
+      </p:sp>
+      <p:sp>
+        <p:nvSpPr>
+          <p:cNvPr id="11" name="TextBox 10"/>
+          <p:cNvSpPr txBox="1"/>
+          <p:nvPr/>
+        </p:nvSpPr>
+        <p:spPr>
+          <a:xfrm>
+            <a:off x="4373260" y="3373996"/>
+            <a:ext cx="2430988" cy="2575283"/>
+          </a:xfrm>
+          <a:prstGeom prst="rect">
+            <a:avLst/>
+          </a:prstGeom>
+          <a:noFill/>
+          <a:ln w="19050">
+            <a:solidFill>
+              <a:srgbClr val="FF0000"/>
+            </a:solidFill>
+          </a:ln>
+        </p:spPr>
+        <p:txBody>
+          <a:bodyPr wrap="square" rtlCol="0">
+            <a:spAutoFit/>
+          </a:bodyPr>
+          <a:lstStyle/>
+          <a:p>
+            <a:endParaRPr lang="zh-CN" altLang="en-US" dirty="0"/>
+          </a:p>
+        </p:txBody>
+      </p:sp>
+    </p:spTree>
+    <p:extLst>
+      <p:ext uri="{BB962C8B-B14F-4D97-AF65-F5344CB8AC3E}">
+        <p14:creationId xmlns:p14="http://schemas.microsoft.com/office/powerpoint/2010/main" val="1220838636"/>
+      </p:ext>
+    </p:extLst>
+  </p:cSld>
+  <p:clrMapOvr>
+    <a:masterClrMapping/>
+  </p:clrMapOvr>
+  <p:timing>
+    <p:tnLst>
+      <p:par>
+        <p:cTn id="1" dur="indefinite" restart="never" nodeType="tmRoot">
+          <p:childTnLst>
+            <p:seq concurrent="1" nextAc="seek">
+              <p:cTn id="2" dur="indefinite" nodeType="mainSeq">
+                <p:childTnLst>
+                  <p:par>
+                    <p:cTn id="3" fill="hold">
+                      <p:stCondLst>
+                        <p:cond delay="indefinite"/>
+                      </p:stCondLst>
+                      <p:childTnLst>
+                        <p:par>
+                          <p:cTn id="4" fill="hold">
+                            <p:stCondLst>
+                              <p:cond delay="0"/>
+                            </p:stCondLst>
+                            <p:childTnLst>
+                              <p:par>
+                                <p:cTn id="5" presetID="10" presetClass="entr" presetSubtype="0" fill="hold" grpId="0" nodeType="clickEffect">
+                                  <p:stCondLst>
+                                    <p:cond delay="0"/>
+                                  </p:stCondLst>
+                                  <p:childTnLst>
+                                    <p:set>
+                                      <p:cBhvr>
+                                        <p:cTn id="6" dur="1" fill="hold">
+                                          <p:stCondLst>
+                                            <p:cond delay="0"/>
+                                          </p:stCondLst>
+                                        </p:cTn>
+                                        <p:tgtEl>
+                                          <p:spTgt spid="5"/>
+                                        </p:tgtEl>
+                                        <p:attrNameLst>
+                                          <p:attrName>style.visibility</p:attrName>
+                                        </p:attrNameLst>
+                                      </p:cBhvr>
+                                      <p:to>
+                                        <p:strVal val="visible"/>
+                                      </p:to>
+                                    </p:set>
+                                    <p:animEffect transition="in" filter="fade">
+                                      <p:cBhvr>
+                                        <p:cTn id="7" dur="500"/>
+                                        <p:tgtEl>
+                                          <p:spTgt spid="5"/>
+                                        </p:tgtEl>
+                                      </p:cBhvr>
+                                    </p:animEffect>
+                                  </p:childTnLst>
+                                </p:cTn>
+                              </p:par>
+                            </p:childTnLst>
+                          </p:cTn>
+                        </p:par>
+                      </p:childTnLst>
+                    </p:cTn>
+                  </p:par>
+                  <p:par>
+                    <p:cTn id="8" fill="hold">
+                      <p:stCondLst>
+                        <p:cond delay="indefinite"/>
+                      </p:stCondLst>
+                      <p:childTnLst>
+                        <p:par>
+                          <p:cTn id="9" fill="hold">
+                            <p:stCondLst>
+                              <p:cond delay="0"/>
+                            </p:stCondLst>
+                            <p:childTnLst>
+                              <p:par>
+                                <p:cTn id="10" presetID="10" presetClass="entr" presetSubtype="0" fill="hold" nodeType="clickEffect">
+                                  <p:stCondLst>
+                                    <p:cond delay="0"/>
+                                  </p:stCondLst>
+                                  <p:childTnLst>
+                                    <p:set>
+                                      <p:cBhvr>
+                                        <p:cTn id="11" dur="1" fill="hold">
+                                          <p:stCondLst>
+                                            <p:cond delay="0"/>
+                                          </p:stCondLst>
+                                        </p:cTn>
+                                        <p:tgtEl>
+                                          <p:spTgt spid="4"/>
+                                        </p:tgtEl>
+                                        <p:attrNameLst>
+                                          <p:attrName>style.visibility</p:attrName>
+                                        </p:attrNameLst>
+                                      </p:cBhvr>
+                                      <p:to>
+                                        <p:strVal val="visible"/>
+                                      </p:to>
+                                    </p:set>
+                                    <p:animEffect transition="in" filter="fade">
+                                      <p:cBhvr>
+                                        <p:cTn id="12" dur="500"/>
+                                        <p:tgtEl>
+                                          <p:spTgt spid="4"/>
+                                        </p:tgtEl>
+                                      </p:cBhvr>
+                                    </p:animEffect>
+                                  </p:childTnLst>
+                                </p:cTn>
+                              </p:par>
+                            </p:childTnLst>
+                          </p:cTn>
+                        </p:par>
+                      </p:childTnLst>
+                    </p:cTn>
+                  </p:par>
+                  <p:par>
+                    <p:cTn id="13" fill="hold">
+                      <p:stCondLst>
+                        <p:cond delay="indefinite"/>
+                      </p:stCondLst>
+                      <p:childTnLst>
+                        <p:par>
+                          <p:cTn id="14" fill="hold">
+                            <p:stCondLst>
+                              <p:cond delay="0"/>
+                            </p:stCondLst>
+                            <p:childTnLst>
+                              <p:par>
+                                <p:cTn id="15" presetID="10" presetClass="entr" presetSubtype="0" fill="hold" grpId="0" nodeType="clickEffect">
+                                  <p:stCondLst>
+                                    <p:cond delay="0"/>
+                                  </p:stCondLst>
+                                  <p:childTnLst>
+                                    <p:set>
+                                      <p:cBhvr>
+                                        <p:cTn id="16" dur="1" fill="hold">
+                                          <p:stCondLst>
+                                            <p:cond delay="0"/>
+                                          </p:stCondLst>
+                                        </p:cTn>
+                                        <p:tgtEl>
+                                          <p:spTgt spid="8"/>
+                                        </p:tgtEl>
+                                        <p:attrNameLst>
+                                          <p:attrName>style.visibility</p:attrName>
+                                        </p:attrNameLst>
+                                      </p:cBhvr>
+                                      <p:to>
+                                        <p:strVal val="visible"/>
+                                      </p:to>
+                                    </p:set>
+                                    <p:animEffect transition="in" filter="fade">
+                                      <p:cBhvr>
+                                        <p:cTn id="17" dur="500"/>
+                                        <p:tgtEl>
+                                          <p:spTgt spid="8"/>
+                                        </p:tgtEl>
+                                      </p:cBhvr>
+                                    </p:animEffect>
+                                  </p:childTnLst>
+                                </p:cTn>
+                              </p:par>
+                            </p:childTnLst>
+                          </p:cTn>
+                        </p:par>
+                      </p:childTnLst>
+                    </p:cTn>
+                  </p:par>
+                  <p:par>
+                    <p:cTn id="18" fill="hold">
+                      <p:stCondLst>
+                        <p:cond delay="indefinite"/>
+                      </p:stCondLst>
+                      <p:childTnLst>
+                        <p:par>
+                          <p:cTn id="19" fill="hold">
+                            <p:stCondLst>
+                              <p:cond delay="0"/>
+                            </p:stCondLst>
+                            <p:childTnLst>
+                              <p:par>
+                                <p:cTn id="20" presetID="10" presetClass="entr" presetSubtype="0" fill="hold" grpId="0" nodeType="clickEffect">
+                                  <p:stCondLst>
+                                    <p:cond delay="0"/>
+                                  </p:stCondLst>
+                                  <p:childTnLst>
+                                    <p:set>
+                                      <p:cBhvr>
+                                        <p:cTn id="21" dur="1" fill="hold">
+                                          <p:stCondLst>
+                                            <p:cond delay="0"/>
+                                          </p:stCondLst>
+                                        </p:cTn>
+                                        <p:tgtEl>
+                                          <p:spTgt spid="6"/>
+                                        </p:tgtEl>
+                                        <p:attrNameLst>
+                                          <p:attrName>style.visibility</p:attrName>
+                                        </p:attrNameLst>
+                                      </p:cBhvr>
+                                      <p:to>
+                                        <p:strVal val="visible"/>
+                                      </p:to>
+                                    </p:set>
+                                    <p:animEffect transition="in" filter="fade">
+                                      <p:cBhvr>
+                                        <p:cTn id="22" dur="500"/>
+                                        <p:tgtEl>
+                                          <p:spTgt spid="6"/>
+                                        </p:tgtEl>
+                                      </p:cBhvr>
+                                    </p:animEffect>
+                                  </p:childTnLst>
+                                </p:cTn>
+                              </p:par>
+                            </p:childTnLst>
+                          </p:cTn>
+                        </p:par>
+                      </p:childTnLst>
+                    </p:cTn>
+                  </p:par>
+                  <p:par>
+                    <p:cTn id="23" fill="hold">
+                      <p:stCondLst>
+                        <p:cond delay="indefinite"/>
+                      </p:stCondLst>
+                      <p:childTnLst>
+                        <p:par>
+                          <p:cTn id="24" fill="hold">
+                            <p:stCondLst>
+                              <p:cond delay="0"/>
+                            </p:stCondLst>
+                            <p:childTnLst>
+                              <p:par>
+                                <p:cTn id="25" presetID="10" presetClass="entr" presetSubtype="0" fill="hold" grpId="0" nodeType="clickEffect">
+                                  <p:stCondLst>
+                                    <p:cond delay="0"/>
+                                  </p:stCondLst>
+                                  <p:childTnLst>
+                                    <p:set>
+                                      <p:cBhvr>
+                                        <p:cTn id="26" dur="1" fill="hold">
+                                          <p:stCondLst>
+                                            <p:cond delay="0"/>
+                                          </p:stCondLst>
+                                        </p:cTn>
+                                        <p:tgtEl>
+                                          <p:spTgt spid="10"/>
+                                        </p:tgtEl>
+                                        <p:attrNameLst>
+                                          <p:attrName>style.visibility</p:attrName>
+                                        </p:attrNameLst>
+                                      </p:cBhvr>
+                                      <p:to>
+                                        <p:strVal val="visible"/>
+                                      </p:to>
+                                    </p:set>
+                                    <p:animEffect transition="in" filter="fade">
+                                      <p:cBhvr>
+                                        <p:cTn id="27" dur="500"/>
+                                        <p:tgtEl>
+                                          <p:spTgt spid="10"/>
+                                        </p:tgtEl>
+                                      </p:cBhvr>
+                                    </p:animEffect>
+                                  </p:childTnLst>
+                                </p:cTn>
+                              </p:par>
+                            </p:childTnLst>
+                          </p:cTn>
+                        </p:par>
+                      </p:childTnLst>
+                    </p:cTn>
+                  </p:par>
+                  <p:par>
+                    <p:cTn id="28" fill="hold">
+                      <p:stCondLst>
+                        <p:cond delay="indefinite"/>
+                      </p:stCondLst>
+                      <p:childTnLst>
+                        <p:par>
+                          <p:cTn id="29" fill="hold">
+                            <p:stCondLst>
+                              <p:cond delay="0"/>
+                            </p:stCondLst>
+                            <p:childTnLst>
+                              <p:par>
+                                <p:cTn id="30" presetID="10" presetClass="entr" presetSubtype="0" fill="hold" grpId="0" nodeType="clickEffect">
+                                  <p:stCondLst>
+                                    <p:cond delay="0"/>
+                                  </p:stCondLst>
+                                  <p:childTnLst>
+                                    <p:set>
+                                      <p:cBhvr>
+                                        <p:cTn id="31" dur="1" fill="hold">
+                                          <p:stCondLst>
+                                            <p:cond delay="0"/>
+                                          </p:stCondLst>
+                                        </p:cTn>
+                                        <p:tgtEl>
+                                          <p:spTgt spid="9"/>
+                                        </p:tgtEl>
+                                        <p:attrNameLst>
+                                          <p:attrName>style.visibility</p:attrName>
+                                        </p:attrNameLst>
+                                      </p:cBhvr>
+                                      <p:to>
+                                        <p:strVal val="visible"/>
+                                      </p:to>
+                                    </p:set>
+                                    <p:animEffect transition="in" filter="fade">
+                                      <p:cBhvr>
+                                        <p:cTn id="32" dur="500"/>
+                                        <p:tgtEl>
+                                          <p:spTgt spid="9"/>
+                                        </p:tgtEl>
+                                      </p:cBhvr>
+                                    </p:animEffect>
+                                  </p:childTnLst>
+                                </p:cTn>
+                              </p:par>
+                            </p:childTnLst>
+                          </p:cTn>
+                        </p:par>
+                      </p:childTnLst>
+                    </p:cTn>
+                  </p:par>
+                  <p:par>
+                    <p:cTn id="33" fill="hold">
+                      <p:stCondLst>
+                        <p:cond delay="indefinite"/>
+                      </p:stCondLst>
+                      <p:childTnLst>
+                        <p:par>
+                          <p:cTn id="34" fill="hold">
+                            <p:stCondLst>
+                              <p:cond delay="0"/>
+                            </p:stCondLst>
+                            <p:childTnLst>
+                              <p:par>
+                                <p:cTn id="35" presetID="10" presetClass="entr" presetSubtype="0" fill="hold" grpId="0" nodeType="clickEffect">
+                                  <p:stCondLst>
+                                    <p:cond delay="0"/>
+                                  </p:stCondLst>
+                                  <p:childTnLst>
+                                    <p:set>
+                                      <p:cBhvr>
+                                        <p:cTn id="36" dur="1" fill="hold">
+                                          <p:stCondLst>
+                                            <p:cond delay="0"/>
+                                          </p:stCondLst>
+                                        </p:cTn>
+                                        <p:tgtEl>
+                                          <p:spTgt spid="7"/>
+                                        </p:tgtEl>
+                                        <p:attrNameLst>
+                                          <p:attrName>style.visibility</p:attrName>
+                                        </p:attrNameLst>
+                                      </p:cBhvr>
+                                      <p:to>
+                                        <p:strVal val="visible"/>
+                                      </p:to>
+                                    </p:set>
+                                    <p:animEffect transition="in" filter="fade">
+                                      <p:cBhvr>
+                                        <p:cTn id="37" dur="500"/>
+                                        <p:tgtEl>
+                                          <p:spTgt spid="7"/>
+                                        </p:tgtEl>
+                                      </p:cBhvr>
+                                    </p:animEffect>
+                                  </p:childTnLst>
+                                </p:cTn>
+                              </p:par>
+                            </p:childTnLst>
+                          </p:cTn>
+                        </p:par>
+                      </p:childTnLst>
+                    </p:cTn>
+                  </p:par>
+                  <p:par>
+                    <p:cTn id="38" fill="hold">
+                      <p:stCondLst>
+                        <p:cond delay="indefinite"/>
+                      </p:stCondLst>
+                      <p:childTnLst>
+                        <p:par>
+                          <p:cTn id="39" fill="hold">
+                            <p:stCondLst>
+                              <p:cond delay="0"/>
+                            </p:stCondLst>
+                            <p:childTnLst>
+                              <p:par>
+                                <p:cTn id="40" presetID="10" presetClass="entr" presetSubtype="0" fill="hold" grpId="0" nodeType="clickEffect">
+                                  <p:stCondLst>
+                                    <p:cond delay="0"/>
+                                  </p:stCondLst>
+                                  <p:childTnLst>
+                                    <p:set>
+                                      <p:cBhvr>
+                                        <p:cTn id="41" dur="1" fill="hold">
+                                          <p:stCondLst>
+                                            <p:cond delay="0"/>
+                                          </p:stCondLst>
+                                        </p:cTn>
+                                        <p:tgtEl>
+                                          <p:spTgt spid="11"/>
+                                        </p:tgtEl>
+                                        <p:attrNameLst>
+                                          <p:attrName>style.visibility</p:attrName>
+                                        </p:attrNameLst>
+                                      </p:cBhvr>
+                                      <p:to>
+                                        <p:strVal val="visible"/>
+                                      </p:to>
+                                    </p:set>
+                                    <p:animEffect transition="in" filter="fade">
+                                      <p:cBhvr>
+                                        <p:cTn id="42" dur="500"/>
+                                        <p:tgtEl>
+                                          <p:spTgt spid="11"/>
+                                        </p:tgtEl>
+                                      </p:cBhvr>
+                                    </p:animEffect>
+                                  </p:childTnLst>
+                                </p:cTn>
+                              </p:par>
+                            </p:childTnLst>
+                          </p:cTn>
+                        </p:par>
+                      </p:childTnLst>
+                    </p:cTn>
+                  </p:par>
+                </p:childTnLst>
+              </p:cTn>
+              <p:prevCondLst>
+                <p:cond evt="onPrev" delay="0">
+                  <p:tgtEl>
+                    <p:sldTgt/>
+                  </p:tgtEl>
+                </p:cond>
+              </p:prevCondLst>
+              <p:nextCondLst>
+                <p:cond evt="onNext" delay="0">
+                  <p:tgtEl>
+                    <p:sldTgt/>
+                  </p:tgtEl>
+                </p:cond>
+              </p:nextCondLst>
+            </p:seq>
+          </p:childTnLst>
+        </p:cTn>
+      </p:par>
+    </p:tnLst>
+    <p:bldLst>
+      <p:bldP spid="5" grpId="0"/>
+      <p:bldP spid="6" grpId="0"/>
+      <p:bldP spid="7" grpId="0"/>
+      <p:bldP spid="8" grpId="0" animBg="1"/>
+      <p:bldP spid="9" grpId="0" animBg="1"/>
+      <p:bldP spid="10" grpId="0" animBg="1"/>
+      <p:bldP spid="11" grpId="0" animBg="1"/>
+    </p:bldLst>
+  </p:timing>
+</p:sld>
+</file>
+
+<file path=ppt/slides/slide33.xml><?xml version="1.0" encoding="utf-8"?>
+<p:sld xmlns:a="http://schemas.openxmlformats.org/drawingml/2006/main" xmlns:r="http://schemas.openxmlformats.org/officeDocument/2006/relationships" xmlns:p="http://schemas.openxmlformats.org/presentationml/2006/main">
+  <p:cSld>
+    <p:spTree>
+      <p:nvGrpSpPr>
+        <p:cNvPr id="1" name=""/>
+        <p:cNvGrpSpPr/>
+        <p:nvPr/>
+      </p:nvGrpSpPr>
+      <p:grpSpPr>
+        <a:xfrm>
+          <a:off x="0" y="0"/>
+          <a:ext cx="0" cy="0"/>
+          <a:chOff x="0" y="0"/>
+          <a:chExt cx="0" cy="0"/>
+        </a:xfrm>
+      </p:grpSpPr>
+      <p:sp>
+        <p:nvSpPr>
+          <p:cNvPr id="2" name="标题 1"/>
+          <p:cNvSpPr>
+            <a:spLocks noGrp="1"/>
+          </p:cNvSpPr>
+          <p:nvPr>
+            <p:ph type="title"/>
+          </p:nvPr>
+        </p:nvSpPr>
+        <p:spPr>
+          <a:xfrm>
+            <a:off x="457200" y="116632"/>
+            <a:ext cx="8229600" cy="1143000"/>
+          </a:xfrm>
+        </p:spPr>
+        <p:txBody>
+          <a:bodyPr/>
+          <a:lstStyle/>
+          <a:p>
+            <a:r>
+              <a:rPr lang="en-US" altLang="zh-CN" dirty="0" smtClean="0"/>
+              <a:t>SmartArt</a:t>
+            </a:r>
+            <a:r>
+              <a:rPr lang="zh-CN" altLang="en-US" dirty="0" smtClean="0"/>
+              <a:t>转为</a:t>
+            </a:r>
+            <a:r>
+              <a:rPr lang="zh-CN" altLang="en-US" dirty="0"/>
+              <a:t>文本</a:t>
+            </a:r>
+          </a:p>
+        </p:txBody>
+      </p:sp>
+      <p:pic>
+        <p:nvPicPr>
+          <p:cNvPr id="4" name="内容占位符 3"/>
+          <p:cNvPicPr>
+            <a:picLocks noGrp="1" noChangeAspect="1"/>
+          </p:cNvPicPr>
+          <p:nvPr>
+            <p:ph idx="1"/>
+          </p:nvPr>
+        </p:nvPicPr>
+        <p:blipFill>
+          <a:blip r:embed="rId2">
+            <a:extLst>
+              <a:ext uri="{28A0092B-C50C-407E-A947-70E740481C1C}">
+                <a14:useLocalDpi xmlns:a14="http://schemas.microsoft.com/office/drawing/2010/main" val="0"/>
+              </a:ext>
+            </a:extLst>
+          </a:blip>
+          <a:stretch>
+            <a:fillRect/>
+          </a:stretch>
+        </p:blipFill>
+        <p:spPr>
+          <a:xfrm>
+            <a:off x="395536" y="2276872"/>
+            <a:ext cx="7010400" cy="4143375"/>
+          </a:xfrm>
+        </p:spPr>
+      </p:pic>
+      <p:sp>
+        <p:nvSpPr>
+          <p:cNvPr id="5" name="TextBox 4"/>
+          <p:cNvSpPr txBox="1"/>
+          <p:nvPr/>
+        </p:nvSpPr>
+        <p:spPr>
+          <a:xfrm>
+            <a:off x="4788024" y="5445224"/>
+            <a:ext cx="1368152" cy="252000"/>
+          </a:xfrm>
+          <a:prstGeom prst="rect">
+            <a:avLst/>
+          </a:prstGeom>
+          <a:noFill/>
+          <a:ln w="19050">
+            <a:solidFill>
+              <a:srgbClr val="FF0000"/>
+            </a:solidFill>
+          </a:ln>
+        </p:spPr>
+        <p:txBody>
+          <a:bodyPr wrap="square" rtlCol="0">
+            <a:spAutoFit/>
+          </a:bodyPr>
+          <a:lstStyle/>
+          <a:p>
+            <a:endParaRPr lang="zh-CN" altLang="en-US" dirty="0"/>
+          </a:p>
+        </p:txBody>
+      </p:sp>
+      <p:sp>
+        <p:nvSpPr>
+          <p:cNvPr id="6" name="TextBox 5"/>
+          <p:cNvSpPr txBox="1"/>
+          <p:nvPr/>
+        </p:nvSpPr>
+        <p:spPr>
+          <a:xfrm>
+            <a:off x="467544" y="1465620"/>
+            <a:ext cx="6624736" cy="523220"/>
+          </a:xfrm>
+          <a:prstGeom prst="rect">
+            <a:avLst/>
+          </a:prstGeom>
+          <a:noFill/>
+        </p:spPr>
+        <p:txBody>
+          <a:bodyPr wrap="square" rtlCol="0">
+            <a:spAutoFit/>
+          </a:bodyPr>
+          <a:lstStyle/>
+          <a:p>
+            <a:r>
+              <a:rPr lang="zh-CN" altLang="en-US" sz="2800" dirty="0" smtClean="0"/>
+              <a:t>可以使用相同的方式将</a:t>
+            </a:r>
+            <a:r>
+              <a:rPr lang="en-US" altLang="zh-CN" sz="2800" dirty="0" smtClean="0"/>
+              <a:t>SmartArt</a:t>
+            </a:r>
+            <a:r>
+              <a:rPr lang="zh-CN" altLang="en-US" sz="2800" dirty="0" smtClean="0"/>
+              <a:t>转为文本</a:t>
+            </a:r>
+            <a:endParaRPr lang="zh-CN" altLang="en-US" sz="2800" dirty="0"/>
+          </a:p>
+        </p:txBody>
+      </p:sp>
+    </p:spTree>
+    <p:extLst>
+      <p:ext uri="{BB962C8B-B14F-4D97-AF65-F5344CB8AC3E}">
+        <p14:creationId xmlns:p14="http://schemas.microsoft.com/office/powerpoint/2010/main" val="2283603892"/>
+      </p:ext>
+    </p:extLst>
+  </p:cSld>
+  <p:clrMapOvr>
+    <a:masterClrMapping/>
+  </p:clrMapOvr>
+  <p:timing>
+    <p:tnLst>
+      <p:par>
+        <p:cTn id="1" dur="indefinite" restart="never" nodeType="tmRoot">
+          <p:childTnLst>
+            <p:seq concurrent="1" nextAc="seek">
+              <p:cTn id="2" dur="indefinite" nodeType="mainSeq">
+                <p:childTnLst>
+                  <p:par>
+                    <p:cTn id="3" fill="hold">
+                      <p:stCondLst>
+                        <p:cond delay="indefinite"/>
+                      </p:stCondLst>
+                      <p:childTnLst>
+                        <p:par>
+                          <p:cTn id="4" fill="hold">
+                            <p:stCondLst>
+                              <p:cond delay="0"/>
+                            </p:stCondLst>
+                            <p:childTnLst>
+                              <p:par>
+                                <p:cTn id="5" presetID="10" presetClass="entr" presetSubtype="0" fill="hold" grpId="0" nodeType="clickEffect">
+                                  <p:stCondLst>
+                                    <p:cond delay="0"/>
+                                  </p:stCondLst>
+                                  <p:childTnLst>
+                                    <p:set>
+                                      <p:cBhvr>
+                                        <p:cTn id="6" dur="1" fill="hold">
+                                          <p:stCondLst>
+                                            <p:cond delay="0"/>
+                                          </p:stCondLst>
+                                        </p:cTn>
+                                        <p:tgtEl>
+                                          <p:spTgt spid="6"/>
+                                        </p:tgtEl>
+                                        <p:attrNameLst>
+                                          <p:attrName>style.visibility</p:attrName>
+                                        </p:attrNameLst>
+                                      </p:cBhvr>
+                                      <p:to>
+                                        <p:strVal val="visible"/>
+                                      </p:to>
+                                    </p:set>
+                                    <p:animEffect transition="in" filter="fade">
+                                      <p:cBhvr>
+                                        <p:cTn id="7" dur="500"/>
+                                        <p:tgtEl>
+                                          <p:spTgt spid="6"/>
+                                        </p:tgtEl>
+                                      </p:cBhvr>
+                                    </p:animEffect>
+                                  </p:childTnLst>
+                                </p:cTn>
+                              </p:par>
+                            </p:childTnLst>
+                          </p:cTn>
+                        </p:par>
+                      </p:childTnLst>
+                    </p:cTn>
+                  </p:par>
+                  <p:par>
+                    <p:cTn id="8" fill="hold">
+                      <p:stCondLst>
+                        <p:cond delay="indefinite"/>
+                      </p:stCondLst>
+                      <p:childTnLst>
+                        <p:par>
+                          <p:cTn id="9" fill="hold">
+                            <p:stCondLst>
+                              <p:cond delay="0"/>
+                            </p:stCondLst>
+                            <p:childTnLst>
+                              <p:par>
+                                <p:cTn id="10" presetID="10" presetClass="entr" presetSubtype="0" fill="hold" nodeType="clickEffect">
+                                  <p:stCondLst>
+                                    <p:cond delay="0"/>
+                                  </p:stCondLst>
+                                  <p:childTnLst>
+                                    <p:set>
+                                      <p:cBhvr>
+                                        <p:cTn id="11" dur="1" fill="hold">
+                                          <p:stCondLst>
+                                            <p:cond delay="0"/>
+                                          </p:stCondLst>
+                                        </p:cTn>
+                                        <p:tgtEl>
+                                          <p:spTgt spid="4"/>
+                                        </p:tgtEl>
+                                        <p:attrNameLst>
+                                          <p:attrName>style.visibility</p:attrName>
+                                        </p:attrNameLst>
+                                      </p:cBhvr>
+                                      <p:to>
+                                        <p:strVal val="visible"/>
+                                      </p:to>
+                                    </p:set>
+                                    <p:animEffect transition="in" filter="fade">
+                                      <p:cBhvr>
+                                        <p:cTn id="12" dur="500"/>
+                                        <p:tgtEl>
+                                          <p:spTgt spid="4"/>
+                                        </p:tgtEl>
+                                      </p:cBhvr>
+                                    </p:animEffect>
+                                  </p:childTnLst>
+                                </p:cTn>
+                              </p:par>
+                            </p:childTnLst>
+                          </p:cTn>
+                        </p:par>
+                      </p:childTnLst>
+                    </p:cTn>
+                  </p:par>
+                </p:childTnLst>
+              </p:cTn>
+              <p:prevCondLst>
+                <p:cond evt="onPrev" delay="0">
+                  <p:tgtEl>
+                    <p:sldTgt/>
+                  </p:tgtEl>
+                </p:cond>
+              </p:prevCondLst>
+              <p:nextCondLst>
+                <p:cond evt="onNext" delay="0">
+                  <p:tgtEl>
+                    <p:sldTgt/>
+                  </p:tgtEl>
+                </p:cond>
+              </p:nextCondLst>
+            </p:seq>
+          </p:childTnLst>
+        </p:cTn>
+      </p:par>
+    </p:tnLst>
+    <p:bldLst>
+      <p:bldP spid="6" grpId="0"/>
+    </p:bldLst>
+  </p:timing>
+</p:sld>
+</file>
+
+<file path=ppt/slides/slide34.xml><?xml version="1.0" encoding="utf-8"?>
+<p:sld xmlns:a="http://schemas.openxmlformats.org/drawingml/2006/main" xmlns:r="http://schemas.openxmlformats.org/officeDocument/2006/relationships" xmlns:p="http://schemas.openxmlformats.org/presentationml/2006/main">
+  <p:cSld>
+    <p:spTree>
+      <p:nvGrpSpPr>
+        <p:cNvPr id="1" name=""/>
+        <p:cNvGrpSpPr/>
+        <p:nvPr/>
+      </p:nvGrpSpPr>
+      <p:grpSpPr>
+        <a:xfrm>
+          <a:off x="0" y="0"/>
+          <a:ext cx="0" cy="0"/>
+          <a:chOff x="0" y="0"/>
+          <a:chExt cx="0" cy="0"/>
+        </a:xfrm>
+      </p:grpSpPr>
+      <p:sp>
+        <p:nvSpPr>
+          <p:cNvPr id="2" name="标题 1"/>
+          <p:cNvSpPr>
+            <a:spLocks noGrp="1"/>
+          </p:cNvSpPr>
+          <p:nvPr>
+            <p:ph type="title"/>
+          </p:nvPr>
+        </p:nvSpPr>
+        <p:spPr>
+          <a:xfrm>
+            <a:off x="457200" y="116632"/>
+            <a:ext cx="8229600" cy="1143000"/>
+          </a:xfrm>
+        </p:spPr>
+        <p:txBody>
+          <a:bodyPr/>
+          <a:lstStyle/>
+          <a:p>
+            <a:r>
+              <a:rPr lang="zh-CN" altLang="en-US" dirty="0" smtClean="0"/>
+              <a:t>新建</a:t>
+            </a:r>
+            <a:r>
+              <a:rPr lang="en-US" altLang="zh-CN" dirty="0" smtClean="0"/>
+              <a:t>SmartArt</a:t>
+            </a:r>
+            <a:r>
+              <a:rPr lang="zh-CN" altLang="en-US" dirty="0" smtClean="0"/>
+              <a:t>图</a:t>
+            </a:r>
+            <a:endParaRPr lang="zh-CN" altLang="en-US" dirty="0"/>
+          </a:p>
+        </p:txBody>
+      </p:sp>
+      <p:pic>
+        <p:nvPicPr>
+          <p:cNvPr id="4" name="内容占位符 3"/>
+          <p:cNvPicPr>
+            <a:picLocks noGrp="1" noChangeAspect="1"/>
+          </p:cNvPicPr>
+          <p:nvPr>
+            <p:ph idx="1"/>
+          </p:nvPr>
+        </p:nvPicPr>
+        <p:blipFill>
+          <a:blip r:embed="rId2">
+            <a:extLst>
+              <a:ext uri="{28A0092B-C50C-407E-A947-70E740481C1C}">
+                <a14:useLocalDpi xmlns:a14="http://schemas.microsoft.com/office/drawing/2010/main" val="0"/>
+              </a:ext>
+            </a:extLst>
+          </a:blip>
+          <a:stretch>
+            <a:fillRect/>
+          </a:stretch>
+        </p:blipFill>
+        <p:spPr>
+          <a:xfrm>
+            <a:off x="2271713" y="1916832"/>
+            <a:ext cx="4600575" cy="1495425"/>
+          </a:xfrm>
+        </p:spPr>
+      </p:pic>
+      <p:sp>
+        <p:nvSpPr>
+          <p:cNvPr id="5" name="TextBox 4"/>
+          <p:cNvSpPr txBox="1"/>
+          <p:nvPr/>
+        </p:nvSpPr>
+        <p:spPr>
+          <a:xfrm>
+            <a:off x="971600" y="1268760"/>
+            <a:ext cx="864096" cy="369332"/>
+          </a:xfrm>
+          <a:prstGeom prst="rect">
+            <a:avLst/>
+          </a:prstGeom>
+          <a:noFill/>
+        </p:spPr>
+        <p:txBody>
+          <a:bodyPr wrap="square" rtlCol="0">
+            <a:spAutoFit/>
+          </a:bodyPr>
+          <a:lstStyle/>
+          <a:p>
+            <a:r>
+              <a:rPr lang="zh-CN" altLang="en-US" dirty="0" smtClean="0"/>
+              <a:t>插入</a:t>
+            </a:r>
+            <a:endParaRPr lang="zh-CN" altLang="en-US" dirty="0"/>
+          </a:p>
+        </p:txBody>
+      </p:sp>
+      <p:sp>
+        <p:nvSpPr>
+          <p:cNvPr id="6" name="TextBox 5"/>
+          <p:cNvSpPr txBox="1"/>
+          <p:nvPr/>
+        </p:nvSpPr>
+        <p:spPr>
+          <a:xfrm>
+            <a:off x="3491880" y="1268760"/>
+            <a:ext cx="1296144" cy="369332"/>
+          </a:xfrm>
+          <a:prstGeom prst="rect">
+            <a:avLst/>
+          </a:prstGeom>
+          <a:noFill/>
+        </p:spPr>
+        <p:txBody>
+          <a:bodyPr wrap="square" rtlCol="0">
+            <a:spAutoFit/>
+          </a:bodyPr>
+          <a:lstStyle/>
+          <a:p>
+            <a:r>
+              <a:rPr lang="en-US" altLang="zh-CN" dirty="0" smtClean="0"/>
+              <a:t>SmartArt</a:t>
+            </a:r>
+            <a:endParaRPr lang="zh-CN" altLang="en-US" dirty="0"/>
+          </a:p>
+        </p:txBody>
+      </p:sp>
+      <p:sp>
+        <p:nvSpPr>
+          <p:cNvPr id="7" name="右箭头 6"/>
+          <p:cNvSpPr/>
+          <p:nvPr/>
+        </p:nvSpPr>
+        <p:spPr>
+          <a:xfrm>
+            <a:off x="2267744" y="1268760"/>
+            <a:ext cx="576064" cy="369332"/>
+          </a:xfrm>
+          <a:prstGeom prst="rightArrow">
+            <a:avLst/>
+          </a:prstGeom>
+        </p:spPr>
+        <p:style>
+          <a:lnRef idx="2">
+            <a:schemeClr val="accent1">
+              <a:shade val="50000"/>
+            </a:schemeClr>
+          </a:lnRef>
+          <a:fillRef idx="1">
+            <a:schemeClr val="accent1"/>
+          </a:fillRef>
+          <a:effectRef idx="0">
+            <a:schemeClr val="accent1"/>
+          </a:effectRef>
+          <a:fontRef idx="minor">
+            <a:schemeClr val="lt1"/>
+          </a:fontRef>
+        </p:style>
+        <p:txBody>
+          <a:bodyPr rtlCol="0" anchor="ctr"/>
+          <a:lstStyle/>
+          <a:p>
+            <a:pPr algn="ctr"/>
+            <a:endParaRPr lang="zh-CN" altLang="en-US"/>
+          </a:p>
+        </p:txBody>
+      </p:sp>
+      <p:sp>
+        <p:nvSpPr>
+          <p:cNvPr id="8" name="右箭头 7"/>
+          <p:cNvSpPr/>
+          <p:nvPr/>
+        </p:nvSpPr>
+        <p:spPr>
+          <a:xfrm>
+            <a:off x="5436096" y="1268760"/>
+            <a:ext cx="576064" cy="369332"/>
+          </a:xfrm>
+          <a:prstGeom prst="rightArrow">
+            <a:avLst/>
+          </a:prstGeom>
+        </p:spPr>
+        <p:style>
+          <a:lnRef idx="2">
+            <a:schemeClr val="accent1">
+              <a:shade val="50000"/>
+            </a:schemeClr>
+          </a:lnRef>
+          <a:fillRef idx="1">
+            <a:schemeClr val="accent1"/>
+          </a:fillRef>
+          <a:effectRef idx="0">
+            <a:schemeClr val="accent1"/>
+          </a:effectRef>
+          <a:fontRef idx="minor">
+            <a:schemeClr val="lt1"/>
+          </a:fontRef>
+        </p:style>
+        <p:txBody>
+          <a:bodyPr rtlCol="0" anchor="ctr"/>
+          <a:lstStyle/>
+          <a:p>
+            <a:pPr algn="ctr"/>
+            <a:endParaRPr lang="zh-CN" altLang="en-US"/>
+          </a:p>
+        </p:txBody>
+      </p:sp>
+      <p:sp>
+        <p:nvSpPr>
+          <p:cNvPr id="9" name="TextBox 8"/>
+          <p:cNvSpPr txBox="1"/>
+          <p:nvPr/>
+        </p:nvSpPr>
+        <p:spPr>
+          <a:xfrm>
+            <a:off x="6876256" y="1273715"/>
+            <a:ext cx="1296144" cy="646331"/>
+          </a:xfrm>
+          <a:prstGeom prst="rect">
+            <a:avLst/>
+          </a:prstGeom>
+          <a:noFill/>
+        </p:spPr>
+        <p:txBody>
+          <a:bodyPr wrap="square" rtlCol="0">
+            <a:spAutoFit/>
+          </a:bodyPr>
+          <a:lstStyle/>
+          <a:p>
+            <a:pPr algn="ctr"/>
+            <a:r>
+              <a:rPr lang="zh-CN" altLang="en-US" dirty="0" smtClean="0"/>
+              <a:t>选择一种图形</a:t>
+            </a:r>
+            <a:endParaRPr lang="zh-CN" altLang="en-US" dirty="0"/>
+          </a:p>
+        </p:txBody>
+      </p:sp>
+      <p:sp>
+        <p:nvSpPr>
+          <p:cNvPr id="10" name="TextBox 9"/>
+          <p:cNvSpPr txBox="1"/>
+          <p:nvPr/>
+        </p:nvSpPr>
+        <p:spPr>
+          <a:xfrm>
+            <a:off x="3203848" y="2060848"/>
+            <a:ext cx="720080" cy="369332"/>
+          </a:xfrm>
+          <a:prstGeom prst="rect">
+            <a:avLst/>
+          </a:prstGeom>
+          <a:noFill/>
+          <a:ln w="19050">
+            <a:solidFill>
+              <a:srgbClr val="FF0000"/>
+            </a:solidFill>
+          </a:ln>
+        </p:spPr>
+        <p:txBody>
+          <a:bodyPr wrap="square" rtlCol="0">
+            <a:spAutoFit/>
+          </a:bodyPr>
+          <a:lstStyle/>
+          <a:p>
+            <a:endParaRPr lang="zh-CN" altLang="en-US" dirty="0"/>
+          </a:p>
+        </p:txBody>
+      </p:sp>
+      <p:sp>
+        <p:nvSpPr>
+          <p:cNvPr id="11" name="TextBox 10"/>
+          <p:cNvSpPr txBox="1"/>
+          <p:nvPr/>
+        </p:nvSpPr>
+        <p:spPr>
+          <a:xfrm>
+            <a:off x="4932040" y="2435486"/>
+            <a:ext cx="720080" cy="633473"/>
+          </a:xfrm>
+          <a:prstGeom prst="rect">
+            <a:avLst/>
+          </a:prstGeom>
+          <a:noFill/>
+          <a:ln w="19050">
+            <a:solidFill>
+              <a:srgbClr val="FF0000"/>
+            </a:solidFill>
+          </a:ln>
+        </p:spPr>
+        <p:txBody>
+          <a:bodyPr wrap="square" rtlCol="0">
+            <a:spAutoFit/>
+          </a:bodyPr>
+          <a:lstStyle/>
+          <a:p>
+            <a:endParaRPr lang="zh-CN" altLang="en-US" dirty="0"/>
+          </a:p>
+        </p:txBody>
+      </p:sp>
+      <p:pic>
+        <p:nvPicPr>
+          <p:cNvPr id="12" name="图片 11"/>
+          <p:cNvPicPr>
+            <a:picLocks noChangeAspect="1"/>
+          </p:cNvPicPr>
+          <p:nvPr/>
+        </p:nvPicPr>
+        <p:blipFill>
+          <a:blip r:embed="rId3">
+            <a:extLst>
+              <a:ext uri="{28A0092B-C50C-407E-A947-70E740481C1C}">
+                <a14:useLocalDpi xmlns:a14="http://schemas.microsoft.com/office/drawing/2010/main" val="0"/>
+              </a:ext>
+            </a:extLst>
+          </a:blip>
+          <a:stretch>
+            <a:fillRect/>
+          </a:stretch>
+        </p:blipFill>
+        <p:spPr>
+          <a:xfrm>
+            <a:off x="1844782" y="3749412"/>
+            <a:ext cx="5454437" cy="2880000"/>
+          </a:xfrm>
+          <a:prstGeom prst="rect">
+            <a:avLst/>
+          </a:prstGeom>
+        </p:spPr>
+      </p:pic>
+    </p:spTree>
+    <p:extLst>
+      <p:ext uri="{BB962C8B-B14F-4D97-AF65-F5344CB8AC3E}">
+        <p14:creationId xmlns:p14="http://schemas.microsoft.com/office/powerpoint/2010/main" val="1364012820"/>
+      </p:ext>
+    </p:extLst>
+  </p:cSld>
+  <p:clrMapOvr>
+    <a:masterClrMapping/>
+  </p:clrMapOvr>
+  <p:timing>
+    <p:tnLst>
+      <p:par>
+        <p:cTn id="1" dur="indefinite" restart="never" nodeType="tmRoot">
+          <p:childTnLst>
+            <p:seq concurrent="1" nextAc="seek">
+              <p:cTn id="2" dur="indefinite" nodeType="mainSeq">
+                <p:childTnLst>
+                  <p:par>
+                    <p:cTn id="3" fill="hold">
+                      <p:stCondLst>
+                        <p:cond delay="indefinite"/>
+                      </p:stCondLst>
+                      <p:childTnLst>
+                        <p:par>
+                          <p:cTn id="4" fill="hold">
+                            <p:stCondLst>
+                              <p:cond delay="0"/>
+                            </p:stCondLst>
+                            <p:childTnLst>
+                              <p:par>
+                                <p:cTn id="5" presetID="10" presetClass="entr" presetSubtype="0" fill="hold" nodeType="clickEffect">
+                                  <p:stCondLst>
+                                    <p:cond delay="0"/>
+                                  </p:stCondLst>
+                                  <p:childTnLst>
+                                    <p:set>
+                                      <p:cBhvr>
+                                        <p:cTn id="6" dur="1" fill="hold">
+                                          <p:stCondLst>
+                                            <p:cond delay="0"/>
+                                          </p:stCondLst>
+                                        </p:cTn>
+                                        <p:tgtEl>
+                                          <p:spTgt spid="4"/>
+                                        </p:tgtEl>
+                                        <p:attrNameLst>
+                                          <p:attrName>style.visibility</p:attrName>
+                                        </p:attrNameLst>
+                                      </p:cBhvr>
+                                      <p:to>
+                                        <p:strVal val="visible"/>
+                                      </p:to>
+                                    </p:set>
+                                    <p:animEffect transition="in" filter="fade">
+                                      <p:cBhvr>
+                                        <p:cTn id="7" dur="500"/>
+                                        <p:tgtEl>
+                                          <p:spTgt spid="4"/>
+                                        </p:tgtEl>
+                                      </p:cBhvr>
+                                    </p:animEffect>
+                                  </p:childTnLst>
+                                </p:cTn>
+                              </p:par>
+                            </p:childTnLst>
+                          </p:cTn>
+                        </p:par>
+                      </p:childTnLst>
+                    </p:cTn>
+                  </p:par>
+                  <p:par>
+                    <p:cTn id="8" fill="hold">
+                      <p:stCondLst>
+                        <p:cond delay="indefinite"/>
+                      </p:stCondLst>
+                      <p:childTnLst>
+                        <p:par>
+                          <p:cTn id="9" fill="hold">
+                            <p:stCondLst>
+                              <p:cond delay="0"/>
+                            </p:stCondLst>
+                            <p:childTnLst>
+                              <p:par>
+                                <p:cTn id="10" presetID="10" presetClass="entr" presetSubtype="0" fill="hold" grpId="0" nodeType="clickEffect">
+                                  <p:stCondLst>
+                                    <p:cond delay="0"/>
+                                  </p:stCondLst>
+                                  <p:childTnLst>
+                                    <p:set>
+                                      <p:cBhvr>
+                                        <p:cTn id="11" dur="1" fill="hold">
+                                          <p:stCondLst>
+                                            <p:cond delay="0"/>
+                                          </p:stCondLst>
+                                        </p:cTn>
+                                        <p:tgtEl>
+                                          <p:spTgt spid="5"/>
+                                        </p:tgtEl>
+                                        <p:attrNameLst>
+                                          <p:attrName>style.visibility</p:attrName>
+                                        </p:attrNameLst>
+                                      </p:cBhvr>
+                                      <p:to>
+                                        <p:strVal val="visible"/>
+                                      </p:to>
+                                    </p:set>
+                                    <p:animEffect transition="in" filter="fade">
+                                      <p:cBhvr>
+                                        <p:cTn id="12" dur="500"/>
+                                        <p:tgtEl>
+                                          <p:spTgt spid="5"/>
+                                        </p:tgtEl>
+                                      </p:cBhvr>
+                                    </p:animEffect>
+                                  </p:childTnLst>
+                                </p:cTn>
+                              </p:par>
+                            </p:childTnLst>
+                          </p:cTn>
+                        </p:par>
+                      </p:childTnLst>
+                    </p:cTn>
+                  </p:par>
+                  <p:par>
+                    <p:cTn id="13" fill="hold">
+                      <p:stCondLst>
+                        <p:cond delay="indefinite"/>
+                      </p:stCondLst>
+                      <p:childTnLst>
+                        <p:par>
+                          <p:cTn id="14" fill="hold">
+                            <p:stCondLst>
+                              <p:cond delay="0"/>
+                            </p:stCondLst>
+                            <p:childTnLst>
+                              <p:par>
+                                <p:cTn id="15" presetID="10" presetClass="entr" presetSubtype="0" fill="hold" grpId="0" nodeType="clickEffect">
+                                  <p:stCondLst>
+                                    <p:cond delay="0"/>
+                                  </p:stCondLst>
+                                  <p:childTnLst>
+                                    <p:set>
+                                      <p:cBhvr>
+                                        <p:cTn id="16" dur="1" fill="hold">
+                                          <p:stCondLst>
+                                            <p:cond delay="0"/>
+                                          </p:stCondLst>
+                                        </p:cTn>
+                                        <p:tgtEl>
+                                          <p:spTgt spid="10"/>
+                                        </p:tgtEl>
+                                        <p:attrNameLst>
+                                          <p:attrName>style.visibility</p:attrName>
+                                        </p:attrNameLst>
+                                      </p:cBhvr>
+                                      <p:to>
+                                        <p:strVal val="visible"/>
+                                      </p:to>
+                                    </p:set>
+                                    <p:animEffect transition="in" filter="fade">
+                                      <p:cBhvr>
+                                        <p:cTn id="17" dur="500"/>
+                                        <p:tgtEl>
+                                          <p:spTgt spid="10"/>
+                                        </p:tgtEl>
+                                      </p:cBhvr>
+                                    </p:animEffect>
+                                  </p:childTnLst>
+                                </p:cTn>
+                              </p:par>
+                            </p:childTnLst>
+                          </p:cTn>
+                        </p:par>
+                      </p:childTnLst>
+                    </p:cTn>
+                  </p:par>
+                  <p:par>
+                    <p:cTn id="18" fill="hold">
+                      <p:stCondLst>
+                        <p:cond delay="indefinite"/>
+                      </p:stCondLst>
+                      <p:childTnLst>
+                        <p:par>
+                          <p:cTn id="19" fill="hold">
+                            <p:stCondLst>
+                              <p:cond delay="0"/>
+                            </p:stCondLst>
+                            <p:childTnLst>
+                              <p:par>
+                                <p:cTn id="20" presetID="10" presetClass="entr" presetSubtype="0" fill="hold" grpId="0" nodeType="clickEffect">
+                                  <p:stCondLst>
+                                    <p:cond delay="0"/>
+                                  </p:stCondLst>
+                                  <p:childTnLst>
+                                    <p:set>
+                                      <p:cBhvr>
+                                        <p:cTn id="21" dur="1" fill="hold">
+                                          <p:stCondLst>
+                                            <p:cond delay="0"/>
+                                          </p:stCondLst>
+                                        </p:cTn>
+                                        <p:tgtEl>
+                                          <p:spTgt spid="7"/>
+                                        </p:tgtEl>
+                                        <p:attrNameLst>
+                                          <p:attrName>style.visibility</p:attrName>
+                                        </p:attrNameLst>
+                                      </p:cBhvr>
+                                      <p:to>
+                                        <p:strVal val="visible"/>
+                                      </p:to>
+                                    </p:set>
+                                    <p:animEffect transition="in" filter="fade">
+                                      <p:cBhvr>
+                                        <p:cTn id="22" dur="500"/>
+                                        <p:tgtEl>
+                                          <p:spTgt spid="7"/>
+                                        </p:tgtEl>
+                                      </p:cBhvr>
+                                    </p:animEffect>
+                                  </p:childTnLst>
+                                </p:cTn>
+                              </p:par>
+                            </p:childTnLst>
+                          </p:cTn>
+                        </p:par>
+                      </p:childTnLst>
+                    </p:cTn>
+                  </p:par>
+                  <p:par>
+                    <p:cTn id="23" fill="hold">
+                      <p:stCondLst>
+                        <p:cond delay="indefinite"/>
+                      </p:stCondLst>
+                      <p:childTnLst>
+                        <p:par>
+                          <p:cTn id="24" fill="hold">
+                            <p:stCondLst>
+                              <p:cond delay="0"/>
+                            </p:stCondLst>
+                            <p:childTnLst>
+                              <p:par>
+                                <p:cTn id="25" presetID="10" presetClass="entr" presetSubtype="0" fill="hold" grpId="0" nodeType="clickEffect">
+                                  <p:stCondLst>
+                                    <p:cond delay="0"/>
+                                  </p:stCondLst>
+                                  <p:childTnLst>
+                                    <p:set>
+                                      <p:cBhvr>
+                                        <p:cTn id="26" dur="1" fill="hold">
+                                          <p:stCondLst>
+                                            <p:cond delay="0"/>
+                                          </p:stCondLst>
+                                        </p:cTn>
+                                        <p:tgtEl>
+                                          <p:spTgt spid="6"/>
+                                        </p:tgtEl>
+                                        <p:attrNameLst>
+                                          <p:attrName>style.visibility</p:attrName>
+                                        </p:attrNameLst>
+                                      </p:cBhvr>
+                                      <p:to>
+                                        <p:strVal val="visible"/>
+                                      </p:to>
+                                    </p:set>
+                                    <p:animEffect transition="in" filter="fade">
+                                      <p:cBhvr>
+                                        <p:cTn id="27" dur="500"/>
+                                        <p:tgtEl>
+                                          <p:spTgt spid="6"/>
+                                        </p:tgtEl>
+                                      </p:cBhvr>
+                                    </p:animEffect>
+                                  </p:childTnLst>
+                                </p:cTn>
+                              </p:par>
+                            </p:childTnLst>
+                          </p:cTn>
+                        </p:par>
+                      </p:childTnLst>
+                    </p:cTn>
+                  </p:par>
+                  <p:par>
+                    <p:cTn id="28" fill="hold">
+                      <p:stCondLst>
+                        <p:cond delay="indefinite"/>
+                      </p:stCondLst>
+                      <p:childTnLst>
+                        <p:par>
+                          <p:cTn id="29" fill="hold">
+                            <p:stCondLst>
+                              <p:cond delay="0"/>
+                            </p:stCondLst>
+                            <p:childTnLst>
+                              <p:par>
+                                <p:cTn id="30" presetID="10" presetClass="entr" presetSubtype="0" fill="hold" grpId="0" nodeType="clickEffect">
+                                  <p:stCondLst>
+                                    <p:cond delay="0"/>
+                                  </p:stCondLst>
+                                  <p:childTnLst>
+                                    <p:set>
+                                      <p:cBhvr>
+                                        <p:cTn id="31" dur="1" fill="hold">
+                                          <p:stCondLst>
+                                            <p:cond delay="0"/>
+                                          </p:stCondLst>
+                                        </p:cTn>
+                                        <p:tgtEl>
+                                          <p:spTgt spid="11"/>
+                                        </p:tgtEl>
+                                        <p:attrNameLst>
+                                          <p:attrName>style.visibility</p:attrName>
+                                        </p:attrNameLst>
+                                      </p:cBhvr>
+                                      <p:to>
+                                        <p:strVal val="visible"/>
+                                      </p:to>
+                                    </p:set>
+                                    <p:animEffect transition="in" filter="fade">
+                                      <p:cBhvr>
+                                        <p:cTn id="32" dur="500"/>
+                                        <p:tgtEl>
+                                          <p:spTgt spid="11"/>
+                                        </p:tgtEl>
+                                      </p:cBhvr>
+                                    </p:animEffect>
+                                  </p:childTnLst>
+                                </p:cTn>
+                              </p:par>
+                            </p:childTnLst>
+                          </p:cTn>
+                        </p:par>
+                      </p:childTnLst>
+                    </p:cTn>
+                  </p:par>
+                  <p:par>
+                    <p:cTn id="33" fill="hold">
+                      <p:stCondLst>
+                        <p:cond delay="indefinite"/>
+                      </p:stCondLst>
+                      <p:childTnLst>
+                        <p:par>
+                          <p:cTn id="34" fill="hold">
+                            <p:stCondLst>
+                              <p:cond delay="0"/>
+                            </p:stCondLst>
+                            <p:childTnLst>
+                              <p:par>
+                                <p:cTn id="35" presetID="1" presetClass="entr" presetSubtype="0" fill="hold" nodeType="clickEffect">
+                                  <p:stCondLst>
+                                    <p:cond delay="0"/>
+                                  </p:stCondLst>
+                                  <p:childTnLst>
+                                    <p:set>
+                                      <p:cBhvr>
+                                        <p:cTn id="36" dur="1" fill="hold">
+                                          <p:stCondLst>
+                                            <p:cond delay="0"/>
+                                          </p:stCondLst>
+                                        </p:cTn>
+                                        <p:tgtEl>
+                                          <p:spTgt spid="12"/>
+                                        </p:tgtEl>
+                                        <p:attrNameLst>
+                                          <p:attrName>style.visibility</p:attrName>
+                                        </p:attrNameLst>
+                                      </p:cBhvr>
+                                      <p:to>
+                                        <p:strVal val="visible"/>
+                                      </p:to>
+                                    </p:set>
+                                  </p:childTnLst>
+                                </p:cTn>
+                              </p:par>
+                            </p:childTnLst>
+                          </p:cTn>
+                        </p:par>
+                      </p:childTnLst>
+                    </p:cTn>
+                  </p:par>
+                  <p:par>
+                    <p:cTn id="37" fill="hold">
+                      <p:stCondLst>
+                        <p:cond delay="indefinite"/>
+                      </p:stCondLst>
+                      <p:childTnLst>
+                        <p:par>
+                          <p:cTn id="38" fill="hold">
+                            <p:stCondLst>
+                              <p:cond delay="0"/>
+                            </p:stCondLst>
+                            <p:childTnLst>
+                              <p:par>
+                                <p:cTn id="39" presetID="10" presetClass="entr" presetSubtype="0" fill="hold" grpId="0" nodeType="clickEffect">
+                                  <p:stCondLst>
+                                    <p:cond delay="0"/>
+                                  </p:stCondLst>
+                                  <p:childTnLst>
+                                    <p:set>
+                                      <p:cBhvr>
+                                        <p:cTn id="40" dur="1" fill="hold">
+                                          <p:stCondLst>
+                                            <p:cond delay="0"/>
+                                          </p:stCondLst>
+                                        </p:cTn>
+                                        <p:tgtEl>
+                                          <p:spTgt spid="8"/>
+                                        </p:tgtEl>
+                                        <p:attrNameLst>
+                                          <p:attrName>style.visibility</p:attrName>
+                                        </p:attrNameLst>
+                                      </p:cBhvr>
+                                      <p:to>
+                                        <p:strVal val="visible"/>
+                                      </p:to>
+                                    </p:set>
+                                    <p:animEffect transition="in" filter="fade">
+                                      <p:cBhvr>
+                                        <p:cTn id="41" dur="500"/>
+                                        <p:tgtEl>
+                                          <p:spTgt spid="8"/>
+                                        </p:tgtEl>
+                                      </p:cBhvr>
+                                    </p:animEffect>
+                                  </p:childTnLst>
+                                </p:cTn>
+                              </p:par>
+                            </p:childTnLst>
+                          </p:cTn>
+                        </p:par>
+                      </p:childTnLst>
+                    </p:cTn>
+                  </p:par>
+                  <p:par>
+                    <p:cTn id="42" fill="hold">
+                      <p:stCondLst>
+                        <p:cond delay="indefinite"/>
+                      </p:stCondLst>
+                      <p:childTnLst>
+                        <p:par>
+                          <p:cTn id="43" fill="hold">
+                            <p:stCondLst>
+                              <p:cond delay="0"/>
+                            </p:stCondLst>
+                            <p:childTnLst>
+                              <p:par>
+                                <p:cTn id="44" presetID="10" presetClass="entr" presetSubtype="0" fill="hold" grpId="0" nodeType="clickEffect">
+                                  <p:stCondLst>
+                                    <p:cond delay="0"/>
+                                  </p:stCondLst>
+                                  <p:childTnLst>
+                                    <p:set>
+                                      <p:cBhvr>
+                                        <p:cTn id="45" dur="1" fill="hold">
+                                          <p:stCondLst>
+                                            <p:cond delay="0"/>
+                                          </p:stCondLst>
+                                        </p:cTn>
+                                        <p:tgtEl>
+                                          <p:spTgt spid="9"/>
+                                        </p:tgtEl>
+                                        <p:attrNameLst>
+                                          <p:attrName>style.visibility</p:attrName>
+                                        </p:attrNameLst>
+                                      </p:cBhvr>
+                                      <p:to>
+                                        <p:strVal val="visible"/>
+                                      </p:to>
+                                    </p:set>
+                                    <p:animEffect transition="in" filter="fade">
+                                      <p:cBhvr>
+                                        <p:cTn id="46" dur="500"/>
+                                        <p:tgtEl>
+                                          <p:spTgt spid="9"/>
+                                        </p:tgtEl>
+                                      </p:cBhvr>
+                                    </p:animEffect>
+                                  </p:childTnLst>
+                                </p:cTn>
+                              </p:par>
+                            </p:childTnLst>
+                          </p:cTn>
+                        </p:par>
+                      </p:childTnLst>
+                    </p:cTn>
+                  </p:par>
+                </p:childTnLst>
+              </p:cTn>
+              <p:prevCondLst>
+                <p:cond evt="onPrev" delay="0">
+                  <p:tgtEl>
+                    <p:sldTgt/>
+                  </p:tgtEl>
+                </p:cond>
+              </p:prevCondLst>
+              <p:nextCondLst>
+                <p:cond evt="onNext" delay="0">
+                  <p:tgtEl>
+                    <p:sldTgt/>
+                  </p:tgtEl>
+                </p:cond>
+              </p:nextCondLst>
+            </p:seq>
+          </p:childTnLst>
+        </p:cTn>
+      </p:par>
+    </p:tnLst>
+    <p:bldLst>
+      <p:bldP spid="5" grpId="0"/>
+      <p:bldP spid="6" grpId="0"/>
+      <p:bldP spid="7" grpId="0" animBg="1"/>
+      <p:bldP spid="8" grpId="0" animBg="1"/>
+      <p:bldP spid="9" grpId="0"/>
+      <p:bldP spid="10" grpId="0" animBg="1"/>
+      <p:bldP spid="11" grpId="0" animBg="1"/>
+    </p:bldLst>
+  </p:timing>
+</p:sld>
+</file>
+
+<file path=ppt/slides/slide35.xml><?xml version="1.0" encoding="utf-8"?>
+<p:sld xmlns:a="http://schemas.openxmlformats.org/drawingml/2006/main" xmlns:r="http://schemas.openxmlformats.org/officeDocument/2006/relationships" xmlns:p="http://schemas.openxmlformats.org/presentationml/2006/main">
+  <p:cSld>
+    <p:spTree>
+      <p:nvGrpSpPr>
+        <p:cNvPr id="1" name=""/>
+        <p:cNvGrpSpPr/>
+        <p:nvPr/>
+      </p:nvGrpSpPr>
+      <p:grpSpPr>
+        <a:xfrm>
+          <a:off x="0" y="0"/>
+          <a:ext cx="0" cy="0"/>
+          <a:chOff x="0" y="0"/>
+          <a:chExt cx="0" cy="0"/>
+        </a:xfrm>
+      </p:grpSpPr>
+      <p:sp>
+        <p:nvSpPr>
+          <p:cNvPr id="2" name="标题 1"/>
+          <p:cNvSpPr>
+            <a:spLocks noGrp="1"/>
+          </p:cNvSpPr>
+          <p:nvPr>
+            <p:ph type="title"/>
+          </p:nvPr>
+        </p:nvSpPr>
+        <p:spPr>
+          <a:xfrm>
+            <a:off x="457200" y="116632"/>
+            <a:ext cx="8229600" cy="1143000"/>
+          </a:xfrm>
+        </p:spPr>
+        <p:txBody>
+          <a:bodyPr/>
+          <a:lstStyle/>
+          <a:p>
+            <a:r>
+              <a:rPr lang="zh-CN" altLang="en-US" dirty="0" smtClean="0"/>
+              <a:t>编辑</a:t>
+            </a:r>
+            <a:r>
+              <a:rPr lang="en-US" altLang="zh-CN" dirty="0" smtClean="0"/>
+              <a:t>SmartArt</a:t>
+            </a:r>
+            <a:endParaRPr lang="zh-CN" altLang="en-US" dirty="0"/>
+          </a:p>
+        </p:txBody>
+      </p:sp>
+      <p:pic>
+        <p:nvPicPr>
+          <p:cNvPr id="4" name="内容占位符 3"/>
+          <p:cNvPicPr>
+            <a:picLocks noGrp="1" noChangeAspect="1"/>
+          </p:cNvPicPr>
+          <p:nvPr>
+            <p:ph idx="1"/>
+          </p:nvPr>
+        </p:nvPicPr>
+        <p:blipFill>
+          <a:blip r:embed="rId2">
+            <a:extLst>
+              <a:ext uri="{28A0092B-C50C-407E-A947-70E740481C1C}">
+                <a14:useLocalDpi xmlns:a14="http://schemas.microsoft.com/office/drawing/2010/main" val="0"/>
+              </a:ext>
+            </a:extLst>
+          </a:blip>
+          <a:stretch>
+            <a:fillRect/>
+          </a:stretch>
+        </p:blipFill>
+        <p:spPr>
+          <a:xfrm>
+            <a:off x="539552" y="2420888"/>
+            <a:ext cx="7776863" cy="3650563"/>
+          </a:xfrm>
+        </p:spPr>
+      </p:pic>
+      <p:sp>
+        <p:nvSpPr>
+          <p:cNvPr id="5" name="TextBox 4"/>
+          <p:cNvSpPr txBox="1"/>
+          <p:nvPr/>
+        </p:nvSpPr>
+        <p:spPr>
+          <a:xfrm>
+            <a:off x="827584" y="1412776"/>
+            <a:ext cx="6552728" cy="523220"/>
+          </a:xfrm>
+          <a:prstGeom prst="rect">
+            <a:avLst/>
+          </a:prstGeom>
+          <a:noFill/>
+        </p:spPr>
+        <p:txBody>
+          <a:bodyPr wrap="square" rtlCol="0">
+            <a:spAutoFit/>
+          </a:bodyPr>
+          <a:lstStyle/>
+          <a:p>
+            <a:r>
+              <a:rPr lang="zh-CN" altLang="en-US" sz="2800" dirty="0" smtClean="0"/>
+              <a:t>在</a:t>
+            </a:r>
+            <a:r>
+              <a:rPr lang="en-US" altLang="zh-CN" sz="2800" dirty="0" smtClean="0"/>
+              <a:t>[</a:t>
+            </a:r>
+            <a:r>
+              <a:rPr lang="zh-CN" altLang="en-US" sz="2800" dirty="0" smtClean="0"/>
+              <a:t>文本</a:t>
+            </a:r>
+            <a:r>
+              <a:rPr lang="en-US" altLang="zh-CN" sz="2800" dirty="0" smtClean="0"/>
+              <a:t>]</a:t>
+            </a:r>
+            <a:r>
+              <a:rPr lang="zh-CN" altLang="en-US" sz="2800" dirty="0" smtClean="0"/>
+              <a:t>处，可以自己添加相应的内容</a:t>
+            </a:r>
+            <a:endParaRPr lang="zh-CN" altLang="en-US" sz="2800" dirty="0"/>
+          </a:p>
+        </p:txBody>
+      </p:sp>
+    </p:spTree>
+    <p:extLst>
+      <p:ext uri="{BB962C8B-B14F-4D97-AF65-F5344CB8AC3E}">
+        <p14:creationId xmlns:p14="http://schemas.microsoft.com/office/powerpoint/2010/main" val="126462155"/>
+      </p:ext>
+    </p:extLst>
+  </p:cSld>
+  <p:clrMapOvr>
+    <a:masterClrMapping/>
+  </p:clrMapOvr>
+  <p:timing>
+    <p:tnLst>
+      <p:par>
+        <p:cTn id="1" dur="indefinite" restart="never" nodeType="tmRoot">
+          <p:childTnLst>
+            <p:seq concurrent="1" nextAc="seek">
+              <p:cTn id="2" dur="indefinite" nodeType="mainSeq">
+                <p:childTnLst>
+                  <p:par>
+                    <p:cTn id="3" fill="hold">
+                      <p:stCondLst>
+                        <p:cond delay="indefinite"/>
+                      </p:stCondLst>
+                      <p:childTnLst>
+                        <p:par>
+                          <p:cTn id="4" fill="hold">
+                            <p:stCondLst>
+                              <p:cond delay="0"/>
+                            </p:stCondLst>
+                            <p:childTnLst>
+                              <p:par>
+                                <p:cTn id="5" presetID="10" presetClass="entr" presetSubtype="0" fill="hold" grpId="0" nodeType="clickEffect">
+                                  <p:stCondLst>
+                                    <p:cond delay="0"/>
+                                  </p:stCondLst>
+                                  <p:childTnLst>
+                                    <p:set>
+                                      <p:cBhvr>
+                                        <p:cTn id="6" dur="1" fill="hold">
+                                          <p:stCondLst>
+                                            <p:cond delay="0"/>
+                                          </p:stCondLst>
+                                        </p:cTn>
+                                        <p:tgtEl>
+                                          <p:spTgt spid="5"/>
+                                        </p:tgtEl>
+                                        <p:attrNameLst>
+                                          <p:attrName>style.visibility</p:attrName>
+                                        </p:attrNameLst>
+                                      </p:cBhvr>
+                                      <p:to>
+                                        <p:strVal val="visible"/>
+                                      </p:to>
+                                    </p:set>
+                                    <p:animEffect transition="in" filter="fade">
+                                      <p:cBhvr>
+                                        <p:cTn id="7" dur="500"/>
+                                        <p:tgtEl>
+                                          <p:spTgt spid="5"/>
+                                        </p:tgtEl>
+                                      </p:cBhvr>
+                                    </p:animEffect>
+                                  </p:childTnLst>
+                                </p:cTn>
+                              </p:par>
+                            </p:childTnLst>
+                          </p:cTn>
+                        </p:par>
+                      </p:childTnLst>
+                    </p:cTn>
+                  </p:par>
+                  <p:par>
+                    <p:cTn id="8" fill="hold">
+                      <p:stCondLst>
+                        <p:cond delay="indefinite"/>
+                      </p:stCondLst>
+                      <p:childTnLst>
+                        <p:par>
+                          <p:cTn id="9" fill="hold">
+                            <p:stCondLst>
+                              <p:cond delay="0"/>
+                            </p:stCondLst>
+                            <p:childTnLst>
+                              <p:par>
+                                <p:cTn id="10" presetID="10" presetClass="entr" presetSubtype="0" fill="hold" nodeType="clickEffect">
+                                  <p:stCondLst>
+                                    <p:cond delay="0"/>
+                                  </p:stCondLst>
+                                  <p:childTnLst>
+                                    <p:set>
+                                      <p:cBhvr>
+                                        <p:cTn id="11" dur="1" fill="hold">
+                                          <p:stCondLst>
+                                            <p:cond delay="0"/>
+                                          </p:stCondLst>
+                                        </p:cTn>
+                                        <p:tgtEl>
+                                          <p:spTgt spid="4"/>
+                                        </p:tgtEl>
+                                        <p:attrNameLst>
+                                          <p:attrName>style.visibility</p:attrName>
+                                        </p:attrNameLst>
+                                      </p:cBhvr>
+                                      <p:to>
+                                        <p:strVal val="visible"/>
+                                      </p:to>
+                                    </p:set>
+                                    <p:animEffect transition="in" filter="fade">
+                                      <p:cBhvr>
+                                        <p:cTn id="12" dur="500"/>
+                                        <p:tgtEl>
+                                          <p:spTgt spid="4"/>
+                                        </p:tgtEl>
+                                      </p:cBhvr>
+                                    </p:animEffect>
+                                  </p:childTnLst>
+                                </p:cTn>
+                              </p:par>
+                            </p:childTnLst>
+                          </p:cTn>
+                        </p:par>
+                      </p:childTnLst>
+                    </p:cTn>
+                  </p:par>
+                </p:childTnLst>
+              </p:cTn>
+              <p:prevCondLst>
+                <p:cond evt="onPrev" delay="0">
+                  <p:tgtEl>
+                    <p:sldTgt/>
+                  </p:tgtEl>
+                </p:cond>
+              </p:prevCondLst>
+              <p:nextCondLst>
+                <p:cond evt="onNext" delay="0">
+                  <p:tgtEl>
+                    <p:sldTgt/>
+                  </p:tgtEl>
+                </p:cond>
+              </p:nextCondLst>
+            </p:seq>
+          </p:childTnLst>
+        </p:cTn>
+      </p:par>
+    </p:tnLst>
+    <p:bldLst>
+      <p:bldP spid="5" grpId="0"/>
+    </p:bldLst>
+  </p:timing>
+</p:sld>
+</file>
+
+<file path=ppt/slides/slide36.xml><?xml version="1.0" encoding="utf-8"?>
+<p:sld xmlns:a="http://schemas.openxmlformats.org/drawingml/2006/main" xmlns:r="http://schemas.openxmlformats.org/officeDocument/2006/relationships" xmlns:p="http://schemas.openxmlformats.org/presentationml/2006/main">
+  <p:cSld>
+    <p:spTree>
+      <p:nvGrpSpPr>
+        <p:cNvPr id="1" name=""/>
+        <p:cNvGrpSpPr/>
+        <p:nvPr/>
+      </p:nvGrpSpPr>
+      <p:grpSpPr>
+        <a:xfrm>
+          <a:off x="0" y="0"/>
+          <a:ext cx="0" cy="0"/>
+          <a:chOff x="0" y="0"/>
+          <a:chExt cx="0" cy="0"/>
+        </a:xfrm>
+      </p:grpSpPr>
+      <p:sp>
+        <p:nvSpPr>
+          <p:cNvPr id="2" name="标题 1"/>
+          <p:cNvSpPr>
+            <a:spLocks noGrp="1"/>
+          </p:cNvSpPr>
+          <p:nvPr>
+            <p:ph type="title"/>
+          </p:nvPr>
+        </p:nvSpPr>
+        <p:spPr/>
+        <p:txBody>
+          <a:bodyPr/>
+          <a:lstStyle/>
+          <a:p>
+            <a:r>
+              <a:rPr lang="en-US" altLang="zh-CN" dirty="0" smtClean="0"/>
+              <a:t>SmartArt</a:t>
+            </a:r>
+            <a:r>
+              <a:rPr lang="zh-CN" altLang="en-US" dirty="0" smtClean="0"/>
+              <a:t>设置</a:t>
+            </a:r>
+            <a:endParaRPr lang="zh-CN" altLang="en-US" dirty="0"/>
+          </a:p>
+        </p:txBody>
+      </p:sp>
+      <p:pic>
+        <p:nvPicPr>
+          <p:cNvPr id="4" name="内容占位符 3"/>
+          <p:cNvPicPr>
+            <a:picLocks noGrp="1" noChangeAspect="1"/>
+          </p:cNvPicPr>
+          <p:nvPr>
+            <p:ph idx="1"/>
+          </p:nvPr>
+        </p:nvPicPr>
+        <p:blipFill>
+          <a:blip r:embed="rId2">
+            <a:extLst>
+              <a:ext uri="{28A0092B-C50C-407E-A947-70E740481C1C}">
+                <a14:useLocalDpi xmlns:a14="http://schemas.microsoft.com/office/drawing/2010/main" val="0"/>
+              </a:ext>
+            </a:extLst>
+          </a:blip>
+          <a:stretch>
+            <a:fillRect/>
+          </a:stretch>
+        </p:blipFill>
+        <p:spPr>
+          <a:xfrm>
+            <a:off x="467544" y="3356992"/>
+            <a:ext cx="8229600" cy="874143"/>
+          </a:xfrm>
+        </p:spPr>
+      </p:pic>
+      <p:sp>
+        <p:nvSpPr>
+          <p:cNvPr id="5" name="TextBox 4"/>
+          <p:cNvSpPr txBox="1"/>
+          <p:nvPr/>
+        </p:nvSpPr>
+        <p:spPr>
+          <a:xfrm>
+            <a:off x="467544" y="1727230"/>
+            <a:ext cx="7128792" cy="523220"/>
+          </a:xfrm>
+          <a:prstGeom prst="rect">
+            <a:avLst/>
+          </a:prstGeom>
+          <a:noFill/>
+        </p:spPr>
+        <p:txBody>
+          <a:bodyPr wrap="square" rtlCol="0">
+            <a:spAutoFit/>
+          </a:bodyPr>
+          <a:lstStyle/>
+          <a:p>
+            <a:r>
+              <a:rPr lang="zh-CN" altLang="en-US" sz="2800" dirty="0" smtClean="0"/>
+              <a:t>使用</a:t>
+            </a:r>
+            <a:r>
+              <a:rPr lang="en-US" altLang="zh-CN" sz="2800" dirty="0" smtClean="0"/>
+              <a:t>SmartArt</a:t>
+            </a:r>
+            <a:r>
+              <a:rPr lang="zh-CN" altLang="en-US" sz="2800" dirty="0" smtClean="0"/>
+              <a:t>工具对</a:t>
+            </a:r>
+            <a:r>
+              <a:rPr lang="en-US" altLang="zh-CN" sz="2800" dirty="0" smtClean="0"/>
+              <a:t>SmartArt</a:t>
+            </a:r>
+            <a:r>
+              <a:rPr lang="zh-CN" altLang="en-US" sz="2800" dirty="0" smtClean="0"/>
+              <a:t>图设置</a:t>
+            </a:r>
+            <a:endParaRPr lang="zh-CN" altLang="en-US" sz="2800" dirty="0"/>
+          </a:p>
+        </p:txBody>
+      </p:sp>
+      <p:sp>
+        <p:nvSpPr>
+          <p:cNvPr id="6" name="TextBox 5"/>
+          <p:cNvSpPr txBox="1"/>
+          <p:nvPr/>
+        </p:nvSpPr>
+        <p:spPr>
+          <a:xfrm>
+            <a:off x="3275856" y="3275692"/>
+            <a:ext cx="864096" cy="432000"/>
+          </a:xfrm>
+          <a:prstGeom prst="rect">
+            <a:avLst/>
+          </a:prstGeom>
+          <a:noFill/>
+          <a:ln w="19050">
+            <a:solidFill>
+              <a:srgbClr val="FF0000"/>
+            </a:solidFill>
+          </a:ln>
+        </p:spPr>
+        <p:txBody>
+          <a:bodyPr wrap="square" rtlCol="0">
+            <a:spAutoFit/>
+          </a:bodyPr>
+          <a:lstStyle/>
+          <a:p>
+            <a:endParaRPr lang="zh-CN" altLang="en-US" dirty="0"/>
+          </a:p>
+        </p:txBody>
+      </p:sp>
+    </p:spTree>
+    <p:extLst>
+      <p:ext uri="{BB962C8B-B14F-4D97-AF65-F5344CB8AC3E}">
+        <p14:creationId xmlns:p14="http://schemas.microsoft.com/office/powerpoint/2010/main" val="459431867"/>
+      </p:ext>
+    </p:extLst>
+  </p:cSld>
+  <p:clrMapOvr>
+    <a:masterClrMapping/>
+  </p:clrMapOvr>
+  <p:timing>
+    <p:tnLst>
+      <p:par>
+        <p:cTn id="1" dur="indefinite" restart="never" nodeType="tmRoot">
+          <p:childTnLst>
+            <p:seq concurrent="1" nextAc="seek">
+              <p:cTn id="2" dur="indefinite" nodeType="mainSeq">
+                <p:childTnLst>
+                  <p:par>
+                    <p:cTn id="3" fill="hold">
+                      <p:stCondLst>
+                        <p:cond delay="indefinite"/>
+                      </p:stCondLst>
+                      <p:childTnLst>
+                        <p:par>
+                          <p:cTn id="4" fill="hold">
+                            <p:stCondLst>
+                              <p:cond delay="0"/>
+                            </p:stCondLst>
+                            <p:childTnLst>
+                              <p:par>
+                                <p:cTn id="5" presetID="10" presetClass="entr" presetSubtype="0" fill="hold" grpId="0" nodeType="clickEffect">
+                                  <p:stCondLst>
+                                    <p:cond delay="0"/>
+                                  </p:stCondLst>
+                                  <p:childTnLst>
+                                    <p:set>
+                                      <p:cBhvr>
+                                        <p:cTn id="6" dur="1" fill="hold">
+                                          <p:stCondLst>
+                                            <p:cond delay="0"/>
+                                          </p:stCondLst>
+                                        </p:cTn>
+                                        <p:tgtEl>
+                                          <p:spTgt spid="5"/>
+                                        </p:tgtEl>
+                                        <p:attrNameLst>
+                                          <p:attrName>style.visibility</p:attrName>
+                                        </p:attrNameLst>
+                                      </p:cBhvr>
+                                      <p:to>
+                                        <p:strVal val="visible"/>
+                                      </p:to>
+                                    </p:set>
+                                    <p:animEffect transition="in" filter="fade">
+                                      <p:cBhvr>
+                                        <p:cTn id="7" dur="500"/>
+                                        <p:tgtEl>
+                                          <p:spTgt spid="5"/>
+                                        </p:tgtEl>
+                                      </p:cBhvr>
+                                    </p:animEffect>
+                                  </p:childTnLst>
+                                </p:cTn>
+                              </p:par>
+                            </p:childTnLst>
+                          </p:cTn>
+                        </p:par>
+                      </p:childTnLst>
+                    </p:cTn>
+                  </p:par>
+                  <p:par>
+                    <p:cTn id="8" fill="hold">
+                      <p:stCondLst>
+                        <p:cond delay="indefinite"/>
+                      </p:stCondLst>
+                      <p:childTnLst>
+                        <p:par>
+                          <p:cTn id="9" fill="hold">
+                            <p:stCondLst>
+                              <p:cond delay="0"/>
+                            </p:stCondLst>
+                            <p:childTnLst>
+                              <p:par>
+                                <p:cTn id="10" presetID="10" presetClass="entr" presetSubtype="0" fill="hold" nodeType="clickEffect">
+                                  <p:stCondLst>
+                                    <p:cond delay="0"/>
+                                  </p:stCondLst>
+                                  <p:childTnLst>
+                                    <p:set>
+                                      <p:cBhvr>
+                                        <p:cTn id="11" dur="1" fill="hold">
+                                          <p:stCondLst>
+                                            <p:cond delay="0"/>
+                                          </p:stCondLst>
+                                        </p:cTn>
+                                        <p:tgtEl>
+                                          <p:spTgt spid="4"/>
+                                        </p:tgtEl>
+                                        <p:attrNameLst>
+                                          <p:attrName>style.visibility</p:attrName>
+                                        </p:attrNameLst>
+                                      </p:cBhvr>
+                                      <p:to>
+                                        <p:strVal val="visible"/>
+                                      </p:to>
+                                    </p:set>
+                                    <p:animEffect transition="in" filter="fade">
+                                      <p:cBhvr>
+                                        <p:cTn id="12" dur="500"/>
+                                        <p:tgtEl>
+                                          <p:spTgt spid="4"/>
+                                        </p:tgtEl>
+                                      </p:cBhvr>
+                                    </p:animEffect>
+                                  </p:childTnLst>
+                                </p:cTn>
+                              </p:par>
+                            </p:childTnLst>
+                          </p:cTn>
+                        </p:par>
+                      </p:childTnLst>
+                    </p:cTn>
+                  </p:par>
+                  <p:par>
+                    <p:cTn id="13" fill="hold">
+                      <p:stCondLst>
+                        <p:cond delay="indefinite"/>
+                      </p:stCondLst>
+                      <p:childTnLst>
+                        <p:par>
+                          <p:cTn id="14" fill="hold">
+                            <p:stCondLst>
+                              <p:cond delay="0"/>
+                            </p:stCondLst>
+                            <p:childTnLst>
+                              <p:par>
+                                <p:cTn id="15" presetID="10" presetClass="entr" presetSubtype="0" fill="hold" grpId="0" nodeType="clickEffect">
+                                  <p:stCondLst>
+                                    <p:cond delay="0"/>
+                                  </p:stCondLst>
+                                  <p:childTnLst>
+                                    <p:set>
+                                      <p:cBhvr>
+                                        <p:cTn id="16" dur="1" fill="hold">
+                                          <p:stCondLst>
+                                            <p:cond delay="0"/>
+                                          </p:stCondLst>
+                                        </p:cTn>
+                                        <p:tgtEl>
+                                          <p:spTgt spid="6"/>
+                                        </p:tgtEl>
+                                        <p:attrNameLst>
+                                          <p:attrName>style.visibility</p:attrName>
+                                        </p:attrNameLst>
+                                      </p:cBhvr>
+                                      <p:to>
+                                        <p:strVal val="visible"/>
+                                      </p:to>
+                                    </p:set>
+                                    <p:animEffect transition="in" filter="fade">
+                                      <p:cBhvr>
+                                        <p:cTn id="17" dur="500"/>
+                                        <p:tgtEl>
+                                          <p:spTgt spid="6"/>
+                                        </p:tgtEl>
+                                      </p:cBhvr>
+                                    </p:animEffect>
+                                  </p:childTnLst>
+                                </p:cTn>
+                              </p:par>
+                            </p:childTnLst>
+                          </p:cTn>
+                        </p:par>
+                      </p:childTnLst>
+                    </p:cTn>
+                  </p:par>
+                </p:childTnLst>
+              </p:cTn>
+              <p:prevCondLst>
+                <p:cond evt="onPrev" delay="0">
+                  <p:tgtEl>
+                    <p:sldTgt/>
+                  </p:tgtEl>
+                </p:cond>
+              </p:prevCondLst>
+              <p:nextCondLst>
+                <p:cond evt="onNext" delay="0">
+                  <p:tgtEl>
+                    <p:sldTgt/>
+                  </p:tgtEl>
+                </p:cond>
+              </p:nextCondLst>
+            </p:seq>
+          </p:childTnLst>
+        </p:cTn>
+      </p:par>
+    </p:tnLst>
+    <p:bldLst>
+      <p:bldP spid="5" grpId="0"/>
+      <p:bldP spid="6" grpId="0" animBg="1"/>
+    </p:bldLst>
+  </p:timing>
+</p:sld>
+</file>
+
+<file path=ppt/slides/slide37.xml><?xml version="1.0" encoding="utf-8"?>
+<p:sld xmlns:a="http://schemas.openxmlformats.org/drawingml/2006/main" xmlns:r="http://schemas.openxmlformats.org/officeDocument/2006/relationships" xmlns:p="http://schemas.openxmlformats.org/presentationml/2006/main">
+  <p:cSld>
+    <p:spTree>
+      <p:nvGrpSpPr>
+        <p:cNvPr id="1" name=""/>
+        <p:cNvGrpSpPr/>
+        <p:nvPr/>
+      </p:nvGrpSpPr>
+      <p:grpSpPr>
+        <a:xfrm>
+          <a:off x="0" y="0"/>
+          <a:ext cx="0" cy="0"/>
+          <a:chOff x="0" y="0"/>
+          <a:chExt cx="0" cy="0"/>
+        </a:xfrm>
+      </p:grpSpPr>
+      <p:sp>
+        <p:nvSpPr>
+          <p:cNvPr id="2" name="标题 1"/>
+          <p:cNvSpPr>
+            <a:spLocks noGrp="1"/>
+          </p:cNvSpPr>
+          <p:nvPr>
+            <p:ph type="title"/>
+          </p:nvPr>
+        </p:nvSpPr>
+        <p:spPr>
+          <a:xfrm>
+            <a:off x="457200" y="44624"/>
+            <a:ext cx="8219256" cy="936104"/>
+          </a:xfrm>
+        </p:spPr>
+        <p:txBody>
+          <a:bodyPr/>
+          <a:lstStyle/>
+          <a:p>
+            <a:r>
+              <a:rPr lang="zh-CN" altLang="en-US" dirty="0" smtClean="0"/>
+              <a:t>艺术字</a:t>
+            </a:r>
+            <a:endParaRPr lang="zh-CN" altLang="en-US" dirty="0"/>
+          </a:p>
+        </p:txBody>
+      </p:sp>
+      <p:pic>
+        <p:nvPicPr>
+          <p:cNvPr id="4" name="内容占位符 3"/>
+          <p:cNvPicPr>
+            <a:picLocks noGrp="1" noChangeAspect="1"/>
+          </p:cNvPicPr>
+          <p:nvPr>
+            <p:ph idx="1"/>
+          </p:nvPr>
+        </p:nvPicPr>
+        <p:blipFill>
+          <a:blip r:embed="rId2">
+            <a:extLst>
+              <a:ext uri="{28A0092B-C50C-407E-A947-70E740481C1C}">
+                <a14:useLocalDpi xmlns:a14="http://schemas.microsoft.com/office/drawing/2010/main" val="0"/>
+              </a:ext>
+            </a:extLst>
+          </a:blip>
+          <a:stretch>
+            <a:fillRect/>
+          </a:stretch>
+        </p:blipFill>
+        <p:spPr>
+          <a:xfrm>
+            <a:off x="395536" y="1916832"/>
+            <a:ext cx="7467600" cy="1504950"/>
+          </a:xfrm>
+        </p:spPr>
+      </p:pic>
+      <p:sp>
+        <p:nvSpPr>
+          <p:cNvPr id="5" name="TextBox 4"/>
+          <p:cNvSpPr txBox="1"/>
+          <p:nvPr/>
+        </p:nvSpPr>
+        <p:spPr>
+          <a:xfrm>
+            <a:off x="827584" y="1124744"/>
+            <a:ext cx="792088" cy="369332"/>
+          </a:xfrm>
+          <a:prstGeom prst="rect">
+            <a:avLst/>
+          </a:prstGeom>
+          <a:noFill/>
+        </p:spPr>
+        <p:txBody>
+          <a:bodyPr wrap="square" rtlCol="0">
+            <a:spAutoFit/>
+          </a:bodyPr>
+          <a:lstStyle/>
+          <a:p>
+            <a:r>
+              <a:rPr lang="zh-CN" altLang="en-US" dirty="0" smtClean="0"/>
+              <a:t>插入</a:t>
+            </a:r>
+            <a:endParaRPr lang="zh-CN" altLang="en-US" dirty="0"/>
+          </a:p>
+        </p:txBody>
+      </p:sp>
+      <p:sp>
+        <p:nvSpPr>
+          <p:cNvPr id="6" name="TextBox 5"/>
+          <p:cNvSpPr txBox="1"/>
+          <p:nvPr/>
+        </p:nvSpPr>
+        <p:spPr>
+          <a:xfrm>
+            <a:off x="3635896" y="1115452"/>
+            <a:ext cx="1080120" cy="369332"/>
+          </a:xfrm>
+          <a:prstGeom prst="rect">
+            <a:avLst/>
+          </a:prstGeom>
+          <a:noFill/>
+        </p:spPr>
+        <p:txBody>
+          <a:bodyPr wrap="square" rtlCol="0">
+            <a:spAutoFit/>
+          </a:bodyPr>
+          <a:lstStyle/>
+          <a:p>
+            <a:r>
+              <a:rPr lang="zh-CN" altLang="en-US" dirty="0"/>
+              <a:t>艺术字</a:t>
+            </a:r>
+          </a:p>
+        </p:txBody>
+      </p:sp>
+      <p:sp>
+        <p:nvSpPr>
+          <p:cNvPr id="7" name="右箭头 6"/>
+          <p:cNvSpPr/>
+          <p:nvPr/>
+        </p:nvSpPr>
+        <p:spPr>
+          <a:xfrm>
+            <a:off x="2267744" y="1124744"/>
+            <a:ext cx="792088" cy="369332"/>
+          </a:xfrm>
+          <a:prstGeom prst="rightArrow">
+            <a:avLst/>
+          </a:prstGeom>
+        </p:spPr>
+        <p:style>
+          <a:lnRef idx="2">
+            <a:schemeClr val="accent1">
+              <a:shade val="50000"/>
+            </a:schemeClr>
+          </a:lnRef>
+          <a:fillRef idx="1">
+            <a:schemeClr val="accent1"/>
+          </a:fillRef>
+          <a:effectRef idx="0">
+            <a:schemeClr val="accent1"/>
+          </a:effectRef>
+          <a:fontRef idx="minor">
+            <a:schemeClr val="lt1"/>
+          </a:fontRef>
+        </p:style>
+        <p:txBody>
+          <a:bodyPr rtlCol="0" anchor="ctr"/>
+          <a:lstStyle/>
+          <a:p>
+            <a:pPr algn="ctr"/>
+            <a:endParaRPr lang="zh-CN" altLang="en-US"/>
+          </a:p>
+        </p:txBody>
+      </p:sp>
+      <p:sp>
+        <p:nvSpPr>
+          <p:cNvPr id="8" name="TextBox 7"/>
+          <p:cNvSpPr txBox="1"/>
+          <p:nvPr/>
+        </p:nvSpPr>
+        <p:spPr>
+          <a:xfrm>
+            <a:off x="1403648" y="2060848"/>
+            <a:ext cx="576064" cy="369332"/>
+          </a:xfrm>
+          <a:prstGeom prst="rect">
+            <a:avLst/>
+          </a:prstGeom>
+          <a:noFill/>
+          <a:ln w="22225">
+            <a:solidFill>
+              <a:srgbClr val="FF0000"/>
+            </a:solidFill>
+          </a:ln>
+        </p:spPr>
+        <p:txBody>
+          <a:bodyPr wrap="square" rtlCol="0">
+            <a:spAutoFit/>
+          </a:bodyPr>
+          <a:lstStyle/>
+          <a:p>
+            <a:endParaRPr lang="zh-CN" altLang="en-US" dirty="0"/>
+          </a:p>
+        </p:txBody>
+      </p:sp>
+      <p:sp>
+        <p:nvSpPr>
+          <p:cNvPr id="9" name="TextBox 8"/>
+          <p:cNvSpPr txBox="1"/>
+          <p:nvPr/>
+        </p:nvSpPr>
+        <p:spPr>
+          <a:xfrm>
+            <a:off x="5868144" y="2430180"/>
+            <a:ext cx="576064" cy="648000"/>
+          </a:xfrm>
+          <a:prstGeom prst="rect">
+            <a:avLst/>
+          </a:prstGeom>
+          <a:noFill/>
+          <a:ln w="22225">
+            <a:solidFill>
+              <a:srgbClr val="FF0000"/>
+            </a:solidFill>
+          </a:ln>
+        </p:spPr>
+        <p:txBody>
+          <a:bodyPr wrap="square" rtlCol="0">
+            <a:spAutoFit/>
+          </a:bodyPr>
+          <a:lstStyle/>
+          <a:p>
+            <a:endParaRPr lang="zh-CN" altLang="en-US" dirty="0"/>
+          </a:p>
+        </p:txBody>
+      </p:sp>
+      <p:pic>
+        <p:nvPicPr>
+          <p:cNvPr id="10" name="图片 9"/>
+          <p:cNvPicPr>
+            <a:picLocks noChangeAspect="1"/>
+          </p:cNvPicPr>
+          <p:nvPr/>
+        </p:nvPicPr>
+        <p:blipFill>
+          <a:blip r:embed="rId3">
+            <a:extLst>
+              <a:ext uri="{28A0092B-C50C-407E-A947-70E740481C1C}">
+                <a14:useLocalDpi xmlns:a14="http://schemas.microsoft.com/office/drawing/2010/main" val="0"/>
+              </a:ext>
+            </a:extLst>
+          </a:blip>
+          <a:stretch>
+            <a:fillRect/>
+          </a:stretch>
+        </p:blipFill>
+        <p:spPr>
+          <a:xfrm>
+            <a:off x="287524" y="3645024"/>
+            <a:ext cx="3384376" cy="2976210"/>
+          </a:xfrm>
+          <a:prstGeom prst="rect">
+            <a:avLst/>
+          </a:prstGeom>
+        </p:spPr>
+      </p:pic>
+      <p:sp>
+        <p:nvSpPr>
+          <p:cNvPr id="11" name="右箭头 10"/>
+          <p:cNvSpPr/>
+          <p:nvPr/>
+        </p:nvSpPr>
+        <p:spPr>
+          <a:xfrm>
+            <a:off x="5076056" y="1124744"/>
+            <a:ext cx="792088" cy="369332"/>
+          </a:xfrm>
+          <a:prstGeom prst="rightArrow">
+            <a:avLst/>
+          </a:prstGeom>
+        </p:spPr>
+        <p:style>
+          <a:lnRef idx="2">
+            <a:schemeClr val="accent1">
+              <a:shade val="50000"/>
+            </a:schemeClr>
+          </a:lnRef>
+          <a:fillRef idx="1">
+            <a:schemeClr val="accent1"/>
+          </a:fillRef>
+          <a:effectRef idx="0">
+            <a:schemeClr val="accent1"/>
+          </a:effectRef>
+          <a:fontRef idx="minor">
+            <a:schemeClr val="lt1"/>
+          </a:fontRef>
+        </p:style>
+        <p:txBody>
+          <a:bodyPr rtlCol="0" anchor="ctr"/>
+          <a:lstStyle/>
+          <a:p>
+            <a:pPr algn="ctr"/>
+            <a:endParaRPr lang="zh-CN" altLang="en-US"/>
+          </a:p>
+        </p:txBody>
+      </p:sp>
+      <p:sp>
+        <p:nvSpPr>
+          <p:cNvPr id="12" name="TextBox 11"/>
+          <p:cNvSpPr txBox="1"/>
+          <p:nvPr/>
+        </p:nvSpPr>
+        <p:spPr>
+          <a:xfrm>
+            <a:off x="6588224" y="1143659"/>
+            <a:ext cx="1872208" cy="369332"/>
+          </a:xfrm>
+          <a:prstGeom prst="rect">
+            <a:avLst/>
+          </a:prstGeom>
+          <a:noFill/>
+        </p:spPr>
+        <p:txBody>
+          <a:bodyPr wrap="square" rtlCol="0">
+            <a:spAutoFit/>
+          </a:bodyPr>
+          <a:lstStyle/>
+          <a:p>
+            <a:r>
+              <a:rPr lang="zh-CN" altLang="en-US" dirty="0" smtClean="0"/>
+              <a:t>选择一种艺术</a:t>
+            </a:r>
+            <a:r>
+              <a:rPr lang="zh-CN" altLang="en-US" dirty="0"/>
+              <a:t>字</a:t>
+            </a:r>
+          </a:p>
+        </p:txBody>
+      </p:sp>
+      <p:sp>
+        <p:nvSpPr>
+          <p:cNvPr id="13" name="TextBox 12"/>
+          <p:cNvSpPr txBox="1"/>
+          <p:nvPr/>
+        </p:nvSpPr>
+        <p:spPr>
+          <a:xfrm>
+            <a:off x="294928" y="3645024"/>
+            <a:ext cx="2476872" cy="2976210"/>
+          </a:xfrm>
+          <a:prstGeom prst="rect">
+            <a:avLst/>
+          </a:prstGeom>
+          <a:noFill/>
+          <a:ln w="22225">
+            <a:solidFill>
+              <a:srgbClr val="FF0000"/>
+            </a:solidFill>
+          </a:ln>
+        </p:spPr>
+        <p:txBody>
+          <a:bodyPr wrap="square" rtlCol="0">
+            <a:spAutoFit/>
+          </a:bodyPr>
+          <a:lstStyle/>
+          <a:p>
+            <a:endParaRPr lang="zh-CN" altLang="en-US" dirty="0"/>
+          </a:p>
+        </p:txBody>
+      </p:sp>
+      <p:sp>
+        <p:nvSpPr>
+          <p:cNvPr id="14" name="TextBox 13"/>
+          <p:cNvSpPr txBox="1"/>
+          <p:nvPr/>
+        </p:nvSpPr>
+        <p:spPr>
+          <a:xfrm>
+            <a:off x="4960497" y="3767368"/>
+            <a:ext cx="3384376" cy="2246769"/>
+          </a:xfrm>
+          <a:prstGeom prst="rect">
+            <a:avLst/>
+          </a:prstGeom>
+          <a:noFill/>
+        </p:spPr>
+        <p:txBody>
+          <a:bodyPr wrap="square" rtlCol="0">
+            <a:spAutoFit/>
+          </a:bodyPr>
+          <a:lstStyle/>
+          <a:p>
+            <a:r>
+              <a:rPr lang="zh-CN" altLang="en-US" sz="2800" dirty="0" smtClean="0"/>
+              <a:t>当鼠标指向某种艺术字时，会显示相应的艺术字说明。</a:t>
+            </a:r>
+            <a:endParaRPr lang="en-US" altLang="zh-CN" sz="2800" dirty="0" smtClean="0"/>
+          </a:p>
+          <a:p>
+            <a:r>
+              <a:rPr lang="zh-CN" altLang="en-US" sz="2800" dirty="0"/>
+              <a:t>艺术</a:t>
+            </a:r>
+            <a:r>
+              <a:rPr lang="zh-CN" altLang="en-US" sz="2800" dirty="0" smtClean="0"/>
+              <a:t>字说明可以帮助我们选择艺术字。</a:t>
+            </a:r>
+            <a:endParaRPr lang="zh-CN" altLang="en-US" sz="2800" dirty="0"/>
+          </a:p>
+        </p:txBody>
+      </p:sp>
+      <p:sp>
+        <p:nvSpPr>
+          <p:cNvPr id="15" name="TextBox 14"/>
+          <p:cNvSpPr txBox="1"/>
+          <p:nvPr/>
+        </p:nvSpPr>
+        <p:spPr>
+          <a:xfrm>
+            <a:off x="2000818" y="4967697"/>
+            <a:ext cx="1779094" cy="477527"/>
+          </a:xfrm>
+          <a:prstGeom prst="rect">
+            <a:avLst/>
+          </a:prstGeom>
+          <a:noFill/>
+          <a:ln w="22225">
+            <a:solidFill>
+              <a:srgbClr val="FF0000"/>
+            </a:solidFill>
+          </a:ln>
+        </p:spPr>
+        <p:txBody>
+          <a:bodyPr wrap="square" rtlCol="0">
+            <a:spAutoFit/>
+          </a:bodyPr>
+          <a:lstStyle/>
+          <a:p>
+            <a:endParaRPr lang="zh-CN" altLang="en-US" dirty="0"/>
+          </a:p>
+        </p:txBody>
+      </p:sp>
+    </p:spTree>
+    <p:extLst>
+      <p:ext uri="{BB962C8B-B14F-4D97-AF65-F5344CB8AC3E}">
+        <p14:creationId xmlns:p14="http://schemas.microsoft.com/office/powerpoint/2010/main" val="3837976699"/>
+      </p:ext>
+    </p:extLst>
+  </p:cSld>
+  <p:clrMapOvr>
+    <a:masterClrMapping/>
+  </p:clrMapOvr>
+  <p:timing>
+    <p:tnLst>
+      <p:par>
+        <p:cTn id="1" dur="indefinite" restart="never" nodeType="tmRoot">
+          <p:childTnLst>
+            <p:seq concurrent="1" nextAc="seek">
+              <p:cTn id="2" dur="indefinite" nodeType="mainSeq">
+                <p:childTnLst>
+                  <p:par>
+                    <p:cTn id="3" fill="hold">
+                      <p:stCondLst>
+                        <p:cond delay="indefinite"/>
+                      </p:stCondLst>
+                      <p:childTnLst>
+                        <p:par>
+                          <p:cTn id="4" fill="hold">
+                            <p:stCondLst>
+                              <p:cond delay="0"/>
+                            </p:stCondLst>
+                            <p:childTnLst>
+                              <p:par>
+                                <p:cTn id="5" presetID="10" presetClass="entr" presetSubtype="0" fill="hold" nodeType="clickEffect">
+                                  <p:stCondLst>
+                                    <p:cond delay="0"/>
+                                  </p:stCondLst>
+                                  <p:childTnLst>
+                                    <p:set>
+                                      <p:cBhvr>
+                                        <p:cTn id="6" dur="1" fill="hold">
+                                          <p:stCondLst>
+                                            <p:cond delay="0"/>
+                                          </p:stCondLst>
+                                        </p:cTn>
+                                        <p:tgtEl>
+                                          <p:spTgt spid="4"/>
+                                        </p:tgtEl>
+                                        <p:attrNameLst>
+                                          <p:attrName>style.visibility</p:attrName>
+                                        </p:attrNameLst>
+                                      </p:cBhvr>
+                                      <p:to>
+                                        <p:strVal val="visible"/>
+                                      </p:to>
+                                    </p:set>
+                                    <p:animEffect transition="in" filter="fade">
+                                      <p:cBhvr>
+                                        <p:cTn id="7" dur="500"/>
+                                        <p:tgtEl>
+                                          <p:spTgt spid="4"/>
+                                        </p:tgtEl>
+                                      </p:cBhvr>
+                                    </p:animEffect>
+                                  </p:childTnLst>
+                                </p:cTn>
+                              </p:par>
+                            </p:childTnLst>
+                          </p:cTn>
+                        </p:par>
+                      </p:childTnLst>
+                    </p:cTn>
+                  </p:par>
+                  <p:par>
+                    <p:cTn id="8" fill="hold">
+                      <p:stCondLst>
+                        <p:cond delay="indefinite"/>
+                      </p:stCondLst>
+                      <p:childTnLst>
+                        <p:par>
+                          <p:cTn id="9" fill="hold">
+                            <p:stCondLst>
+                              <p:cond delay="0"/>
+                            </p:stCondLst>
+                            <p:childTnLst>
+                              <p:par>
+                                <p:cTn id="10" presetID="10" presetClass="entr" presetSubtype="0" fill="hold" grpId="0" nodeType="clickEffect">
+                                  <p:stCondLst>
+                                    <p:cond delay="0"/>
+                                  </p:stCondLst>
+                                  <p:childTnLst>
+                                    <p:set>
+                                      <p:cBhvr>
+                                        <p:cTn id="11" dur="1" fill="hold">
+                                          <p:stCondLst>
+                                            <p:cond delay="0"/>
+                                          </p:stCondLst>
+                                        </p:cTn>
+                                        <p:tgtEl>
+                                          <p:spTgt spid="5"/>
+                                        </p:tgtEl>
+                                        <p:attrNameLst>
+                                          <p:attrName>style.visibility</p:attrName>
+                                        </p:attrNameLst>
+                                      </p:cBhvr>
+                                      <p:to>
+                                        <p:strVal val="visible"/>
+                                      </p:to>
+                                    </p:set>
+                                    <p:animEffect transition="in" filter="fade">
+                                      <p:cBhvr>
+                                        <p:cTn id="12" dur="500"/>
+                                        <p:tgtEl>
+                                          <p:spTgt spid="5"/>
+                                        </p:tgtEl>
+                                      </p:cBhvr>
+                                    </p:animEffect>
+                                  </p:childTnLst>
+                                </p:cTn>
+                              </p:par>
+                            </p:childTnLst>
+                          </p:cTn>
+                        </p:par>
+                      </p:childTnLst>
+                    </p:cTn>
+                  </p:par>
+                  <p:par>
+                    <p:cTn id="13" fill="hold">
+                      <p:stCondLst>
+                        <p:cond delay="indefinite"/>
+                      </p:stCondLst>
+                      <p:childTnLst>
+                        <p:par>
+                          <p:cTn id="14" fill="hold">
+                            <p:stCondLst>
+                              <p:cond delay="0"/>
+                            </p:stCondLst>
+                            <p:childTnLst>
+                              <p:par>
+                                <p:cTn id="15" presetID="10" presetClass="entr" presetSubtype="0" fill="hold" grpId="0" nodeType="clickEffect">
+                                  <p:stCondLst>
+                                    <p:cond delay="0"/>
+                                  </p:stCondLst>
+                                  <p:childTnLst>
+                                    <p:set>
+                                      <p:cBhvr>
+                                        <p:cTn id="16" dur="1" fill="hold">
+                                          <p:stCondLst>
+                                            <p:cond delay="0"/>
+                                          </p:stCondLst>
+                                        </p:cTn>
+                                        <p:tgtEl>
+                                          <p:spTgt spid="8"/>
+                                        </p:tgtEl>
+                                        <p:attrNameLst>
+                                          <p:attrName>style.visibility</p:attrName>
+                                        </p:attrNameLst>
+                                      </p:cBhvr>
+                                      <p:to>
+                                        <p:strVal val="visible"/>
+                                      </p:to>
+                                    </p:set>
+                                    <p:animEffect transition="in" filter="fade">
+                                      <p:cBhvr>
+                                        <p:cTn id="17" dur="500"/>
+                                        <p:tgtEl>
+                                          <p:spTgt spid="8"/>
+                                        </p:tgtEl>
+                                      </p:cBhvr>
+                                    </p:animEffect>
+                                  </p:childTnLst>
+                                </p:cTn>
+                              </p:par>
+                            </p:childTnLst>
+                          </p:cTn>
+                        </p:par>
+                      </p:childTnLst>
+                    </p:cTn>
+                  </p:par>
+                  <p:par>
+                    <p:cTn id="18" fill="hold">
+                      <p:stCondLst>
+                        <p:cond delay="indefinite"/>
+                      </p:stCondLst>
+                      <p:childTnLst>
+                        <p:par>
+                          <p:cTn id="19" fill="hold">
+                            <p:stCondLst>
+                              <p:cond delay="0"/>
+                            </p:stCondLst>
+                            <p:childTnLst>
+                              <p:par>
+                                <p:cTn id="20" presetID="10" presetClass="entr" presetSubtype="0" fill="hold" grpId="0" nodeType="clickEffect">
+                                  <p:stCondLst>
+                                    <p:cond delay="0"/>
+                                  </p:stCondLst>
+                                  <p:childTnLst>
+                                    <p:set>
+                                      <p:cBhvr>
+                                        <p:cTn id="21" dur="1" fill="hold">
+                                          <p:stCondLst>
+                                            <p:cond delay="0"/>
+                                          </p:stCondLst>
+                                        </p:cTn>
+                                        <p:tgtEl>
+                                          <p:spTgt spid="7"/>
+                                        </p:tgtEl>
+                                        <p:attrNameLst>
+                                          <p:attrName>style.visibility</p:attrName>
+                                        </p:attrNameLst>
+                                      </p:cBhvr>
+                                      <p:to>
+                                        <p:strVal val="visible"/>
+                                      </p:to>
+                                    </p:set>
+                                    <p:animEffect transition="in" filter="fade">
+                                      <p:cBhvr>
+                                        <p:cTn id="22" dur="500"/>
+                                        <p:tgtEl>
+                                          <p:spTgt spid="7"/>
+                                        </p:tgtEl>
+                                      </p:cBhvr>
+                                    </p:animEffect>
+                                  </p:childTnLst>
+                                </p:cTn>
+                              </p:par>
+                            </p:childTnLst>
+                          </p:cTn>
+                        </p:par>
+                      </p:childTnLst>
+                    </p:cTn>
+                  </p:par>
+                  <p:par>
+                    <p:cTn id="23" fill="hold">
+                      <p:stCondLst>
+                        <p:cond delay="indefinite"/>
+                      </p:stCondLst>
+                      <p:childTnLst>
+                        <p:par>
+                          <p:cTn id="24" fill="hold">
+                            <p:stCondLst>
+                              <p:cond delay="0"/>
+                            </p:stCondLst>
+                            <p:childTnLst>
+                              <p:par>
+                                <p:cTn id="25" presetID="10" presetClass="entr" presetSubtype="0" fill="hold" grpId="0" nodeType="clickEffect">
+                                  <p:stCondLst>
+                                    <p:cond delay="0"/>
+                                  </p:stCondLst>
+                                  <p:childTnLst>
+                                    <p:set>
+                                      <p:cBhvr>
+                                        <p:cTn id="26" dur="1" fill="hold">
+                                          <p:stCondLst>
+                                            <p:cond delay="0"/>
+                                          </p:stCondLst>
+                                        </p:cTn>
+                                        <p:tgtEl>
+                                          <p:spTgt spid="6"/>
+                                        </p:tgtEl>
+                                        <p:attrNameLst>
+                                          <p:attrName>style.visibility</p:attrName>
+                                        </p:attrNameLst>
+                                      </p:cBhvr>
+                                      <p:to>
+                                        <p:strVal val="visible"/>
+                                      </p:to>
+                                    </p:set>
+                                    <p:animEffect transition="in" filter="fade">
+                                      <p:cBhvr>
+                                        <p:cTn id="27" dur="500"/>
+                                        <p:tgtEl>
+                                          <p:spTgt spid="6"/>
+                                        </p:tgtEl>
+                                      </p:cBhvr>
+                                    </p:animEffect>
+                                  </p:childTnLst>
+                                </p:cTn>
+                              </p:par>
+                            </p:childTnLst>
+                          </p:cTn>
+                        </p:par>
+                      </p:childTnLst>
+                    </p:cTn>
+                  </p:par>
+                  <p:par>
+                    <p:cTn id="28" fill="hold">
+                      <p:stCondLst>
+                        <p:cond delay="indefinite"/>
+                      </p:stCondLst>
+                      <p:childTnLst>
+                        <p:par>
+                          <p:cTn id="29" fill="hold">
+                            <p:stCondLst>
+                              <p:cond delay="0"/>
+                            </p:stCondLst>
+                            <p:childTnLst>
+                              <p:par>
+                                <p:cTn id="30" presetID="10" presetClass="entr" presetSubtype="0" fill="hold" grpId="0" nodeType="clickEffect">
+                                  <p:stCondLst>
+                                    <p:cond delay="0"/>
+                                  </p:stCondLst>
+                                  <p:childTnLst>
+                                    <p:set>
+                                      <p:cBhvr>
+                                        <p:cTn id="31" dur="1" fill="hold">
+                                          <p:stCondLst>
+                                            <p:cond delay="0"/>
+                                          </p:stCondLst>
+                                        </p:cTn>
+                                        <p:tgtEl>
+                                          <p:spTgt spid="9"/>
+                                        </p:tgtEl>
+                                        <p:attrNameLst>
+                                          <p:attrName>style.visibility</p:attrName>
+                                        </p:attrNameLst>
+                                      </p:cBhvr>
+                                      <p:to>
+                                        <p:strVal val="visible"/>
+                                      </p:to>
+                                    </p:set>
+                                    <p:animEffect transition="in" filter="fade">
+                                      <p:cBhvr>
+                                        <p:cTn id="32" dur="500"/>
+                                        <p:tgtEl>
+                                          <p:spTgt spid="9"/>
+                                        </p:tgtEl>
+                                      </p:cBhvr>
+                                    </p:animEffect>
+                                  </p:childTnLst>
+                                </p:cTn>
+                              </p:par>
+                            </p:childTnLst>
+                          </p:cTn>
+                        </p:par>
+                      </p:childTnLst>
+                    </p:cTn>
+                  </p:par>
+                  <p:par>
+                    <p:cTn id="33" fill="hold">
+                      <p:stCondLst>
+                        <p:cond delay="indefinite"/>
+                      </p:stCondLst>
+                      <p:childTnLst>
+                        <p:par>
+                          <p:cTn id="34" fill="hold">
+                            <p:stCondLst>
+                              <p:cond delay="0"/>
+                            </p:stCondLst>
+                            <p:childTnLst>
+                              <p:par>
+                                <p:cTn id="35" presetID="10" presetClass="entr" presetSubtype="0" fill="hold" nodeType="clickEffect">
+                                  <p:stCondLst>
+                                    <p:cond delay="0"/>
+                                  </p:stCondLst>
+                                  <p:childTnLst>
+                                    <p:set>
+                                      <p:cBhvr>
+                                        <p:cTn id="36" dur="1" fill="hold">
+                                          <p:stCondLst>
+                                            <p:cond delay="0"/>
+                                          </p:stCondLst>
+                                        </p:cTn>
+                                        <p:tgtEl>
+                                          <p:spTgt spid="10"/>
+                                        </p:tgtEl>
+                                        <p:attrNameLst>
+                                          <p:attrName>style.visibility</p:attrName>
+                                        </p:attrNameLst>
+                                      </p:cBhvr>
+                                      <p:to>
+                                        <p:strVal val="visible"/>
+                                      </p:to>
+                                    </p:set>
+                                    <p:animEffect transition="in" filter="fade">
+                                      <p:cBhvr>
+                                        <p:cTn id="37" dur="500"/>
+                                        <p:tgtEl>
+                                          <p:spTgt spid="10"/>
+                                        </p:tgtEl>
+                                      </p:cBhvr>
+                                    </p:animEffect>
+                                  </p:childTnLst>
+                                </p:cTn>
+                              </p:par>
+                            </p:childTnLst>
+                          </p:cTn>
+                        </p:par>
+                      </p:childTnLst>
+                    </p:cTn>
+                  </p:par>
+                  <p:par>
+                    <p:cTn id="38" fill="hold">
+                      <p:stCondLst>
+                        <p:cond delay="indefinite"/>
+                      </p:stCondLst>
+                      <p:childTnLst>
+                        <p:par>
+                          <p:cTn id="39" fill="hold">
+                            <p:stCondLst>
+                              <p:cond delay="0"/>
+                            </p:stCondLst>
+                            <p:childTnLst>
+                              <p:par>
+                                <p:cTn id="40" presetID="10" presetClass="entr" presetSubtype="0" fill="hold" grpId="0" nodeType="clickEffect">
+                                  <p:stCondLst>
+                                    <p:cond delay="0"/>
+                                  </p:stCondLst>
+                                  <p:childTnLst>
+                                    <p:set>
+                                      <p:cBhvr>
+                                        <p:cTn id="41" dur="1" fill="hold">
+                                          <p:stCondLst>
+                                            <p:cond delay="0"/>
+                                          </p:stCondLst>
+                                        </p:cTn>
+                                        <p:tgtEl>
+                                          <p:spTgt spid="11"/>
+                                        </p:tgtEl>
+                                        <p:attrNameLst>
+                                          <p:attrName>style.visibility</p:attrName>
+                                        </p:attrNameLst>
+                                      </p:cBhvr>
+                                      <p:to>
+                                        <p:strVal val="visible"/>
+                                      </p:to>
+                                    </p:set>
+                                    <p:animEffect transition="in" filter="fade">
+                                      <p:cBhvr>
+                                        <p:cTn id="42" dur="500"/>
+                                        <p:tgtEl>
+                                          <p:spTgt spid="11"/>
+                                        </p:tgtEl>
+                                      </p:cBhvr>
+                                    </p:animEffect>
+                                  </p:childTnLst>
+                                </p:cTn>
+                              </p:par>
+                            </p:childTnLst>
+                          </p:cTn>
+                        </p:par>
+                      </p:childTnLst>
+                    </p:cTn>
+                  </p:par>
+                  <p:par>
+                    <p:cTn id="43" fill="hold">
+                      <p:stCondLst>
+                        <p:cond delay="indefinite"/>
+                      </p:stCondLst>
+                      <p:childTnLst>
+                        <p:par>
+                          <p:cTn id="44" fill="hold">
+                            <p:stCondLst>
+                              <p:cond delay="0"/>
+                            </p:stCondLst>
+                            <p:childTnLst>
+                              <p:par>
+                                <p:cTn id="45" presetID="10" presetClass="entr" presetSubtype="0" fill="hold" grpId="0" nodeType="clickEffect">
+                                  <p:stCondLst>
+                                    <p:cond delay="0"/>
+                                  </p:stCondLst>
+                                  <p:childTnLst>
+                                    <p:set>
+                                      <p:cBhvr>
+                                        <p:cTn id="46" dur="1" fill="hold">
+                                          <p:stCondLst>
+                                            <p:cond delay="0"/>
+                                          </p:stCondLst>
+                                        </p:cTn>
+                                        <p:tgtEl>
+                                          <p:spTgt spid="12"/>
+                                        </p:tgtEl>
+                                        <p:attrNameLst>
+                                          <p:attrName>style.visibility</p:attrName>
+                                        </p:attrNameLst>
+                                      </p:cBhvr>
+                                      <p:to>
+                                        <p:strVal val="visible"/>
+                                      </p:to>
+                                    </p:set>
+                                    <p:animEffect transition="in" filter="fade">
+                                      <p:cBhvr>
+                                        <p:cTn id="47" dur="500"/>
+                                        <p:tgtEl>
+                                          <p:spTgt spid="12"/>
+                                        </p:tgtEl>
+                                      </p:cBhvr>
+                                    </p:animEffect>
+                                  </p:childTnLst>
+                                </p:cTn>
+                              </p:par>
+                            </p:childTnLst>
+                          </p:cTn>
+                        </p:par>
+                      </p:childTnLst>
+                    </p:cTn>
+                  </p:par>
+                  <p:par>
+                    <p:cTn id="48" fill="hold">
+                      <p:stCondLst>
+                        <p:cond delay="indefinite"/>
+                      </p:stCondLst>
+                      <p:childTnLst>
+                        <p:par>
+                          <p:cTn id="49" fill="hold">
+                            <p:stCondLst>
+                              <p:cond delay="0"/>
+                            </p:stCondLst>
+                            <p:childTnLst>
+                              <p:par>
+                                <p:cTn id="50" presetID="10" presetClass="entr" presetSubtype="0" fill="hold" grpId="0" nodeType="clickEffect">
+                                  <p:stCondLst>
+                                    <p:cond delay="0"/>
+                                  </p:stCondLst>
+                                  <p:childTnLst>
+                                    <p:set>
+                                      <p:cBhvr>
+                                        <p:cTn id="51" dur="1" fill="hold">
+                                          <p:stCondLst>
+                                            <p:cond delay="0"/>
+                                          </p:stCondLst>
+                                        </p:cTn>
+                                        <p:tgtEl>
+                                          <p:spTgt spid="13"/>
+                                        </p:tgtEl>
+                                        <p:attrNameLst>
+                                          <p:attrName>style.visibility</p:attrName>
+                                        </p:attrNameLst>
+                                      </p:cBhvr>
+                                      <p:to>
+                                        <p:strVal val="visible"/>
+                                      </p:to>
+                                    </p:set>
+                                    <p:animEffect transition="in" filter="fade">
+                                      <p:cBhvr>
+                                        <p:cTn id="52" dur="500"/>
+                                        <p:tgtEl>
+                                          <p:spTgt spid="13"/>
+                                        </p:tgtEl>
+                                      </p:cBhvr>
+                                    </p:animEffect>
+                                  </p:childTnLst>
+                                </p:cTn>
+                              </p:par>
+                            </p:childTnLst>
+                          </p:cTn>
+                        </p:par>
+                      </p:childTnLst>
+                    </p:cTn>
+                  </p:par>
+                  <p:par>
+                    <p:cTn id="53" fill="hold">
+                      <p:stCondLst>
+                        <p:cond delay="indefinite"/>
+                      </p:stCondLst>
+                      <p:childTnLst>
+                        <p:par>
+                          <p:cTn id="54" fill="hold">
+                            <p:stCondLst>
+                              <p:cond delay="0"/>
+                            </p:stCondLst>
+                            <p:childTnLst>
+                              <p:par>
+                                <p:cTn id="55" presetID="10" presetClass="entr" presetSubtype="0" fill="hold" grpId="0" nodeType="clickEffect">
+                                  <p:stCondLst>
+                                    <p:cond delay="0"/>
+                                  </p:stCondLst>
+                                  <p:childTnLst>
+                                    <p:set>
+                                      <p:cBhvr>
+                                        <p:cTn id="56" dur="1" fill="hold">
+                                          <p:stCondLst>
+                                            <p:cond delay="0"/>
+                                          </p:stCondLst>
+                                        </p:cTn>
+                                        <p:tgtEl>
+                                          <p:spTgt spid="14">
+                                            <p:txEl>
+                                              <p:pRg st="0" end="0"/>
+                                            </p:txEl>
+                                          </p:spTgt>
+                                        </p:tgtEl>
+                                        <p:attrNameLst>
+                                          <p:attrName>style.visibility</p:attrName>
+                                        </p:attrNameLst>
+                                      </p:cBhvr>
+                                      <p:to>
+                                        <p:strVal val="visible"/>
+                                      </p:to>
+                                    </p:set>
+                                    <p:animEffect transition="in" filter="fade">
+                                      <p:cBhvr>
+                                        <p:cTn id="57" dur="500"/>
+                                        <p:tgtEl>
+                                          <p:spTgt spid="14">
+                                            <p:txEl>
+                                              <p:pRg st="0" end="0"/>
+                                            </p:txEl>
+                                          </p:spTgt>
+                                        </p:tgtEl>
+                                      </p:cBhvr>
+                                    </p:animEffect>
+                                  </p:childTnLst>
+                                </p:cTn>
+                              </p:par>
+                            </p:childTnLst>
+                          </p:cTn>
+                        </p:par>
+                      </p:childTnLst>
+                    </p:cTn>
+                  </p:par>
+                  <p:par>
+                    <p:cTn id="58" fill="hold">
+                      <p:stCondLst>
+                        <p:cond delay="indefinite"/>
+                      </p:stCondLst>
+                      <p:childTnLst>
+                        <p:par>
+                          <p:cTn id="59" fill="hold">
+                            <p:stCondLst>
+                              <p:cond delay="0"/>
+                            </p:stCondLst>
+                            <p:childTnLst>
+                              <p:par>
+                                <p:cTn id="60" presetID="10" presetClass="entr" presetSubtype="0" fill="hold" grpId="0" nodeType="clickEffect">
+                                  <p:stCondLst>
+                                    <p:cond delay="0"/>
+                                  </p:stCondLst>
+                                  <p:childTnLst>
+                                    <p:set>
+                                      <p:cBhvr>
+                                        <p:cTn id="61" dur="1" fill="hold">
+                                          <p:stCondLst>
+                                            <p:cond delay="0"/>
+                                          </p:stCondLst>
+                                        </p:cTn>
+                                        <p:tgtEl>
+                                          <p:spTgt spid="15"/>
+                                        </p:tgtEl>
+                                        <p:attrNameLst>
+                                          <p:attrName>style.visibility</p:attrName>
+                                        </p:attrNameLst>
+                                      </p:cBhvr>
+                                      <p:to>
+                                        <p:strVal val="visible"/>
+                                      </p:to>
+                                    </p:set>
+                                    <p:animEffect transition="in" filter="fade">
+                                      <p:cBhvr>
+                                        <p:cTn id="62" dur="500"/>
+                                        <p:tgtEl>
+                                          <p:spTgt spid="15"/>
+                                        </p:tgtEl>
+                                      </p:cBhvr>
+                                    </p:animEffect>
+                                  </p:childTnLst>
+                                </p:cTn>
+                              </p:par>
+                            </p:childTnLst>
+                          </p:cTn>
+                        </p:par>
+                      </p:childTnLst>
+                    </p:cTn>
+                  </p:par>
+                  <p:par>
+                    <p:cTn id="63" fill="hold">
+                      <p:stCondLst>
+                        <p:cond delay="indefinite"/>
+                      </p:stCondLst>
+                      <p:childTnLst>
+                        <p:par>
+                          <p:cTn id="64" fill="hold">
+                            <p:stCondLst>
+                              <p:cond delay="0"/>
+                            </p:stCondLst>
+                            <p:childTnLst>
+                              <p:par>
+                                <p:cTn id="65" presetID="10" presetClass="entr" presetSubtype="0" fill="hold" grpId="0" nodeType="clickEffect">
+                                  <p:stCondLst>
+                                    <p:cond delay="0"/>
+                                  </p:stCondLst>
+                                  <p:childTnLst>
+                                    <p:set>
+                                      <p:cBhvr>
+                                        <p:cTn id="66" dur="1" fill="hold">
+                                          <p:stCondLst>
+                                            <p:cond delay="0"/>
+                                          </p:stCondLst>
+                                        </p:cTn>
+                                        <p:tgtEl>
+                                          <p:spTgt spid="14">
+                                            <p:txEl>
+                                              <p:pRg st="1" end="1"/>
+                                            </p:txEl>
+                                          </p:spTgt>
+                                        </p:tgtEl>
+                                        <p:attrNameLst>
+                                          <p:attrName>style.visibility</p:attrName>
+                                        </p:attrNameLst>
+                                      </p:cBhvr>
+                                      <p:to>
+                                        <p:strVal val="visible"/>
+                                      </p:to>
+                                    </p:set>
+                                    <p:animEffect transition="in" filter="fade">
+                                      <p:cBhvr>
+                                        <p:cTn id="67" dur="500"/>
+                                        <p:tgtEl>
+                                          <p:spTgt spid="14">
+                                            <p:txEl>
+                                              <p:pRg st="1" end="1"/>
+                                            </p:txEl>
+                                          </p:spTgt>
+                                        </p:tgtEl>
+                                      </p:cBhvr>
+                                    </p:animEffect>
+                                  </p:childTnLst>
+                                </p:cTn>
+                              </p:par>
+                            </p:childTnLst>
+                          </p:cTn>
+                        </p:par>
+                      </p:childTnLst>
+                    </p:cTn>
+                  </p:par>
+                </p:childTnLst>
+              </p:cTn>
+              <p:prevCondLst>
+                <p:cond evt="onPrev" delay="0">
+                  <p:tgtEl>
+                    <p:sldTgt/>
+                  </p:tgtEl>
+                </p:cond>
+              </p:prevCondLst>
+              <p:nextCondLst>
+                <p:cond evt="onNext" delay="0">
+                  <p:tgtEl>
+                    <p:sldTgt/>
+                  </p:tgtEl>
+                </p:cond>
+              </p:nextCondLst>
+            </p:seq>
+          </p:childTnLst>
+        </p:cTn>
+      </p:par>
+    </p:tnLst>
+    <p:bldLst>
+      <p:bldP spid="5" grpId="0"/>
+      <p:bldP spid="6" grpId="0"/>
+      <p:bldP spid="7" grpId="0" animBg="1"/>
+      <p:bldP spid="8" grpId="0" animBg="1"/>
+      <p:bldP spid="9" grpId="0" animBg="1"/>
+      <p:bldP spid="11" grpId="0" animBg="1"/>
+      <p:bldP spid="12" grpId="0"/>
+      <p:bldP spid="13" grpId="0" animBg="1"/>
+      <p:bldP spid="14" grpId="0" uiExpand="1" build="p"/>
+      <p:bldP spid="15" grpId="0" animBg="1"/>
+    </p:bldLst>
+  </p:timing>
+</p:sld>
+</file>
+
+<file path=ppt/slides/slide38.xml><?xml version="1.0" encoding="utf-8"?>
+<p:sld xmlns:a="http://schemas.openxmlformats.org/drawingml/2006/main" xmlns:r="http://schemas.openxmlformats.org/officeDocument/2006/relationships" xmlns:p="http://schemas.openxmlformats.org/presentationml/2006/main">
+  <p:cSld>
+    <p:spTree>
+      <p:nvGrpSpPr>
+        <p:cNvPr id="1" name=""/>
+        <p:cNvGrpSpPr/>
+        <p:nvPr/>
+      </p:nvGrpSpPr>
+      <p:grpSpPr>
+        <a:xfrm>
+          <a:off x="0" y="0"/>
+          <a:ext cx="0" cy="0"/>
+          <a:chOff x="0" y="0"/>
+          <a:chExt cx="0" cy="0"/>
+        </a:xfrm>
+      </p:grpSpPr>
+      <p:sp>
+        <p:nvSpPr>
+          <p:cNvPr id="2" name="标题 1"/>
+          <p:cNvSpPr>
+            <a:spLocks noGrp="1"/>
+          </p:cNvSpPr>
+          <p:nvPr>
+            <p:ph type="title"/>
+          </p:nvPr>
+        </p:nvSpPr>
+        <p:spPr>
+          <a:xfrm>
+            <a:off x="457200" y="125760"/>
+            <a:ext cx="8229600" cy="1143000"/>
+          </a:xfrm>
+        </p:spPr>
+        <p:txBody>
+          <a:bodyPr/>
+          <a:lstStyle/>
+          <a:p>
+            <a:r>
+              <a:rPr lang="zh-CN" altLang="en-US" dirty="0" smtClean="0"/>
+              <a:t>艺术字形状设置</a:t>
+            </a:r>
+            <a:endParaRPr lang="zh-CN" altLang="en-US" dirty="0"/>
+          </a:p>
+        </p:txBody>
+      </p:sp>
+      <p:pic>
+        <p:nvPicPr>
+          <p:cNvPr id="6" name="内容占位符 5"/>
+          <p:cNvPicPr>
+            <a:picLocks noGrp="1" noChangeAspect="1"/>
+          </p:cNvPicPr>
+          <p:nvPr>
+            <p:ph idx="1"/>
+          </p:nvPr>
+        </p:nvPicPr>
+        <p:blipFill>
+          <a:blip r:embed="rId2">
+            <a:extLst>
+              <a:ext uri="{28A0092B-C50C-407E-A947-70E740481C1C}">
+                <a14:useLocalDpi xmlns:a14="http://schemas.microsoft.com/office/drawing/2010/main" val="0"/>
+              </a:ext>
+            </a:extLst>
+          </a:blip>
+          <a:stretch>
+            <a:fillRect/>
+          </a:stretch>
+        </p:blipFill>
+        <p:spPr>
+          <a:xfrm>
+            <a:off x="251520" y="2132856"/>
+            <a:ext cx="2939234" cy="2921893"/>
+          </a:xfrm>
+        </p:spPr>
+      </p:pic>
+      <p:sp>
+        <p:nvSpPr>
+          <p:cNvPr id="7" name="TextBox 6"/>
+          <p:cNvSpPr txBox="1"/>
+          <p:nvPr/>
+        </p:nvSpPr>
+        <p:spPr>
+          <a:xfrm>
+            <a:off x="421039" y="1261759"/>
+            <a:ext cx="1584176" cy="369332"/>
+          </a:xfrm>
+          <a:prstGeom prst="rect">
+            <a:avLst/>
+          </a:prstGeom>
+          <a:noFill/>
+        </p:spPr>
+        <p:txBody>
+          <a:bodyPr wrap="square" rtlCol="0">
+            <a:spAutoFit/>
+          </a:bodyPr>
+          <a:lstStyle/>
+          <a:p>
+            <a:r>
+              <a:rPr lang="zh-CN" altLang="en-US" dirty="0" smtClean="0"/>
+              <a:t>艺术字样式</a:t>
+            </a:r>
+            <a:endParaRPr lang="zh-CN" altLang="en-US" dirty="0"/>
+          </a:p>
+        </p:txBody>
+      </p:sp>
+      <p:sp>
+        <p:nvSpPr>
+          <p:cNvPr id="8" name="TextBox 7"/>
+          <p:cNvSpPr txBox="1"/>
+          <p:nvPr/>
+        </p:nvSpPr>
+        <p:spPr>
+          <a:xfrm>
+            <a:off x="2771800" y="1261759"/>
+            <a:ext cx="1224136" cy="369332"/>
+          </a:xfrm>
+          <a:prstGeom prst="rect">
+            <a:avLst/>
+          </a:prstGeom>
+          <a:noFill/>
+        </p:spPr>
+        <p:txBody>
+          <a:bodyPr wrap="square" rtlCol="0">
+            <a:spAutoFit/>
+          </a:bodyPr>
+          <a:lstStyle/>
+          <a:p>
+            <a:r>
+              <a:rPr lang="zh-CN" altLang="en-US" dirty="0" smtClean="0"/>
+              <a:t>文本效果</a:t>
+            </a:r>
+            <a:endParaRPr lang="zh-CN" altLang="en-US" dirty="0"/>
+          </a:p>
+        </p:txBody>
+      </p:sp>
+      <p:sp>
+        <p:nvSpPr>
+          <p:cNvPr id="9" name="TextBox 8"/>
+          <p:cNvSpPr txBox="1"/>
+          <p:nvPr/>
+        </p:nvSpPr>
+        <p:spPr>
+          <a:xfrm>
+            <a:off x="5076056" y="1261759"/>
+            <a:ext cx="792088" cy="369332"/>
+          </a:xfrm>
+          <a:prstGeom prst="rect">
+            <a:avLst/>
+          </a:prstGeom>
+          <a:noFill/>
+        </p:spPr>
+        <p:txBody>
+          <a:bodyPr wrap="square" rtlCol="0">
+            <a:spAutoFit/>
+          </a:bodyPr>
+          <a:lstStyle/>
+          <a:p>
+            <a:r>
+              <a:rPr lang="zh-CN" altLang="en-US" dirty="0"/>
+              <a:t>转换</a:t>
+            </a:r>
+          </a:p>
+        </p:txBody>
+      </p:sp>
+      <p:sp>
+        <p:nvSpPr>
+          <p:cNvPr id="10" name="右箭头 9"/>
+          <p:cNvSpPr/>
+          <p:nvPr/>
+        </p:nvSpPr>
+        <p:spPr>
+          <a:xfrm>
+            <a:off x="2005215" y="1261759"/>
+            <a:ext cx="622569" cy="369332"/>
+          </a:xfrm>
+          <a:prstGeom prst="rightArrow">
+            <a:avLst/>
+          </a:prstGeom>
+        </p:spPr>
+        <p:style>
+          <a:lnRef idx="2">
+            <a:schemeClr val="accent1">
+              <a:shade val="50000"/>
+            </a:schemeClr>
+          </a:lnRef>
+          <a:fillRef idx="1">
+            <a:schemeClr val="accent1"/>
+          </a:fillRef>
+          <a:effectRef idx="0">
+            <a:schemeClr val="accent1"/>
+          </a:effectRef>
+          <a:fontRef idx="minor">
+            <a:schemeClr val="lt1"/>
+          </a:fontRef>
+        </p:style>
+        <p:txBody>
+          <a:bodyPr rtlCol="0" anchor="ctr"/>
+          <a:lstStyle/>
+          <a:p>
+            <a:pPr algn="ctr"/>
+            <a:endParaRPr lang="zh-CN" altLang="en-US"/>
+          </a:p>
+        </p:txBody>
+      </p:sp>
+      <p:sp>
+        <p:nvSpPr>
+          <p:cNvPr id="11" name="右箭头 10"/>
+          <p:cNvSpPr/>
+          <p:nvPr/>
+        </p:nvSpPr>
+        <p:spPr>
+          <a:xfrm>
+            <a:off x="4139952" y="1261759"/>
+            <a:ext cx="622569" cy="369332"/>
+          </a:xfrm>
+          <a:prstGeom prst="rightArrow">
+            <a:avLst/>
+          </a:prstGeom>
+        </p:spPr>
+        <p:style>
+          <a:lnRef idx="2">
+            <a:schemeClr val="accent1">
+              <a:shade val="50000"/>
+            </a:schemeClr>
+          </a:lnRef>
+          <a:fillRef idx="1">
+            <a:schemeClr val="accent1"/>
+          </a:fillRef>
+          <a:effectRef idx="0">
+            <a:schemeClr val="accent1"/>
+          </a:effectRef>
+          <a:fontRef idx="minor">
+            <a:schemeClr val="lt1"/>
+          </a:fontRef>
+        </p:style>
+        <p:txBody>
+          <a:bodyPr rtlCol="0" anchor="ctr"/>
+          <a:lstStyle/>
+          <a:p>
+            <a:pPr algn="ctr"/>
+            <a:endParaRPr lang="zh-CN" altLang="en-US"/>
+          </a:p>
+        </p:txBody>
+      </p:sp>
+      <p:sp>
+        <p:nvSpPr>
+          <p:cNvPr id="12" name="TextBox 11"/>
+          <p:cNvSpPr txBox="1"/>
+          <p:nvPr/>
+        </p:nvSpPr>
+        <p:spPr>
+          <a:xfrm>
+            <a:off x="1043608" y="2852936"/>
+            <a:ext cx="720080" cy="252000"/>
+          </a:xfrm>
+          <a:prstGeom prst="rect">
+            <a:avLst/>
+          </a:prstGeom>
+          <a:noFill/>
+          <a:ln w="22225">
+            <a:solidFill>
+              <a:srgbClr val="FF0000"/>
+            </a:solidFill>
+          </a:ln>
+        </p:spPr>
+        <p:txBody>
+          <a:bodyPr wrap="square" rtlCol="0">
+            <a:spAutoFit/>
+          </a:bodyPr>
+          <a:lstStyle/>
+          <a:p>
+            <a:endParaRPr lang="zh-CN" altLang="en-US" dirty="0"/>
+          </a:p>
+        </p:txBody>
+      </p:sp>
+      <p:sp>
+        <p:nvSpPr>
+          <p:cNvPr id="13" name="TextBox 12"/>
+          <p:cNvSpPr txBox="1"/>
+          <p:nvPr/>
+        </p:nvSpPr>
+        <p:spPr>
+          <a:xfrm>
+            <a:off x="1956459" y="2584292"/>
+            <a:ext cx="720080" cy="252000"/>
+          </a:xfrm>
+          <a:prstGeom prst="rect">
+            <a:avLst/>
+          </a:prstGeom>
+          <a:noFill/>
+          <a:ln w="22225">
+            <a:solidFill>
+              <a:srgbClr val="FF0000"/>
+            </a:solidFill>
+          </a:ln>
+        </p:spPr>
+        <p:txBody>
+          <a:bodyPr wrap="square" rtlCol="0">
+            <a:spAutoFit/>
+          </a:bodyPr>
+          <a:lstStyle/>
+          <a:p>
+            <a:endParaRPr lang="zh-CN" altLang="en-US" dirty="0"/>
+          </a:p>
+        </p:txBody>
+      </p:sp>
+      <p:sp>
+        <p:nvSpPr>
+          <p:cNvPr id="14" name="TextBox 13"/>
+          <p:cNvSpPr txBox="1"/>
+          <p:nvPr/>
+        </p:nvSpPr>
+        <p:spPr>
+          <a:xfrm>
+            <a:off x="2108859" y="4725144"/>
+            <a:ext cx="720080" cy="252000"/>
+          </a:xfrm>
+          <a:prstGeom prst="rect">
+            <a:avLst/>
+          </a:prstGeom>
+          <a:noFill/>
+          <a:ln w="22225">
+            <a:solidFill>
+              <a:srgbClr val="FF0000"/>
+            </a:solidFill>
+          </a:ln>
+        </p:spPr>
+        <p:txBody>
+          <a:bodyPr wrap="square" rtlCol="0">
+            <a:spAutoFit/>
+          </a:bodyPr>
+          <a:lstStyle/>
+          <a:p>
+            <a:endParaRPr lang="zh-CN" altLang="en-US" dirty="0"/>
+          </a:p>
+        </p:txBody>
+      </p:sp>
+      <p:pic>
+        <p:nvPicPr>
+          <p:cNvPr id="15" name="图片 14"/>
+          <p:cNvPicPr>
+            <a:picLocks noChangeAspect="1"/>
+          </p:cNvPicPr>
+          <p:nvPr/>
+        </p:nvPicPr>
+        <p:blipFill>
+          <a:blip r:embed="rId3">
+            <a:extLst>
+              <a:ext uri="{28A0092B-C50C-407E-A947-70E740481C1C}">
+                <a14:useLocalDpi xmlns:a14="http://schemas.microsoft.com/office/drawing/2010/main" val="0"/>
+              </a:ext>
+            </a:extLst>
+          </a:blip>
+          <a:stretch>
+            <a:fillRect/>
+          </a:stretch>
+        </p:blipFill>
+        <p:spPr>
+          <a:xfrm>
+            <a:off x="3969707" y="2060848"/>
+            <a:ext cx="1870850" cy="4499319"/>
+          </a:xfrm>
+          <a:prstGeom prst="rect">
+            <a:avLst/>
+          </a:prstGeom>
+        </p:spPr>
+      </p:pic>
+      <p:sp>
+        <p:nvSpPr>
+          <p:cNvPr id="16" name="TextBox 15"/>
+          <p:cNvSpPr txBox="1"/>
+          <p:nvPr/>
+        </p:nvSpPr>
+        <p:spPr>
+          <a:xfrm>
+            <a:off x="411166" y="5445224"/>
+            <a:ext cx="2407900" cy="923330"/>
+          </a:xfrm>
+          <a:prstGeom prst="rect">
+            <a:avLst/>
+          </a:prstGeom>
+          <a:noFill/>
+        </p:spPr>
+        <p:txBody>
+          <a:bodyPr wrap="square" rtlCol="0">
+            <a:spAutoFit/>
+          </a:bodyPr>
+          <a:lstStyle/>
+          <a:p>
+            <a:r>
+              <a:rPr lang="zh-CN" altLang="en-US" dirty="0" smtClean="0"/>
+              <a:t>当鼠标停留在某个形状上时，会出现相应的说明</a:t>
+            </a:r>
+            <a:endParaRPr lang="zh-CN" altLang="en-US" dirty="0"/>
+          </a:p>
+        </p:txBody>
+      </p:sp>
+      <p:sp>
+        <p:nvSpPr>
+          <p:cNvPr id="17" name="TextBox 16"/>
+          <p:cNvSpPr txBox="1"/>
+          <p:nvPr/>
+        </p:nvSpPr>
+        <p:spPr>
+          <a:xfrm>
+            <a:off x="4091196" y="5085184"/>
+            <a:ext cx="720080" cy="252000"/>
+          </a:xfrm>
+          <a:prstGeom prst="rect">
+            <a:avLst/>
+          </a:prstGeom>
+          <a:noFill/>
+          <a:ln w="22225">
+            <a:solidFill>
+              <a:srgbClr val="FF0000"/>
+            </a:solidFill>
+          </a:ln>
+        </p:spPr>
+        <p:txBody>
+          <a:bodyPr wrap="square" rtlCol="0">
+            <a:spAutoFit/>
+          </a:bodyPr>
+          <a:lstStyle/>
+          <a:p>
+            <a:endParaRPr lang="zh-CN" altLang="en-US" dirty="0"/>
+          </a:p>
+        </p:txBody>
+      </p:sp>
+      <p:pic>
+        <p:nvPicPr>
+          <p:cNvPr id="18" name="图片 17"/>
+          <p:cNvPicPr>
+            <a:picLocks noChangeAspect="1"/>
+          </p:cNvPicPr>
+          <p:nvPr/>
+        </p:nvPicPr>
+        <p:blipFill>
+          <a:blip r:embed="rId4">
+            <a:extLst>
+              <a:ext uri="{28A0092B-C50C-407E-A947-70E740481C1C}">
+                <a14:useLocalDpi xmlns:a14="http://schemas.microsoft.com/office/drawing/2010/main" val="0"/>
+              </a:ext>
+            </a:extLst>
+          </a:blip>
+          <a:stretch>
+            <a:fillRect/>
+          </a:stretch>
+        </p:blipFill>
+        <p:spPr>
+          <a:xfrm>
+            <a:off x="6605339" y="2978936"/>
+            <a:ext cx="2143125" cy="1181100"/>
+          </a:xfrm>
+          <a:prstGeom prst="rect">
+            <a:avLst/>
+          </a:prstGeom>
+        </p:spPr>
+      </p:pic>
+      <p:sp>
+        <p:nvSpPr>
+          <p:cNvPr id="19" name="TextBox 18"/>
+          <p:cNvSpPr txBox="1"/>
+          <p:nvPr/>
+        </p:nvSpPr>
+        <p:spPr>
+          <a:xfrm>
+            <a:off x="6987338" y="2584292"/>
+            <a:ext cx="1329078" cy="369332"/>
+          </a:xfrm>
+          <a:prstGeom prst="rect">
+            <a:avLst/>
+          </a:prstGeom>
+          <a:noFill/>
+        </p:spPr>
+        <p:txBody>
+          <a:bodyPr wrap="square" rtlCol="0">
+            <a:spAutoFit/>
+          </a:bodyPr>
+          <a:lstStyle/>
+          <a:p>
+            <a:pPr algn="ctr"/>
+            <a:r>
+              <a:rPr lang="zh-CN" altLang="en-US" dirty="0" smtClean="0"/>
+              <a:t>左牛角形</a:t>
+            </a:r>
+            <a:endParaRPr lang="zh-CN" altLang="en-US" dirty="0"/>
+          </a:p>
+        </p:txBody>
+      </p:sp>
+      <p:pic>
+        <p:nvPicPr>
+          <p:cNvPr id="20" name="图片 19"/>
+          <p:cNvPicPr>
+            <a:picLocks noChangeAspect="1"/>
+          </p:cNvPicPr>
+          <p:nvPr/>
+        </p:nvPicPr>
+        <p:blipFill>
+          <a:blip r:embed="rId5">
+            <a:extLst>
+              <a:ext uri="{28A0092B-C50C-407E-A947-70E740481C1C}">
+                <a14:useLocalDpi xmlns:a14="http://schemas.microsoft.com/office/drawing/2010/main" val="0"/>
+              </a:ext>
+            </a:extLst>
+          </a:blip>
+          <a:stretch>
+            <a:fillRect/>
+          </a:stretch>
+        </p:blipFill>
+        <p:spPr>
+          <a:xfrm>
+            <a:off x="6660232" y="1473624"/>
+            <a:ext cx="2066925" cy="762000"/>
+          </a:xfrm>
+          <a:prstGeom prst="rect">
+            <a:avLst/>
+          </a:prstGeom>
+        </p:spPr>
+      </p:pic>
+      <p:sp>
+        <p:nvSpPr>
+          <p:cNvPr id="21" name="TextBox 20"/>
+          <p:cNvSpPr txBox="1"/>
+          <p:nvPr/>
+        </p:nvSpPr>
+        <p:spPr>
+          <a:xfrm>
+            <a:off x="6859615" y="980728"/>
+            <a:ext cx="1329078" cy="369332"/>
+          </a:xfrm>
+          <a:prstGeom prst="rect">
+            <a:avLst/>
+          </a:prstGeom>
+          <a:noFill/>
+        </p:spPr>
+        <p:txBody>
+          <a:bodyPr wrap="square" rtlCol="0">
+            <a:spAutoFit/>
+          </a:bodyPr>
+          <a:lstStyle/>
+          <a:p>
+            <a:pPr algn="ctr"/>
+            <a:r>
+              <a:rPr lang="zh-CN" altLang="en-US" dirty="0" smtClean="0"/>
+              <a:t>无转换</a:t>
+            </a:r>
+            <a:endParaRPr lang="zh-CN" altLang="en-US" dirty="0"/>
+          </a:p>
+        </p:txBody>
+      </p:sp>
+      <p:pic>
+        <p:nvPicPr>
+          <p:cNvPr id="22" name="图片 21"/>
+          <p:cNvPicPr>
+            <a:picLocks noChangeAspect="1"/>
+          </p:cNvPicPr>
+          <p:nvPr/>
+        </p:nvPicPr>
+        <p:blipFill>
+          <a:blip r:embed="rId6">
+            <a:extLst>
+              <a:ext uri="{28A0092B-C50C-407E-A947-70E740481C1C}">
+                <a14:useLocalDpi xmlns:a14="http://schemas.microsoft.com/office/drawing/2010/main" val="0"/>
+              </a:ext>
+            </a:extLst>
+          </a:blip>
+          <a:stretch>
+            <a:fillRect/>
+          </a:stretch>
+        </p:blipFill>
+        <p:spPr>
+          <a:xfrm>
+            <a:off x="6557714" y="5194805"/>
+            <a:ext cx="2190750" cy="1114425"/>
+          </a:xfrm>
+          <a:prstGeom prst="rect">
+            <a:avLst/>
+          </a:prstGeom>
+        </p:spPr>
+      </p:pic>
+      <p:sp>
+        <p:nvSpPr>
+          <p:cNvPr id="23" name="TextBox 22"/>
+          <p:cNvSpPr txBox="1"/>
+          <p:nvPr/>
+        </p:nvSpPr>
+        <p:spPr>
+          <a:xfrm>
+            <a:off x="6991036" y="4471206"/>
+            <a:ext cx="1329078" cy="369332"/>
+          </a:xfrm>
+          <a:prstGeom prst="rect">
+            <a:avLst/>
+          </a:prstGeom>
+          <a:noFill/>
+        </p:spPr>
+        <p:txBody>
+          <a:bodyPr wrap="square" rtlCol="0">
+            <a:spAutoFit/>
+          </a:bodyPr>
+          <a:lstStyle/>
+          <a:p>
+            <a:pPr algn="ctr"/>
+            <a:r>
+              <a:rPr lang="zh-CN" altLang="en-US" dirty="0" smtClean="0"/>
+              <a:t>波形</a:t>
+            </a:r>
+            <a:r>
+              <a:rPr lang="en-US" altLang="zh-CN" dirty="0" smtClean="0"/>
+              <a:t>1</a:t>
+            </a:r>
+            <a:endParaRPr lang="zh-CN" altLang="en-US" dirty="0"/>
+          </a:p>
+        </p:txBody>
+      </p:sp>
+    </p:spTree>
+    <p:extLst>
+      <p:ext uri="{BB962C8B-B14F-4D97-AF65-F5344CB8AC3E}">
+        <p14:creationId xmlns:p14="http://schemas.microsoft.com/office/powerpoint/2010/main" val="2939392041"/>
+      </p:ext>
+    </p:extLst>
+  </p:cSld>
+  <p:clrMapOvr>
+    <a:masterClrMapping/>
+  </p:clrMapOvr>
+  <p:timing>
+    <p:tnLst>
+      <p:par>
+        <p:cTn id="1" dur="indefinite" restart="never" nodeType="tmRoot">
+          <p:childTnLst>
+            <p:seq concurrent="1" nextAc="seek">
+              <p:cTn id="2" dur="indefinite" nodeType="mainSeq">
+                <p:childTnLst>
+                  <p:par>
+                    <p:cTn id="3" fill="hold">
+                      <p:stCondLst>
+                        <p:cond delay="indefinite"/>
+                      </p:stCondLst>
+                      <p:childTnLst>
+                        <p:par>
+                          <p:cTn id="4" fill="hold">
+                            <p:stCondLst>
+                              <p:cond delay="0"/>
+                            </p:stCondLst>
+                            <p:childTnLst>
+                              <p:par>
+                                <p:cTn id="5" presetID="10" presetClass="entr" presetSubtype="0" fill="hold" nodeType="clickEffect">
+                                  <p:stCondLst>
+                                    <p:cond delay="0"/>
+                                  </p:stCondLst>
+                                  <p:childTnLst>
+                                    <p:set>
+                                      <p:cBhvr>
+                                        <p:cTn id="6" dur="1" fill="hold">
+                                          <p:stCondLst>
+                                            <p:cond delay="0"/>
+                                          </p:stCondLst>
+                                        </p:cTn>
+                                        <p:tgtEl>
+                                          <p:spTgt spid="6"/>
+                                        </p:tgtEl>
+                                        <p:attrNameLst>
+                                          <p:attrName>style.visibility</p:attrName>
+                                        </p:attrNameLst>
+                                      </p:cBhvr>
+                                      <p:to>
+                                        <p:strVal val="visible"/>
+                                      </p:to>
+                                    </p:set>
+                                    <p:animEffect transition="in" filter="fade">
+                                      <p:cBhvr>
+                                        <p:cTn id="7" dur="500"/>
+                                        <p:tgtEl>
+                                          <p:spTgt spid="6"/>
+                                        </p:tgtEl>
+                                      </p:cBhvr>
+                                    </p:animEffect>
+                                  </p:childTnLst>
+                                </p:cTn>
+                              </p:par>
+                            </p:childTnLst>
+                          </p:cTn>
+                        </p:par>
+                      </p:childTnLst>
+                    </p:cTn>
+                  </p:par>
+                  <p:par>
+                    <p:cTn id="8" fill="hold">
+                      <p:stCondLst>
+                        <p:cond delay="indefinite"/>
+                      </p:stCondLst>
+                      <p:childTnLst>
+                        <p:par>
+                          <p:cTn id="9" fill="hold">
+                            <p:stCondLst>
+                              <p:cond delay="0"/>
+                            </p:stCondLst>
+                            <p:childTnLst>
+                              <p:par>
+                                <p:cTn id="10" presetID="10" presetClass="entr" presetSubtype="0" fill="hold" grpId="0" nodeType="clickEffect">
+                                  <p:stCondLst>
+                                    <p:cond delay="0"/>
+                                  </p:stCondLst>
+                                  <p:childTnLst>
+                                    <p:set>
+                                      <p:cBhvr>
+                                        <p:cTn id="11" dur="1" fill="hold">
+                                          <p:stCondLst>
+                                            <p:cond delay="0"/>
+                                          </p:stCondLst>
+                                        </p:cTn>
+                                        <p:tgtEl>
+                                          <p:spTgt spid="7"/>
+                                        </p:tgtEl>
+                                        <p:attrNameLst>
+                                          <p:attrName>style.visibility</p:attrName>
+                                        </p:attrNameLst>
+                                      </p:cBhvr>
+                                      <p:to>
+                                        <p:strVal val="visible"/>
+                                      </p:to>
+                                    </p:set>
+                                    <p:animEffect transition="in" filter="fade">
+                                      <p:cBhvr>
+                                        <p:cTn id="12" dur="500"/>
+                                        <p:tgtEl>
+                                          <p:spTgt spid="7"/>
+                                        </p:tgtEl>
+                                      </p:cBhvr>
+                                    </p:animEffect>
+                                  </p:childTnLst>
+                                </p:cTn>
+                              </p:par>
+                            </p:childTnLst>
+                          </p:cTn>
+                        </p:par>
+                      </p:childTnLst>
+                    </p:cTn>
+                  </p:par>
+                  <p:par>
+                    <p:cTn id="13" fill="hold">
+                      <p:stCondLst>
+                        <p:cond delay="indefinite"/>
+                      </p:stCondLst>
+                      <p:childTnLst>
+                        <p:par>
+                          <p:cTn id="14" fill="hold">
+                            <p:stCondLst>
+                              <p:cond delay="0"/>
+                            </p:stCondLst>
+                            <p:childTnLst>
+                              <p:par>
+                                <p:cTn id="15" presetID="10" presetClass="entr" presetSubtype="0" fill="hold" grpId="0" nodeType="clickEffect">
+                                  <p:stCondLst>
+                                    <p:cond delay="0"/>
+                                  </p:stCondLst>
+                                  <p:childTnLst>
+                                    <p:set>
+                                      <p:cBhvr>
+                                        <p:cTn id="16" dur="1" fill="hold">
+                                          <p:stCondLst>
+                                            <p:cond delay="0"/>
+                                          </p:stCondLst>
+                                        </p:cTn>
+                                        <p:tgtEl>
+                                          <p:spTgt spid="12"/>
+                                        </p:tgtEl>
+                                        <p:attrNameLst>
+                                          <p:attrName>style.visibility</p:attrName>
+                                        </p:attrNameLst>
+                                      </p:cBhvr>
+                                      <p:to>
+                                        <p:strVal val="visible"/>
+                                      </p:to>
+                                    </p:set>
+                                    <p:animEffect transition="in" filter="fade">
+                                      <p:cBhvr>
+                                        <p:cTn id="17" dur="500"/>
+                                        <p:tgtEl>
+                                          <p:spTgt spid="12"/>
+                                        </p:tgtEl>
+                                      </p:cBhvr>
+                                    </p:animEffect>
+                                  </p:childTnLst>
+                                </p:cTn>
+                              </p:par>
+                            </p:childTnLst>
+                          </p:cTn>
+                        </p:par>
+                      </p:childTnLst>
+                    </p:cTn>
+                  </p:par>
+                  <p:par>
+                    <p:cTn id="18" fill="hold">
+                      <p:stCondLst>
+                        <p:cond delay="indefinite"/>
+                      </p:stCondLst>
+                      <p:childTnLst>
+                        <p:par>
+                          <p:cTn id="19" fill="hold">
+                            <p:stCondLst>
+                              <p:cond delay="0"/>
+                            </p:stCondLst>
+                            <p:childTnLst>
+                              <p:par>
+                                <p:cTn id="20" presetID="10" presetClass="entr" presetSubtype="0" fill="hold" grpId="0" nodeType="clickEffect">
+                                  <p:stCondLst>
+                                    <p:cond delay="0"/>
+                                  </p:stCondLst>
+                                  <p:childTnLst>
+                                    <p:set>
+                                      <p:cBhvr>
+                                        <p:cTn id="21" dur="1" fill="hold">
+                                          <p:stCondLst>
+                                            <p:cond delay="0"/>
+                                          </p:stCondLst>
+                                        </p:cTn>
+                                        <p:tgtEl>
+                                          <p:spTgt spid="10"/>
+                                        </p:tgtEl>
+                                        <p:attrNameLst>
+                                          <p:attrName>style.visibility</p:attrName>
+                                        </p:attrNameLst>
+                                      </p:cBhvr>
+                                      <p:to>
+                                        <p:strVal val="visible"/>
+                                      </p:to>
+                                    </p:set>
+                                    <p:animEffect transition="in" filter="fade">
+                                      <p:cBhvr>
+                                        <p:cTn id="22" dur="500"/>
+                                        <p:tgtEl>
+                                          <p:spTgt spid="10"/>
+                                        </p:tgtEl>
+                                      </p:cBhvr>
+                                    </p:animEffect>
+                                  </p:childTnLst>
+                                </p:cTn>
+                              </p:par>
+                            </p:childTnLst>
+                          </p:cTn>
+                        </p:par>
+                      </p:childTnLst>
+                    </p:cTn>
+                  </p:par>
+                  <p:par>
+                    <p:cTn id="23" fill="hold">
+                      <p:stCondLst>
+                        <p:cond delay="indefinite"/>
+                      </p:stCondLst>
+                      <p:childTnLst>
+                        <p:par>
+                          <p:cTn id="24" fill="hold">
+                            <p:stCondLst>
+                              <p:cond delay="0"/>
+                            </p:stCondLst>
+                            <p:childTnLst>
+                              <p:par>
+                                <p:cTn id="25" presetID="10" presetClass="entr" presetSubtype="0" fill="hold" grpId="0" nodeType="clickEffect">
+                                  <p:stCondLst>
+                                    <p:cond delay="0"/>
+                                  </p:stCondLst>
+                                  <p:childTnLst>
+                                    <p:set>
+                                      <p:cBhvr>
+                                        <p:cTn id="26" dur="1" fill="hold">
+                                          <p:stCondLst>
+                                            <p:cond delay="0"/>
+                                          </p:stCondLst>
+                                        </p:cTn>
+                                        <p:tgtEl>
+                                          <p:spTgt spid="8"/>
+                                        </p:tgtEl>
+                                        <p:attrNameLst>
+                                          <p:attrName>style.visibility</p:attrName>
+                                        </p:attrNameLst>
+                                      </p:cBhvr>
+                                      <p:to>
+                                        <p:strVal val="visible"/>
+                                      </p:to>
+                                    </p:set>
+                                    <p:animEffect transition="in" filter="fade">
+                                      <p:cBhvr>
+                                        <p:cTn id="27" dur="500"/>
+                                        <p:tgtEl>
+                                          <p:spTgt spid="8"/>
+                                        </p:tgtEl>
+                                      </p:cBhvr>
+                                    </p:animEffect>
+                                  </p:childTnLst>
+                                </p:cTn>
+                              </p:par>
+                            </p:childTnLst>
+                          </p:cTn>
+                        </p:par>
+                      </p:childTnLst>
+                    </p:cTn>
+                  </p:par>
+                  <p:par>
+                    <p:cTn id="28" fill="hold">
+                      <p:stCondLst>
+                        <p:cond delay="indefinite"/>
+                      </p:stCondLst>
+                      <p:childTnLst>
+                        <p:par>
+                          <p:cTn id="29" fill="hold">
+                            <p:stCondLst>
+                              <p:cond delay="0"/>
+                            </p:stCondLst>
+                            <p:childTnLst>
+                              <p:par>
+                                <p:cTn id="30" presetID="10" presetClass="entr" presetSubtype="0" fill="hold" grpId="0" nodeType="clickEffect">
+                                  <p:stCondLst>
+                                    <p:cond delay="0"/>
+                                  </p:stCondLst>
+                                  <p:childTnLst>
+                                    <p:set>
+                                      <p:cBhvr>
+                                        <p:cTn id="31" dur="1" fill="hold">
+                                          <p:stCondLst>
+                                            <p:cond delay="0"/>
+                                          </p:stCondLst>
+                                        </p:cTn>
+                                        <p:tgtEl>
+                                          <p:spTgt spid="13"/>
+                                        </p:tgtEl>
+                                        <p:attrNameLst>
+                                          <p:attrName>style.visibility</p:attrName>
+                                        </p:attrNameLst>
+                                      </p:cBhvr>
+                                      <p:to>
+                                        <p:strVal val="visible"/>
+                                      </p:to>
+                                    </p:set>
+                                    <p:animEffect transition="in" filter="fade">
+                                      <p:cBhvr>
+                                        <p:cTn id="32" dur="500"/>
+                                        <p:tgtEl>
+                                          <p:spTgt spid="13"/>
+                                        </p:tgtEl>
+                                      </p:cBhvr>
+                                    </p:animEffect>
+                                  </p:childTnLst>
+                                </p:cTn>
+                              </p:par>
+                            </p:childTnLst>
+                          </p:cTn>
+                        </p:par>
+                      </p:childTnLst>
+                    </p:cTn>
+                  </p:par>
+                  <p:par>
+                    <p:cTn id="33" fill="hold">
+                      <p:stCondLst>
+                        <p:cond delay="indefinite"/>
+                      </p:stCondLst>
+                      <p:childTnLst>
+                        <p:par>
+                          <p:cTn id="34" fill="hold">
+                            <p:stCondLst>
+                              <p:cond delay="0"/>
+                            </p:stCondLst>
+                            <p:childTnLst>
+                              <p:par>
+                                <p:cTn id="35" presetID="10" presetClass="entr" presetSubtype="0" fill="hold" grpId="0" nodeType="clickEffect">
+                                  <p:stCondLst>
+                                    <p:cond delay="0"/>
+                                  </p:stCondLst>
+                                  <p:childTnLst>
+                                    <p:set>
+                                      <p:cBhvr>
+                                        <p:cTn id="36" dur="1" fill="hold">
+                                          <p:stCondLst>
+                                            <p:cond delay="0"/>
+                                          </p:stCondLst>
+                                        </p:cTn>
+                                        <p:tgtEl>
+                                          <p:spTgt spid="11"/>
+                                        </p:tgtEl>
+                                        <p:attrNameLst>
+                                          <p:attrName>style.visibility</p:attrName>
+                                        </p:attrNameLst>
+                                      </p:cBhvr>
+                                      <p:to>
+                                        <p:strVal val="visible"/>
+                                      </p:to>
+                                    </p:set>
+                                    <p:animEffect transition="in" filter="fade">
+                                      <p:cBhvr>
+                                        <p:cTn id="37" dur="500"/>
+                                        <p:tgtEl>
+                                          <p:spTgt spid="11"/>
+                                        </p:tgtEl>
+                                      </p:cBhvr>
+                                    </p:animEffect>
+                                  </p:childTnLst>
+                                </p:cTn>
+                              </p:par>
+                            </p:childTnLst>
+                          </p:cTn>
+                        </p:par>
+                      </p:childTnLst>
+                    </p:cTn>
+                  </p:par>
+                  <p:par>
+                    <p:cTn id="38" fill="hold">
+                      <p:stCondLst>
+                        <p:cond delay="indefinite"/>
+                      </p:stCondLst>
+                      <p:childTnLst>
+                        <p:par>
+                          <p:cTn id="39" fill="hold">
+                            <p:stCondLst>
+                              <p:cond delay="0"/>
+                            </p:stCondLst>
+                            <p:childTnLst>
+                              <p:par>
+                                <p:cTn id="40" presetID="10" presetClass="entr" presetSubtype="0" fill="hold" grpId="0" nodeType="clickEffect">
+                                  <p:stCondLst>
+                                    <p:cond delay="0"/>
+                                  </p:stCondLst>
+                                  <p:childTnLst>
+                                    <p:set>
+                                      <p:cBhvr>
+                                        <p:cTn id="41" dur="1" fill="hold">
+                                          <p:stCondLst>
+                                            <p:cond delay="0"/>
+                                          </p:stCondLst>
+                                        </p:cTn>
+                                        <p:tgtEl>
+                                          <p:spTgt spid="9"/>
+                                        </p:tgtEl>
+                                        <p:attrNameLst>
+                                          <p:attrName>style.visibility</p:attrName>
+                                        </p:attrNameLst>
+                                      </p:cBhvr>
+                                      <p:to>
+                                        <p:strVal val="visible"/>
+                                      </p:to>
+                                    </p:set>
+                                    <p:animEffect transition="in" filter="fade">
+                                      <p:cBhvr>
+                                        <p:cTn id="42" dur="500"/>
+                                        <p:tgtEl>
+                                          <p:spTgt spid="9"/>
+                                        </p:tgtEl>
+                                      </p:cBhvr>
+                                    </p:animEffect>
+                                  </p:childTnLst>
+                                </p:cTn>
+                              </p:par>
+                            </p:childTnLst>
+                          </p:cTn>
+                        </p:par>
+                      </p:childTnLst>
+                    </p:cTn>
+                  </p:par>
+                  <p:par>
+                    <p:cTn id="43" fill="hold">
+                      <p:stCondLst>
+                        <p:cond delay="indefinite"/>
+                      </p:stCondLst>
+                      <p:childTnLst>
+                        <p:par>
+                          <p:cTn id="44" fill="hold">
+                            <p:stCondLst>
+                              <p:cond delay="0"/>
+                            </p:stCondLst>
+                            <p:childTnLst>
+                              <p:par>
+                                <p:cTn id="45" presetID="10" presetClass="entr" presetSubtype="0" fill="hold" grpId="0" nodeType="clickEffect">
+                                  <p:stCondLst>
+                                    <p:cond delay="0"/>
+                                  </p:stCondLst>
+                                  <p:childTnLst>
+                                    <p:set>
+                                      <p:cBhvr>
+                                        <p:cTn id="46" dur="1" fill="hold">
+                                          <p:stCondLst>
+                                            <p:cond delay="0"/>
+                                          </p:stCondLst>
+                                        </p:cTn>
+                                        <p:tgtEl>
+                                          <p:spTgt spid="14"/>
+                                        </p:tgtEl>
+                                        <p:attrNameLst>
+                                          <p:attrName>style.visibility</p:attrName>
+                                        </p:attrNameLst>
+                                      </p:cBhvr>
+                                      <p:to>
+                                        <p:strVal val="visible"/>
+                                      </p:to>
+                                    </p:set>
+                                    <p:animEffect transition="in" filter="fade">
+                                      <p:cBhvr>
+                                        <p:cTn id="47" dur="500"/>
+                                        <p:tgtEl>
+                                          <p:spTgt spid="14"/>
+                                        </p:tgtEl>
+                                      </p:cBhvr>
+                                    </p:animEffect>
+                                  </p:childTnLst>
+                                </p:cTn>
+                              </p:par>
+                            </p:childTnLst>
+                          </p:cTn>
+                        </p:par>
+                      </p:childTnLst>
+                    </p:cTn>
+                  </p:par>
+                  <p:par>
+                    <p:cTn id="48" fill="hold">
+                      <p:stCondLst>
+                        <p:cond delay="indefinite"/>
+                      </p:stCondLst>
+                      <p:childTnLst>
+                        <p:par>
+                          <p:cTn id="49" fill="hold">
+                            <p:stCondLst>
+                              <p:cond delay="0"/>
+                            </p:stCondLst>
+                            <p:childTnLst>
+                              <p:par>
+                                <p:cTn id="50" presetID="10" presetClass="entr" presetSubtype="0" fill="hold" nodeType="clickEffect">
+                                  <p:stCondLst>
+                                    <p:cond delay="0"/>
+                                  </p:stCondLst>
+                                  <p:childTnLst>
+                                    <p:set>
+                                      <p:cBhvr>
+                                        <p:cTn id="51" dur="1" fill="hold">
+                                          <p:stCondLst>
+                                            <p:cond delay="0"/>
+                                          </p:stCondLst>
+                                        </p:cTn>
+                                        <p:tgtEl>
+                                          <p:spTgt spid="15"/>
+                                        </p:tgtEl>
+                                        <p:attrNameLst>
+                                          <p:attrName>style.visibility</p:attrName>
+                                        </p:attrNameLst>
+                                      </p:cBhvr>
+                                      <p:to>
+                                        <p:strVal val="visible"/>
+                                      </p:to>
+                                    </p:set>
+                                    <p:animEffect transition="in" filter="fade">
+                                      <p:cBhvr>
+                                        <p:cTn id="52" dur="500"/>
+                                        <p:tgtEl>
+                                          <p:spTgt spid="15"/>
+                                        </p:tgtEl>
+                                      </p:cBhvr>
+                                    </p:animEffect>
+                                  </p:childTnLst>
+                                </p:cTn>
+                              </p:par>
+                            </p:childTnLst>
+                          </p:cTn>
+                        </p:par>
+                      </p:childTnLst>
+                    </p:cTn>
+                  </p:par>
+                  <p:par>
+                    <p:cTn id="53" fill="hold">
+                      <p:stCondLst>
+                        <p:cond delay="indefinite"/>
+                      </p:stCondLst>
+                      <p:childTnLst>
+                        <p:par>
+                          <p:cTn id="54" fill="hold">
+                            <p:stCondLst>
+                              <p:cond delay="0"/>
+                            </p:stCondLst>
+                            <p:childTnLst>
+                              <p:par>
+                                <p:cTn id="55" presetID="10" presetClass="entr" presetSubtype="0" fill="hold" grpId="0" nodeType="clickEffect">
+                                  <p:stCondLst>
+                                    <p:cond delay="0"/>
+                                  </p:stCondLst>
+                                  <p:childTnLst>
+                                    <p:set>
+                                      <p:cBhvr>
+                                        <p:cTn id="56" dur="1" fill="hold">
+                                          <p:stCondLst>
+                                            <p:cond delay="0"/>
+                                          </p:stCondLst>
+                                        </p:cTn>
+                                        <p:tgtEl>
+                                          <p:spTgt spid="16"/>
+                                        </p:tgtEl>
+                                        <p:attrNameLst>
+                                          <p:attrName>style.visibility</p:attrName>
+                                        </p:attrNameLst>
+                                      </p:cBhvr>
+                                      <p:to>
+                                        <p:strVal val="visible"/>
+                                      </p:to>
+                                    </p:set>
+                                    <p:animEffect transition="in" filter="fade">
+                                      <p:cBhvr>
+                                        <p:cTn id="57" dur="500"/>
+                                        <p:tgtEl>
+                                          <p:spTgt spid="16"/>
+                                        </p:tgtEl>
+                                      </p:cBhvr>
+                                    </p:animEffect>
+                                  </p:childTnLst>
+                                </p:cTn>
+                              </p:par>
+                            </p:childTnLst>
+                          </p:cTn>
+                        </p:par>
+                      </p:childTnLst>
+                    </p:cTn>
+                  </p:par>
+                  <p:par>
+                    <p:cTn id="58" fill="hold">
+                      <p:stCondLst>
+                        <p:cond delay="indefinite"/>
+                      </p:stCondLst>
+                      <p:childTnLst>
+                        <p:par>
+                          <p:cTn id="59" fill="hold">
+                            <p:stCondLst>
+                              <p:cond delay="0"/>
+                            </p:stCondLst>
+                            <p:childTnLst>
+                              <p:par>
+                                <p:cTn id="60" presetID="10" presetClass="entr" presetSubtype="0" fill="hold" grpId="0" nodeType="clickEffect">
+                                  <p:stCondLst>
+                                    <p:cond delay="0"/>
+                                  </p:stCondLst>
+                                  <p:childTnLst>
+                                    <p:set>
+                                      <p:cBhvr>
+                                        <p:cTn id="61" dur="1" fill="hold">
+                                          <p:stCondLst>
+                                            <p:cond delay="0"/>
+                                          </p:stCondLst>
+                                        </p:cTn>
+                                        <p:tgtEl>
+                                          <p:spTgt spid="17"/>
+                                        </p:tgtEl>
+                                        <p:attrNameLst>
+                                          <p:attrName>style.visibility</p:attrName>
+                                        </p:attrNameLst>
+                                      </p:cBhvr>
+                                      <p:to>
+                                        <p:strVal val="visible"/>
+                                      </p:to>
+                                    </p:set>
+                                    <p:animEffect transition="in" filter="fade">
+                                      <p:cBhvr>
+                                        <p:cTn id="62" dur="500"/>
+                                        <p:tgtEl>
+                                          <p:spTgt spid="17"/>
+                                        </p:tgtEl>
+                                      </p:cBhvr>
+                                    </p:animEffect>
+                                  </p:childTnLst>
+                                </p:cTn>
+                              </p:par>
+                            </p:childTnLst>
+                          </p:cTn>
+                        </p:par>
+                      </p:childTnLst>
+                    </p:cTn>
+                  </p:par>
+                  <p:par>
+                    <p:cTn id="63" fill="hold">
+                      <p:stCondLst>
+                        <p:cond delay="indefinite"/>
+                      </p:stCondLst>
+                      <p:childTnLst>
+                        <p:par>
+                          <p:cTn id="64" fill="hold">
+                            <p:stCondLst>
+                              <p:cond delay="0"/>
+                            </p:stCondLst>
+                            <p:childTnLst>
+                              <p:par>
+                                <p:cTn id="65" presetID="10" presetClass="entr" presetSubtype="0" fill="hold" grpId="0" nodeType="clickEffect">
+                                  <p:stCondLst>
+                                    <p:cond delay="0"/>
+                                  </p:stCondLst>
+                                  <p:childTnLst>
+                                    <p:set>
+                                      <p:cBhvr>
+                                        <p:cTn id="66" dur="1" fill="hold">
+                                          <p:stCondLst>
+                                            <p:cond delay="0"/>
+                                          </p:stCondLst>
+                                        </p:cTn>
+                                        <p:tgtEl>
+                                          <p:spTgt spid="21"/>
+                                        </p:tgtEl>
+                                        <p:attrNameLst>
+                                          <p:attrName>style.visibility</p:attrName>
+                                        </p:attrNameLst>
+                                      </p:cBhvr>
+                                      <p:to>
+                                        <p:strVal val="visible"/>
+                                      </p:to>
+                                    </p:set>
+                                    <p:animEffect transition="in" filter="fade">
+                                      <p:cBhvr>
+                                        <p:cTn id="67" dur="500"/>
+                                        <p:tgtEl>
+                                          <p:spTgt spid="21"/>
+                                        </p:tgtEl>
+                                      </p:cBhvr>
+                                    </p:animEffect>
+                                  </p:childTnLst>
+                                </p:cTn>
+                              </p:par>
+                            </p:childTnLst>
+                          </p:cTn>
+                        </p:par>
+                      </p:childTnLst>
+                    </p:cTn>
+                  </p:par>
+                  <p:par>
+                    <p:cTn id="68" fill="hold">
+                      <p:stCondLst>
+                        <p:cond delay="indefinite"/>
+                      </p:stCondLst>
+                      <p:childTnLst>
+                        <p:par>
+                          <p:cTn id="69" fill="hold">
+                            <p:stCondLst>
+                              <p:cond delay="0"/>
+                            </p:stCondLst>
+                            <p:childTnLst>
+                              <p:par>
+                                <p:cTn id="70" presetID="10" presetClass="entr" presetSubtype="0" fill="hold" nodeType="clickEffect">
+                                  <p:stCondLst>
+                                    <p:cond delay="0"/>
+                                  </p:stCondLst>
+                                  <p:childTnLst>
+                                    <p:set>
+                                      <p:cBhvr>
+                                        <p:cTn id="71" dur="1" fill="hold">
+                                          <p:stCondLst>
+                                            <p:cond delay="0"/>
+                                          </p:stCondLst>
+                                        </p:cTn>
+                                        <p:tgtEl>
+                                          <p:spTgt spid="20"/>
+                                        </p:tgtEl>
+                                        <p:attrNameLst>
+                                          <p:attrName>style.visibility</p:attrName>
+                                        </p:attrNameLst>
+                                      </p:cBhvr>
+                                      <p:to>
+                                        <p:strVal val="visible"/>
+                                      </p:to>
+                                    </p:set>
+                                    <p:animEffect transition="in" filter="fade">
+                                      <p:cBhvr>
+                                        <p:cTn id="72" dur="500"/>
+                                        <p:tgtEl>
+                                          <p:spTgt spid="20"/>
+                                        </p:tgtEl>
+                                      </p:cBhvr>
+                                    </p:animEffect>
+                                  </p:childTnLst>
+                                </p:cTn>
+                              </p:par>
+                            </p:childTnLst>
+                          </p:cTn>
+                        </p:par>
+                      </p:childTnLst>
+                    </p:cTn>
+                  </p:par>
+                  <p:par>
+                    <p:cTn id="73" fill="hold">
+                      <p:stCondLst>
+                        <p:cond delay="indefinite"/>
+                      </p:stCondLst>
+                      <p:childTnLst>
+                        <p:par>
+                          <p:cTn id="74" fill="hold">
+                            <p:stCondLst>
+                              <p:cond delay="0"/>
+                            </p:stCondLst>
+                            <p:childTnLst>
+                              <p:par>
+                                <p:cTn id="75" presetID="10" presetClass="entr" presetSubtype="0" fill="hold" grpId="0" nodeType="clickEffect">
+                                  <p:stCondLst>
+                                    <p:cond delay="0"/>
+                                  </p:stCondLst>
+                                  <p:childTnLst>
+                                    <p:set>
+                                      <p:cBhvr>
+                                        <p:cTn id="76" dur="1" fill="hold">
+                                          <p:stCondLst>
+                                            <p:cond delay="0"/>
+                                          </p:stCondLst>
+                                        </p:cTn>
+                                        <p:tgtEl>
+                                          <p:spTgt spid="19"/>
+                                        </p:tgtEl>
+                                        <p:attrNameLst>
+                                          <p:attrName>style.visibility</p:attrName>
+                                        </p:attrNameLst>
+                                      </p:cBhvr>
+                                      <p:to>
+                                        <p:strVal val="visible"/>
+                                      </p:to>
+                                    </p:set>
+                                    <p:animEffect transition="in" filter="fade">
+                                      <p:cBhvr>
+                                        <p:cTn id="77" dur="500"/>
+                                        <p:tgtEl>
+                                          <p:spTgt spid="19"/>
+                                        </p:tgtEl>
+                                      </p:cBhvr>
+                                    </p:animEffect>
+                                  </p:childTnLst>
+                                </p:cTn>
+                              </p:par>
+                            </p:childTnLst>
+                          </p:cTn>
+                        </p:par>
+                      </p:childTnLst>
+                    </p:cTn>
+                  </p:par>
+                  <p:par>
+                    <p:cTn id="78" fill="hold">
+                      <p:stCondLst>
+                        <p:cond delay="indefinite"/>
+                      </p:stCondLst>
+                      <p:childTnLst>
+                        <p:par>
+                          <p:cTn id="79" fill="hold">
+                            <p:stCondLst>
+                              <p:cond delay="0"/>
+                            </p:stCondLst>
+                            <p:childTnLst>
+                              <p:par>
+                                <p:cTn id="80" presetID="10" presetClass="entr" presetSubtype="0" fill="hold" nodeType="clickEffect">
+                                  <p:stCondLst>
+                                    <p:cond delay="0"/>
+                                  </p:stCondLst>
+                                  <p:childTnLst>
+                                    <p:set>
+                                      <p:cBhvr>
+                                        <p:cTn id="81" dur="1" fill="hold">
+                                          <p:stCondLst>
+                                            <p:cond delay="0"/>
+                                          </p:stCondLst>
+                                        </p:cTn>
+                                        <p:tgtEl>
+                                          <p:spTgt spid="18"/>
+                                        </p:tgtEl>
+                                        <p:attrNameLst>
+                                          <p:attrName>style.visibility</p:attrName>
+                                        </p:attrNameLst>
+                                      </p:cBhvr>
+                                      <p:to>
+                                        <p:strVal val="visible"/>
+                                      </p:to>
+                                    </p:set>
+                                    <p:animEffect transition="in" filter="fade">
+                                      <p:cBhvr>
+                                        <p:cTn id="82" dur="500"/>
+                                        <p:tgtEl>
+                                          <p:spTgt spid="18"/>
+                                        </p:tgtEl>
+                                      </p:cBhvr>
+                                    </p:animEffect>
+                                  </p:childTnLst>
+                                </p:cTn>
+                              </p:par>
+                            </p:childTnLst>
+                          </p:cTn>
+                        </p:par>
+                      </p:childTnLst>
+                    </p:cTn>
+                  </p:par>
+                  <p:par>
+                    <p:cTn id="83" fill="hold">
+                      <p:stCondLst>
+                        <p:cond delay="indefinite"/>
+                      </p:stCondLst>
+                      <p:childTnLst>
+                        <p:par>
+                          <p:cTn id="84" fill="hold">
+                            <p:stCondLst>
+                              <p:cond delay="0"/>
+                            </p:stCondLst>
+                            <p:childTnLst>
+                              <p:par>
+                                <p:cTn id="85" presetID="10" presetClass="entr" presetSubtype="0" fill="hold" grpId="0" nodeType="clickEffect">
+                                  <p:stCondLst>
+                                    <p:cond delay="0"/>
+                                  </p:stCondLst>
+                                  <p:childTnLst>
+                                    <p:set>
+                                      <p:cBhvr>
+                                        <p:cTn id="86" dur="1" fill="hold">
+                                          <p:stCondLst>
+                                            <p:cond delay="0"/>
+                                          </p:stCondLst>
+                                        </p:cTn>
+                                        <p:tgtEl>
+                                          <p:spTgt spid="23"/>
+                                        </p:tgtEl>
+                                        <p:attrNameLst>
+                                          <p:attrName>style.visibility</p:attrName>
+                                        </p:attrNameLst>
+                                      </p:cBhvr>
+                                      <p:to>
+                                        <p:strVal val="visible"/>
+                                      </p:to>
+                                    </p:set>
+                                    <p:animEffect transition="in" filter="fade">
+                                      <p:cBhvr>
+                                        <p:cTn id="87" dur="500"/>
+                                        <p:tgtEl>
+                                          <p:spTgt spid="23"/>
+                                        </p:tgtEl>
+                                      </p:cBhvr>
+                                    </p:animEffect>
+                                  </p:childTnLst>
+                                </p:cTn>
+                              </p:par>
+                            </p:childTnLst>
+                          </p:cTn>
+                        </p:par>
+                      </p:childTnLst>
+                    </p:cTn>
+                  </p:par>
+                  <p:par>
+                    <p:cTn id="88" fill="hold">
+                      <p:stCondLst>
+                        <p:cond delay="indefinite"/>
+                      </p:stCondLst>
+                      <p:childTnLst>
+                        <p:par>
+                          <p:cTn id="89" fill="hold">
+                            <p:stCondLst>
+                              <p:cond delay="0"/>
+                            </p:stCondLst>
+                            <p:childTnLst>
+                              <p:par>
+                                <p:cTn id="90" presetID="10" presetClass="entr" presetSubtype="0" fill="hold" nodeType="clickEffect">
+                                  <p:stCondLst>
+                                    <p:cond delay="0"/>
+                                  </p:stCondLst>
+                                  <p:childTnLst>
+                                    <p:set>
+                                      <p:cBhvr>
+                                        <p:cTn id="91" dur="1" fill="hold">
+                                          <p:stCondLst>
+                                            <p:cond delay="0"/>
+                                          </p:stCondLst>
+                                        </p:cTn>
+                                        <p:tgtEl>
+                                          <p:spTgt spid="22"/>
+                                        </p:tgtEl>
+                                        <p:attrNameLst>
+                                          <p:attrName>style.visibility</p:attrName>
+                                        </p:attrNameLst>
+                                      </p:cBhvr>
+                                      <p:to>
+                                        <p:strVal val="visible"/>
+                                      </p:to>
+                                    </p:set>
+                                    <p:animEffect transition="in" filter="fade">
+                                      <p:cBhvr>
+                                        <p:cTn id="92" dur="500"/>
+                                        <p:tgtEl>
+                                          <p:spTgt spid="22"/>
+                                        </p:tgtEl>
+                                      </p:cBhvr>
+                                    </p:animEffect>
+                                  </p:childTnLst>
+                                </p:cTn>
+                              </p:par>
+                            </p:childTnLst>
+                          </p:cTn>
+                        </p:par>
+                      </p:childTnLst>
+                    </p:cTn>
+                  </p:par>
+                </p:childTnLst>
+              </p:cTn>
+              <p:prevCondLst>
+                <p:cond evt="onPrev" delay="0">
+                  <p:tgtEl>
+                    <p:sldTgt/>
+                  </p:tgtEl>
+                </p:cond>
+              </p:prevCondLst>
+              <p:nextCondLst>
+                <p:cond evt="onNext" delay="0">
+                  <p:tgtEl>
+                    <p:sldTgt/>
+                  </p:tgtEl>
+                </p:cond>
+              </p:nextCondLst>
+            </p:seq>
+          </p:childTnLst>
+        </p:cTn>
+      </p:par>
+    </p:tnLst>
+    <p:bldLst>
+      <p:bldP spid="7" grpId="0"/>
+      <p:bldP spid="8" grpId="0"/>
+      <p:bldP spid="9" grpId="0"/>
+      <p:bldP spid="10" grpId="0" animBg="1"/>
+      <p:bldP spid="11" grpId="0" animBg="1"/>
+      <p:bldP spid="12" grpId="0" animBg="1"/>
+      <p:bldP spid="13" grpId="0" animBg="1"/>
+      <p:bldP spid="14" grpId="0" animBg="1"/>
+      <p:bldP spid="16" grpId="0"/>
+      <p:bldP spid="17" grpId="0" animBg="1"/>
+      <p:bldP spid="19" grpId="0"/>
+      <p:bldP spid="21" grpId="0"/>
+      <p:bldP spid="23" grpId="0"/>
+    </p:bldLst>
+  </p:timing>
+</p:sld>
+</file>
+
+<file path=ppt/slides/slide39.xml><?xml version="1.0" encoding="utf-8"?>
+<p:sld xmlns:a="http://schemas.openxmlformats.org/drawingml/2006/main" xmlns:r="http://schemas.openxmlformats.org/officeDocument/2006/relationships" xmlns:p="http://schemas.openxmlformats.org/presentationml/2006/main">
+  <p:cSld>
+    <p:spTree>
+      <p:nvGrpSpPr>
+        <p:cNvPr id="1" name=""/>
+        <p:cNvGrpSpPr/>
+        <p:nvPr/>
+      </p:nvGrpSpPr>
+      <p:grpSpPr>
+        <a:xfrm>
+          <a:off x="0" y="0"/>
+          <a:ext cx="0" cy="0"/>
+          <a:chOff x="0" y="0"/>
+          <a:chExt cx="0" cy="0"/>
+        </a:xfrm>
+      </p:grpSpPr>
+      <p:sp>
+        <p:nvSpPr>
+          <p:cNvPr id="2" name="标题 1"/>
+          <p:cNvSpPr>
+            <a:spLocks noGrp="1"/>
+          </p:cNvSpPr>
+          <p:nvPr>
+            <p:ph type="title"/>
+          </p:nvPr>
+        </p:nvSpPr>
+        <p:spPr>
+          <a:xfrm>
+            <a:off x="457200" y="116632"/>
+            <a:ext cx="8229600" cy="1143000"/>
+          </a:xfrm>
+        </p:spPr>
+        <p:txBody>
+          <a:bodyPr/>
+          <a:lstStyle/>
+          <a:p>
+            <a:r>
+              <a:rPr lang="zh-CN" altLang="en-US" dirty="0" smtClean="0"/>
+              <a:t>表格</a:t>
+            </a:r>
+            <a:endParaRPr lang="zh-CN" altLang="en-US" dirty="0"/>
+          </a:p>
+        </p:txBody>
+      </p:sp>
+      <p:pic>
+        <p:nvPicPr>
+          <p:cNvPr id="4" name="内容占位符 3"/>
+          <p:cNvPicPr>
+            <a:picLocks noGrp="1" noChangeAspect="1"/>
+          </p:cNvPicPr>
+          <p:nvPr>
+            <p:ph idx="1"/>
+          </p:nvPr>
+        </p:nvPicPr>
+        <p:blipFill>
+          <a:blip r:embed="rId2">
+            <a:extLst>
+              <a:ext uri="{28A0092B-C50C-407E-A947-70E740481C1C}">
+                <a14:useLocalDpi xmlns:a14="http://schemas.microsoft.com/office/drawing/2010/main" val="0"/>
+              </a:ext>
+            </a:extLst>
+          </a:blip>
+          <a:stretch>
+            <a:fillRect/>
+          </a:stretch>
+        </p:blipFill>
+        <p:spPr>
+          <a:xfrm>
+            <a:off x="2051720" y="1916832"/>
+            <a:ext cx="4600575" cy="1495425"/>
+          </a:xfrm>
+        </p:spPr>
+      </p:pic>
+      <p:sp>
+        <p:nvSpPr>
+          <p:cNvPr id="5" name="TextBox 4"/>
+          <p:cNvSpPr txBox="1"/>
+          <p:nvPr/>
+        </p:nvSpPr>
+        <p:spPr>
+          <a:xfrm>
+            <a:off x="1475656" y="1196752"/>
+            <a:ext cx="1008112" cy="369332"/>
+          </a:xfrm>
+          <a:prstGeom prst="rect">
+            <a:avLst/>
+          </a:prstGeom>
+          <a:noFill/>
+        </p:spPr>
+        <p:txBody>
+          <a:bodyPr wrap="square" rtlCol="0">
+            <a:spAutoFit/>
+          </a:bodyPr>
+          <a:lstStyle/>
+          <a:p>
+            <a:r>
+              <a:rPr lang="zh-CN" altLang="en-US" dirty="0"/>
+              <a:t>插入</a:t>
+            </a:r>
+          </a:p>
+        </p:txBody>
+      </p:sp>
+      <p:sp>
+        <p:nvSpPr>
+          <p:cNvPr id="6" name="TextBox 5"/>
+          <p:cNvSpPr txBox="1"/>
+          <p:nvPr/>
+        </p:nvSpPr>
+        <p:spPr>
+          <a:xfrm>
+            <a:off x="4788024" y="1207758"/>
+            <a:ext cx="1008112" cy="369332"/>
+          </a:xfrm>
+          <a:prstGeom prst="rect">
+            <a:avLst/>
+          </a:prstGeom>
+          <a:noFill/>
+        </p:spPr>
+        <p:txBody>
+          <a:bodyPr wrap="square" rtlCol="0">
+            <a:spAutoFit/>
+          </a:bodyPr>
+          <a:lstStyle/>
+          <a:p>
+            <a:r>
+              <a:rPr lang="zh-CN" altLang="en-US" dirty="0"/>
+              <a:t>表格</a:t>
+            </a:r>
+          </a:p>
+        </p:txBody>
+      </p:sp>
+      <p:sp>
+        <p:nvSpPr>
+          <p:cNvPr id="7" name="右箭头 6"/>
+          <p:cNvSpPr/>
+          <p:nvPr/>
+        </p:nvSpPr>
+        <p:spPr>
+          <a:xfrm>
+            <a:off x="3131840" y="1207758"/>
+            <a:ext cx="720080" cy="358326"/>
+          </a:xfrm>
+          <a:prstGeom prst="rightArrow">
+            <a:avLst/>
+          </a:prstGeom>
+        </p:spPr>
+        <p:style>
+          <a:lnRef idx="2">
+            <a:schemeClr val="accent1">
+              <a:shade val="50000"/>
+            </a:schemeClr>
+          </a:lnRef>
+          <a:fillRef idx="1">
+            <a:schemeClr val="accent1"/>
+          </a:fillRef>
+          <a:effectRef idx="0">
+            <a:schemeClr val="accent1"/>
+          </a:effectRef>
+          <a:fontRef idx="minor">
+            <a:schemeClr val="lt1"/>
+          </a:fontRef>
+        </p:style>
+        <p:txBody>
+          <a:bodyPr rtlCol="0" anchor="ctr"/>
+          <a:lstStyle/>
+          <a:p>
+            <a:pPr algn="ctr"/>
+            <a:endParaRPr lang="zh-CN" altLang="en-US"/>
+          </a:p>
+        </p:txBody>
+      </p:sp>
+      <p:sp>
+        <p:nvSpPr>
+          <p:cNvPr id="8" name="TextBox 7"/>
+          <p:cNvSpPr txBox="1"/>
+          <p:nvPr/>
+        </p:nvSpPr>
+        <p:spPr>
+          <a:xfrm>
+            <a:off x="3059832" y="2060848"/>
+            <a:ext cx="648072" cy="369332"/>
+          </a:xfrm>
+          <a:prstGeom prst="rect">
+            <a:avLst/>
+          </a:prstGeom>
+          <a:noFill/>
+          <a:ln w="22225">
+            <a:solidFill>
+              <a:srgbClr val="FF0000"/>
+            </a:solidFill>
+          </a:ln>
+        </p:spPr>
+        <p:txBody>
+          <a:bodyPr wrap="square" rtlCol="0">
+            <a:spAutoFit/>
+          </a:bodyPr>
+          <a:lstStyle/>
+          <a:p>
+            <a:endParaRPr lang="zh-CN" altLang="en-US" dirty="0"/>
+          </a:p>
+        </p:txBody>
+      </p:sp>
+      <p:sp>
+        <p:nvSpPr>
+          <p:cNvPr id="9" name="TextBox 8"/>
+          <p:cNvSpPr txBox="1"/>
+          <p:nvPr/>
+        </p:nvSpPr>
+        <p:spPr>
+          <a:xfrm>
+            <a:off x="1979712" y="2457789"/>
+            <a:ext cx="648072" cy="612000"/>
+          </a:xfrm>
+          <a:prstGeom prst="rect">
+            <a:avLst/>
+          </a:prstGeom>
+          <a:noFill/>
+          <a:ln w="22225">
+            <a:solidFill>
+              <a:srgbClr val="FF0000"/>
+            </a:solidFill>
+          </a:ln>
+        </p:spPr>
+        <p:txBody>
+          <a:bodyPr wrap="square" rtlCol="0">
+            <a:spAutoFit/>
+          </a:bodyPr>
+          <a:lstStyle/>
+          <a:p>
+            <a:endParaRPr lang="zh-CN" altLang="en-US" dirty="0"/>
+          </a:p>
+        </p:txBody>
+      </p:sp>
+      <p:sp>
+        <p:nvSpPr>
+          <p:cNvPr id="10" name="TextBox 9"/>
+          <p:cNvSpPr txBox="1"/>
+          <p:nvPr/>
+        </p:nvSpPr>
+        <p:spPr>
+          <a:xfrm>
+            <a:off x="1367644" y="4293096"/>
+            <a:ext cx="6408712" cy="954107"/>
+          </a:xfrm>
+          <a:prstGeom prst="rect">
+            <a:avLst/>
+          </a:prstGeom>
+          <a:noFill/>
+        </p:spPr>
+        <p:txBody>
+          <a:bodyPr wrap="square" rtlCol="0">
+            <a:spAutoFit/>
+          </a:bodyPr>
+          <a:lstStyle/>
+          <a:p>
+            <a:r>
+              <a:rPr lang="en-US" altLang="zh-CN" sz="2800" dirty="0" smtClean="0"/>
+              <a:t>PPT</a:t>
+            </a:r>
+            <a:r>
+              <a:rPr lang="zh-CN" altLang="en-US" sz="2800" dirty="0" smtClean="0"/>
+              <a:t>中表格以及表格工具的使用方法与</a:t>
+            </a:r>
+            <a:r>
+              <a:rPr lang="en-US" altLang="zh-CN" sz="2800" dirty="0" smtClean="0"/>
+              <a:t>Word</a:t>
+            </a:r>
+            <a:r>
+              <a:rPr lang="zh-CN" altLang="en-US" sz="2800" dirty="0" smtClean="0"/>
+              <a:t>中的表格设置相同。</a:t>
+            </a:r>
+            <a:endParaRPr lang="zh-CN" altLang="en-US" sz="2800" dirty="0"/>
+          </a:p>
+        </p:txBody>
+      </p:sp>
+    </p:spTree>
+    <p:extLst>
+      <p:ext uri="{BB962C8B-B14F-4D97-AF65-F5344CB8AC3E}">
+        <p14:creationId xmlns:p14="http://schemas.microsoft.com/office/powerpoint/2010/main" val="1318745371"/>
+      </p:ext>
+    </p:extLst>
+  </p:cSld>
+  <p:clrMapOvr>
+    <a:masterClrMapping/>
+  </p:clrMapOvr>
+  <p:timing>
+    <p:tnLst>
+      <p:par>
+        <p:cTn id="1" dur="indefinite" restart="never" nodeType="tmRoot"/>
+      </p:par>
+    </p:tnLst>
   </p:timing>
 </p:sld>
 </file>

--- a/第5章ppt/PowerPoint.pptx
+++ b/第5章ppt/PowerPoint.pptx
@@ -5,7 +5,7 @@
     <p:sldMasterId id="2147483648" r:id="rId1"/>
   </p:sldMasterIdLst>
   <p:notesMasterIdLst>
-    <p:notesMasterId r:id="rId41"/>
+    <p:notesMasterId r:id="rId47"/>
   </p:notesMasterIdLst>
   <p:sldIdLst>
     <p:sldId id="256" r:id="rId2"/>
@@ -47,6 +47,12 @@
     <p:sldId id="293" r:id="rId38"/>
     <p:sldId id="295" r:id="rId39"/>
     <p:sldId id="294" r:id="rId40"/>
+    <p:sldId id="296" r:id="rId41"/>
+    <p:sldId id="297" r:id="rId42"/>
+    <p:sldId id="298" r:id="rId43"/>
+    <p:sldId id="299" r:id="rId44"/>
+    <p:sldId id="300" r:id="rId45"/>
+    <p:sldId id="301" r:id="rId46"/>
   </p:sldIdLst>
   <p:sldSz cx="9144000" cy="6858000" type="screen4x3"/>
   <p:notesSz cx="6858000" cy="9144000"/>
@@ -230,7 +236,7 @@
           <a:p>
             <a:fld id="{7358E5FC-B59C-4D32-AB84-63F4B93C2181}" type="datetimeFigureOut">
               <a:rPr lang="zh-CN" altLang="en-US" smtClean="0"/>
-              <a:t>2020/6/10</a:t>
+              <a:t>2020/6/11</a:t>
             </a:fld>
             <a:endParaRPr lang="zh-CN" altLang="en-US"/>
           </a:p>
@@ -763,7 +769,7 @@
           <a:p>
             <a:fld id="{530820CF-B880-4189-942D-D702A7CBA730}" type="datetimeFigureOut">
               <a:rPr lang="zh-CN" altLang="en-US" smtClean="0"/>
-              <a:t>2020/6/10</a:t>
+              <a:t>2020/6/11</a:t>
             </a:fld>
             <a:endParaRPr lang="zh-CN" altLang="en-US"/>
           </a:p>
@@ -928,7 +934,7 @@
           <a:p>
             <a:fld id="{530820CF-B880-4189-942D-D702A7CBA730}" type="datetimeFigureOut">
               <a:rPr lang="zh-CN" altLang="en-US" smtClean="0"/>
-              <a:t>2020/6/10</a:t>
+              <a:t>2020/6/11</a:t>
             </a:fld>
             <a:endParaRPr lang="zh-CN" altLang="en-US"/>
           </a:p>
@@ -1103,7 +1109,7 @@
           <a:p>
             <a:fld id="{530820CF-B880-4189-942D-D702A7CBA730}" type="datetimeFigureOut">
               <a:rPr lang="zh-CN" altLang="en-US" smtClean="0"/>
-              <a:t>2020/6/10</a:t>
+              <a:t>2020/6/11</a:t>
             </a:fld>
             <a:endParaRPr lang="zh-CN" altLang="en-US"/>
           </a:p>
@@ -1268,7 +1274,7 @@
           <a:p>
             <a:fld id="{530820CF-B880-4189-942D-D702A7CBA730}" type="datetimeFigureOut">
               <a:rPr lang="zh-CN" altLang="en-US" smtClean="0"/>
-              <a:t>2020/6/10</a:t>
+              <a:t>2020/6/11</a:t>
             </a:fld>
             <a:endParaRPr lang="zh-CN" altLang="en-US"/>
           </a:p>
@@ -1509,7 +1515,7 @@
           <a:p>
             <a:fld id="{530820CF-B880-4189-942D-D702A7CBA730}" type="datetimeFigureOut">
               <a:rPr lang="zh-CN" altLang="en-US" smtClean="0"/>
-              <a:t>2020/6/10</a:t>
+              <a:t>2020/6/11</a:t>
             </a:fld>
             <a:endParaRPr lang="zh-CN" altLang="en-US"/>
           </a:p>
@@ -1792,7 +1798,7 @@
           <a:p>
             <a:fld id="{530820CF-B880-4189-942D-D702A7CBA730}" type="datetimeFigureOut">
               <a:rPr lang="zh-CN" altLang="en-US" smtClean="0"/>
-              <a:t>2020/6/10</a:t>
+              <a:t>2020/6/11</a:t>
             </a:fld>
             <a:endParaRPr lang="zh-CN" altLang="en-US"/>
           </a:p>
@@ -2209,7 +2215,7 @@
           <a:p>
             <a:fld id="{530820CF-B880-4189-942D-D702A7CBA730}" type="datetimeFigureOut">
               <a:rPr lang="zh-CN" altLang="en-US" smtClean="0"/>
-              <a:t>2020/6/10</a:t>
+              <a:t>2020/6/11</a:t>
             </a:fld>
             <a:endParaRPr lang="zh-CN" altLang="en-US"/>
           </a:p>
@@ -2322,7 +2328,7 @@
           <a:p>
             <a:fld id="{530820CF-B880-4189-942D-D702A7CBA730}" type="datetimeFigureOut">
               <a:rPr lang="zh-CN" altLang="en-US" smtClean="0"/>
-              <a:t>2020/6/10</a:t>
+              <a:t>2020/6/11</a:t>
             </a:fld>
             <a:endParaRPr lang="zh-CN" altLang="en-US"/>
           </a:p>
@@ -2412,7 +2418,7 @@
           <a:p>
             <a:fld id="{530820CF-B880-4189-942D-D702A7CBA730}" type="datetimeFigureOut">
               <a:rPr lang="zh-CN" altLang="en-US" smtClean="0"/>
-              <a:t>2020/6/10</a:t>
+              <a:t>2020/6/11</a:t>
             </a:fld>
             <a:endParaRPr lang="zh-CN" altLang="en-US"/>
           </a:p>
@@ -2684,7 +2690,7 @@
           <a:p>
             <a:fld id="{530820CF-B880-4189-942D-D702A7CBA730}" type="datetimeFigureOut">
               <a:rPr lang="zh-CN" altLang="en-US" smtClean="0"/>
-              <a:t>2020/6/10</a:t>
+              <a:t>2020/6/11</a:t>
             </a:fld>
             <a:endParaRPr lang="zh-CN" altLang="en-US"/>
           </a:p>
@@ -2932,7 +2938,7 @@
           <a:p>
             <a:fld id="{530820CF-B880-4189-942D-D702A7CBA730}" type="datetimeFigureOut">
               <a:rPr lang="zh-CN" altLang="en-US" smtClean="0"/>
-              <a:t>2020/6/10</a:t>
+              <a:t>2020/6/11</a:t>
             </a:fld>
             <a:endParaRPr lang="zh-CN" altLang="en-US"/>
           </a:p>
@@ -3140,7 +3146,7 @@
           <a:p>
             <a:fld id="{530820CF-B880-4189-942D-D702A7CBA730}" type="datetimeFigureOut">
               <a:rPr lang="zh-CN" altLang="en-US" smtClean="0"/>
-              <a:t>2020/6/10</a:t>
+              <a:t>2020/6/11</a:t>
             </a:fld>
             <a:endParaRPr lang="zh-CN" altLang="en-US"/>
           </a:p>
@@ -18165,7 +18171,7 @@
           <a:p>
             <a:fld id="{615A674B-DFB4-4BAB-B35D-D815B0010DCC}" type="datetime1">
               <a:rPr lang="zh-CN" altLang="en-US" smtClean="0"/>
-              <a:t>2020/6/10</a:t>
+              <a:t>2020/6/11</a:t>
             </a:fld>
             <a:endParaRPr lang="zh-CN" altLang="en-US"/>
           </a:p>
@@ -19867,15 +19873,7 @@
             </a:r>
             <a:r>
               <a:rPr lang="zh-CN" altLang="en-US" dirty="0" smtClean="0"/>
-              <a:t>内容大纲的</a:t>
-            </a:r>
-            <a:r>
-              <a:rPr lang="zh-CN" altLang="en-US" dirty="0" smtClean="0"/>
-              <a:t>时候一般使用层级关系</a:t>
-            </a:r>
-            <a:r>
-              <a:rPr lang="zh-CN" altLang="en-US" dirty="0" smtClean="0"/>
-              <a:t>。</a:t>
+              <a:t>内容大纲的时候一般使用层级关系。</a:t>
             </a:r>
             <a:endParaRPr lang="en-US" altLang="zh-CN" dirty="0" smtClean="0"/>
           </a:p>
@@ -30703,9 +30701,357 @@
   <p:timing>
     <p:tnLst>
       <p:par>
-        <p:cTn id="1" dur="indefinite" restart="never" nodeType="tmRoot"/>
+        <p:cTn id="1" dur="indefinite" restart="never" nodeType="tmRoot">
+          <p:childTnLst>
+            <p:seq concurrent="1" nextAc="seek">
+              <p:cTn id="2" dur="indefinite" nodeType="mainSeq">
+                <p:childTnLst>
+                  <p:par>
+                    <p:cTn id="3" fill="hold">
+                      <p:stCondLst>
+                        <p:cond delay="indefinite"/>
+                      </p:stCondLst>
+                      <p:childTnLst>
+                        <p:par>
+                          <p:cTn id="4" fill="hold">
+                            <p:stCondLst>
+                              <p:cond delay="0"/>
+                            </p:stCondLst>
+                            <p:childTnLst>
+                              <p:par>
+                                <p:cTn id="5" presetID="10" presetClass="entr" presetSubtype="0" fill="hold" nodeType="clickEffect">
+                                  <p:stCondLst>
+                                    <p:cond delay="0"/>
+                                  </p:stCondLst>
+                                  <p:childTnLst>
+                                    <p:set>
+                                      <p:cBhvr>
+                                        <p:cTn id="6" dur="1" fill="hold">
+                                          <p:stCondLst>
+                                            <p:cond delay="0"/>
+                                          </p:stCondLst>
+                                        </p:cTn>
+                                        <p:tgtEl>
+                                          <p:spTgt spid="4"/>
+                                        </p:tgtEl>
+                                        <p:attrNameLst>
+                                          <p:attrName>style.visibility</p:attrName>
+                                        </p:attrNameLst>
+                                      </p:cBhvr>
+                                      <p:to>
+                                        <p:strVal val="visible"/>
+                                      </p:to>
+                                    </p:set>
+                                    <p:animEffect transition="in" filter="fade">
+                                      <p:cBhvr>
+                                        <p:cTn id="7" dur="500"/>
+                                        <p:tgtEl>
+                                          <p:spTgt spid="4"/>
+                                        </p:tgtEl>
+                                      </p:cBhvr>
+                                    </p:animEffect>
+                                  </p:childTnLst>
+                                </p:cTn>
+                              </p:par>
+                            </p:childTnLst>
+                          </p:cTn>
+                        </p:par>
+                      </p:childTnLst>
+                    </p:cTn>
+                  </p:par>
+                  <p:par>
+                    <p:cTn id="8" fill="hold">
+                      <p:stCondLst>
+                        <p:cond delay="indefinite"/>
+                      </p:stCondLst>
+                      <p:childTnLst>
+                        <p:par>
+                          <p:cTn id="9" fill="hold">
+                            <p:stCondLst>
+                              <p:cond delay="0"/>
+                            </p:stCondLst>
+                            <p:childTnLst>
+                              <p:par>
+                                <p:cTn id="10" presetID="10" presetClass="entr" presetSubtype="0" fill="hold" grpId="0" nodeType="clickEffect">
+                                  <p:stCondLst>
+                                    <p:cond delay="0"/>
+                                  </p:stCondLst>
+                                  <p:childTnLst>
+                                    <p:set>
+                                      <p:cBhvr>
+                                        <p:cTn id="11" dur="1" fill="hold">
+                                          <p:stCondLst>
+                                            <p:cond delay="0"/>
+                                          </p:stCondLst>
+                                        </p:cTn>
+                                        <p:tgtEl>
+                                          <p:spTgt spid="5"/>
+                                        </p:tgtEl>
+                                        <p:attrNameLst>
+                                          <p:attrName>style.visibility</p:attrName>
+                                        </p:attrNameLst>
+                                      </p:cBhvr>
+                                      <p:to>
+                                        <p:strVal val="visible"/>
+                                      </p:to>
+                                    </p:set>
+                                    <p:animEffect transition="in" filter="fade">
+                                      <p:cBhvr>
+                                        <p:cTn id="12" dur="500"/>
+                                        <p:tgtEl>
+                                          <p:spTgt spid="5"/>
+                                        </p:tgtEl>
+                                      </p:cBhvr>
+                                    </p:animEffect>
+                                  </p:childTnLst>
+                                </p:cTn>
+                              </p:par>
+                            </p:childTnLst>
+                          </p:cTn>
+                        </p:par>
+                      </p:childTnLst>
+                    </p:cTn>
+                  </p:par>
+                  <p:par>
+                    <p:cTn id="13" fill="hold">
+                      <p:stCondLst>
+                        <p:cond delay="indefinite"/>
+                      </p:stCondLst>
+                      <p:childTnLst>
+                        <p:par>
+                          <p:cTn id="14" fill="hold">
+                            <p:stCondLst>
+                              <p:cond delay="0"/>
+                            </p:stCondLst>
+                            <p:childTnLst>
+                              <p:par>
+                                <p:cTn id="15" presetID="10" presetClass="entr" presetSubtype="0" fill="hold" grpId="0" nodeType="clickEffect">
+                                  <p:stCondLst>
+                                    <p:cond delay="0"/>
+                                  </p:stCondLst>
+                                  <p:childTnLst>
+                                    <p:set>
+                                      <p:cBhvr>
+                                        <p:cTn id="16" dur="1" fill="hold">
+                                          <p:stCondLst>
+                                            <p:cond delay="0"/>
+                                          </p:stCondLst>
+                                        </p:cTn>
+                                        <p:tgtEl>
+                                          <p:spTgt spid="8"/>
+                                        </p:tgtEl>
+                                        <p:attrNameLst>
+                                          <p:attrName>style.visibility</p:attrName>
+                                        </p:attrNameLst>
+                                      </p:cBhvr>
+                                      <p:to>
+                                        <p:strVal val="visible"/>
+                                      </p:to>
+                                    </p:set>
+                                    <p:animEffect transition="in" filter="fade">
+                                      <p:cBhvr>
+                                        <p:cTn id="17" dur="500"/>
+                                        <p:tgtEl>
+                                          <p:spTgt spid="8"/>
+                                        </p:tgtEl>
+                                      </p:cBhvr>
+                                    </p:animEffect>
+                                  </p:childTnLst>
+                                </p:cTn>
+                              </p:par>
+                            </p:childTnLst>
+                          </p:cTn>
+                        </p:par>
+                      </p:childTnLst>
+                    </p:cTn>
+                  </p:par>
+                  <p:par>
+                    <p:cTn id="18" fill="hold">
+                      <p:stCondLst>
+                        <p:cond delay="indefinite"/>
+                      </p:stCondLst>
+                      <p:childTnLst>
+                        <p:par>
+                          <p:cTn id="19" fill="hold">
+                            <p:stCondLst>
+                              <p:cond delay="0"/>
+                            </p:stCondLst>
+                            <p:childTnLst>
+                              <p:par>
+                                <p:cTn id="20" presetID="10" presetClass="entr" presetSubtype="0" fill="hold" grpId="0" nodeType="clickEffect">
+                                  <p:stCondLst>
+                                    <p:cond delay="0"/>
+                                  </p:stCondLst>
+                                  <p:childTnLst>
+                                    <p:set>
+                                      <p:cBhvr>
+                                        <p:cTn id="21" dur="1" fill="hold">
+                                          <p:stCondLst>
+                                            <p:cond delay="0"/>
+                                          </p:stCondLst>
+                                        </p:cTn>
+                                        <p:tgtEl>
+                                          <p:spTgt spid="7"/>
+                                        </p:tgtEl>
+                                        <p:attrNameLst>
+                                          <p:attrName>style.visibility</p:attrName>
+                                        </p:attrNameLst>
+                                      </p:cBhvr>
+                                      <p:to>
+                                        <p:strVal val="visible"/>
+                                      </p:to>
+                                    </p:set>
+                                    <p:animEffect transition="in" filter="fade">
+                                      <p:cBhvr>
+                                        <p:cTn id="22" dur="500"/>
+                                        <p:tgtEl>
+                                          <p:spTgt spid="7"/>
+                                        </p:tgtEl>
+                                      </p:cBhvr>
+                                    </p:animEffect>
+                                  </p:childTnLst>
+                                </p:cTn>
+                              </p:par>
+                            </p:childTnLst>
+                          </p:cTn>
+                        </p:par>
+                      </p:childTnLst>
+                    </p:cTn>
+                  </p:par>
+                  <p:par>
+                    <p:cTn id="23" fill="hold">
+                      <p:stCondLst>
+                        <p:cond delay="indefinite"/>
+                      </p:stCondLst>
+                      <p:childTnLst>
+                        <p:par>
+                          <p:cTn id="24" fill="hold">
+                            <p:stCondLst>
+                              <p:cond delay="0"/>
+                            </p:stCondLst>
+                            <p:childTnLst>
+                              <p:par>
+                                <p:cTn id="25" presetID="10" presetClass="entr" presetSubtype="0" fill="hold" grpId="0" nodeType="clickEffect">
+                                  <p:stCondLst>
+                                    <p:cond delay="0"/>
+                                  </p:stCondLst>
+                                  <p:childTnLst>
+                                    <p:set>
+                                      <p:cBhvr>
+                                        <p:cTn id="26" dur="1" fill="hold">
+                                          <p:stCondLst>
+                                            <p:cond delay="0"/>
+                                          </p:stCondLst>
+                                        </p:cTn>
+                                        <p:tgtEl>
+                                          <p:spTgt spid="6"/>
+                                        </p:tgtEl>
+                                        <p:attrNameLst>
+                                          <p:attrName>style.visibility</p:attrName>
+                                        </p:attrNameLst>
+                                      </p:cBhvr>
+                                      <p:to>
+                                        <p:strVal val="visible"/>
+                                      </p:to>
+                                    </p:set>
+                                    <p:animEffect transition="in" filter="fade">
+                                      <p:cBhvr>
+                                        <p:cTn id="27" dur="500"/>
+                                        <p:tgtEl>
+                                          <p:spTgt spid="6"/>
+                                        </p:tgtEl>
+                                      </p:cBhvr>
+                                    </p:animEffect>
+                                  </p:childTnLst>
+                                </p:cTn>
+                              </p:par>
+                            </p:childTnLst>
+                          </p:cTn>
+                        </p:par>
+                      </p:childTnLst>
+                    </p:cTn>
+                  </p:par>
+                  <p:par>
+                    <p:cTn id="28" fill="hold">
+                      <p:stCondLst>
+                        <p:cond delay="indefinite"/>
+                      </p:stCondLst>
+                      <p:childTnLst>
+                        <p:par>
+                          <p:cTn id="29" fill="hold">
+                            <p:stCondLst>
+                              <p:cond delay="0"/>
+                            </p:stCondLst>
+                            <p:childTnLst>
+                              <p:par>
+                                <p:cTn id="30" presetID="10" presetClass="entr" presetSubtype="0" fill="hold" grpId="0" nodeType="clickEffect">
+                                  <p:stCondLst>
+                                    <p:cond delay="0"/>
+                                  </p:stCondLst>
+                                  <p:childTnLst>
+                                    <p:set>
+                                      <p:cBhvr>
+                                        <p:cTn id="31" dur="1" fill="hold">
+                                          <p:stCondLst>
+                                            <p:cond delay="0"/>
+                                          </p:stCondLst>
+                                        </p:cTn>
+                                        <p:tgtEl>
+                                          <p:spTgt spid="10"/>
+                                        </p:tgtEl>
+                                        <p:attrNameLst>
+                                          <p:attrName>style.visibility</p:attrName>
+                                        </p:attrNameLst>
+                                      </p:cBhvr>
+                                      <p:to>
+                                        <p:strVal val="visible"/>
+                                      </p:to>
+                                    </p:set>
+                                    <p:animEffect transition="in" filter="fade">
+                                      <p:cBhvr>
+                                        <p:cTn id="32" dur="500"/>
+                                        <p:tgtEl>
+                                          <p:spTgt spid="10"/>
+                                        </p:tgtEl>
+                                      </p:cBhvr>
+                                    </p:animEffect>
+                                  </p:childTnLst>
+                                </p:cTn>
+                              </p:par>
+                            </p:childTnLst>
+                          </p:cTn>
+                        </p:par>
+                      </p:childTnLst>
+                    </p:cTn>
+                  </p:par>
+                </p:childTnLst>
+              </p:cTn>
+              <p:prevCondLst>
+                <p:cond evt="onPrev" delay="0">
+                  <p:tgtEl>
+                    <p:sldTgt/>
+                  </p:tgtEl>
+                </p:cond>
+              </p:prevCondLst>
+              <p:nextCondLst>
+                <p:cond evt="onNext" delay="0">
+                  <p:tgtEl>
+                    <p:sldTgt/>
+                  </p:tgtEl>
+                </p:cond>
+              </p:nextCondLst>
+            </p:seq>
+          </p:childTnLst>
+        </p:cTn>
       </p:par>
     </p:tnLst>
+    <p:bldLst>
+      <p:bldP spid="5" grpId="0"/>
+      <p:bldP spid="6" grpId="0"/>
+      <p:bldP spid="7" grpId="0" animBg="1"/>
+      <p:bldP spid="8" grpId="0" animBg="1"/>
+      <p:bldP spid="10" grpId="0"/>
+    </p:bldLst>
   </p:timing>
 </p:sld>
 </file>
@@ -31365,6 +31711,2474 @@
       <p:bldP spid="5" grpId="0" animBg="1"/>
       <p:bldP spid="7" grpId="0" animBg="1"/>
     </p:bldLst>
+  </p:timing>
+</p:sld>
+</file>
+
+<file path=ppt/slides/slide40.xml><?xml version="1.0" encoding="utf-8"?>
+<p:sld xmlns:a="http://schemas.openxmlformats.org/drawingml/2006/main" xmlns:r="http://schemas.openxmlformats.org/officeDocument/2006/relationships" xmlns:p="http://schemas.openxmlformats.org/presentationml/2006/main">
+  <p:cSld>
+    <p:spTree>
+      <p:nvGrpSpPr>
+        <p:cNvPr id="1" name=""/>
+        <p:cNvGrpSpPr/>
+        <p:nvPr/>
+      </p:nvGrpSpPr>
+      <p:grpSpPr>
+        <a:xfrm>
+          <a:off x="0" y="0"/>
+          <a:ext cx="0" cy="0"/>
+          <a:chOff x="0" y="0"/>
+          <a:chExt cx="0" cy="0"/>
+        </a:xfrm>
+      </p:grpSpPr>
+      <p:sp>
+        <p:nvSpPr>
+          <p:cNvPr id="2" name="标题 1"/>
+          <p:cNvSpPr>
+            <a:spLocks noGrp="1"/>
+          </p:cNvSpPr>
+          <p:nvPr>
+            <p:ph type="title"/>
+          </p:nvPr>
+        </p:nvSpPr>
+        <p:spPr>
+          <a:xfrm>
+            <a:off x="457200" y="-27384"/>
+            <a:ext cx="8229600" cy="1143000"/>
+          </a:xfrm>
+        </p:spPr>
+        <p:txBody>
+          <a:bodyPr/>
+          <a:lstStyle/>
+          <a:p>
+            <a:r>
+              <a:rPr lang="zh-CN" altLang="en-US" dirty="0" smtClean="0"/>
+              <a:t>图表</a:t>
+            </a:r>
+            <a:endParaRPr lang="zh-CN" altLang="en-US" dirty="0"/>
+          </a:p>
+        </p:txBody>
+      </p:sp>
+      <p:pic>
+        <p:nvPicPr>
+          <p:cNvPr id="4" name="内容占位符 3"/>
+          <p:cNvPicPr>
+            <a:picLocks noGrp="1" noChangeAspect="1"/>
+          </p:cNvPicPr>
+          <p:nvPr>
+            <p:ph idx="1"/>
+          </p:nvPr>
+        </p:nvPicPr>
+        <p:blipFill>
+          <a:blip r:embed="rId2">
+            <a:extLst>
+              <a:ext uri="{28A0092B-C50C-407E-A947-70E740481C1C}">
+                <a14:useLocalDpi xmlns:a14="http://schemas.microsoft.com/office/drawing/2010/main" val="0"/>
+              </a:ext>
+            </a:extLst>
+          </a:blip>
+          <a:stretch>
+            <a:fillRect/>
+          </a:stretch>
+        </p:blipFill>
+        <p:spPr>
+          <a:xfrm>
+            <a:off x="1993206" y="4808562"/>
+            <a:ext cx="4581525" cy="1428750"/>
+          </a:xfrm>
+        </p:spPr>
+      </p:pic>
+      <p:sp>
+        <p:nvSpPr>
+          <p:cNvPr id="5" name="TextBox 4"/>
+          <p:cNvSpPr txBox="1"/>
+          <p:nvPr/>
+        </p:nvSpPr>
+        <p:spPr>
+          <a:xfrm>
+            <a:off x="1979712" y="4160490"/>
+            <a:ext cx="936104" cy="369332"/>
+          </a:xfrm>
+          <a:prstGeom prst="rect">
+            <a:avLst/>
+          </a:prstGeom>
+          <a:noFill/>
+        </p:spPr>
+        <p:txBody>
+          <a:bodyPr wrap="square" rtlCol="0">
+            <a:spAutoFit/>
+          </a:bodyPr>
+          <a:lstStyle/>
+          <a:p>
+            <a:r>
+              <a:rPr lang="zh-CN" altLang="en-US" dirty="0" smtClean="0"/>
+              <a:t>插入</a:t>
+            </a:r>
+            <a:endParaRPr lang="zh-CN" altLang="en-US" dirty="0"/>
+          </a:p>
+        </p:txBody>
+      </p:sp>
+      <p:sp>
+        <p:nvSpPr>
+          <p:cNvPr id="6" name="TextBox 5"/>
+          <p:cNvSpPr txBox="1"/>
+          <p:nvPr/>
+        </p:nvSpPr>
+        <p:spPr>
+          <a:xfrm>
+            <a:off x="5868144" y="4160490"/>
+            <a:ext cx="936104" cy="369332"/>
+          </a:xfrm>
+          <a:prstGeom prst="rect">
+            <a:avLst/>
+          </a:prstGeom>
+          <a:noFill/>
+        </p:spPr>
+        <p:txBody>
+          <a:bodyPr wrap="square" rtlCol="0">
+            <a:spAutoFit/>
+          </a:bodyPr>
+          <a:lstStyle/>
+          <a:p>
+            <a:r>
+              <a:rPr lang="zh-CN" altLang="en-US" dirty="0"/>
+              <a:t>图表</a:t>
+            </a:r>
+          </a:p>
+        </p:txBody>
+      </p:sp>
+      <p:sp>
+        <p:nvSpPr>
+          <p:cNvPr id="7" name="右箭头 6"/>
+          <p:cNvSpPr/>
+          <p:nvPr/>
+        </p:nvSpPr>
+        <p:spPr>
+          <a:xfrm>
+            <a:off x="3779912" y="4160490"/>
+            <a:ext cx="792088" cy="369332"/>
+          </a:xfrm>
+          <a:prstGeom prst="rightArrow">
+            <a:avLst/>
+          </a:prstGeom>
+        </p:spPr>
+        <p:style>
+          <a:lnRef idx="2">
+            <a:schemeClr val="accent1">
+              <a:shade val="50000"/>
+            </a:schemeClr>
+          </a:lnRef>
+          <a:fillRef idx="1">
+            <a:schemeClr val="accent1"/>
+          </a:fillRef>
+          <a:effectRef idx="0">
+            <a:schemeClr val="accent1"/>
+          </a:effectRef>
+          <a:fontRef idx="minor">
+            <a:schemeClr val="lt1"/>
+          </a:fontRef>
+        </p:style>
+        <p:txBody>
+          <a:bodyPr rtlCol="0" anchor="ctr"/>
+          <a:lstStyle/>
+          <a:p>
+            <a:pPr algn="ctr"/>
+            <a:endParaRPr lang="zh-CN" altLang="en-US"/>
+          </a:p>
+        </p:txBody>
+      </p:sp>
+      <p:sp>
+        <p:nvSpPr>
+          <p:cNvPr id="8" name="TextBox 7"/>
+          <p:cNvSpPr txBox="1"/>
+          <p:nvPr/>
+        </p:nvSpPr>
+        <p:spPr>
+          <a:xfrm>
+            <a:off x="2915816" y="4952578"/>
+            <a:ext cx="864096" cy="369332"/>
+          </a:xfrm>
+          <a:prstGeom prst="rect">
+            <a:avLst/>
+          </a:prstGeom>
+          <a:noFill/>
+          <a:ln w="19050">
+            <a:solidFill>
+              <a:srgbClr val="FF0000"/>
+            </a:solidFill>
+          </a:ln>
+        </p:spPr>
+        <p:txBody>
+          <a:bodyPr wrap="square" rtlCol="0">
+            <a:spAutoFit/>
+          </a:bodyPr>
+          <a:lstStyle/>
+          <a:p>
+            <a:endParaRPr lang="zh-CN" altLang="en-US" dirty="0"/>
+          </a:p>
+        </p:txBody>
+      </p:sp>
+      <p:sp>
+        <p:nvSpPr>
+          <p:cNvPr id="9" name="TextBox 8"/>
+          <p:cNvSpPr txBox="1"/>
+          <p:nvPr/>
+        </p:nvSpPr>
+        <p:spPr>
+          <a:xfrm>
+            <a:off x="5057553" y="5289644"/>
+            <a:ext cx="810591" cy="576000"/>
+          </a:xfrm>
+          <a:prstGeom prst="rect">
+            <a:avLst/>
+          </a:prstGeom>
+          <a:noFill/>
+          <a:ln w="19050">
+            <a:solidFill>
+              <a:srgbClr val="FF0000"/>
+            </a:solidFill>
+          </a:ln>
+        </p:spPr>
+        <p:txBody>
+          <a:bodyPr wrap="square" rtlCol="0">
+            <a:spAutoFit/>
+          </a:bodyPr>
+          <a:lstStyle/>
+          <a:p>
+            <a:endParaRPr lang="zh-CN" altLang="en-US" dirty="0"/>
+          </a:p>
+        </p:txBody>
+      </p:sp>
+      <p:sp>
+        <p:nvSpPr>
+          <p:cNvPr id="11" name="TextBox 10"/>
+          <p:cNvSpPr txBox="1"/>
+          <p:nvPr/>
+        </p:nvSpPr>
+        <p:spPr>
+          <a:xfrm>
+            <a:off x="1208378" y="2060848"/>
+            <a:ext cx="6552728" cy="369332"/>
+          </a:xfrm>
+          <a:prstGeom prst="rect">
+            <a:avLst/>
+          </a:prstGeom>
+          <a:noFill/>
+        </p:spPr>
+        <p:txBody>
+          <a:bodyPr wrap="square" rtlCol="0">
+            <a:spAutoFit/>
+          </a:bodyPr>
+          <a:lstStyle/>
+          <a:p>
+            <a:r>
+              <a:rPr lang="zh-CN" altLang="en-US" dirty="0" smtClean="0"/>
+              <a:t>复制其他文件中的图表，然后粘贴到幻灯片中</a:t>
+            </a:r>
+            <a:endParaRPr lang="zh-CN" altLang="en-US" dirty="0"/>
+          </a:p>
+        </p:txBody>
+      </p:sp>
+      <p:sp>
+        <p:nvSpPr>
+          <p:cNvPr id="12" name="TextBox 11"/>
+          <p:cNvSpPr txBox="1"/>
+          <p:nvPr/>
+        </p:nvSpPr>
+        <p:spPr>
+          <a:xfrm>
+            <a:off x="1208378" y="1484784"/>
+            <a:ext cx="1239386" cy="369332"/>
+          </a:xfrm>
+          <a:prstGeom prst="rect">
+            <a:avLst/>
+          </a:prstGeom>
+          <a:noFill/>
+        </p:spPr>
+        <p:txBody>
+          <a:bodyPr wrap="square" rtlCol="0">
+            <a:spAutoFit/>
+          </a:bodyPr>
+          <a:lstStyle/>
+          <a:p>
+            <a:r>
+              <a:rPr lang="zh-CN" altLang="en-US" dirty="0" smtClean="0"/>
+              <a:t>方法一：</a:t>
+            </a:r>
+            <a:endParaRPr lang="zh-CN" altLang="en-US" dirty="0"/>
+          </a:p>
+        </p:txBody>
+      </p:sp>
+      <p:sp>
+        <p:nvSpPr>
+          <p:cNvPr id="13" name="TextBox 12"/>
+          <p:cNvSpPr txBox="1"/>
+          <p:nvPr/>
+        </p:nvSpPr>
+        <p:spPr>
+          <a:xfrm>
+            <a:off x="1208378" y="3284984"/>
+            <a:ext cx="1239386" cy="369332"/>
+          </a:xfrm>
+          <a:prstGeom prst="rect">
+            <a:avLst/>
+          </a:prstGeom>
+          <a:noFill/>
+        </p:spPr>
+        <p:txBody>
+          <a:bodyPr wrap="square" rtlCol="0">
+            <a:spAutoFit/>
+          </a:bodyPr>
+          <a:lstStyle/>
+          <a:p>
+            <a:r>
+              <a:rPr lang="zh-CN" altLang="en-US" dirty="0" smtClean="0"/>
+              <a:t>方法二：</a:t>
+            </a:r>
+            <a:endParaRPr lang="zh-CN" altLang="en-US" dirty="0"/>
+          </a:p>
+        </p:txBody>
+      </p:sp>
+    </p:spTree>
+    <p:extLst>
+      <p:ext uri="{BB962C8B-B14F-4D97-AF65-F5344CB8AC3E}">
+        <p14:creationId xmlns:p14="http://schemas.microsoft.com/office/powerpoint/2010/main" val="2940077720"/>
+      </p:ext>
+    </p:extLst>
+  </p:cSld>
+  <p:clrMapOvr>
+    <a:masterClrMapping/>
+  </p:clrMapOvr>
+  <p:timing>
+    <p:tnLst>
+      <p:par>
+        <p:cTn id="1" dur="indefinite" restart="never" nodeType="tmRoot">
+          <p:childTnLst>
+            <p:seq concurrent="1" nextAc="seek">
+              <p:cTn id="2" dur="indefinite" nodeType="mainSeq">
+                <p:childTnLst>
+                  <p:par>
+                    <p:cTn id="3" fill="hold">
+                      <p:stCondLst>
+                        <p:cond delay="indefinite"/>
+                      </p:stCondLst>
+                      <p:childTnLst>
+                        <p:par>
+                          <p:cTn id="4" fill="hold">
+                            <p:stCondLst>
+                              <p:cond delay="0"/>
+                            </p:stCondLst>
+                            <p:childTnLst>
+                              <p:par>
+                                <p:cTn id="5" presetID="10" presetClass="entr" presetSubtype="0" fill="hold" grpId="0" nodeType="clickEffect">
+                                  <p:stCondLst>
+                                    <p:cond delay="0"/>
+                                  </p:stCondLst>
+                                  <p:childTnLst>
+                                    <p:set>
+                                      <p:cBhvr>
+                                        <p:cTn id="6" dur="1" fill="hold">
+                                          <p:stCondLst>
+                                            <p:cond delay="0"/>
+                                          </p:stCondLst>
+                                        </p:cTn>
+                                        <p:tgtEl>
+                                          <p:spTgt spid="12"/>
+                                        </p:tgtEl>
+                                        <p:attrNameLst>
+                                          <p:attrName>style.visibility</p:attrName>
+                                        </p:attrNameLst>
+                                      </p:cBhvr>
+                                      <p:to>
+                                        <p:strVal val="visible"/>
+                                      </p:to>
+                                    </p:set>
+                                    <p:animEffect transition="in" filter="fade">
+                                      <p:cBhvr>
+                                        <p:cTn id="7" dur="500"/>
+                                        <p:tgtEl>
+                                          <p:spTgt spid="12"/>
+                                        </p:tgtEl>
+                                      </p:cBhvr>
+                                    </p:animEffect>
+                                  </p:childTnLst>
+                                </p:cTn>
+                              </p:par>
+                            </p:childTnLst>
+                          </p:cTn>
+                        </p:par>
+                      </p:childTnLst>
+                    </p:cTn>
+                  </p:par>
+                  <p:par>
+                    <p:cTn id="8" fill="hold">
+                      <p:stCondLst>
+                        <p:cond delay="indefinite"/>
+                      </p:stCondLst>
+                      <p:childTnLst>
+                        <p:par>
+                          <p:cTn id="9" fill="hold">
+                            <p:stCondLst>
+                              <p:cond delay="0"/>
+                            </p:stCondLst>
+                            <p:childTnLst>
+                              <p:par>
+                                <p:cTn id="10" presetID="10" presetClass="entr" presetSubtype="0" fill="hold" grpId="0" nodeType="clickEffect">
+                                  <p:stCondLst>
+                                    <p:cond delay="0"/>
+                                  </p:stCondLst>
+                                  <p:childTnLst>
+                                    <p:set>
+                                      <p:cBhvr>
+                                        <p:cTn id="11" dur="1" fill="hold">
+                                          <p:stCondLst>
+                                            <p:cond delay="0"/>
+                                          </p:stCondLst>
+                                        </p:cTn>
+                                        <p:tgtEl>
+                                          <p:spTgt spid="11"/>
+                                        </p:tgtEl>
+                                        <p:attrNameLst>
+                                          <p:attrName>style.visibility</p:attrName>
+                                        </p:attrNameLst>
+                                      </p:cBhvr>
+                                      <p:to>
+                                        <p:strVal val="visible"/>
+                                      </p:to>
+                                    </p:set>
+                                    <p:animEffect transition="in" filter="fade">
+                                      <p:cBhvr>
+                                        <p:cTn id="12" dur="500"/>
+                                        <p:tgtEl>
+                                          <p:spTgt spid="11"/>
+                                        </p:tgtEl>
+                                      </p:cBhvr>
+                                    </p:animEffect>
+                                  </p:childTnLst>
+                                </p:cTn>
+                              </p:par>
+                            </p:childTnLst>
+                          </p:cTn>
+                        </p:par>
+                      </p:childTnLst>
+                    </p:cTn>
+                  </p:par>
+                  <p:par>
+                    <p:cTn id="13" fill="hold">
+                      <p:stCondLst>
+                        <p:cond delay="indefinite"/>
+                      </p:stCondLst>
+                      <p:childTnLst>
+                        <p:par>
+                          <p:cTn id="14" fill="hold">
+                            <p:stCondLst>
+                              <p:cond delay="0"/>
+                            </p:stCondLst>
+                            <p:childTnLst>
+                              <p:par>
+                                <p:cTn id="15" presetID="10" presetClass="entr" presetSubtype="0" fill="hold" grpId="0" nodeType="clickEffect">
+                                  <p:stCondLst>
+                                    <p:cond delay="0"/>
+                                  </p:stCondLst>
+                                  <p:childTnLst>
+                                    <p:set>
+                                      <p:cBhvr>
+                                        <p:cTn id="16" dur="1" fill="hold">
+                                          <p:stCondLst>
+                                            <p:cond delay="0"/>
+                                          </p:stCondLst>
+                                        </p:cTn>
+                                        <p:tgtEl>
+                                          <p:spTgt spid="13"/>
+                                        </p:tgtEl>
+                                        <p:attrNameLst>
+                                          <p:attrName>style.visibility</p:attrName>
+                                        </p:attrNameLst>
+                                      </p:cBhvr>
+                                      <p:to>
+                                        <p:strVal val="visible"/>
+                                      </p:to>
+                                    </p:set>
+                                    <p:animEffect transition="in" filter="fade">
+                                      <p:cBhvr>
+                                        <p:cTn id="17" dur="500"/>
+                                        <p:tgtEl>
+                                          <p:spTgt spid="13"/>
+                                        </p:tgtEl>
+                                      </p:cBhvr>
+                                    </p:animEffect>
+                                  </p:childTnLst>
+                                </p:cTn>
+                              </p:par>
+                            </p:childTnLst>
+                          </p:cTn>
+                        </p:par>
+                      </p:childTnLst>
+                    </p:cTn>
+                  </p:par>
+                  <p:par>
+                    <p:cTn id="18" fill="hold">
+                      <p:stCondLst>
+                        <p:cond delay="indefinite"/>
+                      </p:stCondLst>
+                      <p:childTnLst>
+                        <p:par>
+                          <p:cTn id="19" fill="hold">
+                            <p:stCondLst>
+                              <p:cond delay="0"/>
+                            </p:stCondLst>
+                            <p:childTnLst>
+                              <p:par>
+                                <p:cTn id="20" presetID="10" presetClass="entr" presetSubtype="0" fill="hold" nodeType="clickEffect">
+                                  <p:stCondLst>
+                                    <p:cond delay="0"/>
+                                  </p:stCondLst>
+                                  <p:childTnLst>
+                                    <p:set>
+                                      <p:cBhvr>
+                                        <p:cTn id="21" dur="1" fill="hold">
+                                          <p:stCondLst>
+                                            <p:cond delay="0"/>
+                                          </p:stCondLst>
+                                        </p:cTn>
+                                        <p:tgtEl>
+                                          <p:spTgt spid="4"/>
+                                        </p:tgtEl>
+                                        <p:attrNameLst>
+                                          <p:attrName>style.visibility</p:attrName>
+                                        </p:attrNameLst>
+                                      </p:cBhvr>
+                                      <p:to>
+                                        <p:strVal val="visible"/>
+                                      </p:to>
+                                    </p:set>
+                                    <p:animEffect transition="in" filter="fade">
+                                      <p:cBhvr>
+                                        <p:cTn id="22" dur="500"/>
+                                        <p:tgtEl>
+                                          <p:spTgt spid="4"/>
+                                        </p:tgtEl>
+                                      </p:cBhvr>
+                                    </p:animEffect>
+                                  </p:childTnLst>
+                                </p:cTn>
+                              </p:par>
+                            </p:childTnLst>
+                          </p:cTn>
+                        </p:par>
+                      </p:childTnLst>
+                    </p:cTn>
+                  </p:par>
+                  <p:par>
+                    <p:cTn id="23" fill="hold">
+                      <p:stCondLst>
+                        <p:cond delay="indefinite"/>
+                      </p:stCondLst>
+                      <p:childTnLst>
+                        <p:par>
+                          <p:cTn id="24" fill="hold">
+                            <p:stCondLst>
+                              <p:cond delay="0"/>
+                            </p:stCondLst>
+                            <p:childTnLst>
+                              <p:par>
+                                <p:cTn id="25" presetID="10" presetClass="entr" presetSubtype="0" fill="hold" grpId="0" nodeType="clickEffect">
+                                  <p:stCondLst>
+                                    <p:cond delay="0"/>
+                                  </p:stCondLst>
+                                  <p:childTnLst>
+                                    <p:set>
+                                      <p:cBhvr>
+                                        <p:cTn id="26" dur="1" fill="hold">
+                                          <p:stCondLst>
+                                            <p:cond delay="0"/>
+                                          </p:stCondLst>
+                                        </p:cTn>
+                                        <p:tgtEl>
+                                          <p:spTgt spid="5"/>
+                                        </p:tgtEl>
+                                        <p:attrNameLst>
+                                          <p:attrName>style.visibility</p:attrName>
+                                        </p:attrNameLst>
+                                      </p:cBhvr>
+                                      <p:to>
+                                        <p:strVal val="visible"/>
+                                      </p:to>
+                                    </p:set>
+                                    <p:animEffect transition="in" filter="fade">
+                                      <p:cBhvr>
+                                        <p:cTn id="27" dur="500"/>
+                                        <p:tgtEl>
+                                          <p:spTgt spid="5"/>
+                                        </p:tgtEl>
+                                      </p:cBhvr>
+                                    </p:animEffect>
+                                  </p:childTnLst>
+                                </p:cTn>
+                              </p:par>
+                            </p:childTnLst>
+                          </p:cTn>
+                        </p:par>
+                      </p:childTnLst>
+                    </p:cTn>
+                  </p:par>
+                  <p:par>
+                    <p:cTn id="28" fill="hold">
+                      <p:stCondLst>
+                        <p:cond delay="indefinite"/>
+                      </p:stCondLst>
+                      <p:childTnLst>
+                        <p:par>
+                          <p:cTn id="29" fill="hold">
+                            <p:stCondLst>
+                              <p:cond delay="0"/>
+                            </p:stCondLst>
+                            <p:childTnLst>
+                              <p:par>
+                                <p:cTn id="30" presetID="10" presetClass="entr" presetSubtype="0" fill="hold" grpId="0" nodeType="clickEffect">
+                                  <p:stCondLst>
+                                    <p:cond delay="0"/>
+                                  </p:stCondLst>
+                                  <p:childTnLst>
+                                    <p:set>
+                                      <p:cBhvr>
+                                        <p:cTn id="31" dur="1" fill="hold">
+                                          <p:stCondLst>
+                                            <p:cond delay="0"/>
+                                          </p:stCondLst>
+                                        </p:cTn>
+                                        <p:tgtEl>
+                                          <p:spTgt spid="8"/>
+                                        </p:tgtEl>
+                                        <p:attrNameLst>
+                                          <p:attrName>style.visibility</p:attrName>
+                                        </p:attrNameLst>
+                                      </p:cBhvr>
+                                      <p:to>
+                                        <p:strVal val="visible"/>
+                                      </p:to>
+                                    </p:set>
+                                    <p:animEffect transition="in" filter="fade">
+                                      <p:cBhvr>
+                                        <p:cTn id="32" dur="500"/>
+                                        <p:tgtEl>
+                                          <p:spTgt spid="8"/>
+                                        </p:tgtEl>
+                                      </p:cBhvr>
+                                    </p:animEffect>
+                                  </p:childTnLst>
+                                </p:cTn>
+                              </p:par>
+                            </p:childTnLst>
+                          </p:cTn>
+                        </p:par>
+                      </p:childTnLst>
+                    </p:cTn>
+                  </p:par>
+                  <p:par>
+                    <p:cTn id="33" fill="hold">
+                      <p:stCondLst>
+                        <p:cond delay="indefinite"/>
+                      </p:stCondLst>
+                      <p:childTnLst>
+                        <p:par>
+                          <p:cTn id="34" fill="hold">
+                            <p:stCondLst>
+                              <p:cond delay="0"/>
+                            </p:stCondLst>
+                            <p:childTnLst>
+                              <p:par>
+                                <p:cTn id="35" presetID="10" presetClass="entr" presetSubtype="0" fill="hold" grpId="0" nodeType="clickEffect">
+                                  <p:stCondLst>
+                                    <p:cond delay="0"/>
+                                  </p:stCondLst>
+                                  <p:childTnLst>
+                                    <p:set>
+                                      <p:cBhvr>
+                                        <p:cTn id="36" dur="1" fill="hold">
+                                          <p:stCondLst>
+                                            <p:cond delay="0"/>
+                                          </p:stCondLst>
+                                        </p:cTn>
+                                        <p:tgtEl>
+                                          <p:spTgt spid="7"/>
+                                        </p:tgtEl>
+                                        <p:attrNameLst>
+                                          <p:attrName>style.visibility</p:attrName>
+                                        </p:attrNameLst>
+                                      </p:cBhvr>
+                                      <p:to>
+                                        <p:strVal val="visible"/>
+                                      </p:to>
+                                    </p:set>
+                                    <p:animEffect transition="in" filter="fade">
+                                      <p:cBhvr>
+                                        <p:cTn id="37" dur="500"/>
+                                        <p:tgtEl>
+                                          <p:spTgt spid="7"/>
+                                        </p:tgtEl>
+                                      </p:cBhvr>
+                                    </p:animEffect>
+                                  </p:childTnLst>
+                                </p:cTn>
+                              </p:par>
+                            </p:childTnLst>
+                          </p:cTn>
+                        </p:par>
+                      </p:childTnLst>
+                    </p:cTn>
+                  </p:par>
+                  <p:par>
+                    <p:cTn id="38" fill="hold">
+                      <p:stCondLst>
+                        <p:cond delay="indefinite"/>
+                      </p:stCondLst>
+                      <p:childTnLst>
+                        <p:par>
+                          <p:cTn id="39" fill="hold">
+                            <p:stCondLst>
+                              <p:cond delay="0"/>
+                            </p:stCondLst>
+                            <p:childTnLst>
+                              <p:par>
+                                <p:cTn id="40" presetID="10" presetClass="entr" presetSubtype="0" fill="hold" grpId="0" nodeType="clickEffect">
+                                  <p:stCondLst>
+                                    <p:cond delay="0"/>
+                                  </p:stCondLst>
+                                  <p:childTnLst>
+                                    <p:set>
+                                      <p:cBhvr>
+                                        <p:cTn id="41" dur="1" fill="hold">
+                                          <p:stCondLst>
+                                            <p:cond delay="0"/>
+                                          </p:stCondLst>
+                                        </p:cTn>
+                                        <p:tgtEl>
+                                          <p:spTgt spid="6"/>
+                                        </p:tgtEl>
+                                        <p:attrNameLst>
+                                          <p:attrName>style.visibility</p:attrName>
+                                        </p:attrNameLst>
+                                      </p:cBhvr>
+                                      <p:to>
+                                        <p:strVal val="visible"/>
+                                      </p:to>
+                                    </p:set>
+                                    <p:animEffect transition="in" filter="fade">
+                                      <p:cBhvr>
+                                        <p:cTn id="42" dur="500"/>
+                                        <p:tgtEl>
+                                          <p:spTgt spid="6"/>
+                                        </p:tgtEl>
+                                      </p:cBhvr>
+                                    </p:animEffect>
+                                  </p:childTnLst>
+                                </p:cTn>
+                              </p:par>
+                            </p:childTnLst>
+                          </p:cTn>
+                        </p:par>
+                      </p:childTnLst>
+                    </p:cTn>
+                  </p:par>
+                  <p:par>
+                    <p:cTn id="43" fill="hold">
+                      <p:stCondLst>
+                        <p:cond delay="indefinite"/>
+                      </p:stCondLst>
+                      <p:childTnLst>
+                        <p:par>
+                          <p:cTn id="44" fill="hold">
+                            <p:stCondLst>
+                              <p:cond delay="0"/>
+                            </p:stCondLst>
+                            <p:childTnLst>
+                              <p:par>
+                                <p:cTn id="45" presetID="10" presetClass="entr" presetSubtype="0" fill="hold" grpId="0" nodeType="clickEffect">
+                                  <p:stCondLst>
+                                    <p:cond delay="0"/>
+                                  </p:stCondLst>
+                                  <p:childTnLst>
+                                    <p:set>
+                                      <p:cBhvr>
+                                        <p:cTn id="46" dur="1" fill="hold">
+                                          <p:stCondLst>
+                                            <p:cond delay="0"/>
+                                          </p:stCondLst>
+                                        </p:cTn>
+                                        <p:tgtEl>
+                                          <p:spTgt spid="9"/>
+                                        </p:tgtEl>
+                                        <p:attrNameLst>
+                                          <p:attrName>style.visibility</p:attrName>
+                                        </p:attrNameLst>
+                                      </p:cBhvr>
+                                      <p:to>
+                                        <p:strVal val="visible"/>
+                                      </p:to>
+                                    </p:set>
+                                    <p:animEffect transition="in" filter="fade">
+                                      <p:cBhvr>
+                                        <p:cTn id="47" dur="500"/>
+                                        <p:tgtEl>
+                                          <p:spTgt spid="9"/>
+                                        </p:tgtEl>
+                                      </p:cBhvr>
+                                    </p:animEffect>
+                                  </p:childTnLst>
+                                </p:cTn>
+                              </p:par>
+                            </p:childTnLst>
+                          </p:cTn>
+                        </p:par>
+                      </p:childTnLst>
+                    </p:cTn>
+                  </p:par>
+                </p:childTnLst>
+              </p:cTn>
+              <p:prevCondLst>
+                <p:cond evt="onPrev" delay="0">
+                  <p:tgtEl>
+                    <p:sldTgt/>
+                  </p:tgtEl>
+                </p:cond>
+              </p:prevCondLst>
+              <p:nextCondLst>
+                <p:cond evt="onNext" delay="0">
+                  <p:tgtEl>
+                    <p:sldTgt/>
+                  </p:tgtEl>
+                </p:cond>
+              </p:nextCondLst>
+            </p:seq>
+          </p:childTnLst>
+        </p:cTn>
+      </p:par>
+    </p:tnLst>
+    <p:bldLst>
+      <p:bldP spid="5" grpId="0"/>
+      <p:bldP spid="6" grpId="0"/>
+      <p:bldP spid="7" grpId="0" animBg="1"/>
+      <p:bldP spid="8" grpId="0" animBg="1"/>
+      <p:bldP spid="9" grpId="0" animBg="1"/>
+      <p:bldP spid="11" grpId="0"/>
+      <p:bldP spid="12" grpId="0"/>
+      <p:bldP spid="13" grpId="0"/>
+    </p:bldLst>
+  </p:timing>
+</p:sld>
+</file>
+
+<file path=ppt/slides/slide41.xml><?xml version="1.0" encoding="utf-8"?>
+<p:sld xmlns:a="http://schemas.openxmlformats.org/drawingml/2006/main" xmlns:r="http://schemas.openxmlformats.org/officeDocument/2006/relationships" xmlns:p="http://schemas.openxmlformats.org/presentationml/2006/main">
+  <p:cSld>
+    <p:spTree>
+      <p:nvGrpSpPr>
+        <p:cNvPr id="1" name=""/>
+        <p:cNvGrpSpPr/>
+        <p:nvPr/>
+      </p:nvGrpSpPr>
+      <p:grpSpPr>
+        <a:xfrm>
+          <a:off x="0" y="0"/>
+          <a:ext cx="0" cy="0"/>
+          <a:chOff x="0" y="0"/>
+          <a:chExt cx="0" cy="0"/>
+        </a:xfrm>
+      </p:grpSpPr>
+      <p:pic>
+        <p:nvPicPr>
+          <p:cNvPr id="2" name="图片 1"/>
+          <p:cNvPicPr>
+            <a:picLocks noChangeAspect="1"/>
+          </p:cNvPicPr>
+          <p:nvPr/>
+        </p:nvPicPr>
+        <p:blipFill>
+          <a:blip r:embed="rId2">
+            <a:extLst>
+              <a:ext uri="{28A0092B-C50C-407E-A947-70E740481C1C}">
+                <a14:useLocalDpi xmlns:a14="http://schemas.microsoft.com/office/drawing/2010/main" val="0"/>
+              </a:ext>
+            </a:extLst>
+          </a:blip>
+          <a:stretch>
+            <a:fillRect/>
+          </a:stretch>
+        </p:blipFill>
+        <p:spPr>
+          <a:xfrm>
+            <a:off x="611560" y="836712"/>
+            <a:ext cx="5534025" cy="3686175"/>
+          </a:xfrm>
+          <a:prstGeom prst="rect">
+            <a:avLst/>
+          </a:prstGeom>
+        </p:spPr>
+      </p:pic>
+      <p:sp>
+        <p:nvSpPr>
+          <p:cNvPr id="3" name="TextBox 2"/>
+          <p:cNvSpPr txBox="1"/>
+          <p:nvPr/>
+        </p:nvSpPr>
+        <p:spPr>
+          <a:xfrm>
+            <a:off x="827584" y="332656"/>
+            <a:ext cx="2808312" cy="369332"/>
+          </a:xfrm>
+          <a:prstGeom prst="rect">
+            <a:avLst/>
+          </a:prstGeom>
+          <a:noFill/>
+        </p:spPr>
+        <p:txBody>
+          <a:bodyPr wrap="square" rtlCol="0">
+            <a:spAutoFit/>
+          </a:bodyPr>
+          <a:lstStyle/>
+          <a:p>
+            <a:r>
+              <a:rPr lang="zh-CN" altLang="en-US" dirty="0" smtClean="0"/>
+              <a:t>选择一种图表</a:t>
+            </a:r>
+            <a:endParaRPr lang="zh-CN" altLang="en-US" dirty="0"/>
+          </a:p>
+        </p:txBody>
+      </p:sp>
+      <p:pic>
+        <p:nvPicPr>
+          <p:cNvPr id="4" name="图片 3"/>
+          <p:cNvPicPr>
+            <a:picLocks noChangeAspect="1"/>
+          </p:cNvPicPr>
+          <p:nvPr/>
+        </p:nvPicPr>
+        <p:blipFill>
+          <a:blip r:embed="rId3">
+            <a:extLst>
+              <a:ext uri="{28A0092B-C50C-407E-A947-70E740481C1C}">
+                <a14:useLocalDpi xmlns:a14="http://schemas.microsoft.com/office/drawing/2010/main" val="0"/>
+              </a:ext>
+            </a:extLst>
+          </a:blip>
+          <a:stretch>
+            <a:fillRect/>
+          </a:stretch>
+        </p:blipFill>
+        <p:spPr>
+          <a:xfrm>
+            <a:off x="219329" y="172160"/>
+            <a:ext cx="8821726" cy="5309030"/>
+          </a:xfrm>
+          <a:prstGeom prst="rect">
+            <a:avLst/>
+          </a:prstGeom>
+        </p:spPr>
+      </p:pic>
+      <p:sp>
+        <p:nvSpPr>
+          <p:cNvPr id="5" name="TextBox 4"/>
+          <p:cNvSpPr txBox="1"/>
+          <p:nvPr/>
+        </p:nvSpPr>
+        <p:spPr>
+          <a:xfrm>
+            <a:off x="2483768" y="6093296"/>
+            <a:ext cx="4680520" cy="646331"/>
+          </a:xfrm>
+          <a:prstGeom prst="rect">
+            <a:avLst/>
+          </a:prstGeom>
+          <a:noFill/>
+        </p:spPr>
+        <p:txBody>
+          <a:bodyPr wrap="square" rtlCol="0">
+            <a:spAutoFit/>
+          </a:bodyPr>
+          <a:lstStyle/>
+          <a:p>
+            <a:r>
+              <a:rPr lang="zh-CN" altLang="en-US" dirty="0" smtClean="0"/>
+              <a:t>选择好图表后，会弹出一个</a:t>
+            </a:r>
+            <a:r>
+              <a:rPr lang="en-US" altLang="zh-CN" dirty="0" err="1" smtClean="0"/>
+              <a:t>excle</a:t>
+            </a:r>
+            <a:r>
+              <a:rPr lang="zh-CN" altLang="en-US" dirty="0" smtClean="0"/>
+              <a:t>文件，如上图所示</a:t>
+            </a:r>
+            <a:endParaRPr lang="zh-CN" altLang="en-US" dirty="0"/>
+          </a:p>
+        </p:txBody>
+      </p:sp>
+      <p:cxnSp>
+        <p:nvCxnSpPr>
+          <p:cNvPr id="7" name="直接箭头连接符 6"/>
+          <p:cNvCxnSpPr/>
+          <p:nvPr/>
+        </p:nvCxnSpPr>
+        <p:spPr>
+          <a:xfrm flipV="1">
+            <a:off x="5436096" y="5661248"/>
+            <a:ext cx="288032" cy="360040"/>
+          </a:xfrm>
+          <a:prstGeom prst="straightConnector1">
+            <a:avLst/>
+          </a:prstGeom>
+          <a:ln w="19050">
+            <a:solidFill>
+              <a:srgbClr val="FF0000"/>
+            </a:solidFill>
+            <a:tailEnd type="arrow"/>
+          </a:ln>
+        </p:spPr>
+        <p:style>
+          <a:lnRef idx="1">
+            <a:schemeClr val="accent1"/>
+          </a:lnRef>
+          <a:fillRef idx="0">
+            <a:schemeClr val="accent1"/>
+          </a:fillRef>
+          <a:effectRef idx="0">
+            <a:schemeClr val="accent1"/>
+          </a:effectRef>
+          <a:fontRef idx="minor">
+            <a:schemeClr val="tx1"/>
+          </a:fontRef>
+        </p:style>
+      </p:cxnSp>
+    </p:spTree>
+    <p:extLst>
+      <p:ext uri="{BB962C8B-B14F-4D97-AF65-F5344CB8AC3E}">
+        <p14:creationId xmlns:p14="http://schemas.microsoft.com/office/powerpoint/2010/main" val="4294878526"/>
+      </p:ext>
+    </p:extLst>
+  </p:cSld>
+  <p:clrMapOvr>
+    <a:masterClrMapping/>
+  </p:clrMapOvr>
+  <p:timing>
+    <p:tnLst>
+      <p:par>
+        <p:cTn id="1" dur="indefinite" restart="never" nodeType="tmRoot">
+          <p:childTnLst>
+            <p:seq concurrent="1" nextAc="seek">
+              <p:cTn id="2" dur="indefinite" nodeType="mainSeq">
+                <p:childTnLst>
+                  <p:par>
+                    <p:cTn id="3" fill="hold">
+                      <p:stCondLst>
+                        <p:cond delay="indefinite"/>
+                      </p:stCondLst>
+                      <p:childTnLst>
+                        <p:par>
+                          <p:cTn id="4" fill="hold">
+                            <p:stCondLst>
+                              <p:cond delay="0"/>
+                            </p:stCondLst>
+                            <p:childTnLst>
+                              <p:par>
+                                <p:cTn id="5" presetID="10" presetClass="entr" presetSubtype="0" fill="hold" nodeType="clickEffect">
+                                  <p:stCondLst>
+                                    <p:cond delay="0"/>
+                                  </p:stCondLst>
+                                  <p:childTnLst>
+                                    <p:set>
+                                      <p:cBhvr>
+                                        <p:cTn id="6" dur="1" fill="hold">
+                                          <p:stCondLst>
+                                            <p:cond delay="0"/>
+                                          </p:stCondLst>
+                                        </p:cTn>
+                                        <p:tgtEl>
+                                          <p:spTgt spid="2"/>
+                                        </p:tgtEl>
+                                        <p:attrNameLst>
+                                          <p:attrName>style.visibility</p:attrName>
+                                        </p:attrNameLst>
+                                      </p:cBhvr>
+                                      <p:to>
+                                        <p:strVal val="visible"/>
+                                      </p:to>
+                                    </p:set>
+                                    <p:animEffect transition="in" filter="fade">
+                                      <p:cBhvr>
+                                        <p:cTn id="7" dur="500"/>
+                                        <p:tgtEl>
+                                          <p:spTgt spid="2"/>
+                                        </p:tgtEl>
+                                      </p:cBhvr>
+                                    </p:animEffect>
+                                  </p:childTnLst>
+                                </p:cTn>
+                              </p:par>
+                            </p:childTnLst>
+                          </p:cTn>
+                        </p:par>
+                      </p:childTnLst>
+                    </p:cTn>
+                  </p:par>
+                  <p:par>
+                    <p:cTn id="8" fill="hold">
+                      <p:stCondLst>
+                        <p:cond delay="indefinite"/>
+                      </p:stCondLst>
+                      <p:childTnLst>
+                        <p:par>
+                          <p:cTn id="9" fill="hold">
+                            <p:stCondLst>
+                              <p:cond delay="0"/>
+                            </p:stCondLst>
+                            <p:childTnLst>
+                              <p:par>
+                                <p:cTn id="10" presetID="10" presetClass="entr" presetSubtype="0" fill="hold" grpId="0" nodeType="clickEffect">
+                                  <p:stCondLst>
+                                    <p:cond delay="0"/>
+                                  </p:stCondLst>
+                                  <p:childTnLst>
+                                    <p:set>
+                                      <p:cBhvr>
+                                        <p:cTn id="11" dur="1" fill="hold">
+                                          <p:stCondLst>
+                                            <p:cond delay="0"/>
+                                          </p:stCondLst>
+                                        </p:cTn>
+                                        <p:tgtEl>
+                                          <p:spTgt spid="3"/>
+                                        </p:tgtEl>
+                                        <p:attrNameLst>
+                                          <p:attrName>style.visibility</p:attrName>
+                                        </p:attrNameLst>
+                                      </p:cBhvr>
+                                      <p:to>
+                                        <p:strVal val="visible"/>
+                                      </p:to>
+                                    </p:set>
+                                    <p:animEffect transition="in" filter="fade">
+                                      <p:cBhvr>
+                                        <p:cTn id="12" dur="500"/>
+                                        <p:tgtEl>
+                                          <p:spTgt spid="3"/>
+                                        </p:tgtEl>
+                                      </p:cBhvr>
+                                    </p:animEffect>
+                                  </p:childTnLst>
+                                </p:cTn>
+                              </p:par>
+                            </p:childTnLst>
+                          </p:cTn>
+                        </p:par>
+                      </p:childTnLst>
+                    </p:cTn>
+                  </p:par>
+                  <p:par>
+                    <p:cTn id="13" fill="hold">
+                      <p:stCondLst>
+                        <p:cond delay="indefinite"/>
+                      </p:stCondLst>
+                      <p:childTnLst>
+                        <p:par>
+                          <p:cTn id="14" fill="hold">
+                            <p:stCondLst>
+                              <p:cond delay="0"/>
+                            </p:stCondLst>
+                            <p:childTnLst>
+                              <p:par>
+                                <p:cTn id="15" presetID="10" presetClass="entr" presetSubtype="0" fill="hold" grpId="0" nodeType="clickEffect">
+                                  <p:stCondLst>
+                                    <p:cond delay="0"/>
+                                  </p:stCondLst>
+                                  <p:childTnLst>
+                                    <p:set>
+                                      <p:cBhvr>
+                                        <p:cTn id="16" dur="1" fill="hold">
+                                          <p:stCondLst>
+                                            <p:cond delay="0"/>
+                                          </p:stCondLst>
+                                        </p:cTn>
+                                        <p:tgtEl>
+                                          <p:spTgt spid="5"/>
+                                        </p:tgtEl>
+                                        <p:attrNameLst>
+                                          <p:attrName>style.visibility</p:attrName>
+                                        </p:attrNameLst>
+                                      </p:cBhvr>
+                                      <p:to>
+                                        <p:strVal val="visible"/>
+                                      </p:to>
+                                    </p:set>
+                                    <p:animEffect transition="in" filter="fade">
+                                      <p:cBhvr>
+                                        <p:cTn id="17" dur="500"/>
+                                        <p:tgtEl>
+                                          <p:spTgt spid="5"/>
+                                        </p:tgtEl>
+                                      </p:cBhvr>
+                                    </p:animEffect>
+                                  </p:childTnLst>
+                                </p:cTn>
+                              </p:par>
+                            </p:childTnLst>
+                          </p:cTn>
+                        </p:par>
+                      </p:childTnLst>
+                    </p:cTn>
+                  </p:par>
+                  <p:par>
+                    <p:cTn id="18" fill="hold">
+                      <p:stCondLst>
+                        <p:cond delay="indefinite"/>
+                      </p:stCondLst>
+                      <p:childTnLst>
+                        <p:par>
+                          <p:cTn id="19" fill="hold">
+                            <p:stCondLst>
+                              <p:cond delay="0"/>
+                            </p:stCondLst>
+                            <p:childTnLst>
+                              <p:par>
+                                <p:cTn id="20" presetID="10" presetClass="entr" presetSubtype="0" fill="hold" nodeType="clickEffect">
+                                  <p:stCondLst>
+                                    <p:cond delay="0"/>
+                                  </p:stCondLst>
+                                  <p:childTnLst>
+                                    <p:set>
+                                      <p:cBhvr>
+                                        <p:cTn id="21" dur="1" fill="hold">
+                                          <p:stCondLst>
+                                            <p:cond delay="0"/>
+                                          </p:stCondLst>
+                                        </p:cTn>
+                                        <p:tgtEl>
+                                          <p:spTgt spid="7"/>
+                                        </p:tgtEl>
+                                        <p:attrNameLst>
+                                          <p:attrName>style.visibility</p:attrName>
+                                        </p:attrNameLst>
+                                      </p:cBhvr>
+                                      <p:to>
+                                        <p:strVal val="visible"/>
+                                      </p:to>
+                                    </p:set>
+                                    <p:animEffect transition="in" filter="fade">
+                                      <p:cBhvr>
+                                        <p:cTn id="22" dur="500"/>
+                                        <p:tgtEl>
+                                          <p:spTgt spid="7"/>
+                                        </p:tgtEl>
+                                      </p:cBhvr>
+                                    </p:animEffect>
+                                  </p:childTnLst>
+                                </p:cTn>
+                              </p:par>
+                            </p:childTnLst>
+                          </p:cTn>
+                        </p:par>
+                      </p:childTnLst>
+                    </p:cTn>
+                  </p:par>
+                  <p:par>
+                    <p:cTn id="23" fill="hold">
+                      <p:stCondLst>
+                        <p:cond delay="indefinite"/>
+                      </p:stCondLst>
+                      <p:childTnLst>
+                        <p:par>
+                          <p:cTn id="24" fill="hold">
+                            <p:stCondLst>
+                              <p:cond delay="0"/>
+                            </p:stCondLst>
+                            <p:childTnLst>
+                              <p:par>
+                                <p:cTn id="25" presetID="10" presetClass="entr" presetSubtype="0" fill="hold" nodeType="clickEffect">
+                                  <p:stCondLst>
+                                    <p:cond delay="0"/>
+                                  </p:stCondLst>
+                                  <p:childTnLst>
+                                    <p:set>
+                                      <p:cBhvr>
+                                        <p:cTn id="26" dur="1" fill="hold">
+                                          <p:stCondLst>
+                                            <p:cond delay="0"/>
+                                          </p:stCondLst>
+                                        </p:cTn>
+                                        <p:tgtEl>
+                                          <p:spTgt spid="4"/>
+                                        </p:tgtEl>
+                                        <p:attrNameLst>
+                                          <p:attrName>style.visibility</p:attrName>
+                                        </p:attrNameLst>
+                                      </p:cBhvr>
+                                      <p:to>
+                                        <p:strVal val="visible"/>
+                                      </p:to>
+                                    </p:set>
+                                    <p:animEffect transition="in" filter="fade">
+                                      <p:cBhvr>
+                                        <p:cTn id="27" dur="500"/>
+                                        <p:tgtEl>
+                                          <p:spTgt spid="4"/>
+                                        </p:tgtEl>
+                                      </p:cBhvr>
+                                    </p:animEffect>
+                                  </p:childTnLst>
+                                </p:cTn>
+                              </p:par>
+                            </p:childTnLst>
+                          </p:cTn>
+                        </p:par>
+                      </p:childTnLst>
+                    </p:cTn>
+                  </p:par>
+                </p:childTnLst>
+              </p:cTn>
+              <p:prevCondLst>
+                <p:cond evt="onPrev" delay="0">
+                  <p:tgtEl>
+                    <p:sldTgt/>
+                  </p:tgtEl>
+                </p:cond>
+              </p:prevCondLst>
+              <p:nextCondLst>
+                <p:cond evt="onNext" delay="0">
+                  <p:tgtEl>
+                    <p:sldTgt/>
+                  </p:tgtEl>
+                </p:cond>
+              </p:nextCondLst>
+            </p:seq>
+          </p:childTnLst>
+        </p:cTn>
+      </p:par>
+    </p:tnLst>
+    <p:bldLst>
+      <p:bldP spid="3" grpId="0"/>
+      <p:bldP spid="5" grpId="0"/>
+    </p:bldLst>
+  </p:timing>
+</p:sld>
+</file>
+
+<file path=ppt/slides/slide42.xml><?xml version="1.0" encoding="utf-8"?>
+<p:sld xmlns:a="http://schemas.openxmlformats.org/drawingml/2006/main" xmlns:r="http://schemas.openxmlformats.org/officeDocument/2006/relationships" xmlns:p="http://schemas.openxmlformats.org/presentationml/2006/main">
+  <p:cSld>
+    <p:spTree>
+      <p:nvGrpSpPr>
+        <p:cNvPr id="1" name=""/>
+        <p:cNvGrpSpPr/>
+        <p:nvPr/>
+      </p:nvGrpSpPr>
+      <p:grpSpPr>
+        <a:xfrm>
+          <a:off x="0" y="0"/>
+          <a:ext cx="0" cy="0"/>
+          <a:chOff x="0" y="0"/>
+          <a:chExt cx="0" cy="0"/>
+        </a:xfrm>
+      </p:grpSpPr>
+      <p:pic>
+        <p:nvPicPr>
+          <p:cNvPr id="2" name="图片 1"/>
+          <p:cNvPicPr>
+            <a:picLocks noChangeAspect="1"/>
+          </p:cNvPicPr>
+          <p:nvPr/>
+        </p:nvPicPr>
+        <p:blipFill>
+          <a:blip r:embed="rId2">
+            <a:extLst>
+              <a:ext uri="{28A0092B-C50C-407E-A947-70E740481C1C}">
+                <a14:useLocalDpi xmlns:a14="http://schemas.microsoft.com/office/drawing/2010/main" val="0"/>
+              </a:ext>
+            </a:extLst>
+          </a:blip>
+          <a:stretch>
+            <a:fillRect/>
+          </a:stretch>
+        </p:blipFill>
+        <p:spPr>
+          <a:xfrm>
+            <a:off x="251520" y="116632"/>
+            <a:ext cx="4920506" cy="5877272"/>
+          </a:xfrm>
+          <a:prstGeom prst="rect">
+            <a:avLst/>
+          </a:prstGeom>
+        </p:spPr>
+      </p:pic>
+      <p:sp>
+        <p:nvSpPr>
+          <p:cNvPr id="3" name="TextBox 2"/>
+          <p:cNvSpPr txBox="1"/>
+          <p:nvPr/>
+        </p:nvSpPr>
+        <p:spPr>
+          <a:xfrm>
+            <a:off x="5580112" y="364014"/>
+            <a:ext cx="3096344" cy="2862322"/>
+          </a:xfrm>
+          <a:prstGeom prst="rect">
+            <a:avLst/>
+          </a:prstGeom>
+          <a:noFill/>
+        </p:spPr>
+        <p:txBody>
+          <a:bodyPr wrap="square" rtlCol="0">
+            <a:spAutoFit/>
+          </a:bodyPr>
+          <a:lstStyle/>
+          <a:p>
+            <a:r>
+              <a:rPr lang="zh-CN" altLang="en-US" dirty="0" smtClean="0"/>
+              <a:t>在</a:t>
+            </a:r>
+            <a:r>
+              <a:rPr lang="en-US" altLang="zh-CN" dirty="0" smtClean="0"/>
+              <a:t>excel</a:t>
+            </a:r>
+            <a:r>
+              <a:rPr lang="zh-CN" altLang="en-US" dirty="0" smtClean="0"/>
+              <a:t>中，有一组示例数据，以及一句说明，在实际使用时，会删除掉示例数据，填写自己的数据。</a:t>
+            </a:r>
+            <a:endParaRPr lang="en-US" altLang="zh-CN" dirty="0" smtClean="0"/>
+          </a:p>
+          <a:p>
+            <a:r>
+              <a:rPr lang="zh-CN" altLang="en-US" dirty="0" smtClean="0"/>
+              <a:t>蓝色线框以内的部分是数据区域，</a:t>
+            </a:r>
+            <a:r>
+              <a:rPr lang="en-US" altLang="zh-CN" dirty="0" smtClean="0"/>
+              <a:t>excel</a:t>
+            </a:r>
+            <a:r>
+              <a:rPr lang="zh-CN" altLang="en-US" dirty="0" smtClean="0"/>
+              <a:t>只使用数据区域的数据生成图表。</a:t>
+            </a:r>
+            <a:endParaRPr lang="en-US" altLang="zh-CN" dirty="0" smtClean="0"/>
+          </a:p>
+          <a:p>
+            <a:r>
+              <a:rPr lang="zh-CN" altLang="en-US" dirty="0" smtClean="0"/>
+              <a:t>可以拖动数据区域的右下角，改变数据区域的大小，以适应不同数量的数据。</a:t>
+            </a:r>
+            <a:endParaRPr lang="zh-CN" altLang="en-US" dirty="0"/>
+          </a:p>
+        </p:txBody>
+      </p:sp>
+      <p:sp>
+        <p:nvSpPr>
+          <p:cNvPr id="4" name="TextBox 3"/>
+          <p:cNvSpPr txBox="1"/>
+          <p:nvPr/>
+        </p:nvSpPr>
+        <p:spPr>
+          <a:xfrm>
+            <a:off x="251520" y="1304848"/>
+            <a:ext cx="2448272" cy="900016"/>
+          </a:xfrm>
+          <a:prstGeom prst="rect">
+            <a:avLst/>
+          </a:prstGeom>
+          <a:noFill/>
+          <a:ln w="22225">
+            <a:solidFill>
+              <a:srgbClr val="FF0000"/>
+            </a:solidFill>
+          </a:ln>
+        </p:spPr>
+        <p:txBody>
+          <a:bodyPr wrap="square" rtlCol="0">
+            <a:spAutoFit/>
+          </a:bodyPr>
+          <a:lstStyle/>
+          <a:p>
+            <a:endParaRPr lang="zh-CN" altLang="en-US" dirty="0"/>
+          </a:p>
+        </p:txBody>
+      </p:sp>
+      <p:sp>
+        <p:nvSpPr>
+          <p:cNvPr id="5" name="TextBox 4"/>
+          <p:cNvSpPr txBox="1"/>
+          <p:nvPr/>
+        </p:nvSpPr>
+        <p:spPr>
+          <a:xfrm>
+            <a:off x="899592" y="2276872"/>
+            <a:ext cx="2520280" cy="269904"/>
+          </a:xfrm>
+          <a:prstGeom prst="rect">
+            <a:avLst/>
+          </a:prstGeom>
+          <a:noFill/>
+          <a:ln w="22225">
+            <a:solidFill>
+              <a:srgbClr val="FF0000"/>
+            </a:solidFill>
+          </a:ln>
+        </p:spPr>
+        <p:txBody>
+          <a:bodyPr wrap="square" rtlCol="0">
+            <a:spAutoFit/>
+          </a:bodyPr>
+          <a:lstStyle/>
+          <a:p>
+            <a:endParaRPr lang="zh-CN" altLang="en-US" dirty="0"/>
+          </a:p>
+        </p:txBody>
+      </p:sp>
+      <p:cxnSp>
+        <p:nvCxnSpPr>
+          <p:cNvPr id="8" name="直接箭头连接符 7"/>
+          <p:cNvCxnSpPr/>
+          <p:nvPr/>
+        </p:nvCxnSpPr>
+        <p:spPr>
+          <a:xfrm flipH="1">
+            <a:off x="2555776" y="1795175"/>
+            <a:ext cx="648072" cy="0"/>
+          </a:xfrm>
+          <a:prstGeom prst="straightConnector1">
+            <a:avLst/>
+          </a:prstGeom>
+          <a:ln w="19050">
+            <a:solidFill>
+              <a:srgbClr val="FF0000"/>
+            </a:solidFill>
+            <a:tailEnd type="arrow"/>
+          </a:ln>
+        </p:spPr>
+        <p:style>
+          <a:lnRef idx="1">
+            <a:schemeClr val="accent1"/>
+          </a:lnRef>
+          <a:fillRef idx="0">
+            <a:schemeClr val="accent1"/>
+          </a:fillRef>
+          <a:effectRef idx="0">
+            <a:schemeClr val="accent1"/>
+          </a:effectRef>
+          <a:fontRef idx="minor">
+            <a:schemeClr val="tx1"/>
+          </a:fontRef>
+        </p:style>
+      </p:cxnSp>
+      <p:pic>
+        <p:nvPicPr>
+          <p:cNvPr id="6" name="图片 5"/>
+          <p:cNvPicPr>
+            <a:picLocks noChangeAspect="1"/>
+          </p:cNvPicPr>
+          <p:nvPr/>
+        </p:nvPicPr>
+        <p:blipFill>
+          <a:blip r:embed="rId3">
+            <a:extLst>
+              <a:ext uri="{28A0092B-C50C-407E-A947-70E740481C1C}">
+                <a14:useLocalDpi xmlns:a14="http://schemas.microsoft.com/office/drawing/2010/main" val="0"/>
+              </a:ext>
+            </a:extLst>
+          </a:blip>
+          <a:stretch>
+            <a:fillRect/>
+          </a:stretch>
+        </p:blipFill>
+        <p:spPr>
+          <a:xfrm>
+            <a:off x="179512" y="116631"/>
+            <a:ext cx="5064522" cy="6049291"/>
+          </a:xfrm>
+          <a:prstGeom prst="rect">
+            <a:avLst/>
+          </a:prstGeom>
+        </p:spPr>
+      </p:pic>
+    </p:spTree>
+    <p:extLst>
+      <p:ext uri="{BB962C8B-B14F-4D97-AF65-F5344CB8AC3E}">
+        <p14:creationId xmlns:p14="http://schemas.microsoft.com/office/powerpoint/2010/main" val="3220621764"/>
+      </p:ext>
+    </p:extLst>
+  </p:cSld>
+  <p:clrMapOvr>
+    <a:masterClrMapping/>
+  </p:clrMapOvr>
+  <p:timing>
+    <p:tnLst>
+      <p:par>
+        <p:cTn id="1" dur="indefinite" restart="never" nodeType="tmRoot">
+          <p:childTnLst>
+            <p:seq concurrent="1" nextAc="seek">
+              <p:cTn id="2" dur="indefinite" nodeType="mainSeq">
+                <p:childTnLst>
+                  <p:par>
+                    <p:cTn id="3" fill="hold">
+                      <p:stCondLst>
+                        <p:cond delay="indefinite"/>
+                      </p:stCondLst>
+                      <p:childTnLst>
+                        <p:par>
+                          <p:cTn id="4" fill="hold">
+                            <p:stCondLst>
+                              <p:cond delay="0"/>
+                            </p:stCondLst>
+                            <p:childTnLst>
+                              <p:par>
+                                <p:cTn id="5" presetID="10" presetClass="entr" presetSubtype="0" fill="hold" grpId="0" nodeType="clickEffect">
+                                  <p:stCondLst>
+                                    <p:cond delay="0"/>
+                                  </p:stCondLst>
+                                  <p:childTnLst>
+                                    <p:set>
+                                      <p:cBhvr>
+                                        <p:cTn id="6" dur="1" fill="hold">
+                                          <p:stCondLst>
+                                            <p:cond delay="0"/>
+                                          </p:stCondLst>
+                                        </p:cTn>
+                                        <p:tgtEl>
+                                          <p:spTgt spid="3">
+                                            <p:txEl>
+                                              <p:pRg st="0" end="0"/>
+                                            </p:txEl>
+                                          </p:spTgt>
+                                        </p:tgtEl>
+                                        <p:attrNameLst>
+                                          <p:attrName>style.visibility</p:attrName>
+                                        </p:attrNameLst>
+                                      </p:cBhvr>
+                                      <p:to>
+                                        <p:strVal val="visible"/>
+                                      </p:to>
+                                    </p:set>
+                                    <p:animEffect transition="in" filter="fade">
+                                      <p:cBhvr>
+                                        <p:cTn id="7" dur="500"/>
+                                        <p:tgtEl>
+                                          <p:spTgt spid="3">
+                                            <p:txEl>
+                                              <p:pRg st="0" end="0"/>
+                                            </p:txEl>
+                                          </p:spTgt>
+                                        </p:tgtEl>
+                                      </p:cBhvr>
+                                    </p:animEffect>
+                                  </p:childTnLst>
+                                </p:cTn>
+                              </p:par>
+                            </p:childTnLst>
+                          </p:cTn>
+                        </p:par>
+                      </p:childTnLst>
+                    </p:cTn>
+                  </p:par>
+                  <p:par>
+                    <p:cTn id="8" fill="hold">
+                      <p:stCondLst>
+                        <p:cond delay="indefinite"/>
+                      </p:stCondLst>
+                      <p:childTnLst>
+                        <p:par>
+                          <p:cTn id="9" fill="hold">
+                            <p:stCondLst>
+                              <p:cond delay="0"/>
+                            </p:stCondLst>
+                            <p:childTnLst>
+                              <p:par>
+                                <p:cTn id="10" presetID="10" presetClass="entr" presetSubtype="0" fill="hold" grpId="0" nodeType="clickEffect">
+                                  <p:stCondLst>
+                                    <p:cond delay="0"/>
+                                  </p:stCondLst>
+                                  <p:childTnLst>
+                                    <p:set>
+                                      <p:cBhvr>
+                                        <p:cTn id="11" dur="1" fill="hold">
+                                          <p:stCondLst>
+                                            <p:cond delay="0"/>
+                                          </p:stCondLst>
+                                        </p:cTn>
+                                        <p:tgtEl>
+                                          <p:spTgt spid="4"/>
+                                        </p:tgtEl>
+                                        <p:attrNameLst>
+                                          <p:attrName>style.visibility</p:attrName>
+                                        </p:attrNameLst>
+                                      </p:cBhvr>
+                                      <p:to>
+                                        <p:strVal val="visible"/>
+                                      </p:to>
+                                    </p:set>
+                                    <p:animEffect transition="in" filter="fade">
+                                      <p:cBhvr>
+                                        <p:cTn id="12" dur="500"/>
+                                        <p:tgtEl>
+                                          <p:spTgt spid="4"/>
+                                        </p:tgtEl>
+                                      </p:cBhvr>
+                                    </p:animEffect>
+                                  </p:childTnLst>
+                                </p:cTn>
+                              </p:par>
+                            </p:childTnLst>
+                          </p:cTn>
+                        </p:par>
+                      </p:childTnLst>
+                    </p:cTn>
+                  </p:par>
+                  <p:par>
+                    <p:cTn id="13" fill="hold">
+                      <p:stCondLst>
+                        <p:cond delay="indefinite"/>
+                      </p:stCondLst>
+                      <p:childTnLst>
+                        <p:par>
+                          <p:cTn id="14" fill="hold">
+                            <p:stCondLst>
+                              <p:cond delay="0"/>
+                            </p:stCondLst>
+                            <p:childTnLst>
+                              <p:par>
+                                <p:cTn id="15" presetID="10" presetClass="entr" presetSubtype="0" fill="hold" grpId="0" nodeType="clickEffect">
+                                  <p:stCondLst>
+                                    <p:cond delay="0"/>
+                                  </p:stCondLst>
+                                  <p:childTnLst>
+                                    <p:set>
+                                      <p:cBhvr>
+                                        <p:cTn id="16" dur="1" fill="hold">
+                                          <p:stCondLst>
+                                            <p:cond delay="0"/>
+                                          </p:stCondLst>
+                                        </p:cTn>
+                                        <p:tgtEl>
+                                          <p:spTgt spid="5"/>
+                                        </p:tgtEl>
+                                        <p:attrNameLst>
+                                          <p:attrName>style.visibility</p:attrName>
+                                        </p:attrNameLst>
+                                      </p:cBhvr>
+                                      <p:to>
+                                        <p:strVal val="visible"/>
+                                      </p:to>
+                                    </p:set>
+                                    <p:animEffect transition="in" filter="fade">
+                                      <p:cBhvr>
+                                        <p:cTn id="17" dur="500"/>
+                                        <p:tgtEl>
+                                          <p:spTgt spid="5"/>
+                                        </p:tgtEl>
+                                      </p:cBhvr>
+                                    </p:animEffect>
+                                  </p:childTnLst>
+                                </p:cTn>
+                              </p:par>
+                            </p:childTnLst>
+                          </p:cTn>
+                        </p:par>
+                      </p:childTnLst>
+                    </p:cTn>
+                  </p:par>
+                  <p:par>
+                    <p:cTn id="18" fill="hold">
+                      <p:stCondLst>
+                        <p:cond delay="indefinite"/>
+                      </p:stCondLst>
+                      <p:childTnLst>
+                        <p:par>
+                          <p:cTn id="19" fill="hold">
+                            <p:stCondLst>
+                              <p:cond delay="0"/>
+                            </p:stCondLst>
+                            <p:childTnLst>
+                              <p:par>
+                                <p:cTn id="20" presetID="10" presetClass="entr" presetSubtype="0" fill="hold" grpId="0" nodeType="clickEffect">
+                                  <p:stCondLst>
+                                    <p:cond delay="0"/>
+                                  </p:stCondLst>
+                                  <p:childTnLst>
+                                    <p:set>
+                                      <p:cBhvr>
+                                        <p:cTn id="21" dur="1" fill="hold">
+                                          <p:stCondLst>
+                                            <p:cond delay="0"/>
+                                          </p:stCondLst>
+                                        </p:cTn>
+                                        <p:tgtEl>
+                                          <p:spTgt spid="3">
+                                            <p:txEl>
+                                              <p:pRg st="1" end="1"/>
+                                            </p:txEl>
+                                          </p:spTgt>
+                                        </p:tgtEl>
+                                        <p:attrNameLst>
+                                          <p:attrName>style.visibility</p:attrName>
+                                        </p:attrNameLst>
+                                      </p:cBhvr>
+                                      <p:to>
+                                        <p:strVal val="visible"/>
+                                      </p:to>
+                                    </p:set>
+                                    <p:animEffect transition="in" filter="fade">
+                                      <p:cBhvr>
+                                        <p:cTn id="22" dur="500"/>
+                                        <p:tgtEl>
+                                          <p:spTgt spid="3">
+                                            <p:txEl>
+                                              <p:pRg st="1" end="1"/>
+                                            </p:txEl>
+                                          </p:spTgt>
+                                        </p:tgtEl>
+                                      </p:cBhvr>
+                                    </p:animEffect>
+                                  </p:childTnLst>
+                                </p:cTn>
+                              </p:par>
+                            </p:childTnLst>
+                          </p:cTn>
+                        </p:par>
+                      </p:childTnLst>
+                    </p:cTn>
+                  </p:par>
+                  <p:par>
+                    <p:cTn id="23" fill="hold">
+                      <p:stCondLst>
+                        <p:cond delay="indefinite"/>
+                      </p:stCondLst>
+                      <p:childTnLst>
+                        <p:par>
+                          <p:cTn id="24" fill="hold">
+                            <p:stCondLst>
+                              <p:cond delay="0"/>
+                            </p:stCondLst>
+                            <p:childTnLst>
+                              <p:par>
+                                <p:cTn id="25" presetID="10" presetClass="entr" presetSubtype="0" fill="hold" nodeType="clickEffect">
+                                  <p:stCondLst>
+                                    <p:cond delay="0"/>
+                                  </p:stCondLst>
+                                  <p:childTnLst>
+                                    <p:set>
+                                      <p:cBhvr>
+                                        <p:cTn id="26" dur="1" fill="hold">
+                                          <p:stCondLst>
+                                            <p:cond delay="0"/>
+                                          </p:stCondLst>
+                                        </p:cTn>
+                                        <p:tgtEl>
+                                          <p:spTgt spid="8"/>
+                                        </p:tgtEl>
+                                        <p:attrNameLst>
+                                          <p:attrName>style.visibility</p:attrName>
+                                        </p:attrNameLst>
+                                      </p:cBhvr>
+                                      <p:to>
+                                        <p:strVal val="visible"/>
+                                      </p:to>
+                                    </p:set>
+                                    <p:animEffect transition="in" filter="fade">
+                                      <p:cBhvr>
+                                        <p:cTn id="27" dur="500"/>
+                                        <p:tgtEl>
+                                          <p:spTgt spid="8"/>
+                                        </p:tgtEl>
+                                      </p:cBhvr>
+                                    </p:animEffect>
+                                  </p:childTnLst>
+                                </p:cTn>
+                              </p:par>
+                            </p:childTnLst>
+                          </p:cTn>
+                        </p:par>
+                      </p:childTnLst>
+                    </p:cTn>
+                  </p:par>
+                  <p:par>
+                    <p:cTn id="28" fill="hold">
+                      <p:stCondLst>
+                        <p:cond delay="indefinite"/>
+                      </p:stCondLst>
+                      <p:childTnLst>
+                        <p:par>
+                          <p:cTn id="29" fill="hold">
+                            <p:stCondLst>
+                              <p:cond delay="0"/>
+                            </p:stCondLst>
+                            <p:childTnLst>
+                              <p:par>
+                                <p:cTn id="30" presetID="10" presetClass="entr" presetSubtype="0" fill="hold" grpId="0" nodeType="clickEffect">
+                                  <p:stCondLst>
+                                    <p:cond delay="0"/>
+                                  </p:stCondLst>
+                                  <p:childTnLst>
+                                    <p:set>
+                                      <p:cBhvr>
+                                        <p:cTn id="31" dur="1" fill="hold">
+                                          <p:stCondLst>
+                                            <p:cond delay="0"/>
+                                          </p:stCondLst>
+                                        </p:cTn>
+                                        <p:tgtEl>
+                                          <p:spTgt spid="3">
+                                            <p:txEl>
+                                              <p:pRg st="2" end="2"/>
+                                            </p:txEl>
+                                          </p:spTgt>
+                                        </p:tgtEl>
+                                        <p:attrNameLst>
+                                          <p:attrName>style.visibility</p:attrName>
+                                        </p:attrNameLst>
+                                      </p:cBhvr>
+                                      <p:to>
+                                        <p:strVal val="visible"/>
+                                      </p:to>
+                                    </p:set>
+                                    <p:animEffect transition="in" filter="fade">
+                                      <p:cBhvr>
+                                        <p:cTn id="32" dur="500"/>
+                                        <p:tgtEl>
+                                          <p:spTgt spid="3">
+                                            <p:txEl>
+                                              <p:pRg st="2" end="2"/>
+                                            </p:txEl>
+                                          </p:spTgt>
+                                        </p:tgtEl>
+                                      </p:cBhvr>
+                                    </p:animEffect>
+                                  </p:childTnLst>
+                                </p:cTn>
+                              </p:par>
+                            </p:childTnLst>
+                          </p:cTn>
+                        </p:par>
+                      </p:childTnLst>
+                    </p:cTn>
+                  </p:par>
+                  <p:par>
+                    <p:cTn id="33" fill="hold">
+                      <p:stCondLst>
+                        <p:cond delay="indefinite"/>
+                      </p:stCondLst>
+                      <p:childTnLst>
+                        <p:par>
+                          <p:cTn id="34" fill="hold">
+                            <p:stCondLst>
+                              <p:cond delay="0"/>
+                            </p:stCondLst>
+                            <p:childTnLst>
+                              <p:par>
+                                <p:cTn id="35" presetID="10" presetClass="entr" presetSubtype="0" fill="hold" nodeType="clickEffect">
+                                  <p:stCondLst>
+                                    <p:cond delay="0"/>
+                                  </p:stCondLst>
+                                  <p:childTnLst>
+                                    <p:set>
+                                      <p:cBhvr>
+                                        <p:cTn id="36" dur="1" fill="hold">
+                                          <p:stCondLst>
+                                            <p:cond delay="0"/>
+                                          </p:stCondLst>
+                                        </p:cTn>
+                                        <p:tgtEl>
+                                          <p:spTgt spid="6"/>
+                                        </p:tgtEl>
+                                        <p:attrNameLst>
+                                          <p:attrName>style.visibility</p:attrName>
+                                        </p:attrNameLst>
+                                      </p:cBhvr>
+                                      <p:to>
+                                        <p:strVal val="visible"/>
+                                      </p:to>
+                                    </p:set>
+                                    <p:animEffect transition="in" filter="fade">
+                                      <p:cBhvr>
+                                        <p:cTn id="37" dur="500"/>
+                                        <p:tgtEl>
+                                          <p:spTgt spid="6"/>
+                                        </p:tgtEl>
+                                      </p:cBhvr>
+                                    </p:animEffect>
+                                  </p:childTnLst>
+                                </p:cTn>
+                              </p:par>
+                            </p:childTnLst>
+                          </p:cTn>
+                        </p:par>
+                      </p:childTnLst>
+                    </p:cTn>
+                  </p:par>
+                </p:childTnLst>
+              </p:cTn>
+              <p:prevCondLst>
+                <p:cond evt="onPrev" delay="0">
+                  <p:tgtEl>
+                    <p:sldTgt/>
+                  </p:tgtEl>
+                </p:cond>
+              </p:prevCondLst>
+              <p:nextCondLst>
+                <p:cond evt="onNext" delay="0">
+                  <p:tgtEl>
+                    <p:sldTgt/>
+                  </p:tgtEl>
+                </p:cond>
+              </p:nextCondLst>
+            </p:seq>
+          </p:childTnLst>
+        </p:cTn>
+      </p:par>
+    </p:tnLst>
+    <p:bldLst>
+      <p:bldP spid="3" grpId="0" uiExpand="1" build="p"/>
+      <p:bldP spid="4" grpId="0" animBg="1"/>
+      <p:bldP spid="5" grpId="0" animBg="1"/>
+    </p:bldLst>
+  </p:timing>
+</p:sld>
+</file>
+
+<file path=ppt/slides/slide43.xml><?xml version="1.0" encoding="utf-8"?>
+<p:sld xmlns:a="http://schemas.openxmlformats.org/drawingml/2006/main" xmlns:r="http://schemas.openxmlformats.org/officeDocument/2006/relationships" xmlns:p="http://schemas.openxmlformats.org/presentationml/2006/main">
+  <p:cSld>
+    <p:spTree>
+      <p:nvGrpSpPr>
+        <p:cNvPr id="1" name=""/>
+        <p:cNvGrpSpPr/>
+        <p:nvPr/>
+      </p:nvGrpSpPr>
+      <p:grpSpPr>
+        <a:xfrm>
+          <a:off x="0" y="0"/>
+          <a:ext cx="0" cy="0"/>
+          <a:chOff x="0" y="0"/>
+          <a:chExt cx="0" cy="0"/>
+        </a:xfrm>
+      </p:grpSpPr>
+      <p:pic>
+        <p:nvPicPr>
+          <p:cNvPr id="2" name="图片 1"/>
+          <p:cNvPicPr>
+            <a:picLocks noChangeAspect="1"/>
+          </p:cNvPicPr>
+          <p:nvPr/>
+        </p:nvPicPr>
+        <p:blipFill>
+          <a:blip r:embed="rId2">
+            <a:extLst>
+              <a:ext uri="{28A0092B-C50C-407E-A947-70E740481C1C}">
+                <a14:useLocalDpi xmlns:a14="http://schemas.microsoft.com/office/drawing/2010/main" val="0"/>
+              </a:ext>
+            </a:extLst>
+          </a:blip>
+          <a:stretch>
+            <a:fillRect/>
+          </a:stretch>
+        </p:blipFill>
+        <p:spPr>
+          <a:xfrm>
+            <a:off x="1258367" y="1556792"/>
+            <a:ext cx="6627267" cy="4964366"/>
+          </a:xfrm>
+          <a:prstGeom prst="rect">
+            <a:avLst/>
+          </a:prstGeom>
+        </p:spPr>
+      </p:pic>
+      <p:sp>
+        <p:nvSpPr>
+          <p:cNvPr id="3" name="TextBox 2"/>
+          <p:cNvSpPr txBox="1"/>
+          <p:nvPr/>
+        </p:nvSpPr>
+        <p:spPr>
+          <a:xfrm>
+            <a:off x="1836961" y="548680"/>
+            <a:ext cx="5903391" cy="646331"/>
+          </a:xfrm>
+          <a:prstGeom prst="rect">
+            <a:avLst/>
+          </a:prstGeom>
+          <a:noFill/>
+        </p:spPr>
+        <p:txBody>
+          <a:bodyPr wrap="square" rtlCol="0">
+            <a:spAutoFit/>
+          </a:bodyPr>
+          <a:lstStyle/>
+          <a:p>
+            <a:r>
+              <a:rPr lang="zh-CN" altLang="en-US" dirty="0" smtClean="0"/>
+              <a:t>输入完数据，点击</a:t>
+            </a:r>
+            <a:r>
+              <a:rPr lang="en-US" altLang="zh-CN" dirty="0" smtClean="0"/>
+              <a:t>excel</a:t>
+            </a:r>
+            <a:r>
+              <a:rPr lang="zh-CN" altLang="en-US" dirty="0" smtClean="0"/>
+              <a:t>右上角的</a:t>
+            </a:r>
+            <a:r>
+              <a:rPr lang="en-US" altLang="zh-CN" dirty="0" smtClean="0"/>
+              <a:t>×</a:t>
+            </a:r>
+            <a:r>
+              <a:rPr lang="zh-CN" altLang="en-US" dirty="0" smtClean="0"/>
+              <a:t>关闭</a:t>
+            </a:r>
+            <a:r>
+              <a:rPr lang="en-US" altLang="zh-CN" dirty="0" smtClean="0"/>
+              <a:t>excel</a:t>
+            </a:r>
+            <a:r>
+              <a:rPr lang="zh-CN" altLang="en-US" dirty="0" smtClean="0"/>
+              <a:t>后，会生成图表</a:t>
+            </a:r>
+            <a:endParaRPr lang="zh-CN" altLang="en-US" dirty="0"/>
+          </a:p>
+        </p:txBody>
+      </p:sp>
+    </p:spTree>
+    <p:extLst>
+      <p:ext uri="{BB962C8B-B14F-4D97-AF65-F5344CB8AC3E}">
+        <p14:creationId xmlns:p14="http://schemas.microsoft.com/office/powerpoint/2010/main" val="3837421169"/>
+      </p:ext>
+    </p:extLst>
+  </p:cSld>
+  <p:clrMapOvr>
+    <a:masterClrMapping/>
+  </p:clrMapOvr>
+  <p:timing>
+    <p:tnLst>
+      <p:par>
+        <p:cTn id="1" dur="indefinite" restart="never" nodeType="tmRoot">
+          <p:childTnLst>
+            <p:seq concurrent="1" nextAc="seek">
+              <p:cTn id="2" dur="indefinite" nodeType="mainSeq">
+                <p:childTnLst>
+                  <p:par>
+                    <p:cTn id="3" fill="hold">
+                      <p:stCondLst>
+                        <p:cond delay="indefinite"/>
+                      </p:stCondLst>
+                      <p:childTnLst>
+                        <p:par>
+                          <p:cTn id="4" fill="hold">
+                            <p:stCondLst>
+                              <p:cond delay="0"/>
+                            </p:stCondLst>
+                            <p:childTnLst>
+                              <p:par>
+                                <p:cTn id="5" presetID="10" presetClass="entr" presetSubtype="0" fill="hold" grpId="0" nodeType="clickEffect">
+                                  <p:stCondLst>
+                                    <p:cond delay="0"/>
+                                  </p:stCondLst>
+                                  <p:childTnLst>
+                                    <p:set>
+                                      <p:cBhvr>
+                                        <p:cTn id="6" dur="1" fill="hold">
+                                          <p:stCondLst>
+                                            <p:cond delay="0"/>
+                                          </p:stCondLst>
+                                        </p:cTn>
+                                        <p:tgtEl>
+                                          <p:spTgt spid="3"/>
+                                        </p:tgtEl>
+                                        <p:attrNameLst>
+                                          <p:attrName>style.visibility</p:attrName>
+                                        </p:attrNameLst>
+                                      </p:cBhvr>
+                                      <p:to>
+                                        <p:strVal val="visible"/>
+                                      </p:to>
+                                    </p:set>
+                                    <p:animEffect transition="in" filter="fade">
+                                      <p:cBhvr>
+                                        <p:cTn id="7" dur="500"/>
+                                        <p:tgtEl>
+                                          <p:spTgt spid="3"/>
+                                        </p:tgtEl>
+                                      </p:cBhvr>
+                                    </p:animEffect>
+                                  </p:childTnLst>
+                                </p:cTn>
+                              </p:par>
+                            </p:childTnLst>
+                          </p:cTn>
+                        </p:par>
+                      </p:childTnLst>
+                    </p:cTn>
+                  </p:par>
+                  <p:par>
+                    <p:cTn id="8" fill="hold">
+                      <p:stCondLst>
+                        <p:cond delay="indefinite"/>
+                      </p:stCondLst>
+                      <p:childTnLst>
+                        <p:par>
+                          <p:cTn id="9" fill="hold">
+                            <p:stCondLst>
+                              <p:cond delay="0"/>
+                            </p:stCondLst>
+                            <p:childTnLst>
+                              <p:par>
+                                <p:cTn id="10" presetID="10" presetClass="entr" presetSubtype="0" fill="hold" nodeType="clickEffect">
+                                  <p:stCondLst>
+                                    <p:cond delay="0"/>
+                                  </p:stCondLst>
+                                  <p:childTnLst>
+                                    <p:set>
+                                      <p:cBhvr>
+                                        <p:cTn id="11" dur="1" fill="hold">
+                                          <p:stCondLst>
+                                            <p:cond delay="0"/>
+                                          </p:stCondLst>
+                                        </p:cTn>
+                                        <p:tgtEl>
+                                          <p:spTgt spid="2"/>
+                                        </p:tgtEl>
+                                        <p:attrNameLst>
+                                          <p:attrName>style.visibility</p:attrName>
+                                        </p:attrNameLst>
+                                      </p:cBhvr>
+                                      <p:to>
+                                        <p:strVal val="visible"/>
+                                      </p:to>
+                                    </p:set>
+                                    <p:animEffect transition="in" filter="fade">
+                                      <p:cBhvr>
+                                        <p:cTn id="12" dur="500"/>
+                                        <p:tgtEl>
+                                          <p:spTgt spid="2"/>
+                                        </p:tgtEl>
+                                      </p:cBhvr>
+                                    </p:animEffect>
+                                  </p:childTnLst>
+                                </p:cTn>
+                              </p:par>
+                            </p:childTnLst>
+                          </p:cTn>
+                        </p:par>
+                      </p:childTnLst>
+                    </p:cTn>
+                  </p:par>
+                </p:childTnLst>
+              </p:cTn>
+              <p:prevCondLst>
+                <p:cond evt="onPrev" delay="0">
+                  <p:tgtEl>
+                    <p:sldTgt/>
+                  </p:tgtEl>
+                </p:cond>
+              </p:prevCondLst>
+              <p:nextCondLst>
+                <p:cond evt="onNext" delay="0">
+                  <p:tgtEl>
+                    <p:sldTgt/>
+                  </p:tgtEl>
+                </p:cond>
+              </p:nextCondLst>
+            </p:seq>
+          </p:childTnLst>
+        </p:cTn>
+      </p:par>
+    </p:tnLst>
+    <p:bldLst>
+      <p:bldP spid="3" grpId="0"/>
+    </p:bldLst>
+  </p:timing>
+</p:sld>
+</file>
+
+<file path=ppt/slides/slide44.xml><?xml version="1.0" encoding="utf-8"?>
+<p:sld xmlns:a="http://schemas.openxmlformats.org/drawingml/2006/main" xmlns:r="http://schemas.openxmlformats.org/officeDocument/2006/relationships" xmlns:p="http://schemas.openxmlformats.org/presentationml/2006/main">
+  <p:cSld>
+    <p:spTree>
+      <p:nvGrpSpPr>
+        <p:cNvPr id="1" name=""/>
+        <p:cNvGrpSpPr/>
+        <p:nvPr/>
+      </p:nvGrpSpPr>
+      <p:grpSpPr>
+        <a:xfrm>
+          <a:off x="0" y="0"/>
+          <a:ext cx="0" cy="0"/>
+          <a:chOff x="0" y="0"/>
+          <a:chExt cx="0" cy="0"/>
+        </a:xfrm>
+      </p:grpSpPr>
+      <p:sp>
+        <p:nvSpPr>
+          <p:cNvPr id="2" name="标题 1"/>
+          <p:cNvSpPr>
+            <a:spLocks noGrp="1"/>
+          </p:cNvSpPr>
+          <p:nvPr>
+            <p:ph type="title"/>
+          </p:nvPr>
+        </p:nvSpPr>
+        <p:spPr/>
+        <p:txBody>
+          <a:bodyPr/>
+          <a:lstStyle/>
+          <a:p>
+            <a:r>
+              <a:rPr lang="zh-CN" altLang="en-US" dirty="0" smtClean="0"/>
+              <a:t>图表设置</a:t>
+            </a:r>
+            <a:endParaRPr lang="zh-CN" altLang="en-US" dirty="0"/>
+          </a:p>
+        </p:txBody>
+      </p:sp>
+      <p:sp>
+        <p:nvSpPr>
+          <p:cNvPr id="3" name="内容占位符 2"/>
+          <p:cNvSpPr>
+            <a:spLocks noGrp="1"/>
+          </p:cNvSpPr>
+          <p:nvPr>
+            <p:ph idx="1"/>
+          </p:nvPr>
+        </p:nvSpPr>
+        <p:spPr/>
+        <p:txBody>
+          <a:bodyPr/>
+          <a:lstStyle/>
+          <a:p>
+            <a:r>
+              <a:rPr lang="en-US" altLang="zh-CN" dirty="0" smtClean="0"/>
+              <a:t>PPT</a:t>
+            </a:r>
+            <a:r>
+              <a:rPr lang="zh-CN" altLang="en-US" dirty="0" smtClean="0"/>
+              <a:t>中关于图表的设置与</a:t>
+            </a:r>
+            <a:r>
+              <a:rPr lang="en-US" altLang="zh-CN" dirty="0" smtClean="0"/>
+              <a:t>Excel</a:t>
+            </a:r>
+            <a:r>
+              <a:rPr lang="zh-CN" altLang="en-US" dirty="0" smtClean="0"/>
+              <a:t>中的相同。</a:t>
+            </a:r>
+            <a:endParaRPr lang="zh-CN" altLang="en-US" dirty="0"/>
+          </a:p>
+        </p:txBody>
+      </p:sp>
+    </p:spTree>
+    <p:extLst>
+      <p:ext uri="{BB962C8B-B14F-4D97-AF65-F5344CB8AC3E}">
+        <p14:creationId xmlns:p14="http://schemas.microsoft.com/office/powerpoint/2010/main" val="3490208896"/>
+      </p:ext>
+    </p:extLst>
+  </p:cSld>
+  <p:clrMapOvr>
+    <a:masterClrMapping/>
+  </p:clrMapOvr>
+  <p:timing>
+    <p:tnLst>
+      <p:par>
+        <p:cTn id="1" dur="indefinite" restart="never" nodeType="tmRoot"/>
+      </p:par>
+    </p:tnLst>
+  </p:timing>
+</p:sld>
+</file>
+
+<file path=ppt/slides/slide45.xml><?xml version="1.0" encoding="utf-8"?>
+<p:sld xmlns:a="http://schemas.openxmlformats.org/drawingml/2006/main" xmlns:r="http://schemas.openxmlformats.org/officeDocument/2006/relationships" xmlns:p="http://schemas.openxmlformats.org/presentationml/2006/main">
+  <p:cSld>
+    <p:spTree>
+      <p:nvGrpSpPr>
+        <p:cNvPr id="1" name=""/>
+        <p:cNvGrpSpPr/>
+        <p:nvPr/>
+      </p:nvGrpSpPr>
+      <p:grpSpPr>
+        <a:xfrm>
+          <a:off x="0" y="0"/>
+          <a:ext cx="0" cy="0"/>
+          <a:chOff x="0" y="0"/>
+          <a:chExt cx="0" cy="0"/>
+        </a:xfrm>
+      </p:grpSpPr>
+      <p:sp>
+        <p:nvSpPr>
+          <p:cNvPr id="2" name="标题 1"/>
+          <p:cNvSpPr>
+            <a:spLocks noGrp="1"/>
+          </p:cNvSpPr>
+          <p:nvPr>
+            <p:ph type="title"/>
+          </p:nvPr>
+        </p:nvSpPr>
+        <p:spPr>
+          <a:xfrm>
+            <a:off x="457200" y="188640"/>
+            <a:ext cx="8229600" cy="1143000"/>
+          </a:xfrm>
+        </p:spPr>
+        <p:txBody>
+          <a:bodyPr/>
+          <a:lstStyle/>
+          <a:p>
+            <a:r>
+              <a:rPr lang="zh-CN" altLang="en-US" dirty="0" smtClean="0"/>
+              <a:t>音频</a:t>
+            </a:r>
+            <a:endParaRPr lang="zh-CN" altLang="en-US" dirty="0"/>
+          </a:p>
+        </p:txBody>
+      </p:sp>
+      <p:pic>
+        <p:nvPicPr>
+          <p:cNvPr id="4" name="内容占位符 3"/>
+          <p:cNvPicPr>
+            <a:picLocks noGrp="1" noChangeAspect="1"/>
+          </p:cNvPicPr>
+          <p:nvPr>
+            <p:ph idx="1"/>
+          </p:nvPr>
+        </p:nvPicPr>
+        <p:blipFill>
+          <a:blip r:embed="rId2">
+            <a:extLst>
+              <a:ext uri="{28A0092B-C50C-407E-A947-70E740481C1C}">
+                <a14:useLocalDpi xmlns:a14="http://schemas.microsoft.com/office/drawing/2010/main" val="0"/>
+              </a:ext>
+            </a:extLst>
+          </a:blip>
+          <a:stretch>
+            <a:fillRect/>
+          </a:stretch>
+        </p:blipFill>
+        <p:spPr>
+          <a:xfrm>
+            <a:off x="467544" y="1628800"/>
+            <a:ext cx="8229600" cy="1621781"/>
+          </a:xfrm>
+        </p:spPr>
+      </p:pic>
+    </p:spTree>
+    <p:extLst>
+      <p:ext uri="{BB962C8B-B14F-4D97-AF65-F5344CB8AC3E}">
+        <p14:creationId xmlns:p14="http://schemas.microsoft.com/office/powerpoint/2010/main" val="3800687012"/>
+      </p:ext>
+    </p:extLst>
+  </p:cSld>
+  <p:clrMapOvr>
+    <a:masterClrMapping/>
+  </p:clrMapOvr>
+  <p:timing>
+    <p:tnLst>
+      <p:par>
+        <p:cTn id="1" dur="indefinite" restart="never" nodeType="tmRoot"/>
+      </p:par>
+    </p:tnLst>
   </p:timing>
 </p:sld>
 </file>
